--- a/學以致用_tarmap判讀與預警.pptx
+++ b/學以致用_tarmap判讀與預警.pptx
@@ -20,17 +20,17 @@
     <p:sldId id="1070" r:id="rId8"/>
     <p:sldId id="1072" r:id="rId9"/>
     <p:sldId id="1061" r:id="rId10"/>
-    <p:sldId id="1076" r:id="rId11"/>
-    <p:sldId id="1062" r:id="rId12"/>
-    <p:sldId id="1063" r:id="rId13"/>
-    <p:sldId id="1064" r:id="rId14"/>
-    <p:sldId id="1065" r:id="rId15"/>
-    <p:sldId id="1066" r:id="rId16"/>
-    <p:sldId id="1071" r:id="rId17"/>
-    <p:sldId id="1068" r:id="rId18"/>
-    <p:sldId id="1069" r:id="rId19"/>
-    <p:sldId id="1050" r:id="rId20"/>
-    <p:sldId id="1013" r:id="rId21"/>
+    <p:sldId id="1079" r:id="rId11"/>
+    <p:sldId id="1064" r:id="rId12"/>
+    <p:sldId id="1080" r:id="rId13"/>
+    <p:sldId id="1066" r:id="rId14"/>
+    <p:sldId id="1071" r:id="rId15"/>
+    <p:sldId id="1068" r:id="rId16"/>
+    <p:sldId id="1050" r:id="rId17"/>
+    <p:sldId id="1013" r:id="rId18"/>
+    <p:sldId id="1077" r:id="rId19"/>
+    <p:sldId id="1078" r:id="rId20"/>
+    <p:sldId id="1076" r:id="rId21"/>
   </p:sldIdLst>
   <p:sldSz cx="9144000" cy="5143500" type="screen16x9"/>
   <p:notesSz cx="7099300" cy="10234613"/>
@@ -301,7 +301,7 @@
               <a:pPr>
                 <a:defRPr/>
               </a:pPr>
-              <a:t>2020/8/5</a:t>
+              <a:t>2020/8/6</a:t>
             </a:fld>
             <a:endParaRPr lang="zh-TW" altLang="en-US"/>
           </a:p>
@@ -519,7 +519,7 @@
               <a:pPr>
                 <a:defRPr/>
               </a:pPr>
-              <a:t>2020/8/5</a:t>
+              <a:t>2020/8/6</a:t>
             </a:fld>
             <a:endParaRPr lang="zh-TW" altLang="en-US"/>
           </a:p>
@@ -1016,7 +1016,7 @@
               <a:pPr>
                 <a:defRPr/>
               </a:pPr>
-              <a:t>20</a:t>
+              <a:t>17</a:t>
             </a:fld>
             <a:endParaRPr lang="zh-TW" altLang="en-US"/>
           </a:p>
@@ -3047,7 +3047,7 @@
             <a:fld id="{6C75B040-459B-48F7-B35A-FC131373E12B}" type="datetimeFigureOut">
               <a:rPr lang="zh-TW" altLang="en-US" smtClean="0"/>
               <a:pPr/>
-              <a:t>2020/8/5</a:t>
+              <a:t>2020/8/6</a:t>
             </a:fld>
             <a:endParaRPr lang="zh-TW" altLang="en-US"/>
           </a:p>
@@ -3784,7 +3784,7 @@
             <a:fld id="{A380FD75-497A-4179-8A57-B6792BED6E00}" type="datetimeFigureOut">
               <a:rPr lang="zh-TW" altLang="en-US" smtClean="0"/>
               <a:pPr/>
-              <a:t>2020/8/5</a:t>
+              <a:t>2020/8/6</a:t>
             </a:fld>
             <a:endParaRPr lang="zh-TW" altLang="en-US"/>
           </a:p>
@@ -4001,7 +4001,7 @@
             <a:fld id="{6C75B040-459B-48F7-B35A-FC131373E12B}" type="datetimeFigureOut">
               <a:rPr lang="zh-TW" altLang="en-US" smtClean="0"/>
               <a:pPr/>
-              <a:t>2020/8/5</a:t>
+              <a:t>2020/8/6</a:t>
             </a:fld>
             <a:endParaRPr lang="zh-TW" altLang="en-US"/>
           </a:p>
@@ -4824,32 +4824,601 @@
       </p:sp>
       <p:pic>
         <p:nvPicPr>
-          <p:cNvPr id="31" name="圖片 30"/>
+          <p:cNvPr id="4" name="Picture 6"/>
+          <p:cNvPicPr>
+            <a:picLocks noChangeAspect="1" noChangeArrowheads="1"/>
+          </p:cNvPicPr>
+          <p:nvPr/>
+        </p:nvPicPr>
+        <p:blipFill>
+          <a:blip r:embed="rId2" cstate="print">
+            <a:extLst>
+              <a:ext uri="{28A0092B-C50C-407E-A947-70E740481C1C}">
+                <a14:useLocalDpi xmlns:a14="http://schemas.microsoft.com/office/drawing/2010/main" val="0"/>
+              </a:ext>
+            </a:extLst>
+          </a:blip>
+          <a:srcRect/>
+          <a:stretch>
+            <a:fillRect/>
+          </a:stretch>
+        </p:blipFill>
+        <p:spPr bwMode="auto">
+          <a:xfrm>
+            <a:off x="288925" y="3651250"/>
+            <a:ext cx="1000125" cy="1277938"/>
+          </a:xfrm>
+          <a:prstGeom prst="rect">
+            <a:avLst/>
+          </a:prstGeom>
+          <a:noFill/>
+          <a:ln>
+            <a:noFill/>
+          </a:ln>
+          <a:extLst>
+            <a:ext uri="{909E8E84-426E-40DD-AFC4-6F175D3DCCD1}">
+              <a14:hiddenFill xmlns:a14="http://schemas.microsoft.com/office/drawing/2010/main">
+                <a:solidFill>
+                  <a:srgbClr val="FFFFFF"/>
+                </a:solidFill>
+              </a14:hiddenFill>
+            </a:ext>
+            <a:ext uri="{91240B29-F687-4F45-9708-019B960494DF}">
+              <a14:hiddenLine xmlns:a14="http://schemas.microsoft.com/office/drawing/2010/main" w="9525">
+                <a:solidFill>
+                  <a:srgbClr val="000000"/>
+                </a:solidFill>
+                <a:miter lim="800000"/>
+                <a:headEnd/>
+                <a:tailEnd/>
+              </a14:hiddenLine>
+            </a:ext>
+          </a:extLst>
+        </p:spPr>
+      </p:pic>
+      <p:pic>
+        <p:nvPicPr>
+          <p:cNvPr id="5" name="Picture 4"/>
+          <p:cNvPicPr>
+            <a:picLocks noChangeAspect="1" noChangeArrowheads="1"/>
+          </p:cNvPicPr>
+          <p:nvPr/>
+        </p:nvPicPr>
+        <p:blipFill>
+          <a:blip r:embed="rId3" cstate="print">
+            <a:extLst>
+              <a:ext uri="{28A0092B-C50C-407E-A947-70E740481C1C}">
+                <a14:useLocalDpi xmlns:a14="http://schemas.microsoft.com/office/drawing/2010/main" val="0"/>
+              </a:ext>
+            </a:extLst>
+          </a:blip>
+          <a:srcRect/>
+          <a:stretch>
+            <a:fillRect/>
+          </a:stretch>
+        </p:blipFill>
+        <p:spPr bwMode="auto">
+          <a:xfrm>
+            <a:off x="1519238" y="3651250"/>
+            <a:ext cx="1008062" cy="1277938"/>
+          </a:xfrm>
+          <a:prstGeom prst="rect">
+            <a:avLst/>
+          </a:prstGeom>
+          <a:noFill/>
+          <a:ln>
+            <a:noFill/>
+          </a:ln>
+          <a:extLst>
+            <a:ext uri="{909E8E84-426E-40DD-AFC4-6F175D3DCCD1}">
+              <a14:hiddenFill xmlns:a14="http://schemas.microsoft.com/office/drawing/2010/main">
+                <a:solidFill>
+                  <a:srgbClr val="FFFFFF"/>
+                </a:solidFill>
+              </a14:hiddenFill>
+            </a:ext>
+            <a:ext uri="{91240B29-F687-4F45-9708-019B960494DF}">
+              <a14:hiddenLine xmlns:a14="http://schemas.microsoft.com/office/drawing/2010/main" w="9525">
+                <a:solidFill>
+                  <a:srgbClr val="000000"/>
+                </a:solidFill>
+                <a:miter lim="800000"/>
+                <a:headEnd/>
+                <a:tailEnd/>
+              </a14:hiddenLine>
+            </a:ext>
+          </a:extLst>
+        </p:spPr>
+      </p:pic>
+      <p:pic>
+        <p:nvPicPr>
+          <p:cNvPr id="6" name="Picture 5"/>
+          <p:cNvPicPr>
+            <a:picLocks noChangeAspect="1" noChangeArrowheads="1"/>
+          </p:cNvPicPr>
+          <p:nvPr/>
+        </p:nvPicPr>
+        <p:blipFill>
+          <a:blip r:embed="rId4" cstate="print">
+            <a:extLst>
+              <a:ext uri="{28A0092B-C50C-407E-A947-70E740481C1C}">
+                <a14:useLocalDpi xmlns:a14="http://schemas.microsoft.com/office/drawing/2010/main" val="0"/>
+              </a:ext>
+            </a:extLst>
+          </a:blip>
+          <a:srcRect/>
+          <a:stretch>
+            <a:fillRect/>
+          </a:stretch>
+        </p:blipFill>
+        <p:spPr bwMode="auto">
+          <a:xfrm>
+            <a:off x="290513" y="2217738"/>
+            <a:ext cx="1008062" cy="1271587"/>
+          </a:xfrm>
+          <a:prstGeom prst="rect">
+            <a:avLst/>
+          </a:prstGeom>
+          <a:noFill/>
+          <a:ln>
+            <a:noFill/>
+          </a:ln>
+          <a:extLst>
+            <a:ext uri="{909E8E84-426E-40DD-AFC4-6F175D3DCCD1}">
+              <a14:hiddenFill xmlns:a14="http://schemas.microsoft.com/office/drawing/2010/main">
+                <a:solidFill>
+                  <a:srgbClr val="FFFFFF"/>
+                </a:solidFill>
+              </a14:hiddenFill>
+            </a:ext>
+            <a:ext uri="{91240B29-F687-4F45-9708-019B960494DF}">
+              <a14:hiddenLine xmlns:a14="http://schemas.microsoft.com/office/drawing/2010/main" w="9525">
+                <a:solidFill>
+                  <a:srgbClr val="000000"/>
+                </a:solidFill>
+                <a:miter lim="800000"/>
+                <a:headEnd/>
+                <a:tailEnd/>
+              </a14:hiddenLine>
+            </a:ext>
+          </a:extLst>
+        </p:spPr>
+      </p:pic>
+      <p:pic>
+        <p:nvPicPr>
+          <p:cNvPr id="7" name="Picture 7"/>
+          <p:cNvPicPr>
+            <a:picLocks noChangeAspect="1" noChangeArrowheads="1"/>
+          </p:cNvPicPr>
+          <p:nvPr/>
+        </p:nvPicPr>
+        <p:blipFill>
+          <a:blip r:embed="rId5" cstate="print">
+            <a:extLst>
+              <a:ext uri="{28A0092B-C50C-407E-A947-70E740481C1C}">
+                <a14:useLocalDpi xmlns:a14="http://schemas.microsoft.com/office/drawing/2010/main" val="0"/>
+              </a:ext>
+            </a:extLst>
+          </a:blip>
+          <a:srcRect/>
+          <a:stretch>
+            <a:fillRect/>
+          </a:stretch>
+        </p:blipFill>
+        <p:spPr bwMode="auto">
+          <a:xfrm>
+            <a:off x="1519238" y="2217738"/>
+            <a:ext cx="1008062" cy="1277937"/>
+          </a:xfrm>
+          <a:prstGeom prst="rect">
+            <a:avLst/>
+          </a:prstGeom>
+          <a:noFill/>
+          <a:ln>
+            <a:noFill/>
+          </a:ln>
+          <a:extLst>
+            <a:ext uri="{909E8E84-426E-40DD-AFC4-6F175D3DCCD1}">
+              <a14:hiddenFill xmlns:a14="http://schemas.microsoft.com/office/drawing/2010/main">
+                <a:solidFill>
+                  <a:srgbClr val="FFFFFF"/>
+                </a:solidFill>
+              </a14:hiddenFill>
+            </a:ext>
+            <a:ext uri="{91240B29-F687-4F45-9708-019B960494DF}">
+              <a14:hiddenLine xmlns:a14="http://schemas.microsoft.com/office/drawing/2010/main" w="9525">
+                <a:solidFill>
+                  <a:srgbClr val="000000"/>
+                </a:solidFill>
+                <a:miter lim="800000"/>
+                <a:headEnd/>
+                <a:tailEnd/>
+              </a14:hiddenLine>
+            </a:ext>
+          </a:extLst>
+        </p:spPr>
+      </p:pic>
+      <p:sp>
+        <p:nvSpPr>
+          <p:cNvPr id="8" name="文字方塊 7">
+            <a:extLst>
+              <a:ext uri="{FF2B5EF4-FFF2-40B4-BE49-F238E27FC236}"/>
+            </a:extLst>
+          </p:cNvPr>
+          <p:cNvSpPr txBox="1"/>
+          <p:nvPr/>
+        </p:nvSpPr>
+        <p:spPr>
+          <a:xfrm>
+            <a:off x="288925" y="1498600"/>
+            <a:ext cx="792163" cy="307975"/>
+          </a:xfrm>
+          <a:prstGeom prst="rect">
+            <a:avLst/>
+          </a:prstGeom>
+          <a:solidFill>
+            <a:srgbClr val="66FF99"/>
+          </a:solidFill>
+          <a:ln>
+            <a:noFill/>
+          </a:ln>
+        </p:spPr>
+        <p:style>
+          <a:lnRef idx="1">
+            <a:schemeClr val="accent3"/>
+          </a:lnRef>
+          <a:fillRef idx="3">
+            <a:schemeClr val="accent3"/>
+          </a:fillRef>
+          <a:effectRef idx="2">
+            <a:schemeClr val="accent3"/>
+          </a:effectRef>
+          <a:fontRef idx="minor">
+            <a:schemeClr val="lt1"/>
+          </a:fontRef>
+        </p:style>
+        <p:txBody>
+          <a:bodyPr>
+            <a:spAutoFit/>
+          </a:bodyPr>
+          <a:lstStyle/>
+          <a:p>
+            <a:pPr algn="ctr" eaLnBrk="0" hangingPunct="0">
+              <a:defRPr/>
+            </a:pPr>
+            <a:r>
+              <a:rPr lang="en-US" altLang="zh-TW" b="1" dirty="0" smtClean="0">
+                <a:solidFill>
+                  <a:sysClr val="windowText" lastClr="000000"/>
+                </a:solidFill>
+              </a:rPr>
+              <a:t>OK</a:t>
+            </a:r>
+            <a:endParaRPr lang="zh-TW" altLang="en-US" b="1" dirty="0">
+              <a:solidFill>
+                <a:sysClr val="windowText" lastClr="000000"/>
+              </a:solidFill>
+            </a:endParaRPr>
+          </a:p>
+        </p:txBody>
+      </p:sp>
+      <p:cxnSp>
+        <p:nvCxnSpPr>
+          <p:cNvPr id="9" name="直線接點 8">
+            <a:extLst>
+              <a:ext uri="{FF2B5EF4-FFF2-40B4-BE49-F238E27FC236}"/>
+            </a:extLst>
+          </p:cNvPr>
+          <p:cNvCxnSpPr>
+            <a:cxnSpLocks/>
+          </p:cNvCxnSpPr>
+          <p:nvPr/>
+        </p:nvCxnSpPr>
+        <p:spPr>
+          <a:xfrm>
+            <a:off x="2727325" y="1492250"/>
+            <a:ext cx="0" cy="3419475"/>
+          </a:xfrm>
+          <a:prstGeom prst="line">
+            <a:avLst/>
+          </a:prstGeom>
+          <a:ln w="28575"/>
+        </p:spPr>
+        <p:style>
+          <a:lnRef idx="1">
+            <a:schemeClr val="accent1"/>
+          </a:lnRef>
+          <a:fillRef idx="0">
+            <a:schemeClr val="accent1"/>
+          </a:fillRef>
+          <a:effectRef idx="0">
+            <a:schemeClr val="accent1"/>
+          </a:effectRef>
+          <a:fontRef idx="minor">
+            <a:schemeClr val="tx1"/>
+          </a:fontRef>
+        </p:style>
+      </p:cxnSp>
+      <p:sp>
+        <p:nvSpPr>
+          <p:cNvPr id="10" name="文字方塊 9">
+            <a:extLst>
+              <a:ext uri="{FF2B5EF4-FFF2-40B4-BE49-F238E27FC236}"/>
+            </a:extLst>
+          </p:cNvPr>
+          <p:cNvSpPr txBox="1"/>
+          <p:nvPr/>
+        </p:nvSpPr>
+        <p:spPr>
+          <a:xfrm>
+            <a:off x="2867025" y="1498600"/>
+            <a:ext cx="1074738" cy="307975"/>
+          </a:xfrm>
+          <a:prstGeom prst="rect">
+            <a:avLst/>
+          </a:prstGeom>
+          <a:solidFill>
+            <a:srgbClr val="FF0000"/>
+          </a:solidFill>
+          <a:ln>
+            <a:noFill/>
+          </a:ln>
+        </p:spPr>
+        <p:style>
+          <a:lnRef idx="1">
+            <a:schemeClr val="accent3"/>
+          </a:lnRef>
+          <a:fillRef idx="3">
+            <a:schemeClr val="accent3"/>
+          </a:fillRef>
+          <a:effectRef idx="2">
+            <a:schemeClr val="accent3"/>
+          </a:effectRef>
+          <a:fontRef idx="minor">
+            <a:schemeClr val="lt1"/>
+          </a:fontRef>
+        </p:style>
+        <p:txBody>
+          <a:bodyPr>
+            <a:spAutoFit/>
+          </a:bodyPr>
+          <a:lstStyle/>
+          <a:p>
+            <a:pPr algn="ctr" eaLnBrk="0" hangingPunct="0">
+              <a:defRPr/>
+            </a:pPr>
+            <a:r>
+              <a:rPr lang="en-US" altLang="zh-TW" b="1" dirty="0" smtClean="0">
+                <a:solidFill>
+                  <a:sysClr val="windowText" lastClr="000000"/>
+                </a:solidFill>
+              </a:rPr>
+              <a:t>NG</a:t>
+            </a:r>
+            <a:endParaRPr lang="zh-TW" altLang="en-US" b="1" dirty="0">
+              <a:solidFill>
+                <a:sysClr val="windowText" lastClr="000000"/>
+              </a:solidFill>
+            </a:endParaRPr>
+          </a:p>
+        </p:txBody>
+      </p:sp>
+      <p:sp>
+        <p:nvSpPr>
+          <p:cNvPr id="11" name="文字方塊 10">
+            <a:extLst>
+              <a:ext uri="{FF2B5EF4-FFF2-40B4-BE49-F238E27FC236}"/>
+            </a:extLst>
+          </p:cNvPr>
+          <p:cNvSpPr txBox="1"/>
+          <p:nvPr/>
+        </p:nvSpPr>
+        <p:spPr>
+          <a:xfrm>
+            <a:off x="290513" y="936625"/>
+            <a:ext cx="7661275" cy="307975"/>
+          </a:xfrm>
+          <a:prstGeom prst="rect">
+            <a:avLst/>
+          </a:prstGeom>
+          <a:noFill/>
+        </p:spPr>
+        <p:txBody>
+          <a:bodyPr>
+            <a:spAutoFit/>
+          </a:bodyPr>
+          <a:lstStyle/>
+          <a:p>
+            <a:pPr>
+              <a:buFont typeface="Arial" pitchFamily="34" charset="0"/>
+              <a:buChar char="•"/>
+              <a:defRPr/>
+            </a:pPr>
+            <a:r>
+              <a:rPr lang="en-US" altLang="zh-TW" dirty="0">
+                <a:solidFill>
+                  <a:srgbClr val="0000FF"/>
+                </a:solidFill>
+                <a:latin typeface="微軟正黑體" panose="020B0604030504040204" pitchFamily="34" charset="-120"/>
+              </a:rPr>
+              <a:t> </a:t>
+            </a:r>
+            <a:r>
+              <a:rPr lang="zh-TW" altLang="en-US" dirty="0">
+                <a:solidFill>
+                  <a:srgbClr val="0000FF"/>
+                </a:solidFill>
+                <a:latin typeface="微軟正黑體" panose="020B0604030504040204" pitchFamily="34" charset="-120"/>
+              </a:rPr>
+              <a:t>分類方式</a:t>
+            </a:r>
+            <a:r>
+              <a:rPr lang="en-US" altLang="zh-TW" dirty="0">
+                <a:solidFill>
+                  <a:srgbClr val="0000FF"/>
+                </a:solidFill>
+                <a:latin typeface="微軟正黑體" panose="020B0604030504040204" pitchFamily="34" charset="-120"/>
+              </a:rPr>
+              <a:t> : OK</a:t>
+            </a:r>
+            <a:r>
+              <a:rPr lang="zh-TW" altLang="en-US" dirty="0">
+                <a:solidFill>
+                  <a:srgbClr val="0000FF"/>
+                </a:solidFill>
+                <a:latin typeface="微軟正黑體" panose="020B0604030504040204" pitchFamily="34" charset="-120"/>
+              </a:rPr>
+              <a:t> </a:t>
+            </a:r>
+            <a:r>
+              <a:rPr lang="en-US" altLang="zh-TW" dirty="0">
+                <a:solidFill>
+                  <a:srgbClr val="0000FF"/>
+                </a:solidFill>
+                <a:latin typeface="微軟正黑體" panose="020B0604030504040204" pitchFamily="34" charset="-120"/>
+              </a:rPr>
+              <a:t>&amp; NG</a:t>
+            </a:r>
+            <a:r>
+              <a:rPr lang="zh-TW" altLang="en-US" dirty="0">
+                <a:solidFill>
+                  <a:srgbClr val="0000FF"/>
+                </a:solidFill>
+                <a:latin typeface="微軟正黑體" panose="020B0604030504040204" pitchFamily="34" charset="-120"/>
+              </a:rPr>
+              <a:t> </a:t>
+            </a:r>
+            <a:r>
+              <a:rPr lang="en-US" altLang="zh-TW" dirty="0">
+                <a:solidFill>
+                  <a:schemeClr val="bg1">
+                    <a:lumMod val="50000"/>
+                  </a:schemeClr>
+                </a:solidFill>
+                <a:latin typeface="微軟正黑體" panose="020B0604030504040204" pitchFamily="34" charset="-120"/>
+              </a:rPr>
+              <a:t>(OK</a:t>
+            </a:r>
+            <a:r>
+              <a:rPr lang="zh-TW" altLang="en-US" dirty="0">
+                <a:solidFill>
+                  <a:schemeClr val="bg1">
+                    <a:lumMod val="50000"/>
+                  </a:schemeClr>
+                </a:solidFill>
+                <a:latin typeface="微軟正黑體" panose="020B0604030504040204" pitchFamily="34" charset="-120"/>
+              </a:rPr>
+              <a:t> </a:t>
+            </a:r>
+            <a:r>
+              <a:rPr lang="en-US" altLang="zh-TW" dirty="0">
+                <a:solidFill>
+                  <a:schemeClr val="bg1">
+                    <a:lumMod val="50000"/>
+                  </a:schemeClr>
+                </a:solidFill>
+                <a:latin typeface="微軟正黑體" panose="020B0604030504040204" pitchFamily="34" charset="-120"/>
+              </a:rPr>
+              <a:t>:311, NG</a:t>
+            </a:r>
+            <a:r>
+              <a:rPr lang="zh-TW" altLang="en-US" dirty="0">
+                <a:solidFill>
+                  <a:schemeClr val="bg1">
+                    <a:lumMod val="50000"/>
+                  </a:schemeClr>
+                </a:solidFill>
+                <a:latin typeface="微軟正黑體" panose="020B0604030504040204" pitchFamily="34" charset="-120"/>
+              </a:rPr>
+              <a:t> </a:t>
+            </a:r>
+            <a:r>
+              <a:rPr lang="en-US" altLang="zh-TW" dirty="0">
+                <a:solidFill>
+                  <a:schemeClr val="bg1">
+                    <a:lumMod val="50000"/>
+                  </a:schemeClr>
+                </a:solidFill>
+                <a:latin typeface="微軟正黑體" panose="020B0604030504040204" pitchFamily="34" charset="-120"/>
+              </a:rPr>
+              <a:t>: 241)</a:t>
+            </a:r>
+            <a:r>
+              <a:rPr lang="en-US" altLang="zh-TW" dirty="0">
+                <a:solidFill>
+                  <a:srgbClr val="0000FF"/>
+                </a:solidFill>
+                <a:latin typeface="微軟正黑體" panose="020B0604030504040204" pitchFamily="34" charset="-120"/>
+              </a:rPr>
+              <a:t> </a:t>
+            </a:r>
+            <a:endParaRPr lang="en-US" altLang="zh-TW" dirty="0">
+              <a:solidFill>
+                <a:srgbClr val="0000FF"/>
+              </a:solidFill>
+              <a:latin typeface="微軟正黑體" panose="020B0604030504040204" pitchFamily="34" charset="-120"/>
+            </a:endParaRPr>
+          </a:p>
+        </p:txBody>
+      </p:sp>
+      <p:pic>
+        <p:nvPicPr>
+          <p:cNvPr id="12" name="圖片 2"/>
           <p:cNvPicPr>
             <a:picLocks noChangeAspect="1"/>
           </p:cNvPicPr>
           <p:nvPr/>
         </p:nvPicPr>
         <p:blipFill>
-          <a:blip r:embed="rId2"/>
+          <a:blip r:embed="rId6">
+            <a:extLst>
+              <a:ext uri="{28A0092B-C50C-407E-A947-70E740481C1C}">
+                <a14:useLocalDpi xmlns:a14="http://schemas.microsoft.com/office/drawing/2010/main" val="0"/>
+              </a:ext>
+            </a:extLst>
+          </a:blip>
+          <a:srcRect/>
           <a:stretch>
             <a:fillRect/>
           </a:stretch>
         </p:blipFill>
-        <p:spPr>
+        <p:spPr bwMode="auto">
           <a:xfrm>
-            <a:off x="2141730" y="1176595"/>
-            <a:ext cx="6885765" cy="3513146"/>
+            <a:off x="2862263" y="2222500"/>
+            <a:ext cx="6119812" cy="2728913"/>
           </a:xfrm>
           <a:prstGeom prst="rect">
             <a:avLst/>
           </a:prstGeom>
+          <a:noFill/>
+          <a:ln>
+            <a:noFill/>
+          </a:ln>
+          <a:extLst>
+            <a:ext uri="{909E8E84-426E-40DD-AFC4-6F175D3DCCD1}">
+              <a14:hiddenFill xmlns:a14="http://schemas.microsoft.com/office/drawing/2010/main">
+                <a:solidFill>
+                  <a:srgbClr val="FFFFFF"/>
+                </a:solidFill>
+              </a14:hiddenFill>
+            </a:ext>
+            <a:ext uri="{91240B29-F687-4F45-9708-019B960494DF}">
+              <a14:hiddenLine xmlns:a14="http://schemas.microsoft.com/office/drawing/2010/main" w="9525">
+                <a:solidFill>
+                  <a:srgbClr val="000000"/>
+                </a:solidFill>
+                <a:miter lim="800000"/>
+                <a:headEnd/>
+                <a:tailEnd/>
+              </a14:hiddenLine>
+            </a:ext>
+          </a:extLst>
         </p:spPr>
       </p:pic>
     </p:spTree>
     <p:extLst>
       <p:ext uri="{BB962C8B-B14F-4D97-AF65-F5344CB8AC3E}">
-        <p14:creationId xmlns:p14="http://schemas.microsoft.com/office/powerpoint/2010/main" val="396959778"/>
+        <p14:creationId xmlns:p14="http://schemas.microsoft.com/office/powerpoint/2010/main" val="2202718130"/>
       </p:ext>
     </p:extLst>
   </p:cSld>
@@ -4900,50 +5469,760 @@
           <a:p>
             <a:r>
               <a:rPr lang="zh-TW" altLang="en-US" dirty="0"/>
-              <a:t>特徵提取</a:t>
-            </a:r>
+              <a:t>專題執行說明 </a:t>
+            </a:r>
+            <a:r>
+              <a:rPr lang="en-US" altLang="zh-TW" dirty="0"/>
+              <a:t>–</a:t>
+            </a:r>
+            <a:r>
+              <a:rPr lang="zh-TW" altLang="en-US" dirty="0" smtClean="0"/>
+              <a:t>模</a:t>
+            </a:r>
+            <a:r>
+              <a:rPr lang="zh-TW" altLang="en-US" dirty="0" smtClean="0"/>
+              <a:t>型建置</a:t>
+            </a:r>
+            <a:endParaRPr lang="zh-TW" altLang="en-US" dirty="0"/>
           </a:p>
         </p:txBody>
       </p:sp>
       <p:sp>
         <p:nvSpPr>
-          <p:cNvPr id="3" name="內容版面配置區 2"/>
+          <p:cNvPr id="6" name="AutoShape 2" descr="data:image/png;base64,iVBORw0KGgoAAAANSUhEUgAAAYoAAAEWCAYAAAB42tAoAAAABHNCSVQICAgIfAhkiAAAAAlwSFlzAAALEgAACxIB0t1+/AAAADh0RVh0U29mdHdhcmUAbWF0cGxvdGxpYiB2ZXJzaW9uMy4xLjAsIGh0dHA6Ly9tYXRwbG90bGliLm9yZy+17YcXAAAgAElEQVR4nOzdeXhU5dn48e+dPSEJBAIhEMK+76s74lIFF3BBBWsruPBqXVpbbelb61Z9u+hbrb9Srb5qtXXBpSq1uFIUF3YMCGHfwxoSAoHsyf3745yESZgkQzKTSSb357pyJXPOmfM8M4S582z3I6qKMcYYU5uwYFfAGGNM82aBwhhjTJ0sUBhjjKmTBQpjjDF1skBhjDGmThYojDHG1MkCRQskIh+KyI3BrocxpnWwQHEKRGSHiFwY7Hqo6iRVfTkQ9xaRRBF5SkR2icgxEdniPk4ORHnGmObPAkUzIyIRQSw7ClgADAYmAonAmUAOMK4B9wvaazHG+I8FCj8RkctEJENE8kTkGxEZ5nFutohsFZF8EckUkSs9zs0Qka9F5EkRyQUeco99JSJPiMhhEdkuIpM8nvO5iNzi8fy6ru0pIovcsj8TkTki8o9aXsYPgXTgSlXNVNUKVT2oqr9R1fnu/VRE+njc/28i8qj78wQRyRKRX4jIfuAlEVkvIpd5XB8hIodEZJT7+HT3/coTkdUiMqEx/w7GGP+zQOEH7ofei8B/AR2AvwLzRCTavWQrcA7QFngY+IeIpHrc4jRgG9AJeMzj2EYgGfgD8IKISC1VqOva14Blbr0eAn5Qx0u5EPhIVY/V/6pr1RloD3QHZgGvA9M9zl8MHFLVVSLSFfg38Kj7nHuBd0SkYyPKN8b4mQUK/7gV+KuqLlXVcnf8oBg4HUBV31LVve5f6HOBzVTvytmrqv9PVctUtdA9tlNVn1fVcuBlIBVIqaV8r9eKSDowFnhAVUtU9StgXh2vowOwr0HvwAkVwIOqWuy+lteAySIS556/3j0GcAMwX1Xnu+/Np8AK4JJG1sEY40cWKPyjO/Azt/skT0TygG5AFwAR+aFHt1QeMATnr/9Ku73cc3/lD6pa4P4YX0v5tV3bBcj1OFZbWZVycIJMY2SrapFHfbYA64HL3WAxmROBojtwTY337Ww/1MEY40c22Ogfu4HHVPWxmidEpDvwPHABsFhVy0UkA/DsRgpUCt99QHsRifMIFt3quP4z4FERaaOqx2u5pgCI83jcGcjyeOzttVR2P4UBmW7wAOd9+7uq3lrP6zDGBJG1KE5dpIjEeHxF4ASC20TkNHG0EZFLRSQBaIPz4ZkNICIzcVoUAaeqO3G6ch4SkSgROQO4vI6n/B3nw/sdERkgImEi0kFE/ltEKruDMoDrRSRcRCYC5/pQlTeAi4DbOdGaAPgHTkvjYvd+Me6AeNopvlRjTABZoDh184FCj6+HVHUFzjjFn4HDwBZgBoCqZgL/CywGDgBDga+bsL7fB87A6VZ6FJiLM35yElUtxhnQ3gB8ChzFGQhPBpa6l/0YJ9jkufd+r74KqOo+nNd/plt+5fHdwBTgv3EC6W7gPuz30phmRWzjotZFROYCG1T1wWDXxRjTMthfbiFORMaKSG+3G2kizl/w9bYCjDGmkgWK0NcZ+Bw4BjwN3K6q3wa1Ri2ciLwoIgdFZG0t50VEnnbTn6ypXFxoTEtlXU/GnCIRGY8TeF9R1ZMmJrgD/3fhrAc5DfiTqp7WtLU0xn+sRWHMKVLVRUBuHZdMwQkiqqpLgHY1VuIb06K0uHUUycnJ2qNHj2BXw4SolStXHlLVxqYQ6Ur1hY1Z7rGTVr2LyCycVCe0adNm9IABAxpZtDHeNeZ3u8UFih49erBixYpgV8OEKBHZ6Y/beDnmtY9XVZ8DngMYM2aM2u+2CZTG/G4HtOtJRCaKyEZ3UG+2l/PdRWSBO+D3uS20MiEii+or4NOAvUGqizGNFrBAISLhwBxgEjAImC4ig2pc9gROX+4w4BHgt4GqjzFNaB7wQ3f20+nAEXfRoTEtUiC7nsYBW1R1G4CIvIEzyJfpcc0g4B7354XY/H7TAojI68AEIFlEsoAHgUgAVX0WZ/X+JTgr9AuAmcGpqTH+EchA4W1Ar+YUwdXA1cCfgCuBBBHpoKo5nhd5Dvilp6cHrMKNUVpaSlZWFkVFRfVfbIIuJiaGtLQ0IiMjT/m5qjq9nvMK3NHQuhnT3AQyUPgyoHcv8GcRmQEsAvYAZSc9qcaAn3+r6R9ZWVkkJCTQo0cPat9fyDQHqkpOTg5ZWVn07Nkz2NUxptkLZKCod0BPVfcCVwGISDxwtaoeCWCdAqaoqMiCRAshInTo0IHs7OxgV8WYFiGQs56WA33dPZujgGnU2F1NRJJFpLIOv8TZTrTFsiDRcti/lTG+C1igUNUy4E7gY5wdzt5U1XUi8oiITHYvmwBsFJFNONt8nrTxj89WvQLf/qNxlTbGGHOSgC64U9X5ODNAPI894PHz28Dbfils9VxAYeQNfrmdMcYYR+jkeoqOh+L8YNciaPLy8vjLX/5yys+75JJLyMvLq/OaBx54gM8++6yhVfMqPr627b+NMc1N6ASKqHgoqW2b59BXW6AoLy+v83nz58+nXbt2dV7zyCOPcOGFFzaqfsaYlqvF5XqqVVQbKDkW7FoA8PC/1pG596hf7zmoSyIPXj641vOzZ89m69atjBgxgsjISOLj40lNTSUjI4PMzEyuuOIKdu/eTVFRET/+8Y+ZNWsWcCJ31rFjx5g0aRJnn30233zzDV27duX9998nNjaWGTNmcNlllzF16lR69OjBjTfeyL/+9S9KS0t56623GDBgANnZ2Vx//fXk5OQwduxYPvroI1auXElycnKdr0tV+fnPf86HH36IiHD//fdz3XXXsW/fPq677jqOHj1KWVkZzzzzDGeeeSY333wzK1asQES46aabuOeee+q8vzGm8UKnRRGdAMXNI1AEw+9+9zt69+5NRkYGjz/+OMuWLeOxxx4jM9NZCP/iiy+ycuVKVqxYwdNPP01OTs5J99i8eTN33HEH69ato127drzzzjtey0pOTmbVqlXcfvvtPPHEEwA8/PDDnH/++axatYorr7ySXbt2+VTvf/7zn2RkZLB69Wo+++wz7rvvPvbt28drr73GxRdfXHVuxIgRZGRksGfPHtauXct3333HzJm24NmYphBCLYp4KD0OFRUQFtz4V9df/k1l3Lhx1RaTPf3007z77rsA7N69m82bN9OhQ4dqz+nZsycjRowAYPTo0ezYscPrva+66qqqa/75z38C8NVXX1Xdf+LEiSQlJflUz6+++orp06cTHh5OSkoK5557LsuXL2fs2LHcdNNNlJaWcsUVVzBixAh69erFtm3buOuuu7j00ku56KKLfH9DjDENFjotiqg2zvfS1jtO4alNmzZVP3/++ed89tlnLF68mNWrVzNy5EivqUaio6Orfg4PD6es7KRF8tWu87ymoTsl1va88ePHs2jRIrp27coPfvADXnnlFZKSkli9ejUTJkxgzpw53HLLLQ0q0xhzakInUES7s2haafdTQkIC+fneZ30dOXKEpKQk4uLi2LBhA0uWLPF7+WeffTZvvvkmAJ988gmHDx/26Xnjx49n7ty5lJeXk52dzaJFixg3bhw7d+6kU6dO3Hrrrdx8882sWrWKQ4cOUVFRwdVXX81vfvMbVq1a5ffXYYw5WQh1PSU431vpzKcOHTpw1llnMWTIEGJjY0lJSak6N3HiRJ599lmGDRtG//79Of300/1e/oMPPsj06dOZO3cu5557LqmpqSQkJNT7vCuvvJLFixczfPhwRIQ//OEPdO7cmZdffpnHH3+8amD+lVdeYc+ePcycOZOKigoAfvtby0pvTFOQhnYZBEutu4BtmA9vTIdZn0OXkU1dLdavX8/AgQObvNzmori4mPDwcCIiIli8eDG33347GRkZwa5Wnbz9m4nISlUdE4z62A53JpAa87sdOi2KVt71FGy7du3i2muvpaKigqioKJ5//vlgV8kY4yehEyii3EDRTNZStDZ9+/bl22+/rXYsJyeHCy644KRrFyxYcNKMK2NM8xWCgaJ1jlE0Rx06dGj23U/GmPqF4Kyn1pvvyRhjAiF0AoV1PRljTECEUKBwF5hZ15MxxvhV6ASKsHCIjLOuJ2OM8bPQCRTgphq3ridfVO4HsXfvXqZOner1mgkTJlDfvP6nnnqKgoKCqse+7G9xKmbMmMHbb/tnbytjTMMENFCIyEQR2SgiW0Rktpfz6SKyUES+FZE1InJJowqMamNdT6eoS5cujfogrhkofNnfwhjTsgRseqyIhANzgO8BWcByEZmnqpkel92Ps5f2MyIyCGfb1B4NLjQ6vnksuPtwNuz/zr/37DwUJv2u1tO/+MUv6N69Oz/60Y8AeOihhxARFi1axOHDhyktLeXRRx9lypQp1Z63Y8cOLrvsMtauXUthYSEzZ84kMzOTgQMHUlhYWHXd7bffzvLlyyksLGTq1Kk8/PDDPP300+zdu5fzzjuP5ORkFi5cWLW/RXJyMn/84x958cUXAbjlllv4yU9+wo4dO2rd96I+CxYs4N5776WsrIyxY8fyzDPPEB0dzezZs5k3bx4RERFcdNFFPPHEE7z11ls8/PDDhIeH07ZtWxYtWtSQd90YQ2BbFOOALaq6TVVLgDeAKTWuUSDR/bktsLdRJUYltNqup2nTpjF37tyqx2+++SYzZ87k3XffZdWqVSxcuJCf/exndWZ5feaZZ4iLi2PNmjX86le/YuXKlVXnHnvsMVasWMGaNWv44osvWLNmDXfffTddunRh4cKFLFy4sNq9Vq5cyUsvvcTSpUtZsmQJzz//fNWCPF/3vfBUVFTEjBkzmDt3Lt99913VZka5ubm8++67rFu3jjVr1nD//fcDzq58H3/8MatXr2bevHmn9F4aY6oL5IK7rsBuj8dZwGk1rnkI+ERE7gLaAF732xSRWcAsgPT09NpLjGoDBYcaXGG/qeMv/0AZOXIkBw8eZO/evWRnZ5OUlERqair33HMPixYtIiwsjD179nDgwAE6d+7s9R6LFi3i7rvvBmDYsGEMGzas6tybb77Jc889R1lZGfv27SMzM7Pa+Zq++uorrrzyyqp051dddRVffvklkydP9nnfC08bN26kZ8+e9OvXD4Abb7yROXPmcOeddxITE8Mtt9zCpZdeymWXXQbAWWedxYwZM7j22mur9s8wxjRMIFsU4uVYzT9npwN/U9U04BLg7yJyUp1U9TlVHaOqYzp27Fh7ic2l6ylIpk6dyttvv83cuXOZNm0ar776KtnZ2axcuZKMjAxSUlK87kPhSeTkf7bt27fzxBNPsGDBAtasWcOll15a733qarn4uu+FL/eLiIhg2bJlXH311bz33ntMnDgRgGeffZZHH32U3bt3M2LECK87+hljfBPIQJEFdPN4nMbJXUs3A28CqOpiIAaoe5PlurTyWU/Tpk3jjTfe4O2332bq1KkcOXKETp06ERkZycKFC9m5c2edzx8/fjyvvvoqAGvXrmXNmjUAHD16lDZt2tC2bVsOHDjAhx9+WPWc2vbBGD9+PO+99x4FBQUcP36cd999l3POOafBr23AgAHs2LGDLVu2APD3v/+dc889l2PHjnHkyBEuueQSnnrqqaqUIVu3buW0007jkUceITk5md27d9d1e2NMHQLZ9bQc6CsiPYE9wDTg+hrX7AIuAP4mIgNxAkV2g0uMim/Vs54GDx5Mfn4+Xbt2JTU1le9///tcfvnljBkzhhEjRjBgwIA6n3/77bczc+ZMhg0bxogRIxg3bhwAw4cPZ+TIkQwePJhevXpx1llnVT1n1qxZTJo0idTU1GrjFKNGjWLGjBlV97jlllsYOXKkT91M3sTExPDSSy9xzTXXVA1m33bbbeTm5jJlyhSKiopQVZ588kkA7rvvPjZv3oyqcsEFFzB8+PAGlWuMCfB+FO5016eAcOBFVX1MRB4BVqjqPHem0/NAPE631M9V9ZO67llnzv7/PApf/i88kAteulACqbXvR9ES2X4UpjVptvtRqOp8nCmvnsce8Pg5Ezir5vMaLCoetAJKC06k9DDGGNMooZNmHKrne7JA0aLccccdfP3119WO/fjHP2bmzJlBqpExplJoBYpod4/m4nyI79Tkxauq11lDpn5z5sxp0vJa2hbAxgRT6OV6gqDMfIqJiSEnJ8c+gFoAVSUnJ4eYmJhgV8WYFiG0WhRBTDWelpZGVlYW2dkNn7Rlmk5MTAxpaWnBroYxLUJoBYqqrqemb1FERkbSs2fPJi/XBIeITAT+hDOj7/9U9Xc1zqcDLwPt3Gtmu5M7jGlxQrTryfakMIHjkfByEjAImO5O9fZUmfByJM4aor80bS2N8Z8QCxS2y51pEk2f8NKYIAqtQBHttihacb4n0yS8JbzsWuOah4AbRCQLZy3RXd5uJCKzRGSFiKyw8S3TXIVWoAjirCfTqjR9wktjgii0AkV4JIRH277ZJtCaPuGlMUEUWoECnO4nG6MwgVWV8FJEonAGq2vujlSZ8BK/JLw0JohCL1C08lTjJvBUtQy4E/gYWI8zu2mdiDwiIpPdy34G3Coiq4HXgRlqqzFNCxVa6yjACRQ2mG0CrMkTXhoTRKHXooi2FoUxxvhT6AUK63oyxhi/CsFA0ca6nowxxo9CL1BEJ9isJ2OM8aOABgoRmSgiG0Vki4jM9nL+SRHJcL82iUheowuNamO5nowxxo8CNuvJI3Ha93AWKC0XkXnubBAAVPUej+vvAkY2tLxFm5wp6uOj2liLwhhj/CiQ02OrEqcBiEhl4rTMWq6fDjzY0ML+/J8thIXB+H6xUFEG5WUQHnqzf40xpqkFsuvJl8RpAIhId6An8J9aztebOC0mKpzC0gqIdHctKytqeM2NMcZUCWSg8CVxWqVpwNuqWu7tpC+J0+IiwyksKYOIWOeABQpjjPGLQAYKXxKnVZqGk+agwWKjwiksLYeIaOdAaWFjbmeMMcYVyEDhS+I0RKQ/kAQsbkxhsVHhFJaUQ2Rli6K4MbczxhjjClig8DFxGjiD2G80NmFabKQbKCIqxyisRWGMMf4Q0GlB9SVOcx8/5I+y4qLCKSgtRyNinMGRUhujMMYYfwiZldkxkeGoQqlEOQesRWGMMX4RMoEiLiocgCIqA4WNURhjjD+ETKCIjawRKGzWkzHG+EXoBAq3RVGokc4BW0dhjDF+ETqBorJFURkorEVhjDF+ETqBwm1RHK+obFHYGIUxxvhDyASKuJMChbUojDHGH0ImUMS4XU8F5e7SEFtHYYwxfhEygSIuygkQBeVAWIQNZhtjjJ+ETKCoHMwuLKlwMshaoDDGGL8InUDhjlEUlJQ5e1LYrCdjjPGL0AkUldNjS8utRWGMMX4UMoEiKiKMiDChoMTdk8IChTHG+EXIBApwU42XlrtdTxYojDHGH0IqUMRUbl4UEWvrKIwxxk9CKlDERVmLwhhj/C2kAkVsZLg7RhFjYxTGGOMnAQ0UIjJRRDaKyBYRmV3LNdeKSKaIrBOR1xpTXmxUuDvryQKFMcb4S8C2QhWRcGAO8D0gC1guIvNUNdPjmr7AL4GzVPWwiHRqTJlV+2ZHxto6CmOM8ZNAtijGAVtUdZuqlgBvAFNqXHMrMEdVDwOo6sHGFBgX5dn1ZNljjTHGHwIZKLoCuz0eZ7nHPPUD+onI1yKyREQmeruRiMwSkRUisiI7O7vWAmMiPbuerEVhjDH+EMhAIV6OaY3HEUBfYAIwHfg/EWl30pNUn1PVMao6pmPHjrUWWNWisFlPJoCaeuzNmGAL2BgFTguim8fjNGCvl2uWqGopsF1ENuIEjuUNKbBqwV1ELJQXQ0UFhIXUxC4TZMEYezMm2AL5Kboc6CsiPUUkCpgGzKtxzXvAeQAikozTFbWtoQVWLbiLjHEOlNs4hfG7Jh97MybYAhYoVLUMuBP4GFgPvKmq60TkERGZ7F72MZAjIpnAQuA+Vc1paJlxkRGUlFdQHhbtHLCZT8b//Db2Br6PvxkTTIHsekJV5wPzaxx7wONnBX7qfjVabJQT90rDoggHW0thAuFUx97SgC9FZIiq5p30RNXngOcAxowZU/M+xjQLIdWBH+vuclci1qIwAePr2Nv7qlqqqtuByrE3Y1qk0AoU7p4UxUQ5B2wthfG/Jh97MybYQipQxLm73BUR6RywtRTGz4Ix9mZMsAV0jKKpVe1yp26LwtZSmABo6rE3Y4ItpFoUlftmF6m1KIwxxl9CK1C4LYrCispAYWMUxhjTWKEVKNwWxfHKQGGznowxptFCK1C4LYrjVV1PNkZhjDGNFVqBorJFUW6Bwhhj/CWkAkVcVdeT891mPRljTOOFVKCIiXACxNEym/VkjDH+ElKBIixMiIkMo6BMQMKsRWGMMX7gU6AQkd4iTgIlEZkgInd722CoOYiNDKegck8KG6MwxphG87VF8Q5QLiJ9gBeAnkCz3LUrLiqCwpIKiIi2QGGMMX7ga6CocHPcXAk8par3AKmBq1bDxUSGOftmR8Za15MxxviBr4GiVESmAzcCH7jHIgNTpcaJi4qgoKQMImJsMNsYY/zA10AxEzgDeExVt4tIT+AfgatWw1Xtmx0Zayk8jDHGD3wKFKqaqap3q+rrIpIEJKjq7+p7nohMFJGNIrJFRGZ7OT9DRLJFJMP9uqUBr6Gaqn2zI6IthYcxxviBT2nGReRzYLJ7fQaQLSJfqGqtaZRFJByYA3wPZ8ev5SIyT1Uza1w6V1XvbEjlvYmLDGd/aTm0sVlPxhjjD752PbVV1aPAVcBLqjoauLCe54wDtqjqNlUtAd4ApjS8qr6JjQqnoKQcImMsUBhjjB/4GigiRCQVuJYTg9n16Qrs9nic5R6r6WoRWSMib4tINy/nEZFZIrJCRFZkZ2fXWWhsVLgz6ykiBkqLKCuv4OF/rWPTgXwfq22MMcaTr4HiEZztHbeq6nIR6QVsruc54uWY1nj8L6CHqg4DPgNe9nYjVX1OVceo6piOHTvWWWhsZDjHi8tRd9bT0u25vPT1Dl5buque6hpjjPHG18Hst1R1mKre7j7epqpX1/O0LMCzhZAG7K1x3xxVrZya9Dww2rdq165Pp3gKS8vJLXFSeHywxily2fbcxt7aGGNaJV9TeKSJyLsiclBEDojIOyKSVs/TlgN9RaSniEQB04B5Ne7ruWhvMs5m9Y1y2bBU4qLC2XioDC0r4qO1+4kIE9bvP8qRwtLG3t4YY1odX7ueXsL5kO+CM87wL/dYrdyV3HfidFmtB95U1XUi8oiITHYvu1tE1onIauBuYMapv4TqEmIimTy8C+sPlVJeUsjhglJuPLMHqrBih7UqjDHmVPkaKDqq6kuqWuZ+/Q2oe7AAUNX5qtpPVXur6mPusQdUdZ778y9VdbCqDlfV81R1Q4NfiYfp49I5XhFOWHkRCdHh3H1BXyLDxbqfjDGmAXwNFIdE5AYRCXe/bgByAlmxxhiW1pbE+ETCUCYObE/b2EiGp7VjqRsonv1iK3e+tirItTTGmJbB10BxE87U2P3APmAqTlqPZklEGNIjBYDLB3cA4LRe7Vm75whLtuXw+Mcb+Xjdfioqak7CMsYYU5Ovs552qepkVe2oqp1U9QqcxXfN1shenQE4p0cbAMb17EBZhXLrKysor1BKy5VDxywXlDHG1KcxO9zVmr6jOQiPjAVA3NXZo7snESaQX1TG9aelA7Anz3JBGWNMfRoTKLwtqGs+ImOc724G2fjoCC4a1JnrT0vnB6d3B2BvnqX4MMaY+viUFLAWzbuDP8JpUVBaUHXo2R846/mOFjnrKfZai8IYY+pVZ6AQkXy8BwQBYgNSI3+Jaet8Lzp60qnEmEgSoiOs68kYY3xQZ6BQ1YSmqojfxSY53wu9r53o0i7WAoUxxvigMWMUzVtVoDjs9XSXdjHW9WSMMT4I4UDRzvlea6CIPaVAsS37GJf86Uu2ZR/zR+2MMabFCN1AERnrDGjXESgOF5RSUFLm9fyG/Uf5Zsuhqse//XADmfuO8sWmuvfDMMaYUNOYWU/NX1z7WgNF13bOWPzevCL6dIo/6fyv31vLql15vDhjLNERYXyaeQCAdXtPDI5/l3UEgKFpbf1dc2OMaTZCO1DEJkFhntdTXaoCReFJgeJYcRnf7spDVbnj1VV0bhtDatsY0tvHVQsU9761GhH46CfjA/cajDEmyEK36wmcQFFQ26wnZ0Get3GKZdtzKKtQHp86nDbR4Ww5eIz7Lu7PqO5JbD6QT3FZObnHS9h4IJ+NB/LJL7J9LlobEZkoIhtFZIuIzK7juqkioiIypinrZ4w/hXiLoh0c2uL1VEpiDGHiPVB8tTmH6IgwLh2WyvBubfnPhoNcMaIr89fuo6xC2XzgWNXUWlXI2J3HOX3rzbpuQoSIhANzgO/h7OS4XETmqWpmjesScPZZWdr0tTTGf0K/RVHLGEVkeBidE2PY4yWNx9dbDjGuZ3tiIsPp0ymBWeN7ExYmDO7ijEWs23uEZdtziYoIQwRW7fTevWVC1jhgi7slcAnwBjDFy3W/Af4AWK4Y06K1jkCh3rONeJsiezC/iI0H8jmrT/JJ13dvH0d8dATr9h5l2fZcRqW3o39KAit3eQ9GJmR1BXZ7PM5yj1URkZFAN1X9oK4bicgsEVkhIiuys21GnWmeAhoogt6PG9seyouh1Pt6iS7tYtl7pPq5b7Y4+zGd7SVQhIUJA1MTWLotl3V7jzCuZwdGdU/i212H693bIudYMRv2n5xOxLRI3hJiVv0CiEgY8CTws/pupKrPqeoYVR3TsaN1X5rmKWCBwqMfdxIwCJguIoO8XBe4flwf0njsyyuq9iH/1ZZDtIuLZFBqotfnDO7Slo0H8qlQOK1ne0alJ5FfVMaWehbiPfrv9Ux/bglaS+vGtChZQDePx2nAXo/HCcAQ4HMR2QGcDsyzAW3TUgWyRRH8ftx60nh0bRdDSXkFK3Y657dmH+PTzAOc1TuZsDDvWdQHdXECSESYMDK9HaO7O2Ws3Fl795Oq8uXmQxwuKCXrsKUNCeS3OmkAACAASURBVAHLgb4i0lNEooBpwLzKk6p6RFWTVbWHqvYAlgCTVXVFcKprTOMEMlAEvx+3nkBx8ZDOdGsfy4yXlvH6sl1Me24JkeHCPd/rV+stB7uBYmhaW+KiIujRIY72baLqDBSbDhyr2k1v3d4jvtffNEuqWgbcCXwMrAfeVNV1IvKIiEwObu2M8b9ABorg9+PWEyg6JcTw9m1n0i0pjl/+8ztU4Y1Zp3tdqV2pb6cEEmMiqqbDigij0tuxZFsOeQUlXp/zzdZD7rWQudfGKUKBqs5X1X6q2ltVH3OPPaCq87xcO8FaE6YlC+Q6ilPpxwXojNOP678mej2BApz1FG/+1xn85YstXDO6W51BAiAqIozPfnoubeMiq45dPrwLCzZkcPbvF3Lz2T258/w+RIafiMFfb8mhR4c4IsPDyNxngcIY07IEMlBU9eMCe3D6ca+vPKmqR4CqqUUi8jlwr1//8opr73yvI1AAtI2L5JeTBvp8206JMdUeTxnRlQGdE3nqs038acFmtmYf40/TRhIeJpSVV7B0Ww6XDe9CQUkZy7Z7H1g3xpjmKmBdT82iHzcyFiJiak3j4U/9OyfwzA2j+e9LBvDBmn3MfmcNFRXKd3uOkF9cxll9OjC4SyL7jhSRe9x7F5UxxjRHAU3hoarzgfk1jj1Qy7UTAlKJOlZnB8Ks8b05XlzOnxZsJutwIWlJTvLBM3p1YP2+fMAZpzi778nrNIwxpjkK7VxP0OSBAuAnF/alU2I0T3y8kcXbchjQOYEO8dEM6uKM72fuO2KBwhjTYrSSQNG0uZhEhO+f1p3Lhnbhha+2MTTN2W2vfZsoUtvG2MwnY0yL0joCRe72oBTdNi6Sn17Uv9qxwV0Sq+1pYYwxzV1oJwUEt0XRfGYaDUpNZGv2MY4U2h4WxpiWoZUEiuaT3fXc/s5Cvev+upjduQVBro0xxtSvdQSKsqJaM8g2tdHd2/PyTePYm1fIlDlfs3F/frCrZIwxdWodgQKaVavinL4def/OswF44P21llHWGNOsWaAIkp7Jbbjne/1Yuj2Xj9ftr3Zu4YaDXPTkFxSVlgepdsYYc4IFiiCaPrYb/VLi+Z/5GyguOxEUvtiUzaYDx2wMwxjTLIR+oKjM99QEaTxOVUR4GL+6dBC7cgt4dcmuquNb3U2Qdh+uP1CoKhm7bc9uY0zghH6gaMYtCoBz+3Wkf0oCn286sc/GloNuoMitfwB+/nf7uWLO16zc2fwCoTEmNIR+oIhzU2Xk76/7uiAa0rUtmXuPoKocKy5j3xFnsz9fup7mrd4DQMZu2xDJGBMYoR8oImMgoQscDs7qbF8M7pLIoWMlZOcXs/Xgib236+t6OlZcxsKNTkvE0oIYYwIl9FN4ALTvFbQ0Hr6o3F513d6j5LgpyLt3iKt3f+0F6w9QUlZBx4Ro22LVGBMwod+iAGjfo1m3KAZVBYojbDl4jMhw4czeyfV2Pf17zT46J8YwdXQaWw4eqzZzyhhj/KWVBIpecOwAFB+r/9ogSIiJpHuHODL3HWXLwWP06NCGnslxHC0qOykn1EPz1nHlX77m840H+XxTNpOGdmZIl7aUVSibDzTP12eMadlaR6BI6ul8P7wjqNWoS2VW2a3Zx+jTKZ5uSXFA9QFtVeW9jD18uyuPGS8tp6SsgsuGpXp0XVn3kzHG/wIaKERkoohsFJEtIjLby/nbROQ7EckQka9EZFBAKtLeDRS52wJye38YlJrIzpwCduYcp0+neNLcQJHlMaC97dBx8gpKefDyQdx5Xh8mD+/CyG5JpLePIz46wtKXG2MCImCD2SISDswBvgdkActFZJ6qZnpc9pqqPutePxn4IzDR75WpalE033GKwV3aAlChOC2K9s4Wqp4D2qt2OmtBzu6TTN+UhGrPH5iaYDOfjDEBEcgWxThgi6puU9US4A1giucFqur5ydYGCEx2vNh2ENu+WbcoKruPAHp3jKdtbCQJ0RHVup5W7TpMYkwEvTvGe3l+W9bvO0pFhSUYNMb4VyADRVdgt8fjLPdYNSJyh4hsBf4A3B2w2rTv2aynyHZKjCE5PhoRJ1CICGnt49hdrUWRx8j0JMLC5KTnD0pN5HhJOTtyjjdltY0xrUAgA8XJn2ZeWgyqOkdVewO/AO73eiORWSKyQkRWZGdne7ukfu17NeuuJ4ChXRNJbx9HbFQ4AN2SYqtaFEeLStl0MJ/R3ZO8Prdyim3mvubb/fTTNzP4++Idwa6GMeYUBTJQZAHdPB6nAXvruP4N4ApvJ1T1OVUdo6pjOnbs2LDaJPWEI1lQVtKw5zeBhycPYc71o6oed2vvLLpTVTJ25aEKo9K9B4p+KQlER4SxcmfDclqVlVcENFttRYXywep9zFtd16+AMaY5CmSgWA70FZGeIhIFTAPmeV4gIn09Hl4KbA5Ybdr3BK2AvF31Xxsk6R3iGNK1bdXjtKRYCkvLyTlewsqdhwkTGN6trdfnRkWEMaZHEou35jSo7NeX7eK8Jz5vcLDYd6SQQ8eKaz1/IL+IkvIK1u09SrmNoxjTogQsUKhqGXAn8DGwHnhTVdeJyCPuDCeAO0VknYhkAD8FbgxUfWjfy/nejAe0a6pcS/HGsl18teUQ/TsnkhATWev1Z/TqwIb9+eQeP7nVVN8g95JtuZRVKO+sympQXW/62wr++5/f1Xp+V44TgApKytl+yMZRjGlJAprrSVXnA/NrHHvA4+cfB7L8alrAFNmahqa1JSUxmic+2QTADaen13n9Gb2TgU0s2ZbDJUNT2ZNXyAtfbmfR5mz2HC7k3TvOZEDnRK/PrdzT4p1VWdx9fl+vA+YVFUpRWTlxUdV/bY4WlbJh/1GO1lhF7mmXR0tl3d4j9Ol08swtY0zz1DpWZgPEd4LINs165lNNKYkxLJ59AZ/eM54/TB3GXef3rfP6YWltiYsKr+p+uueNDP6xZCepbWOIjgzj1+9535/7YH4Re/IKGZbWlt25hSzb4X1vi78u2sbZv19IQUlZtePfZR1BFfbkFXKsuMzrc3fnFhAmThfZ2j22gtyYlqT1BAoR6NALDm0Kdk1OSViY0DclgWvHdCMlMabOayPDwxjXsz3fbD3Ekm05LNuRy68uHcjfbz6NX04awPIdh3ln1Z6Tnpexy2lN3Hdxf+KjI3h7pffup/cz9pB7vIQvNx+q/nyPHfY2H8j3+txduQV0aRfLwNRE1u45eWbWV5sP2diFMc1U6wkUAJ0Gw4F1wa5FQJ3RqwNbs4/zmw8ySY6P5rqxzsSza0Z3Y1R6O/5n/nryCqqPYWTsziMiTBjboz2XDUtl/nf7yNx7lKLSE9lod+YcZ8N+Jwh8su5Ateev3p1HG3dK7+aD3hMT7sotIL19HEO6JLLW3aSp0ndZR7jhhaV8tLb5bi5lTGvWugJF5yFwbD8cP1T/tS3UGb07AM7eFv81vhcxkc4HeFiY8OgVQ8k9XsJry6rP/MrYnceA1ARiIsO5bmw3issquOTpLxn4wEf87Wunq+7TTCc4jO2RxIINBygrrwBO7Nl9wcAUoiPC6mhRFDqBomtb8ovKqm3zutF9zvoArgFZuTOXf9nUXGMapHUFipTBzvcQblUM7tKWhJgIkuIiuf606oPfg7okMjK9Hf9es6/qWHmFsibrCCO6tQNgZHoSH/9kPH+aNoLTerbn9x9tZP+RIj5et5+BqYncdFZP8gpKWb7DWa+x/2gRB/OLGZXejt4d49nkJdV5QUkZh44V0619HEPcnFZrPTLdbst2nlPZYgmEv36xjUf/nVn/hT7wIdnlT0UkU0TWiMgCEenul4KNCZJWFiiGOt8PrA1uPQIoPEx46PLBPD51OG2iT57UdunQVNbtPVo1RXVr9jGOFZcxotuJhXx9OsUzZURX/nD1cMorlF+9+x0rdh7m4sEpnNu/I9ERYXyS6XQTrXbHJ0akJ9E3Jd5ri6IysWG39nH06xxPZLhUG9Delu3UZVMtrRF/OHC0iEPHSho9DuKR7HISMAiY7iXr8bfAGFUdBryNk57GmBardQWK+I7QplNItygArh6dxoWDUryeu3RYKgD/XuN0w1QOZFe2KDyld4hj5lk9WLDhIKpw0aDOxEVFcE7fZD5ZdwBV5dvdeUSGCwNTE+iXksDeI0XkF1WfJlu5hiK9fRzREeH0S0lgrUem28qgtSu34KQZVf5y4Ggx5RXK4YJGr8z3JdnlQlWtnA+8BCcrgTEtVusKFOB0P4Vwi6I+qW1jGdM9iQ/W7KO8Qvkkcz8JMRH0Sm7j9fo7zu9DhzZRpCXFMjDVSW1+0aDO7Mkr5OF/ZbJkWy6DUhOJjginr7s2YkuNAe3KNRTp7Z0FhEO7tmX17jwqKpTyCmV7znG6d3DOBWKXvvIKJdtdNZ6dX/vqcR/5lOzSw83Ah7Wd9EseM2MCrPUFis5D4OAGKA/MX64twWXDUtmwP58bX1zGZ+sPcus5vbwusANIjInkpZljmXP9KESca6aM7MK0sd14ZfEOVu/OY7jbGqncI6Pmh/2u3ALio51xE3DyVR0pLGXboePszSukpKyCSUOcls7GAIxT5Bwrrupy8kOg8CnZJYCI3ACMAR6v7WZ+yWNmTIC1vkCRMgTKiyFnS7BrEjSThqYiAl9tOcTsSQO4+4L6FvK1qwoGANER4fzu6mF8+OPxTB/XjWljnUFzp2sp7KSxht25BXRrH1cVaEa5GXBX7TzMNrfb6dx+HYmJDKuaAVVTUWk5H6/b36D9Ng4cPREcDjY+UPiU7FJELgR+BUxW1UYXakwwBTSFR7OUMsT5fmAtdBoQ3LoESUpiDP89aSCdEqOZMqKuXpO69e+cwG+vGlb1ODxM6N0x/qS1FLtyC+jV8UTXVq/kNrSLi2TlzsMMcLuz+nSKp2+nBK8D2mXlFdz52rd8tv4AT08fyeThXU6pngeOFlX97IcWRVWyS2APTrLL6z0vEJGRwF+Biap6sLEFGhNsra9FkdwPwiJa9TgFwK3jezUqSNSmX0o86/YepaTsxDqLysV2lcLChFHpSazcdZht2cdJiIkgOT6KfikJVV1Ph4+XsGx7Lgfzi/j1+2v5bP0BoiLC+GjtPq/l1uVAvv8ChY/JLh8H4oG33P3g59VyO2NahNbXooiIguT+IT/zKViuGNmV9zL28sJX27l9Qm9W7cqjuKyC9A7VB8tHpbfjPxsOEhMZRi93R7/+neN5Z1UWWw4e4wcvLGXfkRMf8Hec15u8glL+uWoPhSXlVZs7+eLAkSLCBLq0i60a1G4MH5JdXtjoQoxpRlpfoADoPBS2fArlpRBee9puc+om9O/ERYNSeHrBZs7pm8xdr62ia7tYLhuaWu26ynGKtXuOcuVIp2XT381s+8MXlpJ7vIT/vWY4+UWlxEVFcM2YNL7eksOrS3fxxaZsJg7p7HOdDhwtJjk+mtS2MRz06IYyxvim9XU9AQy5GgpyIPP9YNckJP36skEoypV/+Zqc4yX89QejSWoTVe2a4WntCHdnWlVOze3vzprae6SIx64cytWj05hxVk+uHdsNEeG0Xu1pFxd5yt1PB/KLSEmMoVNCjF9aFMa0Nq0zUPS5EDr0gSV/CXZNQlK39nHcdX5fSsuVx64cWm3XvkptoiMY0NkJDL06OusvUhKj6dMpnpvP7snU0SevUYsMD+N7A1NYsP4gxWXlJ52vzf4jTqDomBDtj8FsY1qd1hkowsJg3H/BnpWwe3mwaxOSfjShN4vuO8/rB36l0W73U+WMKBHh03vG8+vLambEOGHS0M7kF5fxzRbft3w9mF9MSmI0HROiyS8qq5YV1xhTv4AGimadPG3EdIhOhCVz4NhByNkKXjb1MQ0jIqR3iKvzmitHduX8AZ3o3fHEbneVay1qc1afZNrGRvK2j1u2FpeVk3u8pKpFAX6ZImtMqxKwQNHsk6dFJ8DIH8C6d+GJvvD/RsGaubVfX3IcvvxfKA5c4rrWZmR6Ei/OGEtUhO+/htER4UwdncbHa/dzML/+genKoFDZogC/LLozplUJZIui+SdPG38vnP9ruOQJaJcOGa/Vfu2iJ2DBI3UHE9Mkvn9aOmUVypvLd1c7XlJWwYodudU2RapcbJeSGEPHeGtRGNMQgQwUfk2eFhBx7Z1gMe5WGD4dti+CfC+7rOVug8V/dn7e/GmTVtGcrFfHeM7q04HXl+12cjjtWoIueYZ738xg6rOLeX3ZiV+7yvQdKYkxdEp0A4XNfDLmlAQyUPgteVqTZNgcMtWp3tp3Tj738f0QFgkDL3eCSanNxQ+2G07rzp68QpYuWwyvXoN8NBtZ+xYdE6L5zQeZVanLPVsUHdpEEyaQbWspjDklgQwUfkue1iQZNjv2g9Th8N1bngXD8hdg47+dlsfIH0JpAez8+uTnlxXDsufh5cmw46vA1NFUuXBQCr0Tyuj84U3klQirK3rx25iX+eCH3YmKCOOeuRmUlVew/2gRUeFhJMVFEh4mtG8TbS0KY05RIFdmt7zkaUOvgU/uh/1rofgoLPwf2PEldD8bzrgDKsohPNrpfupzAVRUwN5vYfPH8O2rcDQLouLh5cth/H0w/ucQ3koWvxcfc3JoRcY0SXGR4WG81/0d4rZm81jy7zgW2YnfH/oRcZ/cwSvDL+GlZQd45N0IjpZF0Skxumo2la2lMObUBexTTFXLRKQyeVo48GJl8jRgharOo3ryNIBdqjq51psG2pCr4ZNfw7NnOY+j28JlT8KoGc7aC4Ce5zjpPwpnw6vXQNYykDDofhZM+X+QNhbm/xy++D0cyYIpc0AEtn0BeTth1A+b/nWpwtE90DZAcwUqKuCFi5xNoa5+PjBl1FRaSML2j2DszTxwya3OsYzj8P4dDN+9lKei4IFvj/NvJjIs7USK9E4J0TbryZhTFNA/d1tc8rTELnDx/8Dxg5A2DrqfAbFJ1a/pexF8+HPngzF3G1z6vzD4KmdgvNKVz0C7bk6waN/Lue/7d4KWO91bqcPrrseeVc6q8QsedO7TWBmvwfs/gvPvh3PudQJXXcrLTq0ltOlDOLgOypqw73/3UmdfkT4ev0Ijrof+l0BpIfrXc7g69hCvZCkp7iA2OC2KQO7NbUwoaiX9IqfgjB/Vfb7yg+nwdrjuH9B/ovfrJvzSCST/+Y3zuOd42LcG/vMofN8dB6moONFS8fTpA06X19b/wDUvO62Yxlj1Cki4U3ZhHlz0aO3BYtdSeGUyTH8dep/v2/2//pPz/fB2Z6C/Kbqftn3udHV1P7P68dh2ENsOSRnCsMIsHrx8EIO7nEgh0jEhmkPHiqmo0Fp39TPGVNc6U3g0Rofezl/633+r9iABzgfx5D9Dv0kw4vvw/bfhrB/D5k+cD+NvX4XfpcPbNztdVJX2ZjhBYuytENcBXpkCK16svZwD6+CVK2ofQM/dDruXwHm/hHGznGm+3/7d+7XlpfDBPU7L4Kunai/z6F6ne23/d7BrifPXffoZoBUn7xxYWgjv3AIH19d+v7qUl8ExLzPdtn3hdPNFx598DqDzEOTgBmaensa4nidae50SoiktV44UljasPsa0QhYoGuKcn0KvCfVfFxkD178BV/wFIqLhtP+CNp3g9WlOV1BSD9jwAfy/Mc6MKXA+yKMS4IJfwy0LnEHzD+5xWhkVFdXvX3wM3rwRti10Zlt9/fTJaUjWvOl8HzYNJv0BOg+DxX/xnq5k6bNOF1LP8bD9C+97dhTnw6vXwrK/wl/HO4EuNgm+94hzPntD9es3f+LMJKtch3KqlvwF/jgAMl4/cazwsDOJoNeE2p/XeZjTNXVoc7XDZ/VJ5rdXDSXyFFaDG9Pa2f+WphTVBib8Agpz4eyfwqzP4c7lTtfS/HvhvTtg7T9h9I0Q0xZiEmHa6zDmJqd756VJzl/wlebf5/wFP+11GHAJfPprWDznxHlVWP069DjHGesQgdNug+z1TiAAJ8/V2necacALfwv9JjrdXRGxTuDwVF4Gb98EBzNh6ksw5mbI3wun3+F8MEsYHNpU/Tnr3nO+Z/6rYetPdi+FijJ47zb46knnNW3/EtC6A4Xnlrce+qUkMH1cOvHR1utqjK/sf0tTG3sLDJwC8e56kHbpMP0NZ1rukr84Ywmn3Xbi+vAIuPSP0GWUM97x4sXQvjeERzkf+ON/7gSJ/pPgH1c5+ahG3+jksspa7owbjL/3xP2GXO20TpY8C0k9neBzdI9zLq4DTPq9MzA/fJozCH7Bg9Am2Tn/9ZNOC+GyJ2HIVc7XhF86LYqwMOd+ni2K0kLY9LGz/eyhTc5ssYGXn9r7dWAt9L8UImPhs4cge5MT8KLioevo2p+X3Nd5j/Z/B8OuPbUyjTHVWKAIhvgaiwbDwmHib52/gssKT57pJAKjfuB8MC97zhnHqChzuqXO/cWJa867H/7vfOeaM+921oFExMJAjxnHkTEwZqaTu+rAOig5Bj+c5+zPEdfhxED0abfBypdgyTNON1jRUfjmz86sojE3nbhfmw4nfu7YH7I3nni8ZQGUHoeLf+u0CL5769QCRXE+HN4BI26Ac37mfPh//jtAoe/Fde9OGB4JnQY6gcIY0ygWKJqTkd+v+3xUGzj7ntrPp412PkC/ftqZYbVtIVz+tNOF5WnMzU43TmEu/PB9SBtz8r06DXAWIH7ztPMX+cb5UJTnLCSsTcf+zmLEyi1mM9+D2PbQ61xnCvHKvzkBp2Z9alM5AN55iNNimTAbuoyEeXc5datPylBnMaQxplFsjCLUnPdL5wM98z244AGnG6qmxFS47lWY+aH3IFHp4t86wen9O53WRJ8Loeuo2q/vOAAqSp2ZVqVFsPEjGHCpEzSGXuMMLm/44OTnHd3nzO76z2OQt+vE8crxhZTBJ471uxju3QTDfAgUnYfC8WzIPwBZK2Bj0+acNCZUWKAINV1GOt005//aGTCvTf+JkDqs7nvFd4SLHnNWnxccqrs1Ac5YBDjjFOv/BSX5MOgK51jaGGeWl7dU7gsedgaoFz0OTw1z1n2Ak0olOhHaNnDRYWd3QPubp+GlS+CN62Hn4obdy5hWzAJFKLrgAWcAu74V2L4Ycb0zxjFoCqSfXve1lYFi91L45FfOTKheE5xjIs5GUTu+hEMeay32rHJmZp15F/xkjRO8Kqf5HljntCYa+joqWyKL/+zUrV13eHcWFB1p2P2MaaUsUJi6icB1f3emzNYnOh7apjuzt45nw+Snq6cCGXmDM6trlXsvVfjol9Cmo9MKapfujJ/kbHb2M68MFA0Vm+QEiM5D4cZ5cNXzcGSPM63YGOMzCxTGN77+Vd+xv7NC+4w7nG4wTwmdnWm8Ga9BWQks/auzavz8+08McA+a4mToXfS403XVmEABcNPHzsLFuPbQbSyc+3Nn3Yjn7CxjTJ1s1pPxr97nw7H9zvoKb0bPcAa0597gzEjqN9HpkqoU285ZF7LuXedxytDG1cczWSM4SREHXu4ENGOMT6xFYfzrjB/BbV85s6W86X2+Mzi9+WNn8d91/3DWkXgaNu3Ez50G+rd+4RGNb6UY08pYi8I0rbBwuOQJZ+rr2fecHCTAWUgYl+ysLq8t6Z8xpslYoDBNr//EujPvhkc6+3xUlDVdnYwxtbJAYZqnwVcEuwbGGJeNURhjjKlTQAOFiEwUkY0iskVEZns5P15EVolImYhMDWRdjDHGNEzAAoWIhANzgEnAIGC6iAyqcdkuYAbgJa+DMcaY5iCQYxTjgC2qug1ARN4ApgCZlReo6g73XIW3GxhjjAm+QHY9dQV2ezzOco+dMhGZJSIrRGRFdraX/ZONMcYETCADhbecD142aq6fqj6nqmNUdUzHjh3rf4IxAebD+Fu0iMx1zy8VkR5NX0tj/COQgSIL8MwPnQbsDWB5xjQJH8ffbgYOq2of4Eng901bS2P8J5CBYjnQV0R6ikgUMA2YF8DyjGkqVeNvqloCVI6/eZoCVKbcfRu4QMQfed+NaXoBG8xW1TIRuRP4GAgHXlTVdSLyCLBCVeeJyFjgXSAJuFxEHlbVOhPxrFy58pCI7KzldDJwyI8voym0tDq3tPrCqdW5uw/XeBt/O622a9z/C0eADjXrISKzgFnuw2IRWetjPf0pmP+mwSq7tZUL0OBMmAFdma2q84H5NY494PHzcpwuqVO5Z62DFCKyQlXr2Nuz+WlpdW5p9YWA1NmX8TefxuhU9TngOQjeexvMf9PW9pqD/V439Lm2MtuYU+fL+FvVNSISAbQFcpukdsb4mQUKY06dL+Nv84Ab3Z+nAv9R1QbN+jMm2EItKeBzwa5AA7S0Ore0+oKf6+zL+BvwAvB3EdmC05KYVvsdA1PPUxDMf9PW9ppb5Hst9keOMcaYuljXkzHGmDpZoDDGGFOnkAgU9aVTaA5EpJuILBSR9SKyTkR+7B5vLyKfishm93tSsOvqSUTCReRbEfnAfdzTTUmx2U1RERXsOnoSkXYi8raIbHDf6zOa03sczNQfPpT9UxHJFJE1IrJARHxZU9Locj2umyoiKiJ+mz7qS9kicq37uteJiF8yWfvwXqe7nwffuu/3JX4q90UROVjbehxxPO3Wa42IjPLpxqraor9wBhO3Ar2AKGA1MCjY9fJSz1RglPtzArAJJ/3DH4DZ7vHZwO+DXdca9f4pThr4D9zHbwLT3J+fBW4Pdh1r1Pdl4Bb35yigXXN5j335XQV+BDzr/jwNmNuEZZ8HxLk/3+6Psn39/+n+n1gELAHGNOFr7gt8CyS5jzs1UbnPVf7fcT8HdvjpNY8HRgFrazl/CfAhzjqf04Glvtw3FFoUvqRTCDpV3aeqq9yf84H1OKt3PVM9vAw0mz1ARSQNuBT4P/exAOfjpKSA5lffRJz/KC8AqGqJqubRfN7jYKb+qLdsVV2oqgXuwyWc4mLYhpbr+g1OQC/yQ5mnUvatwBxVPQygqgebqFwFEt2fax0kHQAABOtJREFU2+KnPHiquoi61+tMAV5RxxKgnYik1nffUAgUfktn3lTc7oSRwFIgRVX3gRNMgE7Bq9lJngJ+DlTuF9IByFPVMvdxc3uvewHZwEtuk/7/RKQNzec99uV3tVrqD6Ay9UdTlO3pZpy/PANeroiMBLqp6gd+KO+Uygb6Af1E5GsRWSIiE5uo3IeAG0QkCyd7xV1+KNcXDfq8DIVA4bd05k1BROKBd4CfqOrRYNenNiJyGXBQVVd6HvZyaXN6ryNwmt3PqOpI4DhOV1Nz4bfUHwEq27lQ5AZgDPB4oMsVkTCc7Lo/80NZp1S2KwKn+2kCMB34PxFp1wTlTgf+pqppON1Bf3ffi0Br0O9XKASKFpPOXEQicYLEq6r6T/fwgcqmn/vdH01ffzgLmCwiO3CazufjtDDauSkpoPm911lAlqoudR+/jRM4mst7HMzUHz79PxGRC4FfAZNVtbgJyk0AhgCfu79rpwPz/DSg7ev7/b6qlqrqdmAjTuAIdLk344z3oaqLgRichIGB1qDPy1AIFC0inbnbz/wCsF5V/+hxyjPVw43A+01dN29U9ZeqmqaqPXDe0/+o6veBhTgpKaAZ1RdAVfcDu0WkMkvmBThb7zaX9ziYqT/qLdvtAvorTpDwVzCts1xVPaKqyaraw/1dW+KW3+AEdr6W7XoPZxAfEUnG6Yra1gTl7sL5/UREBuIEiqbYvnMe8EN39tPpwJHKbtk6+WOkPdhfOE23TTgzDX4V7PrUUsezcZp4a4AM9+sSnP7nBcBm93v7YNfVS90ncGLWUy9gGbAFeAuIDnb9atR1BLDCfZ/fw0lh32zeY2+/q8AjOB+O4HxgvOW+v8uAXk1Y9mfAAY/fz3lNUW6Naz/HT7OefHzNAvwR5w+K73Bn9DVBuYOAr3FmRGUAF/mp3NeBfUApTuvhZuA24DaP1zvHrdd3vr7XlsLDGGNMnUKh68kYY0wAWaAwxhhTJwsUxhhj6mSBwhhjTJ0sUBhjjKmTBYpmTETKRSTD48tvq4xFpEdtGSaNMcZTqG2FGmoKVXVEsCthjGndrEXRAonIDhH5vYgsc7/6uMe7u/sIVO4nkO4eTxGRd0Vktft1pnurcBF53s3D/4mIxLrX3+2xL8EbQXqZxphmwgJF8xZbo+vpOo9zR1V1HPBnnBxMuD+/oqrDgFeBp93jTwNfqOpwnNxH69zjfXFSLA8G8oCr3eOzgZH/v707RmkgiMI4/j1ERBAUtBG09AR6AlsPIGIlNtpoJV7A3t7CygNYBkRsRLEQPIHYKZgynchnMRNcyGa64K77/zWZHULIVi8vk3wvv87BpG4OQDvwz+wGi4iB7bma/TdJm7Zfc9Dgh+3FiOhLWrb9lfffbS9FxKekFVdC3nLU+Y3ttXx9Kmna9llE9CQNlCIwrm0PJnyrABqMjqK9PGY97jl1qumg3/o9s9pSyoNZl/RcSYsF0EEUivbarjw+5vWDUlKlJO1Kus/rW6XRlsMZ2MPJWiNyJv6q7TuloUULkka6GgDdwSfFZpuNiJfKdc/28CeyMxHxpFTsd/LekaTLiDhRiizey/vHki4iYl+pczhUSpisMyXpKiLmlZImz53GiQLoKM4oWiifUWzY7v/1ewHw//HVEwCgiI4CAFBERwEAKKJQAACKKBQAgCIKBQCgiEIBACj6AZZlrObssj+LAAAAAElFTkSuQmCC"/>
           <p:cNvSpPr>
-            <a:spLocks noGrp="1"/>
+            <a:spLocks noChangeAspect="1" noChangeArrowheads="1"/>
           </p:cNvSpPr>
-          <p:nvPr>
-            <p:ph idx="1"/>
-          </p:nvPr>
+          <p:nvPr/>
         </p:nvSpPr>
-        <p:spPr/>
+        <p:spPr bwMode="auto">
+          <a:xfrm>
+            <a:off x="63500" y="-144463"/>
+            <a:ext cx="229889" cy="304801"/>
+          </a:xfrm>
+          <a:prstGeom prst="rect">
+            <a:avLst/>
+          </a:prstGeom>
+          <a:noFill/>
+          <a:extLst>
+            <a:ext uri="{909E8E84-426E-40DD-AFC4-6F175D3DCCD1}">
+              <a14:hiddenFill xmlns:a14="http://schemas.microsoft.com/office/drawing/2010/main">
+                <a:solidFill>
+                  <a:srgbClr val="FFFFFF"/>
+                </a:solidFill>
+              </a14:hiddenFill>
+            </a:ext>
+          </a:extLst>
+        </p:spPr>
         <p:txBody>
-          <a:bodyPr/>
+          <a:bodyPr vert="horz" wrap="square" lIns="91440" tIns="45720" rIns="91440" bIns="45720" numCol="1" anchor="t" anchorCtr="0" compatLnSpc="1">
+            <a:prstTxWarp prst="textNoShape">
+              <a:avLst/>
+            </a:prstTxWarp>
+          </a:bodyPr>
           <a:lstStyle/>
           <a:p>
-            <a:r>
-              <a:rPr lang="zh-TW" altLang="en-US" dirty="0" smtClean="0"/>
-              <a:t>如何提特徵</a:t>
-            </a:r>
-            <a:r>
-              <a:rPr lang="en-US" altLang="zh-TW" dirty="0" smtClean="0"/>
-              <a:t>?</a:t>
-            </a:r>
-            <a:r>
-              <a:rPr lang="zh-TW" altLang="en-US" dirty="0" smtClean="0"/>
-              <a:t>要說明提此特徵的原因為何</a:t>
-            </a:r>
-            <a:r>
-              <a:rPr lang="en-US" altLang="zh-TW" dirty="0" smtClean="0"/>
-              <a:t>?</a:t>
-            </a:r>
-            <a:endParaRPr lang="zh-TW" altLang="en-US" dirty="0"/>
+            <a:endParaRPr lang="zh-TW" altLang="en-US"/>
           </a:p>
         </p:txBody>
       </p:sp>
+      <p:graphicFrame>
+        <p:nvGraphicFramePr>
+          <p:cNvPr id="38" name="表格 37"/>
+          <p:cNvGraphicFramePr>
+            <a:graphicFrameLocks noGrp="1"/>
+          </p:cNvGraphicFramePr>
+          <p:nvPr>
+            <p:extLst>
+              <p:ext uri="{D42A27DB-BD31-4B8C-83A1-F6EECF244321}">
+                <p14:modId xmlns:p14="http://schemas.microsoft.com/office/powerpoint/2010/main" val="1644929714"/>
+              </p:ext>
+            </p:extLst>
+          </p:nvPr>
+        </p:nvGraphicFramePr>
+        <p:xfrm>
+          <a:off x="4491495" y="1012297"/>
+          <a:ext cx="4536000" cy="3854708"/>
+        </p:xfrm>
+        <a:graphic>
+          <a:graphicData uri="http://schemas.openxmlformats.org/drawingml/2006/table">
+            <a:tbl>
+              <a:tblPr firstRow="1" bandRow="1">
+                <a:tableStyleId>{5C22544A-7EE6-4342-B048-85BDC9FD1C3A}</a:tableStyleId>
+              </a:tblPr>
+              <a:tblGrid>
+                <a:gridCol w="1044000"/>
+                <a:gridCol w="1080000"/>
+                <a:gridCol w="2412000"/>
+              </a:tblGrid>
+              <a:tr h="428088">
+                <a:tc>
+                  <a:txBody>
+                    <a:bodyPr/>
+                    <a:lstStyle/>
+                    <a:p>
+                      <a:pPr algn="ctr"/>
+                      <a:r>
+                        <a:rPr lang="en-US" altLang="zh-TW" sz="1600" dirty="0" smtClean="0">
+                          <a:latin typeface="微軟正黑體" panose="020B0604030504040204" pitchFamily="34" charset="-120"/>
+                          <a:ea typeface="微軟正黑體" panose="020B0604030504040204" pitchFamily="34" charset="-120"/>
+                        </a:rPr>
+                        <a:t>Model</a:t>
+                      </a:r>
+                      <a:endParaRPr lang="zh-TW" altLang="en-US" sz="1600" dirty="0">
+                        <a:latin typeface="微軟正黑體" panose="020B0604030504040204" pitchFamily="34" charset="-120"/>
+                        <a:ea typeface="微軟正黑體" panose="020B0604030504040204" pitchFamily="34" charset="-120"/>
+                      </a:endParaRPr>
+                    </a:p>
+                  </a:txBody>
+                  <a:tcPr anchor="ctr"/>
+                </a:tc>
+                <a:tc>
+                  <a:txBody>
+                    <a:bodyPr/>
+                    <a:lstStyle/>
+                    <a:p>
+                      <a:pPr algn="ctr"/>
+                      <a:r>
+                        <a:rPr lang="en-US" altLang="zh-TW" sz="1600" dirty="0" smtClean="0">
+                          <a:latin typeface="微軟正黑體" panose="020B0604030504040204" pitchFamily="34" charset="-120"/>
+                          <a:ea typeface="微軟正黑體" panose="020B0604030504040204" pitchFamily="34" charset="-120"/>
+                        </a:rPr>
+                        <a:t>Accuracy</a:t>
+                      </a:r>
+                      <a:endParaRPr lang="zh-TW" altLang="en-US" sz="1600" dirty="0">
+                        <a:latin typeface="微軟正黑體" panose="020B0604030504040204" pitchFamily="34" charset="-120"/>
+                        <a:ea typeface="微軟正黑體" panose="020B0604030504040204" pitchFamily="34" charset="-120"/>
+                      </a:endParaRPr>
+                    </a:p>
+                  </a:txBody>
+                  <a:tcPr anchor="ctr"/>
+                </a:tc>
+                <a:tc>
+                  <a:txBody>
+                    <a:bodyPr/>
+                    <a:lstStyle/>
+                    <a:p>
+                      <a:pPr algn="ctr"/>
+                      <a:endParaRPr lang="zh-TW" altLang="en-US" sz="1600" dirty="0">
+                        <a:latin typeface="微軟正黑體" panose="020B0604030504040204" pitchFamily="34" charset="-120"/>
+                        <a:ea typeface="微軟正黑體" panose="020B0604030504040204" pitchFamily="34" charset="-120"/>
+                      </a:endParaRPr>
+                    </a:p>
+                  </a:txBody>
+                  <a:tcPr anchor="ctr"/>
+                </a:tc>
+              </a:tr>
+              <a:tr h="1713310">
+                <a:tc>
+                  <a:txBody>
+                    <a:bodyPr/>
+                    <a:lstStyle/>
+                    <a:p>
+                      <a:pPr algn="ctr"/>
+                      <a:r>
+                        <a:rPr lang="en-US" altLang="zh-TW" sz="1600" dirty="0" smtClean="0">
+                          <a:latin typeface="微軟正黑體" panose="020B0604030504040204" pitchFamily="34" charset="-120"/>
+                          <a:ea typeface="微軟正黑體" panose="020B0604030504040204" pitchFamily="34" charset="-120"/>
+                        </a:rPr>
+                        <a:t>CNN</a:t>
+                      </a:r>
+                      <a:endParaRPr lang="zh-TW" altLang="en-US" sz="1600" dirty="0">
+                        <a:latin typeface="微軟正黑體" panose="020B0604030504040204" pitchFamily="34" charset="-120"/>
+                        <a:ea typeface="微軟正黑體" panose="020B0604030504040204" pitchFamily="34" charset="-120"/>
+                      </a:endParaRPr>
+                    </a:p>
+                  </a:txBody>
+                  <a:tcPr anchor="ctr"/>
+                </a:tc>
+                <a:tc>
+                  <a:txBody>
+                    <a:bodyPr/>
+                    <a:lstStyle/>
+                    <a:p>
+                      <a:pPr algn="ctr"/>
+                      <a:r>
+                        <a:rPr lang="en-US" altLang="zh-TW" sz="1600" dirty="0" smtClean="0">
+                          <a:latin typeface="微軟正黑體" panose="020B0604030504040204" pitchFamily="34" charset="-120"/>
+                          <a:ea typeface="微軟正黑體" panose="020B0604030504040204" pitchFamily="34" charset="-120"/>
+                        </a:rPr>
+                        <a:t>0.89</a:t>
+                      </a:r>
+                      <a:endParaRPr lang="zh-TW" altLang="en-US" sz="1600" dirty="0">
+                        <a:latin typeface="微軟正黑體" panose="020B0604030504040204" pitchFamily="34" charset="-120"/>
+                        <a:ea typeface="微軟正黑體" panose="020B0604030504040204" pitchFamily="34" charset="-120"/>
+                      </a:endParaRPr>
+                    </a:p>
+                  </a:txBody>
+                  <a:tcPr anchor="ctr"/>
+                </a:tc>
+                <a:tc>
+                  <a:txBody>
+                    <a:bodyPr/>
+                    <a:lstStyle/>
+                    <a:p>
+                      <a:pPr algn="ctr"/>
+                      <a:endParaRPr lang="zh-TW" altLang="en-US" sz="1600" dirty="0">
+                        <a:latin typeface="微軟正黑體" panose="020B0604030504040204" pitchFamily="34" charset="-120"/>
+                        <a:ea typeface="微軟正黑體" panose="020B0604030504040204" pitchFamily="34" charset="-120"/>
+                      </a:endParaRPr>
+                    </a:p>
+                  </a:txBody>
+                  <a:tcPr anchor="ctr"/>
+                </a:tc>
+              </a:tr>
+              <a:tr h="1713310">
+                <a:tc>
+                  <a:txBody>
+                    <a:bodyPr/>
+                    <a:lstStyle/>
+                    <a:p>
+                      <a:pPr algn="ctr"/>
+                      <a:r>
+                        <a:rPr lang="en-US" altLang="zh-TW" sz="1600" dirty="0" smtClean="0">
+                          <a:latin typeface="微軟正黑體" panose="020B0604030504040204" pitchFamily="34" charset="-120"/>
+                          <a:ea typeface="微軟正黑體" panose="020B0604030504040204" pitchFamily="34" charset="-120"/>
+                        </a:rPr>
+                        <a:t>Transfer</a:t>
+                      </a:r>
+                      <a:r>
+                        <a:rPr lang="en-US" altLang="zh-TW" sz="1600" baseline="0" dirty="0" smtClean="0">
+                          <a:latin typeface="微軟正黑體" panose="020B0604030504040204" pitchFamily="34" charset="-120"/>
+                          <a:ea typeface="微軟正黑體" panose="020B0604030504040204" pitchFamily="34" charset="-120"/>
+                        </a:rPr>
+                        <a:t> Learning </a:t>
+                      </a:r>
+                      <a:endParaRPr lang="zh-TW" altLang="en-US" sz="1600" dirty="0">
+                        <a:latin typeface="微軟正黑體" panose="020B0604030504040204" pitchFamily="34" charset="-120"/>
+                        <a:ea typeface="微軟正黑體" panose="020B0604030504040204" pitchFamily="34" charset="-120"/>
+                      </a:endParaRPr>
+                    </a:p>
+                  </a:txBody>
+                  <a:tcPr anchor="ctr"/>
+                </a:tc>
+                <a:tc>
+                  <a:txBody>
+                    <a:bodyPr/>
+                    <a:lstStyle/>
+                    <a:p>
+                      <a:pPr algn="ctr"/>
+                      <a:r>
+                        <a:rPr lang="en-US" altLang="zh-TW" sz="1600" dirty="0" smtClean="0">
+                          <a:latin typeface="微軟正黑體" panose="020B0604030504040204" pitchFamily="34" charset="-120"/>
+                          <a:ea typeface="微軟正黑體" panose="020B0604030504040204" pitchFamily="34" charset="-120"/>
+                        </a:rPr>
+                        <a:t>0.93</a:t>
+                      </a:r>
+                      <a:endParaRPr lang="zh-TW" altLang="en-US" sz="1600" dirty="0">
+                        <a:latin typeface="微軟正黑體" panose="020B0604030504040204" pitchFamily="34" charset="-120"/>
+                        <a:ea typeface="微軟正黑體" panose="020B0604030504040204" pitchFamily="34" charset="-120"/>
+                      </a:endParaRPr>
+                    </a:p>
+                  </a:txBody>
+                  <a:tcPr anchor="ctr"/>
+                </a:tc>
+                <a:tc>
+                  <a:txBody>
+                    <a:bodyPr/>
+                    <a:lstStyle/>
+                    <a:p>
+                      <a:pPr algn="ctr"/>
+                      <a:endParaRPr lang="zh-TW" altLang="en-US" sz="1600" dirty="0">
+                        <a:latin typeface="微軟正黑體" panose="020B0604030504040204" pitchFamily="34" charset="-120"/>
+                        <a:ea typeface="微軟正黑體" panose="020B0604030504040204" pitchFamily="34" charset="-120"/>
+                      </a:endParaRPr>
+                    </a:p>
+                  </a:txBody>
+                  <a:tcPr anchor="ctr"/>
+                </a:tc>
+              </a:tr>
+            </a:tbl>
+          </a:graphicData>
+        </a:graphic>
+      </p:graphicFrame>
+      <p:sp>
+        <p:nvSpPr>
+          <p:cNvPr id="39" name="矩形 38"/>
+          <p:cNvSpPr/>
+          <p:nvPr/>
+        </p:nvSpPr>
+        <p:spPr>
+          <a:xfrm>
+            <a:off x="386535" y="2320872"/>
+            <a:ext cx="2694685" cy="830997"/>
+          </a:xfrm>
+          <a:prstGeom prst="rect">
+            <a:avLst/>
+          </a:prstGeom>
+        </p:spPr>
+        <p:txBody>
+          <a:bodyPr wrap="square">
+            <a:spAutoFit/>
+          </a:bodyPr>
+          <a:lstStyle/>
+          <a:p>
+            <a:pPr>
+              <a:buFont typeface="Arial" charset="0"/>
+              <a:buChar char="•"/>
+            </a:pPr>
+            <a:r>
+              <a:rPr lang="en-US" altLang="zh-TW" sz="1600" dirty="0">
+                <a:latin typeface="微軟正黑體" pitchFamily="34" charset="-120"/>
+              </a:rPr>
+              <a:t>Training </a:t>
+            </a:r>
+            <a:r>
+              <a:rPr lang="zh-TW" altLang="en-US" sz="1600" dirty="0">
+                <a:latin typeface="微軟正黑體" pitchFamily="34" charset="-120"/>
+              </a:rPr>
+              <a:t>模型：分類</a:t>
+            </a:r>
+          </a:p>
+          <a:p>
+            <a:pPr>
+              <a:buFont typeface="Arial" charset="0"/>
+              <a:buChar char="•"/>
+            </a:pPr>
+            <a:r>
+              <a:rPr lang="zh-TW" altLang="en-US" sz="1600" dirty="0">
+                <a:latin typeface="微軟正黑體" pitchFamily="34" charset="-120"/>
+              </a:rPr>
+              <a:t>分</a:t>
+            </a:r>
+            <a:r>
+              <a:rPr lang="en-US" altLang="zh-TW" sz="1600" dirty="0">
+                <a:latin typeface="微軟正黑體" pitchFamily="34" charset="-120"/>
+              </a:rPr>
+              <a:t>2</a:t>
+            </a:r>
+            <a:r>
+              <a:rPr lang="zh-TW" altLang="en-US" sz="1600" dirty="0">
+                <a:latin typeface="微軟正黑體" pitchFamily="34" charset="-120"/>
+              </a:rPr>
+              <a:t>類</a:t>
+            </a:r>
+            <a:r>
+              <a:rPr lang="zh-TW" altLang="en-US" sz="1600" dirty="0" smtClean="0">
+                <a:latin typeface="微軟正黑體" pitchFamily="34" charset="-120"/>
+              </a:rPr>
+              <a:t>：</a:t>
+            </a:r>
+            <a:r>
+              <a:rPr lang="en-US" altLang="zh-TW" sz="1600" dirty="0" smtClean="0"/>
+              <a:t>OK</a:t>
+            </a:r>
+            <a:r>
+              <a:rPr lang="zh-TW" altLang="en-US" sz="1600" dirty="0" smtClean="0"/>
+              <a:t> </a:t>
+            </a:r>
+            <a:r>
+              <a:rPr lang="en-US" altLang="zh-TW" sz="1600" dirty="0" smtClean="0">
+                <a:latin typeface="微軟正黑體" pitchFamily="34" charset="-120"/>
+              </a:rPr>
+              <a:t>/</a:t>
+            </a:r>
+            <a:r>
+              <a:rPr lang="zh-TW" altLang="en-US" sz="1600" dirty="0" smtClean="0">
+                <a:latin typeface="微軟正黑體" pitchFamily="34" charset="-120"/>
+              </a:rPr>
+              <a:t> </a:t>
+            </a:r>
+            <a:r>
+              <a:rPr lang="en-US" altLang="zh-TW" sz="1600" dirty="0" smtClean="0"/>
+              <a:t>NG</a:t>
+            </a:r>
+            <a:endParaRPr lang="en-US" altLang="zh-TW" sz="1600" dirty="0">
+              <a:latin typeface="微軟正黑體" pitchFamily="34" charset="-120"/>
+            </a:endParaRPr>
+          </a:p>
+          <a:p>
+            <a:pPr>
+              <a:buFont typeface="Arial" charset="0"/>
+              <a:buChar char="•"/>
+            </a:pPr>
+            <a:r>
+              <a:rPr lang="en-US" altLang="zh-TW" sz="1600" dirty="0">
+                <a:latin typeface="微軟正黑體" pitchFamily="34" charset="-120"/>
+              </a:rPr>
+              <a:t>Image Size</a:t>
+            </a:r>
+            <a:r>
+              <a:rPr lang="zh-TW" altLang="en-US" sz="1600" dirty="0" smtClean="0">
+                <a:latin typeface="微軟正黑體" pitchFamily="34" charset="-120"/>
+              </a:rPr>
+              <a:t>：</a:t>
+            </a:r>
+            <a:r>
+              <a:rPr lang="en-US" altLang="zh-TW" sz="1600" dirty="0" smtClean="0">
+                <a:latin typeface="微軟正黑體" pitchFamily="34" charset="-120"/>
+              </a:rPr>
+              <a:t>299*299</a:t>
+            </a:r>
+            <a:endParaRPr lang="en-US" altLang="zh-TW" sz="1600" dirty="0">
+              <a:latin typeface="微軟正黑體" pitchFamily="34" charset="-120"/>
+            </a:endParaRPr>
+          </a:p>
+        </p:txBody>
+      </p:sp>
+      <p:graphicFrame>
+        <p:nvGraphicFramePr>
+          <p:cNvPr id="43" name="表格 42"/>
+          <p:cNvGraphicFramePr>
+            <a:graphicFrameLocks noGrp="1"/>
+          </p:cNvGraphicFramePr>
+          <p:nvPr>
+            <p:extLst>
+              <p:ext uri="{D42A27DB-BD31-4B8C-83A1-F6EECF244321}">
+                <p14:modId xmlns:p14="http://schemas.microsoft.com/office/powerpoint/2010/main" val="1669162590"/>
+              </p:ext>
+            </p:extLst>
+          </p:nvPr>
+        </p:nvGraphicFramePr>
+        <p:xfrm>
+          <a:off x="476545" y="3336835"/>
+          <a:ext cx="2763541" cy="1005840"/>
+        </p:xfrm>
+        <a:graphic>
+          <a:graphicData uri="http://schemas.openxmlformats.org/drawingml/2006/table">
+            <a:tbl>
+              <a:tblPr firstRow="1" bandRow="1">
+                <a:tableStyleId>{3B4B98B0-60AC-42C2-AFA5-B58CD77FA1E5}</a:tableStyleId>
+              </a:tblPr>
+              <a:tblGrid>
+                <a:gridCol w="676551"/>
+                <a:gridCol w="667838"/>
+                <a:gridCol w="709576"/>
+                <a:gridCol w="709576"/>
+              </a:tblGrid>
+              <a:tr h="330079">
+                <a:tc>
+                  <a:txBody>
+                    <a:bodyPr/>
+                    <a:lstStyle/>
+                    <a:p>
+                      <a:pPr algn="ctr"/>
+                      <a:endParaRPr lang="zh-TW" altLang="en-US" sz="1600" dirty="0">
+                        <a:latin typeface="微軟正黑體" panose="020B0604030504040204" pitchFamily="34" charset="-120"/>
+                        <a:ea typeface="微軟正黑體" panose="020B0604030504040204" pitchFamily="34" charset="-120"/>
+                      </a:endParaRPr>
+                    </a:p>
+                  </a:txBody>
+                  <a:tcPr/>
+                </a:tc>
+                <a:tc>
+                  <a:txBody>
+                    <a:bodyPr/>
+                    <a:lstStyle/>
+                    <a:p>
+                      <a:pPr algn="ctr"/>
+                      <a:r>
+                        <a:rPr lang="en-US" altLang="zh-TW" sz="1600" dirty="0" smtClean="0">
+                          <a:latin typeface="微軟正黑體" panose="020B0604030504040204" pitchFamily="34" charset="-120"/>
+                          <a:ea typeface="微軟正黑體" panose="020B0604030504040204" pitchFamily="34" charset="-120"/>
+                        </a:rPr>
+                        <a:t>OK</a:t>
+                      </a:r>
+                      <a:endParaRPr lang="zh-TW" altLang="en-US" sz="1600" dirty="0">
+                        <a:latin typeface="微軟正黑體" panose="020B0604030504040204" pitchFamily="34" charset="-120"/>
+                        <a:ea typeface="微軟正黑體" panose="020B0604030504040204" pitchFamily="34" charset="-120"/>
+                      </a:endParaRPr>
+                    </a:p>
+                  </a:txBody>
+                  <a:tcPr/>
+                </a:tc>
+                <a:tc>
+                  <a:txBody>
+                    <a:bodyPr/>
+                    <a:lstStyle/>
+                    <a:p>
+                      <a:pPr algn="ctr"/>
+                      <a:r>
+                        <a:rPr lang="en-US" altLang="zh-TW" sz="1600" dirty="0" smtClean="0">
+                          <a:latin typeface="微軟正黑體" panose="020B0604030504040204" pitchFamily="34" charset="-120"/>
+                          <a:ea typeface="微軟正黑體" panose="020B0604030504040204" pitchFamily="34" charset="-120"/>
+                        </a:rPr>
+                        <a:t>NG</a:t>
+                      </a:r>
+                      <a:endParaRPr lang="zh-TW" altLang="en-US" sz="1600" dirty="0">
+                        <a:latin typeface="微軟正黑體" panose="020B0604030504040204" pitchFamily="34" charset="-120"/>
+                        <a:ea typeface="微軟正黑體" panose="020B0604030504040204" pitchFamily="34" charset="-120"/>
+                      </a:endParaRPr>
+                    </a:p>
+                  </a:txBody>
+                  <a:tcPr/>
+                </a:tc>
+                <a:tc>
+                  <a:txBody>
+                    <a:bodyPr/>
+                    <a:lstStyle/>
+                    <a:p>
+                      <a:pPr algn="ctr"/>
+                      <a:r>
+                        <a:rPr lang="en-US" altLang="zh-TW" sz="1600" dirty="0" smtClean="0">
+                          <a:latin typeface="微軟正黑體" panose="020B0604030504040204" pitchFamily="34" charset="-120"/>
+                          <a:ea typeface="微軟正黑體" panose="020B0604030504040204" pitchFamily="34" charset="-120"/>
+                        </a:rPr>
+                        <a:t>Total</a:t>
+                      </a:r>
+                      <a:endParaRPr lang="zh-TW" altLang="en-US" sz="1600" dirty="0">
+                        <a:latin typeface="微軟正黑體" panose="020B0604030504040204" pitchFamily="34" charset="-120"/>
+                        <a:ea typeface="微軟正黑體" panose="020B0604030504040204" pitchFamily="34" charset="-120"/>
+                      </a:endParaRPr>
+                    </a:p>
+                  </a:txBody>
+                  <a:tcPr/>
+                </a:tc>
+              </a:tr>
+              <a:tr h="333208">
+                <a:tc>
+                  <a:txBody>
+                    <a:bodyPr/>
+                    <a:lstStyle/>
+                    <a:p>
+                      <a:pPr algn="ctr"/>
+                      <a:r>
+                        <a:rPr lang="en-US" altLang="zh-TW" sz="1600" dirty="0" smtClean="0">
+                          <a:latin typeface="微軟正黑體" panose="020B0604030504040204" pitchFamily="34" charset="-120"/>
+                          <a:ea typeface="微軟正黑體" panose="020B0604030504040204" pitchFamily="34" charset="-120"/>
+                        </a:rPr>
+                        <a:t>Train</a:t>
+                      </a:r>
+                      <a:endParaRPr lang="zh-TW" altLang="en-US" sz="1600" dirty="0">
+                        <a:latin typeface="微軟正黑體" panose="020B0604030504040204" pitchFamily="34" charset="-120"/>
+                        <a:ea typeface="微軟正黑體" panose="020B0604030504040204" pitchFamily="34" charset="-120"/>
+                      </a:endParaRPr>
+                    </a:p>
+                  </a:txBody>
+                  <a:tcPr/>
+                </a:tc>
+                <a:tc>
+                  <a:txBody>
+                    <a:bodyPr/>
+                    <a:lstStyle/>
+                    <a:p>
+                      <a:pPr algn="ctr"/>
+                      <a:r>
+                        <a:rPr lang="en-US" altLang="zh-TW" sz="1600" dirty="0" smtClean="0">
+                          <a:latin typeface="微軟正黑體" panose="020B0604030504040204" pitchFamily="34" charset="-120"/>
+                          <a:ea typeface="微軟正黑體" panose="020B0604030504040204" pitchFamily="34" charset="-120"/>
+                        </a:rPr>
+                        <a:t>249</a:t>
+                      </a:r>
+                      <a:endParaRPr lang="zh-TW" altLang="en-US" sz="1600" dirty="0">
+                        <a:latin typeface="微軟正黑體" panose="020B0604030504040204" pitchFamily="34" charset="-120"/>
+                        <a:ea typeface="微軟正黑體" panose="020B0604030504040204" pitchFamily="34" charset="-120"/>
+                      </a:endParaRPr>
+                    </a:p>
+                  </a:txBody>
+                  <a:tcPr/>
+                </a:tc>
+                <a:tc>
+                  <a:txBody>
+                    <a:bodyPr/>
+                    <a:lstStyle/>
+                    <a:p>
+                      <a:pPr algn="ctr"/>
+                      <a:r>
+                        <a:rPr lang="en-US" altLang="zh-TW" sz="1600" dirty="0" smtClean="0">
+                          <a:latin typeface="微軟正黑體" panose="020B0604030504040204" pitchFamily="34" charset="-120"/>
+                          <a:ea typeface="微軟正黑體" panose="020B0604030504040204" pitchFamily="34" charset="-120"/>
+                        </a:rPr>
+                        <a:t>192</a:t>
+                      </a:r>
+                      <a:endParaRPr lang="zh-TW" altLang="en-US" sz="1600" dirty="0">
+                        <a:latin typeface="微軟正黑體" panose="020B0604030504040204" pitchFamily="34" charset="-120"/>
+                        <a:ea typeface="微軟正黑體" panose="020B0604030504040204" pitchFamily="34" charset="-120"/>
+                      </a:endParaRPr>
+                    </a:p>
+                  </a:txBody>
+                  <a:tcPr/>
+                </a:tc>
+                <a:tc>
+                  <a:txBody>
+                    <a:bodyPr/>
+                    <a:lstStyle/>
+                    <a:p>
+                      <a:pPr algn="ctr"/>
+                      <a:r>
+                        <a:rPr lang="en-US" altLang="zh-TW" sz="1600" dirty="0" smtClean="0">
+                          <a:latin typeface="微軟正黑體" panose="020B0604030504040204" pitchFamily="34" charset="-120"/>
+                          <a:ea typeface="微軟正黑體" panose="020B0604030504040204" pitchFamily="34" charset="-120"/>
+                        </a:rPr>
+                        <a:t>441</a:t>
+                      </a:r>
+                      <a:endParaRPr lang="zh-TW" altLang="en-US" sz="1600" dirty="0">
+                        <a:latin typeface="微軟正黑體" panose="020B0604030504040204" pitchFamily="34" charset="-120"/>
+                        <a:ea typeface="微軟正黑體" panose="020B0604030504040204" pitchFamily="34" charset="-120"/>
+                      </a:endParaRPr>
+                    </a:p>
+                  </a:txBody>
+                  <a:tcPr/>
+                </a:tc>
+              </a:tr>
+              <a:tr h="333208">
+                <a:tc>
+                  <a:txBody>
+                    <a:bodyPr/>
+                    <a:lstStyle/>
+                    <a:p>
+                      <a:pPr algn="ctr"/>
+                      <a:r>
+                        <a:rPr lang="en-US" altLang="zh-TW" sz="1600" dirty="0" smtClean="0">
+                          <a:latin typeface="微軟正黑體" panose="020B0604030504040204" pitchFamily="34" charset="-120"/>
+                          <a:ea typeface="微軟正黑體" panose="020B0604030504040204" pitchFamily="34" charset="-120"/>
+                        </a:rPr>
+                        <a:t>Test</a:t>
+                      </a:r>
+                      <a:endParaRPr lang="zh-TW" altLang="en-US" sz="1600" dirty="0">
+                        <a:latin typeface="微軟正黑體" panose="020B0604030504040204" pitchFamily="34" charset="-120"/>
+                        <a:ea typeface="微軟正黑體" panose="020B0604030504040204" pitchFamily="34" charset="-120"/>
+                      </a:endParaRPr>
+                    </a:p>
+                  </a:txBody>
+                  <a:tcPr/>
+                </a:tc>
+                <a:tc>
+                  <a:txBody>
+                    <a:bodyPr/>
+                    <a:lstStyle/>
+                    <a:p>
+                      <a:pPr algn="ctr"/>
+                      <a:r>
+                        <a:rPr lang="en-US" altLang="zh-TW" sz="1600" dirty="0" smtClean="0">
+                          <a:latin typeface="微軟正黑體" panose="020B0604030504040204" pitchFamily="34" charset="-120"/>
+                          <a:ea typeface="微軟正黑體" panose="020B0604030504040204" pitchFamily="34" charset="-120"/>
+                        </a:rPr>
+                        <a:t>62</a:t>
+                      </a:r>
+                      <a:endParaRPr lang="zh-TW" altLang="en-US" sz="1600" dirty="0">
+                        <a:latin typeface="微軟正黑體" panose="020B0604030504040204" pitchFamily="34" charset="-120"/>
+                        <a:ea typeface="微軟正黑體" panose="020B0604030504040204" pitchFamily="34" charset="-120"/>
+                      </a:endParaRPr>
+                    </a:p>
+                  </a:txBody>
+                  <a:tcPr/>
+                </a:tc>
+                <a:tc>
+                  <a:txBody>
+                    <a:bodyPr/>
+                    <a:lstStyle/>
+                    <a:p>
+                      <a:pPr algn="ctr"/>
+                      <a:r>
+                        <a:rPr lang="en-US" altLang="zh-TW" sz="1600" dirty="0" smtClean="0">
+                          <a:latin typeface="微軟正黑體" panose="020B0604030504040204" pitchFamily="34" charset="-120"/>
+                          <a:ea typeface="微軟正黑體" panose="020B0604030504040204" pitchFamily="34" charset="-120"/>
+                        </a:rPr>
+                        <a:t>49</a:t>
+                      </a:r>
+                      <a:endParaRPr lang="zh-TW" altLang="en-US" sz="1600" dirty="0">
+                        <a:latin typeface="微軟正黑體" panose="020B0604030504040204" pitchFamily="34" charset="-120"/>
+                        <a:ea typeface="微軟正黑體" panose="020B0604030504040204" pitchFamily="34" charset="-120"/>
+                      </a:endParaRPr>
+                    </a:p>
+                  </a:txBody>
+                  <a:tcPr/>
+                </a:tc>
+                <a:tc>
+                  <a:txBody>
+                    <a:bodyPr/>
+                    <a:lstStyle/>
+                    <a:p>
+                      <a:pPr algn="ctr"/>
+                      <a:r>
+                        <a:rPr lang="en-US" altLang="zh-TW" sz="1600" dirty="0" smtClean="0">
+                          <a:latin typeface="微軟正黑體" panose="020B0604030504040204" pitchFamily="34" charset="-120"/>
+                          <a:ea typeface="微軟正黑體" panose="020B0604030504040204" pitchFamily="34" charset="-120"/>
+                        </a:rPr>
+                        <a:t>111</a:t>
+                      </a:r>
+                      <a:endParaRPr lang="zh-TW" altLang="en-US" sz="1600" dirty="0">
+                        <a:latin typeface="微軟正黑體" panose="020B0604030504040204" pitchFamily="34" charset="-120"/>
+                        <a:ea typeface="微軟正黑體" panose="020B0604030504040204" pitchFamily="34" charset="-120"/>
+                      </a:endParaRPr>
+                    </a:p>
+                  </a:txBody>
+                  <a:tcPr/>
+                </a:tc>
+              </a:tr>
+            </a:tbl>
+          </a:graphicData>
+        </a:graphic>
+      </p:graphicFrame>
+      <p:pic>
+        <p:nvPicPr>
+          <p:cNvPr id="64" name="圖片 63"/>
+          <p:cNvPicPr>
+            <a:picLocks noChangeAspect="1"/>
+          </p:cNvPicPr>
+          <p:nvPr/>
+        </p:nvPicPr>
+        <p:blipFill>
+          <a:blip r:embed="rId2"/>
+          <a:stretch>
+            <a:fillRect/>
+          </a:stretch>
+        </p:blipFill>
+        <p:spPr>
+          <a:xfrm>
+            <a:off x="208389" y="861256"/>
+            <a:ext cx="4272086" cy="1170434"/>
+          </a:xfrm>
+          <a:prstGeom prst="rect">
+            <a:avLst/>
+          </a:prstGeom>
+        </p:spPr>
+      </p:pic>
+      <p:pic>
+        <p:nvPicPr>
+          <p:cNvPr id="66" name="圖片 65"/>
+          <p:cNvPicPr>
+            <a:picLocks noChangeAspect="1"/>
+          </p:cNvPicPr>
+          <p:nvPr/>
+        </p:nvPicPr>
+        <p:blipFill rotWithShape="1">
+          <a:blip r:embed="rId3"/>
+          <a:srcRect t="9545" r="5819"/>
+          <a:stretch/>
+        </p:blipFill>
+        <p:spPr>
+          <a:xfrm>
+            <a:off x="6696071" y="3228521"/>
+            <a:ext cx="2294582" cy="1548474"/>
+          </a:xfrm>
+          <a:prstGeom prst="rect">
+            <a:avLst/>
+          </a:prstGeom>
+        </p:spPr>
+      </p:pic>
+      <p:pic>
+        <p:nvPicPr>
+          <p:cNvPr id="4" name="圖片 3"/>
+          <p:cNvPicPr>
+            <a:picLocks noChangeAspect="1"/>
+          </p:cNvPicPr>
+          <p:nvPr/>
+        </p:nvPicPr>
+        <p:blipFill rotWithShape="1">
+          <a:blip r:embed="rId4"/>
+          <a:srcRect t="6437" r="2750"/>
+          <a:stretch/>
+        </p:blipFill>
+        <p:spPr>
+          <a:xfrm>
+            <a:off x="6695601" y="1536635"/>
+            <a:ext cx="2282251" cy="1548474"/>
+          </a:xfrm>
+          <a:prstGeom prst="rect">
+            <a:avLst/>
+          </a:prstGeom>
+        </p:spPr>
+      </p:pic>
     </p:spTree>
     <p:extLst>
       <p:ext uri="{BB962C8B-B14F-4D97-AF65-F5344CB8AC3E}">
-        <p14:creationId xmlns:p14="http://schemas.microsoft.com/office/powerpoint/2010/main" val="999749561"/>
+        <p14:creationId xmlns:p14="http://schemas.microsoft.com/office/powerpoint/2010/main" val="4247187928"/>
       </p:ext>
     </p:extLst>
   </p:cSld>
@@ -4979,6 +6258,82 @@
       </p:grpSpPr>
       <p:sp>
         <p:nvSpPr>
+          <p:cNvPr id="43" name="矩形 42">
+            <a:extLst>
+              <a:ext uri="{FF2B5EF4-FFF2-40B4-BE49-F238E27FC236}">
+                <a16:creationId xmlns="" xmlns:a16="http://schemas.microsoft.com/office/drawing/2014/main" id="{E8F3926D-CE35-4BD2-B456-4E7241F89FE2}"/>
+              </a:ext>
+            </a:extLst>
+          </p:cNvPr>
+          <p:cNvSpPr/>
+          <p:nvPr/>
+        </p:nvSpPr>
+        <p:spPr>
+          <a:xfrm>
+            <a:off x="4095449" y="836579"/>
+            <a:ext cx="4707026" cy="646331"/>
+          </a:xfrm>
+          <a:prstGeom prst="rect">
+            <a:avLst/>
+          </a:prstGeom>
+        </p:spPr>
+        <p:txBody>
+          <a:bodyPr wrap="square">
+            <a:spAutoFit/>
+          </a:bodyPr>
+          <a:lstStyle/>
+          <a:p>
+            <a:pPr marL="457200" indent="-457200">
+              <a:buFont typeface="Wingdings" panose="05000000000000000000" pitchFamily="2" charset="2"/>
+              <a:buChar char="Ø"/>
+            </a:pPr>
+            <a:r>
+              <a:rPr lang="zh-TW" altLang="en-US" sz="1800" dirty="0" smtClean="0">
+                <a:latin typeface="微軟正黑體" panose="020B0604030504040204" pitchFamily="34" charset="-120"/>
+              </a:rPr>
+              <a:t>電腦看到的跟我們想的</a:t>
+            </a:r>
+            <a:r>
+              <a:rPr lang="zh-TW" altLang="en-US" sz="1800" b="1" dirty="0" smtClean="0">
+                <a:latin typeface="微軟正黑體" panose="020B0604030504040204" pitchFamily="34" charset="-120"/>
+              </a:rPr>
+              <a:t>不一樣。</a:t>
+            </a:r>
+            <a:endParaRPr lang="en-US" altLang="zh-TW" sz="1800" b="1" dirty="0" smtClean="0">
+              <a:latin typeface="微軟正黑體" panose="020B0604030504040204" pitchFamily="34" charset="-120"/>
+            </a:endParaRPr>
+          </a:p>
+          <a:p>
+            <a:pPr marL="457200" indent="-457200">
+              <a:buFont typeface="Wingdings" panose="05000000000000000000" pitchFamily="2" charset="2"/>
+              <a:buChar char="Ø"/>
+            </a:pPr>
+            <a:r>
+              <a:rPr lang="zh-TW" altLang="en-US" sz="1800" dirty="0" smtClean="0">
+                <a:latin typeface="微軟正黑體" panose="020B0604030504040204" pitchFamily="34" charset="-120"/>
+              </a:rPr>
+              <a:t>特殊</a:t>
+            </a:r>
+            <a:r>
+              <a:rPr lang="en-US" altLang="zh-TW" sz="1800" dirty="0" smtClean="0">
+                <a:latin typeface="微軟正黑體" panose="020B0604030504040204" pitchFamily="34" charset="-120"/>
+              </a:rPr>
+              <a:t>MAP</a:t>
+            </a:r>
+            <a:r>
+              <a:rPr lang="zh-TW" altLang="en-US" sz="1800" dirty="0" smtClean="0">
+                <a:latin typeface="微軟正黑體" panose="020B0604030504040204" pitchFamily="34" charset="-120"/>
+              </a:rPr>
+              <a:t>資料相對少。</a:t>
+            </a:r>
+            <a:endParaRPr lang="zh-TW" altLang="en-US" sz="1800" dirty="0">
+              <a:latin typeface="微軟正黑體" panose="020B0604030504040204" pitchFamily="34" charset="-120"/>
+            </a:endParaRPr>
+          </a:p>
+        </p:txBody>
+      </p:sp>
+      <p:sp>
+        <p:nvSpPr>
           <p:cNvPr id="2" name="標題 1"/>
           <p:cNvSpPr>
             <a:spLocks noGrp="1"/>
@@ -4987,74 +6342,871 @@
             <p:ph type="title"/>
           </p:nvPr>
         </p:nvSpPr>
-        <p:spPr/>
+        <p:spPr>
+          <a:xfrm>
+            <a:off x="527865" y="231490"/>
+            <a:ext cx="6879449" cy="1170130"/>
+          </a:xfrm>
+        </p:spPr>
         <p:txBody>
           <a:bodyPr/>
           <a:lstStyle/>
           <a:p>
             <a:r>
+              <a:rPr lang="zh-TW" altLang="en-US" dirty="0"/>
+              <a:t>專題執行說明 </a:t>
+            </a:r>
+            <a:r>
+              <a:rPr lang="en-US" altLang="zh-TW" dirty="0"/>
+              <a:t>–</a:t>
+            </a:r>
+            <a:r>
               <a:rPr lang="zh-TW" altLang="en-US" dirty="0" smtClean="0"/>
-              <a:t>特徵篩選</a:t>
-            </a:r>
-            <a:endParaRPr lang="zh-TW" altLang="en-US" dirty="0"/>
+              <a:t>結</a:t>
+            </a:r>
+            <a:r>
+              <a:rPr lang="zh-TW" altLang="en-US" dirty="0"/>
+              <a:t>果與討</a:t>
+            </a:r>
+            <a:r>
+              <a:rPr lang="zh-TW" altLang="en-US" dirty="0"/>
+              <a:t>論</a:t>
+            </a:r>
+            <a:r>
+              <a:rPr lang="zh-TW" altLang="en-US" sz="1800" dirty="0" smtClean="0"/>
+              <a:t> </a:t>
+            </a:r>
+            <a:r>
+              <a:rPr lang="en-US" altLang="zh-TW" sz="1800" dirty="0" smtClean="0"/>
+              <a:t>(Transfer Learning)</a:t>
+            </a:r>
+            <a:endParaRPr lang="zh-TW" altLang="en-US" sz="1800" dirty="0"/>
           </a:p>
         </p:txBody>
       </p:sp>
+      <p:graphicFrame>
+        <p:nvGraphicFramePr>
+          <p:cNvPr id="5" name="表格 4"/>
+          <p:cNvGraphicFramePr>
+            <a:graphicFrameLocks noGrp="1"/>
+          </p:cNvGraphicFramePr>
+          <p:nvPr>
+            <p:extLst>
+              <p:ext uri="{D42A27DB-BD31-4B8C-83A1-F6EECF244321}">
+                <p14:modId xmlns:p14="http://schemas.microsoft.com/office/powerpoint/2010/main" val="210683495"/>
+              </p:ext>
+            </p:extLst>
+          </p:nvPr>
+        </p:nvGraphicFramePr>
+        <p:xfrm>
+          <a:off x="125977" y="918019"/>
+          <a:ext cx="3621870" cy="1993164"/>
+        </p:xfrm>
+        <a:graphic>
+          <a:graphicData uri="http://schemas.openxmlformats.org/drawingml/2006/table">
+            <a:tbl>
+              <a:tblPr firstRow="1" firstCol="1" bandRow="1">
+                <a:tableStyleId>{5C22544A-7EE6-4342-B048-85BDC9FD1C3A}</a:tableStyleId>
+              </a:tblPr>
+              <a:tblGrid>
+                <a:gridCol w="416516"/>
+                <a:gridCol w="654132"/>
+                <a:gridCol w="1156803"/>
+                <a:gridCol w="1394419"/>
+              </a:tblGrid>
+              <a:tr h="336785">
+                <a:tc rowSpan="2" gridSpan="2">
+                  <a:txBody>
+                    <a:bodyPr/>
+                    <a:lstStyle/>
+                    <a:p>
+                      <a:pPr algn="ctr"/>
+                      <a:endParaRPr lang="zh-TW" altLang="en-US" dirty="0">
+                        <a:latin typeface="微軟正黑體" panose="020B0604030504040204" pitchFamily="34" charset="-120"/>
+                        <a:ea typeface="微軟正黑體" panose="020B0604030504040204" pitchFamily="34" charset="-120"/>
+                      </a:endParaRPr>
+                    </a:p>
+                  </a:txBody>
+                  <a:tcPr anchor="ctr"/>
+                </a:tc>
+                <a:tc rowSpan="2" hMerge="1">
+                  <a:txBody>
+                    <a:bodyPr/>
+                    <a:lstStyle/>
+                    <a:p>
+                      <a:pPr algn="ctr"/>
+                      <a:endParaRPr lang="zh-TW" altLang="en-US" dirty="0"/>
+                    </a:p>
+                  </a:txBody>
+                  <a:tcPr anchor="ctr"/>
+                </a:tc>
+                <a:tc gridSpan="2">
+                  <a:txBody>
+                    <a:bodyPr/>
+                    <a:lstStyle/>
+                    <a:p>
+                      <a:pPr algn="ctr"/>
+                      <a:r>
+                        <a:rPr lang="zh-TW" altLang="en-US" dirty="0" smtClean="0">
+                          <a:latin typeface="微軟正黑體" panose="020B0604030504040204" pitchFamily="34" charset="-120"/>
+                          <a:ea typeface="微軟正黑體" panose="020B0604030504040204" pitchFamily="34" charset="-120"/>
+                        </a:rPr>
+                        <a:t>預測</a:t>
+                      </a:r>
+                      <a:endParaRPr lang="zh-TW" altLang="en-US" dirty="0">
+                        <a:latin typeface="微軟正黑體" panose="020B0604030504040204" pitchFamily="34" charset="-120"/>
+                        <a:ea typeface="微軟正黑體" panose="020B0604030504040204" pitchFamily="34" charset="-120"/>
+                      </a:endParaRPr>
+                    </a:p>
+                  </a:txBody>
+                  <a:tcPr anchor="ctr"/>
+                </a:tc>
+                <a:tc hMerge="1">
+                  <a:txBody>
+                    <a:bodyPr/>
+                    <a:lstStyle/>
+                    <a:p>
+                      <a:pPr algn="ctr"/>
+                      <a:endParaRPr lang="zh-TW" altLang="en-US" dirty="0"/>
+                    </a:p>
+                  </a:txBody>
+                  <a:tcPr anchor="ctr"/>
+                </a:tc>
+              </a:tr>
+              <a:tr h="336785">
+                <a:tc gridSpan="2" vMerge="1">
+                  <a:txBody>
+                    <a:bodyPr/>
+                    <a:lstStyle/>
+                    <a:p>
+                      <a:pPr algn="ctr"/>
+                      <a:endParaRPr lang="zh-TW" altLang="en-US" dirty="0"/>
+                    </a:p>
+                  </a:txBody>
+                  <a:tcPr anchor="ctr"/>
+                </a:tc>
+                <a:tc hMerge="1" vMerge="1">
+                  <a:txBody>
+                    <a:bodyPr/>
+                    <a:lstStyle/>
+                    <a:p>
+                      <a:pPr algn="ctr"/>
+                      <a:endParaRPr lang="zh-TW" altLang="en-US" dirty="0"/>
+                    </a:p>
+                  </a:txBody>
+                  <a:tcPr anchor="ctr"/>
+                </a:tc>
+                <a:tc>
+                  <a:txBody>
+                    <a:bodyPr/>
+                    <a:lstStyle/>
+                    <a:p>
+                      <a:pPr algn="ctr"/>
+                      <a:r>
+                        <a:rPr lang="en-US" altLang="zh-TW" dirty="0" smtClean="0">
+                          <a:latin typeface="微軟正黑體" panose="020B0604030504040204" pitchFamily="34" charset="-120"/>
+                          <a:ea typeface="微軟正黑體" panose="020B0604030504040204" pitchFamily="34" charset="-120"/>
+                        </a:rPr>
+                        <a:t>OK</a:t>
+                      </a:r>
+                      <a:endParaRPr lang="zh-TW" altLang="en-US" dirty="0">
+                        <a:latin typeface="微軟正黑體" panose="020B0604030504040204" pitchFamily="34" charset="-120"/>
+                        <a:ea typeface="微軟正黑體" panose="020B0604030504040204" pitchFamily="34" charset="-120"/>
+                      </a:endParaRPr>
+                    </a:p>
+                  </a:txBody>
+                  <a:tcPr anchor="ctr"/>
+                </a:tc>
+                <a:tc>
+                  <a:txBody>
+                    <a:bodyPr/>
+                    <a:lstStyle/>
+                    <a:p>
+                      <a:pPr algn="ctr"/>
+                      <a:r>
+                        <a:rPr lang="en-US" altLang="zh-TW" dirty="0" smtClean="0">
+                          <a:latin typeface="微軟正黑體" panose="020B0604030504040204" pitchFamily="34" charset="-120"/>
+                          <a:ea typeface="微軟正黑體" panose="020B0604030504040204" pitchFamily="34" charset="-120"/>
+                        </a:rPr>
+                        <a:t>NG</a:t>
+                      </a:r>
+                      <a:endParaRPr lang="zh-TW" altLang="en-US" dirty="0">
+                        <a:latin typeface="微軟正黑體" panose="020B0604030504040204" pitchFamily="34" charset="-120"/>
+                        <a:ea typeface="微軟正黑體" panose="020B0604030504040204" pitchFamily="34" charset="-120"/>
+                      </a:endParaRPr>
+                    </a:p>
+                  </a:txBody>
+                  <a:tcPr anchor="ctr"/>
+                </a:tc>
+              </a:tr>
+              <a:tr h="630822">
+                <a:tc rowSpan="2">
+                  <a:txBody>
+                    <a:bodyPr/>
+                    <a:lstStyle/>
+                    <a:p>
+                      <a:pPr algn="ctr"/>
+                      <a:r>
+                        <a:rPr lang="zh-TW" altLang="en-US" dirty="0" smtClean="0">
+                          <a:latin typeface="微軟正黑體" panose="020B0604030504040204" pitchFamily="34" charset="-120"/>
+                          <a:ea typeface="微軟正黑體" panose="020B0604030504040204" pitchFamily="34" charset="-120"/>
+                        </a:rPr>
+                        <a:t>真實</a:t>
+                      </a:r>
+                      <a:endParaRPr lang="zh-TW" altLang="en-US" dirty="0">
+                        <a:latin typeface="微軟正黑體" panose="020B0604030504040204" pitchFamily="34" charset="-120"/>
+                        <a:ea typeface="微軟正黑體" panose="020B0604030504040204" pitchFamily="34" charset="-120"/>
+                      </a:endParaRPr>
+                    </a:p>
+                  </a:txBody>
+                  <a:tcPr anchor="ctr"/>
+                </a:tc>
+                <a:tc>
+                  <a:txBody>
+                    <a:bodyPr/>
+                    <a:lstStyle/>
+                    <a:p>
+                      <a:pPr algn="ctr"/>
+                      <a:r>
+                        <a:rPr lang="en-US" altLang="zh-TW" dirty="0" smtClean="0">
+                          <a:latin typeface="微軟正黑體" panose="020B0604030504040204" pitchFamily="34" charset="-120"/>
+                          <a:ea typeface="微軟正黑體" panose="020B0604030504040204" pitchFamily="34" charset="-120"/>
+                        </a:rPr>
+                        <a:t>OK</a:t>
+                      </a:r>
+                      <a:endParaRPr lang="zh-TW" altLang="en-US" dirty="0">
+                        <a:latin typeface="微軟正黑體" panose="020B0604030504040204" pitchFamily="34" charset="-120"/>
+                        <a:ea typeface="微軟正黑體" panose="020B0604030504040204" pitchFamily="34" charset="-120"/>
+                      </a:endParaRPr>
+                    </a:p>
+                  </a:txBody>
+                  <a:tcPr anchor="ctr"/>
+                </a:tc>
+                <a:tc>
+                  <a:txBody>
+                    <a:bodyPr/>
+                    <a:lstStyle/>
+                    <a:p>
+                      <a:pPr algn="ctr"/>
+                      <a:r>
+                        <a:rPr lang="en-US" altLang="zh-TW" dirty="0" smtClean="0">
+                          <a:latin typeface="微軟正黑體" panose="020B0604030504040204" pitchFamily="34" charset="-120"/>
+                          <a:ea typeface="微軟正黑體" panose="020B0604030504040204" pitchFamily="34" charset="-120"/>
+                        </a:rPr>
+                        <a:t>55</a:t>
+                      </a:r>
+                      <a:endParaRPr lang="zh-TW" altLang="en-US" dirty="0">
+                        <a:latin typeface="微軟正黑體" panose="020B0604030504040204" pitchFamily="34" charset="-120"/>
+                        <a:ea typeface="微軟正黑體" panose="020B0604030504040204" pitchFamily="34" charset="-120"/>
+                      </a:endParaRPr>
+                    </a:p>
+                  </a:txBody>
+                  <a:tcPr anchor="ctr"/>
+                </a:tc>
+                <a:tc>
+                  <a:txBody>
+                    <a:bodyPr/>
+                    <a:lstStyle/>
+                    <a:p>
+                      <a:pPr algn="ctr"/>
+                      <a:r>
+                        <a:rPr lang="en-US" altLang="zh-TW" dirty="0" smtClean="0">
+                          <a:latin typeface="微軟正黑體" panose="020B0604030504040204" pitchFamily="34" charset="-120"/>
+                          <a:ea typeface="微軟正黑體" panose="020B0604030504040204" pitchFamily="34" charset="-120"/>
+                        </a:rPr>
+                        <a:t>7</a:t>
+                      </a:r>
+                      <a:endParaRPr lang="zh-TW" altLang="en-US" dirty="0">
+                        <a:latin typeface="微軟正黑體" panose="020B0604030504040204" pitchFamily="34" charset="-120"/>
+                        <a:ea typeface="微軟正黑體" panose="020B0604030504040204" pitchFamily="34" charset="-120"/>
+                      </a:endParaRPr>
+                    </a:p>
+                  </a:txBody>
+                  <a:tcPr anchor="ctr"/>
+                </a:tc>
+              </a:tr>
+              <a:tr h="630822">
+                <a:tc vMerge="1">
+                  <a:txBody>
+                    <a:bodyPr/>
+                    <a:lstStyle/>
+                    <a:p>
+                      <a:pPr algn="ctr"/>
+                      <a:endParaRPr lang="zh-TW" altLang="en-US" dirty="0"/>
+                    </a:p>
+                  </a:txBody>
+                  <a:tcPr anchor="ctr"/>
+                </a:tc>
+                <a:tc>
+                  <a:txBody>
+                    <a:bodyPr/>
+                    <a:lstStyle/>
+                    <a:p>
+                      <a:pPr algn="ctr"/>
+                      <a:r>
+                        <a:rPr lang="en-US" altLang="zh-TW" dirty="0" smtClean="0">
+                          <a:latin typeface="微軟正黑體" panose="020B0604030504040204" pitchFamily="34" charset="-120"/>
+                          <a:ea typeface="微軟正黑體" panose="020B0604030504040204" pitchFamily="34" charset="-120"/>
+                        </a:rPr>
+                        <a:t>NG</a:t>
+                      </a:r>
+                      <a:endParaRPr lang="zh-TW" altLang="en-US" dirty="0">
+                        <a:latin typeface="微軟正黑體" panose="020B0604030504040204" pitchFamily="34" charset="-120"/>
+                        <a:ea typeface="微軟正黑體" panose="020B0604030504040204" pitchFamily="34" charset="-120"/>
+                      </a:endParaRPr>
+                    </a:p>
+                  </a:txBody>
+                  <a:tcPr anchor="ctr"/>
+                </a:tc>
+                <a:tc>
+                  <a:txBody>
+                    <a:bodyPr/>
+                    <a:lstStyle/>
+                    <a:p>
+                      <a:pPr algn="ctr"/>
+                      <a:r>
+                        <a:rPr lang="en-US" altLang="zh-TW" dirty="0" smtClean="0">
+                          <a:latin typeface="微軟正黑體" panose="020B0604030504040204" pitchFamily="34" charset="-120"/>
+                          <a:ea typeface="微軟正黑體" panose="020B0604030504040204" pitchFamily="34" charset="-120"/>
+                        </a:rPr>
+                        <a:t>1</a:t>
+                      </a:r>
+                      <a:endParaRPr lang="zh-TW" altLang="en-US" dirty="0">
+                        <a:latin typeface="微軟正黑體" panose="020B0604030504040204" pitchFamily="34" charset="-120"/>
+                        <a:ea typeface="微軟正黑體" panose="020B0604030504040204" pitchFamily="34" charset="-120"/>
+                      </a:endParaRPr>
+                    </a:p>
+                  </a:txBody>
+                  <a:tcPr anchor="ctr"/>
+                </a:tc>
+                <a:tc>
+                  <a:txBody>
+                    <a:bodyPr/>
+                    <a:lstStyle/>
+                    <a:p>
+                      <a:pPr algn="ctr"/>
+                      <a:r>
+                        <a:rPr lang="en-US" altLang="zh-TW" dirty="0" smtClean="0">
+                          <a:latin typeface="微軟正黑體" panose="020B0604030504040204" pitchFamily="34" charset="-120"/>
+                          <a:ea typeface="微軟正黑體" panose="020B0604030504040204" pitchFamily="34" charset="-120"/>
+                        </a:rPr>
+                        <a:t>48</a:t>
+                      </a:r>
+                      <a:endParaRPr lang="zh-TW" altLang="en-US" dirty="0">
+                        <a:latin typeface="微軟正黑體" panose="020B0604030504040204" pitchFamily="34" charset="-120"/>
+                        <a:ea typeface="微軟正黑體" panose="020B0604030504040204" pitchFamily="34" charset="-120"/>
+                      </a:endParaRPr>
+                    </a:p>
+                  </a:txBody>
+                  <a:tcPr anchor="ctr"/>
+                </a:tc>
+              </a:tr>
+            </a:tbl>
+          </a:graphicData>
+        </a:graphic>
+      </p:graphicFrame>
       <p:sp>
         <p:nvSpPr>
-          <p:cNvPr id="3" name="內容版面配置區 2"/>
-          <p:cNvSpPr>
-            <a:spLocks noGrp="1"/>
-          </p:cNvSpPr>
-          <p:nvPr>
-            <p:ph idx="1"/>
-          </p:nvPr>
+          <p:cNvPr id="7" name="橢圓 6"/>
+          <p:cNvSpPr/>
+          <p:nvPr/>
         </p:nvSpPr>
-        <p:spPr/>
+        <p:spPr>
+          <a:xfrm>
+            <a:off x="2869097" y="1761700"/>
+            <a:ext cx="360000" cy="360000"/>
+          </a:xfrm>
+          <a:prstGeom prst="ellipse">
+            <a:avLst/>
+          </a:prstGeom>
+          <a:noFill/>
+          <a:ln>
+            <a:solidFill>
+              <a:srgbClr val="FF0000"/>
+            </a:solidFill>
+          </a:ln>
+        </p:spPr>
+        <p:style>
+          <a:lnRef idx="2">
+            <a:schemeClr val="accent1">
+              <a:shade val="50000"/>
+            </a:schemeClr>
+          </a:lnRef>
+          <a:fillRef idx="1">
+            <a:schemeClr val="accent1"/>
+          </a:fillRef>
+          <a:effectRef idx="0">
+            <a:schemeClr val="accent1"/>
+          </a:effectRef>
+          <a:fontRef idx="minor">
+            <a:schemeClr val="lt1"/>
+          </a:fontRef>
+        </p:style>
         <p:txBody>
-          <a:bodyPr/>
+          <a:bodyPr rtlCol="0" anchor="ctr"/>
           <a:lstStyle/>
           <a:p>
-            <a:r>
-              <a:rPr lang="zh-TW" altLang="en-US" dirty="0" smtClean="0"/>
-              <a:t>可以使用</a:t>
-            </a:r>
-            <a:r>
-              <a:rPr lang="en-US" altLang="zh-TW" dirty="0" smtClean="0"/>
-              <a:t>RF</a:t>
-            </a:r>
-            <a:r>
-              <a:rPr lang="zh-TW" altLang="en-US" dirty="0" smtClean="0"/>
-              <a:t>、</a:t>
-            </a:r>
-            <a:r>
-              <a:rPr lang="en-US" altLang="zh-TW" dirty="0" smtClean="0"/>
-              <a:t>SVC</a:t>
-            </a:r>
-            <a:r>
-              <a:rPr lang="zh-TW" altLang="en-US" dirty="0" smtClean="0"/>
-              <a:t>、</a:t>
-            </a:r>
-            <a:r>
-              <a:rPr lang="en-US" altLang="zh-TW" dirty="0" smtClean="0"/>
-              <a:t>Lasso</a:t>
-            </a:r>
-            <a:r>
-              <a:rPr lang="zh-TW" altLang="en-US" dirty="0" smtClean="0"/>
-              <a:t>或</a:t>
-            </a:r>
-            <a:r>
-              <a:rPr lang="en-US" altLang="zh-TW" dirty="0" smtClean="0"/>
-              <a:t>PCA</a:t>
-            </a:r>
-            <a:endParaRPr lang="zh-TW" altLang="en-US" dirty="0"/>
+            <a:pPr algn="ctr"/>
+            <a:endParaRPr lang="zh-TW" altLang="en-US"/>
           </a:p>
         </p:txBody>
       </p:sp>
+      <p:pic>
+        <p:nvPicPr>
+          <p:cNvPr id="8" name="圖片 7"/>
+          <p:cNvPicPr>
+            <a:picLocks noChangeAspect="1"/>
+          </p:cNvPicPr>
+          <p:nvPr/>
+        </p:nvPicPr>
+        <p:blipFill>
+          <a:blip r:embed="rId2"/>
+          <a:stretch>
+            <a:fillRect/>
+          </a:stretch>
+        </p:blipFill>
+        <p:spPr>
+          <a:xfrm>
+            <a:off x="1297460" y="3111810"/>
+            <a:ext cx="1371704" cy="1800000"/>
+          </a:xfrm>
+          <a:prstGeom prst="rect">
+            <a:avLst/>
+          </a:prstGeom>
+          <a:ln>
+            <a:solidFill>
+              <a:srgbClr val="FF0000"/>
+            </a:solidFill>
+          </a:ln>
+        </p:spPr>
+      </p:pic>
+      <p:cxnSp>
+        <p:nvCxnSpPr>
+          <p:cNvPr id="10" name="弧形接點 9"/>
+          <p:cNvCxnSpPr>
+            <a:stCxn id="25" idx="5"/>
+            <a:endCxn id="8" idx="0"/>
+          </p:cNvCxnSpPr>
+          <p:nvPr/>
+        </p:nvCxnSpPr>
+        <p:spPr>
+          <a:xfrm rot="16200000" flipH="1">
+            <a:off x="1754858" y="2883355"/>
+            <a:ext cx="382585" cy="74323"/>
+          </a:xfrm>
+          <a:prstGeom prst="curvedConnector3">
+            <a:avLst>
+              <a:gd name="adj1" fmla="val 50000"/>
+            </a:avLst>
+          </a:prstGeom>
+          <a:ln>
+            <a:solidFill>
+              <a:srgbClr val="FF0000"/>
+            </a:solidFill>
+            <a:tailEnd type="triangle"/>
+          </a:ln>
+        </p:spPr>
+        <p:style>
+          <a:lnRef idx="1">
+            <a:schemeClr val="accent1"/>
+          </a:lnRef>
+          <a:fillRef idx="0">
+            <a:schemeClr val="accent1"/>
+          </a:fillRef>
+          <a:effectRef idx="0">
+            <a:schemeClr val="accent1"/>
+          </a:effectRef>
+          <a:fontRef idx="minor">
+            <a:schemeClr val="tx1"/>
+          </a:fontRef>
+        </p:style>
+      </p:cxnSp>
+      <p:pic>
+        <p:nvPicPr>
+          <p:cNvPr id="14" name="圖片 13"/>
+          <p:cNvPicPr>
+            <a:picLocks noChangeAspect="1"/>
+          </p:cNvPicPr>
+          <p:nvPr/>
+        </p:nvPicPr>
+        <p:blipFill>
+          <a:blip r:embed="rId3" cstate="print">
+            <a:extLst>
+              <a:ext uri="{28A0092B-C50C-407E-A947-70E740481C1C}">
+                <a14:useLocalDpi xmlns:a14="http://schemas.microsoft.com/office/drawing/2010/main" val="0"/>
+              </a:ext>
+            </a:extLst>
+          </a:blip>
+          <a:stretch>
+            <a:fillRect/>
+          </a:stretch>
+        </p:blipFill>
+        <p:spPr>
+          <a:xfrm>
+            <a:off x="3947350" y="1785981"/>
+            <a:ext cx="1188000" cy="1558937"/>
+          </a:xfrm>
+          <a:prstGeom prst="rect">
+            <a:avLst/>
+          </a:prstGeom>
+        </p:spPr>
+      </p:pic>
+      <p:pic>
+        <p:nvPicPr>
+          <p:cNvPr id="15" name="圖片 14"/>
+          <p:cNvPicPr>
+            <a:picLocks noChangeAspect="1"/>
+          </p:cNvPicPr>
+          <p:nvPr/>
+        </p:nvPicPr>
+        <p:blipFill>
+          <a:blip r:embed="rId4" cstate="print">
+            <a:extLst>
+              <a:ext uri="{28A0092B-C50C-407E-A947-70E740481C1C}">
+                <a14:useLocalDpi xmlns:a14="http://schemas.microsoft.com/office/drawing/2010/main" val="0"/>
+              </a:ext>
+            </a:extLst>
+          </a:blip>
+          <a:stretch>
+            <a:fillRect/>
+          </a:stretch>
+        </p:blipFill>
+        <p:spPr>
+          <a:xfrm>
+            <a:off x="5212083" y="1783581"/>
+            <a:ext cx="1188000" cy="1558937"/>
+          </a:xfrm>
+          <a:prstGeom prst="rect">
+            <a:avLst/>
+          </a:prstGeom>
+        </p:spPr>
+      </p:pic>
+      <p:pic>
+        <p:nvPicPr>
+          <p:cNvPr id="16" name="圖片 15"/>
+          <p:cNvPicPr>
+            <a:picLocks noChangeAspect="1"/>
+          </p:cNvPicPr>
+          <p:nvPr/>
+        </p:nvPicPr>
+        <p:blipFill>
+          <a:blip r:embed="rId5" cstate="print">
+            <a:extLst>
+              <a:ext uri="{28A0092B-C50C-407E-A947-70E740481C1C}">
+                <a14:useLocalDpi xmlns:a14="http://schemas.microsoft.com/office/drawing/2010/main" val="0"/>
+              </a:ext>
+            </a:extLst>
+          </a:blip>
+          <a:stretch>
+            <a:fillRect/>
+          </a:stretch>
+        </p:blipFill>
+        <p:spPr>
+          <a:xfrm>
+            <a:off x="6472223" y="1783581"/>
+            <a:ext cx="1188000" cy="1558937"/>
+          </a:xfrm>
+          <a:prstGeom prst="rect">
+            <a:avLst/>
+          </a:prstGeom>
+        </p:spPr>
+      </p:pic>
+      <p:pic>
+        <p:nvPicPr>
+          <p:cNvPr id="17" name="圖片 16"/>
+          <p:cNvPicPr>
+            <a:picLocks noChangeAspect="1"/>
+          </p:cNvPicPr>
+          <p:nvPr/>
+        </p:nvPicPr>
+        <p:blipFill>
+          <a:blip r:embed="rId6" cstate="print">
+            <a:extLst>
+              <a:ext uri="{28A0092B-C50C-407E-A947-70E740481C1C}">
+                <a14:useLocalDpi xmlns:a14="http://schemas.microsoft.com/office/drawing/2010/main" val="0"/>
+              </a:ext>
+            </a:extLst>
+          </a:blip>
+          <a:stretch>
+            <a:fillRect/>
+          </a:stretch>
+        </p:blipFill>
+        <p:spPr>
+          <a:xfrm>
+            <a:off x="7732363" y="1783581"/>
+            <a:ext cx="1188000" cy="1558937"/>
+          </a:xfrm>
+          <a:prstGeom prst="rect">
+            <a:avLst/>
+          </a:prstGeom>
+        </p:spPr>
+      </p:pic>
+      <p:pic>
+        <p:nvPicPr>
+          <p:cNvPr id="18" name="圖片 17"/>
+          <p:cNvPicPr>
+            <a:picLocks noChangeAspect="1"/>
+          </p:cNvPicPr>
+          <p:nvPr/>
+        </p:nvPicPr>
+        <p:blipFill>
+          <a:blip r:embed="rId7" cstate="print">
+            <a:extLst>
+              <a:ext uri="{28A0092B-C50C-407E-A947-70E740481C1C}">
+                <a14:useLocalDpi xmlns:a14="http://schemas.microsoft.com/office/drawing/2010/main" val="0"/>
+              </a:ext>
+            </a:extLst>
+          </a:blip>
+          <a:stretch>
+            <a:fillRect/>
+          </a:stretch>
+        </p:blipFill>
+        <p:spPr>
+          <a:xfrm>
+            <a:off x="4667430" y="3364624"/>
+            <a:ext cx="1188000" cy="1558937"/>
+          </a:xfrm>
+          <a:prstGeom prst="rect">
+            <a:avLst/>
+          </a:prstGeom>
+        </p:spPr>
+      </p:pic>
+      <p:pic>
+        <p:nvPicPr>
+          <p:cNvPr id="19" name="圖片 18"/>
+          <p:cNvPicPr>
+            <a:picLocks noChangeAspect="1"/>
+          </p:cNvPicPr>
+          <p:nvPr/>
+        </p:nvPicPr>
+        <p:blipFill>
+          <a:blip r:embed="rId8" cstate="print">
+            <a:extLst>
+              <a:ext uri="{28A0092B-C50C-407E-A947-70E740481C1C}">
+                <a14:useLocalDpi xmlns:a14="http://schemas.microsoft.com/office/drawing/2010/main" val="0"/>
+              </a:ext>
+            </a:extLst>
+          </a:blip>
+          <a:stretch>
+            <a:fillRect/>
+          </a:stretch>
+        </p:blipFill>
+        <p:spPr>
+          <a:xfrm>
+            <a:off x="5927570" y="3364624"/>
+            <a:ext cx="1188000" cy="1558937"/>
+          </a:xfrm>
+          <a:prstGeom prst="rect">
+            <a:avLst/>
+          </a:prstGeom>
+        </p:spPr>
+      </p:pic>
+      <p:pic>
+        <p:nvPicPr>
+          <p:cNvPr id="20" name="圖片 19"/>
+          <p:cNvPicPr>
+            <a:picLocks noChangeAspect="1"/>
+          </p:cNvPicPr>
+          <p:nvPr/>
+        </p:nvPicPr>
+        <p:blipFill>
+          <a:blip r:embed="rId9" cstate="print">
+            <a:extLst>
+              <a:ext uri="{28A0092B-C50C-407E-A947-70E740481C1C}">
+                <a14:useLocalDpi xmlns:a14="http://schemas.microsoft.com/office/drawing/2010/main" val="0"/>
+              </a:ext>
+            </a:extLst>
+          </a:blip>
+          <a:stretch>
+            <a:fillRect/>
+          </a:stretch>
+        </p:blipFill>
+        <p:spPr>
+          <a:xfrm>
+            <a:off x="7295305" y="3371349"/>
+            <a:ext cx="1188000" cy="1558937"/>
+          </a:xfrm>
+          <a:prstGeom prst="rect">
+            <a:avLst/>
+          </a:prstGeom>
+        </p:spPr>
+      </p:pic>
+      <p:sp>
+        <p:nvSpPr>
+          <p:cNvPr id="23" name="矩形 22"/>
+          <p:cNvSpPr/>
+          <p:nvPr/>
+        </p:nvSpPr>
+        <p:spPr>
+          <a:xfrm>
+            <a:off x="3870430" y="1654830"/>
+            <a:ext cx="5157065" cy="3375376"/>
+          </a:xfrm>
+          <a:prstGeom prst="rect">
+            <a:avLst/>
+          </a:prstGeom>
+          <a:noFill/>
+          <a:ln>
+            <a:solidFill>
+              <a:srgbClr val="FF0000"/>
+            </a:solidFill>
+          </a:ln>
+        </p:spPr>
+        <p:style>
+          <a:lnRef idx="2">
+            <a:schemeClr val="accent1">
+              <a:shade val="50000"/>
+            </a:schemeClr>
+          </a:lnRef>
+          <a:fillRef idx="1">
+            <a:schemeClr val="accent1"/>
+          </a:fillRef>
+          <a:effectRef idx="0">
+            <a:schemeClr val="accent1"/>
+          </a:effectRef>
+          <a:fontRef idx="minor">
+            <a:schemeClr val="lt1"/>
+          </a:fontRef>
+        </p:style>
+        <p:txBody>
+          <a:bodyPr rtlCol="0" anchor="ctr"/>
+          <a:lstStyle/>
+          <a:p>
+            <a:pPr algn="ctr"/>
+            <a:endParaRPr lang="zh-TW" altLang="en-US"/>
+          </a:p>
+        </p:txBody>
+      </p:sp>
+      <p:cxnSp>
+        <p:nvCxnSpPr>
+          <p:cNvPr id="24" name="弧形接點 23"/>
+          <p:cNvCxnSpPr>
+            <a:stCxn id="7" idx="5"/>
+            <a:endCxn id="23" idx="1"/>
+          </p:cNvCxnSpPr>
+          <p:nvPr/>
+        </p:nvCxnSpPr>
+        <p:spPr>
+          <a:xfrm rot="16200000" flipH="1">
+            <a:off x="2886634" y="2358721"/>
+            <a:ext cx="1273539" cy="694054"/>
+          </a:xfrm>
+          <a:prstGeom prst="curvedConnector2">
+            <a:avLst/>
+          </a:prstGeom>
+          <a:ln>
+            <a:solidFill>
+              <a:srgbClr val="FF0000"/>
+            </a:solidFill>
+            <a:tailEnd type="triangle"/>
+          </a:ln>
+        </p:spPr>
+        <p:style>
+          <a:lnRef idx="1">
+            <a:schemeClr val="accent1"/>
+          </a:lnRef>
+          <a:fillRef idx="0">
+            <a:schemeClr val="accent1"/>
+          </a:fillRef>
+          <a:effectRef idx="0">
+            <a:schemeClr val="accent1"/>
+          </a:effectRef>
+          <a:fontRef idx="minor">
+            <a:schemeClr val="tx1"/>
+          </a:fontRef>
+        </p:style>
+      </p:cxnSp>
+      <p:sp>
+        <p:nvSpPr>
+          <p:cNvPr id="25" name="橢圓 24"/>
+          <p:cNvSpPr/>
+          <p:nvPr/>
+        </p:nvSpPr>
+        <p:spPr>
+          <a:xfrm>
+            <a:off x="1601710" y="2421946"/>
+            <a:ext cx="360000" cy="360000"/>
+          </a:xfrm>
+          <a:prstGeom prst="ellipse">
+            <a:avLst/>
+          </a:prstGeom>
+          <a:noFill/>
+          <a:ln>
+            <a:solidFill>
+              <a:srgbClr val="FF0000"/>
+            </a:solidFill>
+          </a:ln>
+        </p:spPr>
+        <p:style>
+          <a:lnRef idx="2">
+            <a:schemeClr val="accent1">
+              <a:shade val="50000"/>
+            </a:schemeClr>
+          </a:lnRef>
+          <a:fillRef idx="1">
+            <a:schemeClr val="accent1"/>
+          </a:fillRef>
+          <a:effectRef idx="0">
+            <a:schemeClr val="accent1"/>
+          </a:effectRef>
+          <a:fontRef idx="minor">
+            <a:schemeClr val="lt1"/>
+          </a:fontRef>
+        </p:style>
+        <p:txBody>
+          <a:bodyPr rtlCol="0" anchor="ctr"/>
+          <a:lstStyle/>
+          <a:p>
+            <a:pPr algn="ctr"/>
+            <a:endParaRPr lang="zh-TW" altLang="en-US"/>
+          </a:p>
+        </p:txBody>
+      </p:sp>
+      <p:pic>
+        <p:nvPicPr>
+          <p:cNvPr id="41" name="Picture 28" descr="brilliance, idea, lightbulb, think, thought icon"/>
+          <p:cNvPicPr>
+            <a:picLocks noChangeAspect="1" noChangeArrowheads="1"/>
+          </p:cNvPicPr>
+          <p:nvPr/>
+        </p:nvPicPr>
+        <p:blipFill>
+          <a:blip r:embed="rId10">
+            <a:extLst>
+              <a:ext uri="{28A0092B-C50C-407E-A947-70E740481C1C}">
+                <a14:useLocalDpi xmlns:a14="http://schemas.microsoft.com/office/drawing/2010/main" val="0"/>
+              </a:ext>
+            </a:extLst>
+          </a:blip>
+          <a:srcRect/>
+          <a:stretch>
+            <a:fillRect/>
+          </a:stretch>
+        </p:blipFill>
+        <p:spPr bwMode="auto">
+          <a:xfrm>
+            <a:off x="3876575" y="827861"/>
+            <a:ext cx="663768" cy="663769"/>
+          </a:xfrm>
+          <a:prstGeom prst="rect">
+            <a:avLst/>
+          </a:prstGeom>
+          <a:noFill/>
+          <a:extLst>
+            <a:ext uri="{909E8E84-426E-40DD-AFC4-6F175D3DCCD1}">
+              <a14:hiddenFill xmlns:a14="http://schemas.microsoft.com/office/drawing/2010/main">
+                <a:solidFill>
+                  <a:srgbClr val="FFFFFF"/>
+                </a:solidFill>
+              </a14:hiddenFill>
+            </a:ext>
+          </a:extLst>
+        </p:spPr>
+      </p:pic>
     </p:spTree>
     <p:extLst>
       <p:ext uri="{BB962C8B-B14F-4D97-AF65-F5344CB8AC3E}">
-        <p14:creationId xmlns:p14="http://schemas.microsoft.com/office/powerpoint/2010/main" val="1418351611"/>
+        <p14:creationId xmlns:p14="http://schemas.microsoft.com/office/powerpoint/2010/main" val="3783993897"/>
       </p:ext>
     </p:extLst>
   </p:cSld>
@@ -5064,9 +7216,128 @@
   <p:timing>
     <p:tnLst>
       <p:par>
-        <p:cTn id="1" dur="indefinite" restart="never" nodeType="tmRoot"/>
+        <p:cTn id="1" dur="indefinite" restart="never" nodeType="tmRoot">
+          <p:childTnLst>
+            <p:seq concurrent="1" nextAc="seek">
+              <p:cTn id="2" dur="indefinite" nodeType="mainSeq">
+                <p:childTnLst>
+                  <p:par>
+                    <p:cTn id="3" fill="hold">
+                      <p:stCondLst>
+                        <p:cond delay="indefinite"/>
+                        <p:cond evt="onBegin" delay="0">
+                          <p:tn val="2"/>
+                        </p:cond>
+                      </p:stCondLst>
+                      <p:childTnLst>
+                        <p:par>
+                          <p:cTn id="4" fill="hold">
+                            <p:stCondLst>
+                              <p:cond delay="0"/>
+                            </p:stCondLst>
+                            <p:childTnLst>
+                              <p:par>
+                                <p:cTn id="5" presetID="1" presetClass="entr" presetSubtype="0" fill="hold" nodeType="withEffect">
+                                  <p:stCondLst>
+                                    <p:cond delay="0"/>
+                                  </p:stCondLst>
+                                  <p:childTnLst>
+                                    <p:set>
+                                      <p:cBhvr>
+                                        <p:cTn id="6" dur="1" fill="hold">
+                                          <p:stCondLst>
+                                            <p:cond delay="0"/>
+                                          </p:stCondLst>
+                                        </p:cTn>
+                                        <p:tgtEl>
+                                          <p:spTgt spid="41"/>
+                                        </p:tgtEl>
+                                        <p:attrNameLst>
+                                          <p:attrName>style.visibility</p:attrName>
+                                        </p:attrNameLst>
+                                      </p:cBhvr>
+                                      <p:to>
+                                        <p:strVal val="visible"/>
+                                      </p:to>
+                                    </p:set>
+                                  </p:childTnLst>
+                                </p:cTn>
+                              </p:par>
+                            </p:childTnLst>
+                          </p:cTn>
+                        </p:par>
+                      </p:childTnLst>
+                    </p:cTn>
+                  </p:par>
+                  <p:par>
+                    <p:cTn id="7" fill="hold">
+                      <p:stCondLst>
+                        <p:cond delay="indefinite"/>
+                      </p:stCondLst>
+                      <p:childTnLst>
+                        <p:par>
+                          <p:cTn id="8" fill="hold">
+                            <p:stCondLst>
+                              <p:cond delay="0"/>
+                            </p:stCondLst>
+                            <p:childTnLst>
+                              <p:par>
+                                <p:cTn id="9" presetID="1" presetClass="entr" presetSubtype="0" fill="hold" grpId="0" nodeType="clickEffect">
+                                  <p:stCondLst>
+                                    <p:cond delay="0"/>
+                                  </p:stCondLst>
+                                  <p:childTnLst>
+                                    <p:set>
+                                      <p:cBhvr>
+                                        <p:cTn id="10" dur="1" fill="hold">
+                                          <p:stCondLst>
+                                            <p:cond delay="0"/>
+                                          </p:stCondLst>
+                                        </p:cTn>
+                                        <p:tgtEl>
+                                          <p:spTgt spid="43"/>
+                                        </p:tgtEl>
+                                        <p:attrNameLst>
+                                          <p:attrName>style.visibility</p:attrName>
+                                        </p:attrNameLst>
+                                      </p:cBhvr>
+                                      <p:to>
+                                        <p:strVal val="visible"/>
+                                      </p:to>
+                                    </p:set>
+                                  </p:childTnLst>
+                                </p:cTn>
+                              </p:par>
+                            </p:childTnLst>
+                          </p:cTn>
+                        </p:par>
+                      </p:childTnLst>
+                    </p:cTn>
+                  </p:par>
+                </p:childTnLst>
+              </p:cTn>
+              <p:prevCondLst>
+                <p:cond evt="onPrev" delay="0">
+                  <p:tgtEl>
+                    <p:sldTgt/>
+                  </p:tgtEl>
+                </p:cond>
+              </p:prevCondLst>
+              <p:nextCondLst>
+                <p:cond evt="onNext" delay="0">
+                  <p:tgtEl>
+                    <p:sldTgt/>
+                  </p:tgtEl>
+                </p:cond>
+              </p:nextCondLst>
+            </p:seq>
+          </p:childTnLst>
+        </p:cTn>
       </p:par>
     </p:tnLst>
+    <p:bldLst>
+      <p:bldP spid="43" grpId="0"/>
+    </p:bldLst>
   </p:timing>
 </p:sld>
 </file>
@@ -5104,8 +7375,16 @@
           <a:lstStyle/>
           <a:p>
             <a:r>
-              <a:rPr lang="zh-TW" altLang="en-US" dirty="0" smtClean="0"/>
-              <a:t>模型建置</a:t>
+              <a:rPr lang="zh-TW" altLang="en-US" dirty="0"/>
+              <a:t>專題執行說明 </a:t>
+            </a:r>
+            <a:r>
+              <a:rPr lang="en-US" altLang="zh-TW" dirty="0"/>
+              <a:t>–</a:t>
+            </a:r>
+            <a:r>
+              <a:rPr lang="zh-TW" altLang="en-US" dirty="0"/>
+              <a:t>結果與討論</a:t>
             </a:r>
             <a:endParaRPr lang="zh-TW" altLang="en-US" dirty="0"/>
           </a:p>
@@ -5113,90 +7392,1269 @@
       </p:sp>
       <p:sp>
         <p:nvSpPr>
-          <p:cNvPr id="3" name="內容版面配置區 2"/>
-          <p:cNvSpPr>
-            <a:spLocks noGrp="1"/>
+          <p:cNvPr id="39" name="文字方塊 38">
+            <a:extLst>
+              <a:ext uri="{FF2B5EF4-FFF2-40B4-BE49-F238E27FC236}"/>
+            </a:extLst>
+          </p:cNvPr>
+          <p:cNvSpPr txBox="1"/>
+          <p:nvPr/>
+        </p:nvSpPr>
+        <p:spPr>
+          <a:xfrm>
+            <a:off x="527865" y="1311610"/>
+            <a:ext cx="1980000" cy="307975"/>
+          </a:xfrm>
+          <a:prstGeom prst="rect">
+            <a:avLst/>
+          </a:prstGeom>
+          <a:ln/>
+        </p:spPr>
+        <p:style>
+          <a:lnRef idx="1">
+            <a:schemeClr val="accent6"/>
+          </a:lnRef>
+          <a:fillRef idx="2">
+            <a:schemeClr val="accent6"/>
+          </a:fillRef>
+          <a:effectRef idx="1">
+            <a:schemeClr val="accent6"/>
+          </a:effectRef>
+          <a:fontRef idx="minor">
+            <a:schemeClr val="dk1"/>
+          </a:fontRef>
+        </p:style>
+        <p:txBody>
+          <a:bodyPr>
+            <a:spAutoFit/>
+          </a:bodyPr>
+          <a:lstStyle/>
+          <a:p>
+            <a:pPr algn="ctr" fontAlgn="auto">
+              <a:spcBef>
+                <a:spcPts val="0"/>
+              </a:spcBef>
+              <a:spcAft>
+                <a:spcPts val="0"/>
+              </a:spcAft>
+              <a:defRPr/>
+            </a:pPr>
+            <a:r>
+              <a:rPr kumimoji="0" lang="en-US" altLang="zh-TW" kern="0" dirty="0">
+                <a:solidFill>
+                  <a:srgbClr val="000000"/>
+                </a:solidFill>
+                <a:latin typeface="Arial"/>
+              </a:rPr>
+              <a:t>TAR </a:t>
+            </a:r>
+            <a:r>
+              <a:rPr kumimoji="0" lang="zh-TW" altLang="en-US" kern="0" dirty="0">
+                <a:solidFill>
+                  <a:srgbClr val="000000"/>
+                </a:solidFill>
+                <a:latin typeface="Arial"/>
+              </a:rPr>
+              <a:t>報異常</a:t>
+            </a:r>
+            <a:r>
+              <a:rPr kumimoji="0" lang="en-US" altLang="zh-TW" kern="0" dirty="0">
+                <a:solidFill>
+                  <a:srgbClr val="0000FF"/>
+                </a:solidFill>
+                <a:latin typeface="Arial"/>
+              </a:rPr>
+              <a:t>(</a:t>
+            </a:r>
+            <a:r>
+              <a:rPr kumimoji="0" lang="zh-TW" altLang="en-US" kern="0" dirty="0">
+                <a:solidFill>
+                  <a:srgbClr val="0000FF"/>
+                </a:solidFill>
+                <a:latin typeface="Arial"/>
+              </a:rPr>
+              <a:t>電腦</a:t>
+            </a:r>
+            <a:r>
+              <a:rPr kumimoji="0" lang="en-US" altLang="zh-TW" kern="0" dirty="0">
+                <a:solidFill>
+                  <a:srgbClr val="0000FF"/>
+                </a:solidFill>
+                <a:latin typeface="Arial"/>
+              </a:rPr>
+              <a:t>)</a:t>
+            </a:r>
+            <a:endParaRPr kumimoji="0" lang="zh-TW" altLang="en-US" kern="0" dirty="0">
+              <a:solidFill>
+                <a:srgbClr val="0000FF"/>
+              </a:solidFill>
+              <a:latin typeface="Arial"/>
+            </a:endParaRPr>
+          </a:p>
+        </p:txBody>
+      </p:sp>
+      <p:sp>
+        <p:nvSpPr>
+          <p:cNvPr id="40" name="矩形 39">
+            <a:extLst>
+              <a:ext uri="{FF2B5EF4-FFF2-40B4-BE49-F238E27FC236}"/>
+            </a:extLst>
+          </p:cNvPr>
+          <p:cNvSpPr/>
+          <p:nvPr/>
+        </p:nvSpPr>
+        <p:spPr>
+          <a:xfrm>
+            <a:off x="527865" y="1871730"/>
+            <a:ext cx="1980000" cy="309600"/>
+          </a:xfrm>
+          <a:prstGeom prst="rect">
+            <a:avLst/>
+          </a:prstGeom>
+          <a:ln/>
+        </p:spPr>
+        <p:style>
+          <a:lnRef idx="1">
+            <a:schemeClr val="accent6"/>
+          </a:lnRef>
+          <a:fillRef idx="2">
+            <a:schemeClr val="accent6"/>
+          </a:fillRef>
+          <a:effectRef idx="1">
+            <a:schemeClr val="accent6"/>
+          </a:effectRef>
+          <a:fontRef idx="minor">
+            <a:schemeClr val="dk1"/>
+          </a:fontRef>
+        </p:style>
+        <p:txBody>
+          <a:bodyPr>
+            <a:spAutoFit/>
+          </a:bodyPr>
+          <a:lstStyle/>
+          <a:p>
+            <a:pPr algn="ctr" fontAlgn="auto">
+              <a:spcBef>
+                <a:spcPts val="0"/>
+              </a:spcBef>
+              <a:spcAft>
+                <a:spcPts val="0"/>
+              </a:spcAft>
+            </a:pPr>
+            <a:r>
+              <a:rPr kumimoji="0" lang="zh-TW" altLang="en-US" kern="0" dirty="0">
+                <a:solidFill>
+                  <a:srgbClr val="000000"/>
+                </a:solidFill>
+                <a:latin typeface="Arial"/>
+              </a:rPr>
+              <a:t>電腦判讀</a:t>
+            </a:r>
+          </a:p>
+        </p:txBody>
+      </p:sp>
+      <p:sp>
+        <p:nvSpPr>
+          <p:cNvPr id="41" name="文字方塊 40">
+            <a:extLst>
+              <a:ext uri="{FF2B5EF4-FFF2-40B4-BE49-F238E27FC236}"/>
+            </a:extLst>
+          </p:cNvPr>
+          <p:cNvSpPr txBox="1"/>
+          <p:nvPr/>
+        </p:nvSpPr>
+        <p:spPr>
+          <a:xfrm>
+            <a:off x="527865" y="2433475"/>
+            <a:ext cx="1980000" cy="309600"/>
+          </a:xfrm>
+          <a:prstGeom prst="rect">
+            <a:avLst/>
+          </a:prstGeom>
+          <a:ln/>
+        </p:spPr>
+        <p:style>
+          <a:lnRef idx="1">
+            <a:schemeClr val="accent6"/>
+          </a:lnRef>
+          <a:fillRef idx="2">
+            <a:schemeClr val="accent6"/>
+          </a:fillRef>
+          <a:effectRef idx="1">
+            <a:schemeClr val="accent6"/>
+          </a:effectRef>
+          <a:fontRef idx="minor">
+            <a:schemeClr val="dk1"/>
+          </a:fontRef>
+        </p:style>
+        <p:txBody>
+          <a:bodyPr>
+            <a:spAutoFit/>
+          </a:bodyPr>
+          <a:lstStyle/>
+          <a:p>
+            <a:pPr algn="ctr" fontAlgn="auto">
+              <a:spcBef>
+                <a:spcPts val="0"/>
+              </a:spcBef>
+              <a:spcAft>
+                <a:spcPts val="0"/>
+              </a:spcAft>
+              <a:defRPr/>
+            </a:pPr>
+            <a:r>
+              <a:rPr kumimoji="0" lang="zh-TW" altLang="en-US" kern="0" dirty="0">
+                <a:solidFill>
+                  <a:srgbClr val="000000"/>
+                </a:solidFill>
+                <a:latin typeface="Arial"/>
+              </a:rPr>
+              <a:t>電腦發報</a:t>
+            </a:r>
+            <a:endParaRPr kumimoji="0" lang="zh-TW" altLang="en-US" kern="0" dirty="0">
+              <a:solidFill>
+                <a:srgbClr val="0000FF"/>
+              </a:solidFill>
+              <a:latin typeface="Arial"/>
+            </a:endParaRPr>
+          </a:p>
+        </p:txBody>
+      </p:sp>
+      <p:cxnSp>
+        <p:nvCxnSpPr>
+          <p:cNvPr id="42" name="直線單箭頭接點 41">
+            <a:extLst>
+              <a:ext uri="{FF2B5EF4-FFF2-40B4-BE49-F238E27FC236}"/>
+            </a:extLst>
+          </p:cNvPr>
+          <p:cNvCxnSpPr>
+            <a:cxnSpLocks/>
+            <a:stCxn id="39" idx="2"/>
+            <a:endCxn id="40" idx="0"/>
+          </p:cNvCxnSpPr>
+          <p:nvPr/>
+        </p:nvCxnSpPr>
+        <p:spPr>
+          <a:xfrm>
+            <a:off x="1517865" y="1619585"/>
+            <a:ext cx="0" cy="252145"/>
+          </a:xfrm>
+          <a:prstGeom prst="straightConnector1">
+            <a:avLst/>
+          </a:prstGeom>
+          <a:ln>
+            <a:solidFill>
+              <a:schemeClr val="tx1"/>
+            </a:solidFill>
+            <a:tailEnd type="triangle"/>
+          </a:ln>
+        </p:spPr>
+        <p:style>
+          <a:lnRef idx="1">
+            <a:schemeClr val="accent1"/>
+          </a:lnRef>
+          <a:fillRef idx="0">
+            <a:schemeClr val="accent1"/>
+          </a:fillRef>
+          <a:effectRef idx="0">
+            <a:schemeClr val="accent1"/>
+          </a:effectRef>
+          <a:fontRef idx="minor">
+            <a:schemeClr val="tx1"/>
+          </a:fontRef>
+        </p:style>
+      </p:cxnSp>
+      <p:cxnSp>
+        <p:nvCxnSpPr>
+          <p:cNvPr id="43" name="直線單箭頭接點 42">
+            <a:extLst>
+              <a:ext uri="{FF2B5EF4-FFF2-40B4-BE49-F238E27FC236}"/>
+            </a:extLst>
+          </p:cNvPr>
+          <p:cNvCxnSpPr>
+            <a:cxnSpLocks/>
+            <a:stCxn id="40" idx="2"/>
+            <a:endCxn id="41" idx="0"/>
+          </p:cNvCxnSpPr>
+          <p:nvPr/>
+        </p:nvCxnSpPr>
+        <p:spPr>
+          <a:xfrm>
+            <a:off x="1517865" y="2181330"/>
+            <a:ext cx="0" cy="252145"/>
+          </a:xfrm>
+          <a:prstGeom prst="straightConnector1">
+            <a:avLst/>
+          </a:prstGeom>
+          <a:ln>
+            <a:solidFill>
+              <a:schemeClr val="tx1"/>
+            </a:solidFill>
+            <a:tailEnd type="triangle"/>
+          </a:ln>
+        </p:spPr>
+        <p:style>
+          <a:lnRef idx="1">
+            <a:schemeClr val="accent1"/>
+          </a:lnRef>
+          <a:fillRef idx="0">
+            <a:schemeClr val="accent1"/>
+          </a:fillRef>
+          <a:effectRef idx="0">
+            <a:schemeClr val="accent1"/>
+          </a:effectRef>
+          <a:fontRef idx="minor">
+            <a:schemeClr val="tx1"/>
+          </a:fontRef>
+        </p:style>
+      </p:cxnSp>
+      <p:cxnSp>
+        <p:nvCxnSpPr>
+          <p:cNvPr id="44" name="直線單箭頭接點 43">
+            <a:extLst>
+              <a:ext uri="{FF2B5EF4-FFF2-40B4-BE49-F238E27FC236}"/>
+            </a:extLst>
+          </p:cNvPr>
+          <p:cNvCxnSpPr>
+            <a:cxnSpLocks/>
+            <a:stCxn id="41" idx="2"/>
+            <a:endCxn id="54" idx="0"/>
+          </p:cNvCxnSpPr>
+          <p:nvPr/>
+        </p:nvCxnSpPr>
+        <p:spPr>
+          <a:xfrm>
+            <a:off x="1517865" y="2743075"/>
+            <a:ext cx="0" cy="252000"/>
+          </a:xfrm>
+          <a:prstGeom prst="straightConnector1">
+            <a:avLst/>
+          </a:prstGeom>
+          <a:ln>
+            <a:solidFill>
+              <a:schemeClr val="tx1"/>
+            </a:solidFill>
+            <a:tailEnd type="triangle"/>
+          </a:ln>
+        </p:spPr>
+        <p:style>
+          <a:lnRef idx="1">
+            <a:schemeClr val="accent1"/>
+          </a:lnRef>
+          <a:fillRef idx="0">
+            <a:schemeClr val="accent1"/>
+          </a:fillRef>
+          <a:effectRef idx="0">
+            <a:schemeClr val="accent1"/>
+          </a:effectRef>
+          <a:fontRef idx="minor">
+            <a:schemeClr val="tx1"/>
+          </a:fontRef>
+        </p:style>
+      </p:cxnSp>
+      <p:sp>
+        <p:nvSpPr>
+          <p:cNvPr id="45" name="文字方塊 44">
+            <a:extLst>
+              <a:ext uri="{FF2B5EF4-FFF2-40B4-BE49-F238E27FC236}"/>
+            </a:extLst>
+          </p:cNvPr>
+          <p:cNvSpPr txBox="1"/>
+          <p:nvPr/>
+        </p:nvSpPr>
+        <p:spPr>
+          <a:xfrm>
+            <a:off x="2795761" y="3134774"/>
+            <a:ext cx="1763713" cy="307975"/>
+          </a:xfrm>
+          <a:prstGeom prst="rect">
+            <a:avLst/>
+          </a:prstGeom>
+          <a:gradFill rotWithShape="1">
+            <a:gsLst>
+              <a:gs pos="0">
+                <a:srgbClr val="000000">
+                  <a:tint val="50000"/>
+                  <a:satMod val="300000"/>
+                </a:srgbClr>
+              </a:gs>
+              <a:gs pos="35000">
+                <a:srgbClr val="000000">
+                  <a:tint val="37000"/>
+                  <a:satMod val="300000"/>
+                </a:srgbClr>
+              </a:gs>
+              <a:gs pos="100000">
+                <a:srgbClr val="000000">
+                  <a:tint val="15000"/>
+                  <a:satMod val="350000"/>
+                </a:srgbClr>
+              </a:gs>
+            </a:gsLst>
+            <a:lin ang="16200000" scaled="1"/>
+          </a:gradFill>
+          <a:ln w="9525" cap="flat" cmpd="sng" algn="ctr">
+            <a:solidFill>
+              <a:srgbClr val="000000">
+                <a:shade val="95000"/>
+                <a:satMod val="105000"/>
+              </a:srgbClr>
+            </a:solidFill>
+            <a:prstDash val="solid"/>
+          </a:ln>
+          <a:effectLst>
+            <a:outerShdw blurRad="40000" dist="20000" dir="5400000" rotWithShape="0">
+              <a:srgbClr val="000000">
+                <a:alpha val="38000"/>
+              </a:srgbClr>
+            </a:outerShdw>
+          </a:effectLst>
+        </p:spPr>
+        <p:txBody>
+          <a:bodyPr>
+            <a:spAutoFit/>
+          </a:bodyPr>
+          <a:lstStyle/>
+          <a:p>
+            <a:pPr algn="ctr" fontAlgn="auto">
+              <a:spcBef>
+                <a:spcPts val="0"/>
+              </a:spcBef>
+              <a:spcAft>
+                <a:spcPts val="0"/>
+              </a:spcAft>
+              <a:defRPr/>
+            </a:pPr>
+            <a:r>
+              <a:rPr kumimoji="0" lang="en-US" altLang="zh-TW" kern="0" dirty="0">
+                <a:solidFill>
+                  <a:srgbClr val="000000"/>
+                </a:solidFill>
+                <a:latin typeface="Arial"/>
+              </a:rPr>
+              <a:t>LSR Repair(</a:t>
+            </a:r>
+            <a:r>
+              <a:rPr kumimoji="0" lang="zh-TW" altLang="en-US" kern="0" dirty="0">
+                <a:solidFill>
+                  <a:srgbClr val="000000"/>
+                </a:solidFill>
+                <a:latin typeface="Arial"/>
+              </a:rPr>
+              <a:t>人</a:t>
+            </a:r>
+            <a:r>
+              <a:rPr kumimoji="0" lang="en-US" altLang="zh-TW" kern="0" dirty="0">
+                <a:solidFill>
+                  <a:srgbClr val="000000"/>
+                </a:solidFill>
+                <a:latin typeface="Arial"/>
+              </a:rPr>
+              <a:t>)</a:t>
+            </a:r>
+            <a:endParaRPr kumimoji="0" lang="zh-TW" altLang="en-US" kern="0" dirty="0">
+              <a:solidFill>
+                <a:srgbClr val="000000"/>
+              </a:solidFill>
+              <a:latin typeface="Arial"/>
+            </a:endParaRPr>
+          </a:p>
+        </p:txBody>
+      </p:sp>
+      <p:sp>
+        <p:nvSpPr>
+          <p:cNvPr id="46" name="文字方塊 45">
+            <a:extLst>
+              <a:ext uri="{FF2B5EF4-FFF2-40B4-BE49-F238E27FC236}"/>
+            </a:extLst>
+          </p:cNvPr>
+          <p:cNvSpPr txBox="1"/>
+          <p:nvPr/>
+        </p:nvSpPr>
+        <p:spPr>
+          <a:xfrm>
+            <a:off x="2785442" y="3780259"/>
+            <a:ext cx="1764000" cy="307975"/>
+          </a:xfrm>
+          <a:prstGeom prst="rect">
+            <a:avLst/>
+          </a:prstGeom>
+          <a:ln/>
+        </p:spPr>
+        <p:style>
+          <a:lnRef idx="1">
+            <a:schemeClr val="accent6"/>
+          </a:lnRef>
+          <a:fillRef idx="2">
+            <a:schemeClr val="accent6"/>
+          </a:fillRef>
+          <a:effectRef idx="1">
+            <a:schemeClr val="accent6"/>
+          </a:effectRef>
+          <a:fontRef idx="minor">
+            <a:schemeClr val="dk1"/>
+          </a:fontRef>
+        </p:style>
+        <p:txBody>
+          <a:bodyPr>
+            <a:spAutoFit/>
+          </a:bodyPr>
+          <a:lstStyle/>
+          <a:p>
+            <a:pPr algn="ctr" fontAlgn="auto">
+              <a:spcBef>
+                <a:spcPts val="0"/>
+              </a:spcBef>
+              <a:spcAft>
+                <a:spcPts val="0"/>
+              </a:spcAft>
+              <a:defRPr/>
+            </a:pPr>
+            <a:r>
+              <a:rPr kumimoji="0" lang="en-US" altLang="zh-TW" kern="0" dirty="0">
+                <a:solidFill>
+                  <a:srgbClr val="000000"/>
+                </a:solidFill>
+                <a:latin typeface="Arial"/>
+              </a:rPr>
+              <a:t>Auto Repair(</a:t>
+            </a:r>
+            <a:r>
+              <a:rPr kumimoji="0" lang="zh-TW" altLang="en-US" kern="0" dirty="0">
+                <a:solidFill>
+                  <a:srgbClr val="0000FF"/>
+                </a:solidFill>
+                <a:latin typeface="Arial"/>
+              </a:rPr>
+              <a:t>電腦</a:t>
+            </a:r>
+            <a:r>
+              <a:rPr kumimoji="0" lang="en-US" altLang="zh-TW" kern="0" dirty="0">
+                <a:solidFill>
+                  <a:srgbClr val="0000FF"/>
+                </a:solidFill>
+                <a:latin typeface="Arial"/>
+              </a:rPr>
+              <a:t>)</a:t>
+            </a:r>
+            <a:endParaRPr kumimoji="0" lang="zh-TW" altLang="en-US" kern="0" dirty="0">
+              <a:solidFill>
+                <a:srgbClr val="0000FF"/>
+              </a:solidFill>
+              <a:latin typeface="Arial"/>
+            </a:endParaRPr>
+          </a:p>
+        </p:txBody>
+      </p:sp>
+      <p:sp>
+        <p:nvSpPr>
+          <p:cNvPr id="47" name="文字方塊 46">
+            <a:extLst>
+              <a:ext uri="{FF2B5EF4-FFF2-40B4-BE49-F238E27FC236}"/>
+            </a:extLst>
+          </p:cNvPr>
+          <p:cNvSpPr txBox="1"/>
+          <p:nvPr/>
+        </p:nvSpPr>
+        <p:spPr>
+          <a:xfrm>
+            <a:off x="4925667" y="3129023"/>
+            <a:ext cx="1152525" cy="307975"/>
+          </a:xfrm>
+          <a:prstGeom prst="rect">
+            <a:avLst/>
+          </a:prstGeom>
+          <a:gradFill rotWithShape="1">
+            <a:gsLst>
+              <a:gs pos="0">
+                <a:srgbClr val="000000">
+                  <a:tint val="50000"/>
+                  <a:satMod val="300000"/>
+                </a:srgbClr>
+              </a:gs>
+              <a:gs pos="35000">
+                <a:srgbClr val="000000">
+                  <a:tint val="37000"/>
+                  <a:satMod val="300000"/>
+                </a:srgbClr>
+              </a:gs>
+              <a:gs pos="100000">
+                <a:srgbClr val="000000">
+                  <a:tint val="15000"/>
+                  <a:satMod val="350000"/>
+                </a:srgbClr>
+              </a:gs>
+            </a:gsLst>
+            <a:lin ang="16200000" scaled="1"/>
+          </a:gradFill>
+          <a:ln w="9525" cap="flat" cmpd="sng" algn="ctr">
+            <a:solidFill>
+              <a:srgbClr val="000000">
+                <a:shade val="95000"/>
+                <a:satMod val="105000"/>
+              </a:srgbClr>
+            </a:solidFill>
+            <a:prstDash val="solid"/>
+          </a:ln>
+          <a:effectLst>
+            <a:outerShdw blurRad="40000" dist="20000" dir="5400000" rotWithShape="0">
+              <a:srgbClr val="000000">
+                <a:alpha val="38000"/>
+              </a:srgbClr>
+            </a:outerShdw>
+          </a:effectLst>
+        </p:spPr>
+        <p:txBody>
+          <a:bodyPr>
+            <a:spAutoFit/>
+          </a:bodyPr>
+          <a:lstStyle/>
+          <a:p>
+            <a:pPr algn="ctr" fontAlgn="auto">
+              <a:spcBef>
+                <a:spcPts val="0"/>
+              </a:spcBef>
+              <a:spcAft>
+                <a:spcPts val="0"/>
+              </a:spcAft>
+              <a:defRPr/>
+            </a:pPr>
+            <a:r>
+              <a:rPr kumimoji="0" lang="zh-TW" altLang="en-US" kern="0" dirty="0">
+                <a:solidFill>
+                  <a:srgbClr val="000000"/>
+                </a:solidFill>
+                <a:latin typeface="Arial"/>
+              </a:rPr>
+              <a:t>出貨</a:t>
+            </a:r>
+          </a:p>
+        </p:txBody>
+      </p:sp>
+      <p:cxnSp>
+        <p:nvCxnSpPr>
+          <p:cNvPr id="48" name="直線單箭頭接點 34"/>
+          <p:cNvCxnSpPr>
+            <a:cxnSpLocks/>
+            <a:stCxn id="45" idx="3"/>
+            <a:endCxn id="47" idx="1"/>
+          </p:cNvCxnSpPr>
+          <p:nvPr/>
+        </p:nvCxnSpPr>
+        <p:spPr bwMode="auto">
+          <a:xfrm flipV="1">
+            <a:off x="4559474" y="3283011"/>
+            <a:ext cx="366193" cy="5751"/>
+          </a:xfrm>
+          <a:prstGeom prst="straightConnector1">
+            <a:avLst/>
+          </a:prstGeom>
+          <a:noFill/>
+          <a:ln w="9525" algn="ctr">
+            <a:solidFill>
+              <a:schemeClr val="tx1"/>
+            </a:solidFill>
+            <a:round/>
+            <a:headEnd/>
+            <a:tailEnd type="arrow" w="med" len="med"/>
+          </a:ln>
+          <a:extLst>
+            <a:ext uri="{909E8E84-426E-40DD-AFC4-6F175D3DCCD1}">
+              <a14:hiddenFill xmlns:a14="http://schemas.microsoft.com/office/drawing/2010/main">
+                <a:noFill/>
+              </a14:hiddenFill>
+            </a:ext>
+          </a:extLst>
+        </p:spPr>
+      </p:cxnSp>
+      <p:cxnSp>
+        <p:nvCxnSpPr>
+          <p:cNvPr id="49" name="肘形接點 46"/>
+          <p:cNvCxnSpPr>
+            <a:cxnSpLocks/>
+            <a:stCxn id="46" idx="3"/>
+            <a:endCxn id="47" idx="1"/>
+          </p:cNvCxnSpPr>
+          <p:nvPr/>
+        </p:nvCxnSpPr>
+        <p:spPr bwMode="auto">
+          <a:xfrm flipV="1">
+            <a:off x="4549442" y="3283011"/>
+            <a:ext cx="376225" cy="651236"/>
+          </a:xfrm>
+          <a:prstGeom prst="bentConnector3">
+            <a:avLst>
+              <a:gd name="adj1" fmla="val 50000"/>
+            </a:avLst>
+          </a:prstGeom>
+          <a:noFill/>
+          <a:ln w="9525" algn="ctr">
+            <a:solidFill>
+              <a:schemeClr val="tx1"/>
+            </a:solidFill>
+            <a:miter lim="800000"/>
+            <a:headEnd/>
+            <a:tailEnd type="arrow" w="med" len="med"/>
+          </a:ln>
+          <a:extLst>
+            <a:ext uri="{909E8E84-426E-40DD-AFC4-6F175D3DCCD1}">
+              <a14:hiddenFill xmlns:a14="http://schemas.microsoft.com/office/drawing/2010/main">
+                <a:noFill/>
+              </a14:hiddenFill>
+            </a:ext>
+          </a:extLst>
+        </p:spPr>
+      </p:cxnSp>
+      <p:sp>
+        <p:nvSpPr>
+          <p:cNvPr id="50" name="文字方塊 36"/>
+          <p:cNvSpPr txBox="1">
+            <a:spLocks noChangeArrowheads="1"/>
           </p:cNvSpPr>
-          <p:nvPr>
-            <p:ph idx="1"/>
-          </p:nvPr>
+          <p:nvPr/>
         </p:nvSpPr>
-        <p:spPr/>
+        <p:spPr bwMode="auto">
+          <a:xfrm>
+            <a:off x="1894673" y="3036949"/>
+            <a:ext cx="1042987" cy="246062"/>
+          </a:xfrm>
+          <a:prstGeom prst="rect">
+            <a:avLst/>
+          </a:prstGeom>
+          <a:noFill/>
+          <a:ln>
+            <a:noFill/>
+          </a:ln>
+          <a:extLst>
+            <a:ext uri="{909E8E84-426E-40DD-AFC4-6F175D3DCCD1}">
+              <a14:hiddenFill xmlns:a14="http://schemas.microsoft.com/office/drawing/2010/main">
+                <a:solidFill>
+                  <a:srgbClr val="FFFFFF"/>
+                </a:solidFill>
+              </a14:hiddenFill>
+            </a:ext>
+            <a:ext uri="{91240B29-F687-4F45-9708-019B960494DF}">
+              <a14:hiddenLine xmlns:a14="http://schemas.microsoft.com/office/drawing/2010/main" w="9525">
+                <a:solidFill>
+                  <a:srgbClr val="000000"/>
+                </a:solidFill>
+                <a:miter lim="800000"/>
+                <a:headEnd/>
+                <a:tailEnd/>
+              </a14:hiddenLine>
+            </a:ext>
+          </a:extLst>
+        </p:spPr>
         <p:txBody>
-          <a:bodyPr/>
+          <a:bodyPr>
+            <a:spAutoFit/>
+          </a:bodyPr>
+          <a:lstStyle>
+            <a:lvl1pPr eaLnBrk="0" hangingPunct="0">
+              <a:defRPr kumimoji="1" sz="1400">
+                <a:solidFill>
+                  <a:schemeClr val="tx1"/>
+                </a:solidFill>
+                <a:latin typeface="Gill Sans MT" panose="020B0502020104020203" pitchFamily="34" charset="0"/>
+                <a:ea typeface="微軟正黑體" panose="020B0604030504040204" pitchFamily="34" charset="-120"/>
+              </a:defRPr>
+            </a:lvl1pPr>
+            <a:lvl2pPr marL="742950" indent="-285750" eaLnBrk="0" hangingPunct="0">
+              <a:defRPr kumimoji="1" sz="1400">
+                <a:solidFill>
+                  <a:schemeClr val="tx1"/>
+                </a:solidFill>
+                <a:latin typeface="Gill Sans MT" panose="020B0502020104020203" pitchFamily="34" charset="0"/>
+                <a:ea typeface="微軟正黑體" panose="020B0604030504040204" pitchFamily="34" charset="-120"/>
+              </a:defRPr>
+            </a:lvl2pPr>
+            <a:lvl3pPr marL="1143000" indent="-228600" eaLnBrk="0" hangingPunct="0">
+              <a:defRPr kumimoji="1" sz="1400">
+                <a:solidFill>
+                  <a:schemeClr val="tx1"/>
+                </a:solidFill>
+                <a:latin typeface="Gill Sans MT" panose="020B0502020104020203" pitchFamily="34" charset="0"/>
+                <a:ea typeface="微軟正黑體" panose="020B0604030504040204" pitchFamily="34" charset="-120"/>
+              </a:defRPr>
+            </a:lvl3pPr>
+            <a:lvl4pPr marL="1600200" indent="-228600" eaLnBrk="0" hangingPunct="0">
+              <a:defRPr kumimoji="1" sz="1400">
+                <a:solidFill>
+                  <a:schemeClr val="tx1"/>
+                </a:solidFill>
+                <a:latin typeface="Gill Sans MT" panose="020B0502020104020203" pitchFamily="34" charset="0"/>
+                <a:ea typeface="微軟正黑體" panose="020B0604030504040204" pitchFamily="34" charset="-120"/>
+              </a:defRPr>
+            </a:lvl4pPr>
+            <a:lvl5pPr marL="2057400" indent="-228600" eaLnBrk="0" hangingPunct="0">
+              <a:defRPr kumimoji="1" sz="1400">
+                <a:solidFill>
+                  <a:schemeClr val="tx1"/>
+                </a:solidFill>
+                <a:latin typeface="Gill Sans MT" panose="020B0502020104020203" pitchFamily="34" charset="0"/>
+                <a:ea typeface="微軟正黑體" panose="020B0604030504040204" pitchFamily="34" charset="-120"/>
+              </a:defRPr>
+            </a:lvl5pPr>
+            <a:lvl6pPr marL="2514600" indent="-228600" eaLnBrk="0" fontAlgn="base" hangingPunct="0">
+              <a:spcBef>
+                <a:spcPct val="0"/>
+              </a:spcBef>
+              <a:spcAft>
+                <a:spcPct val="0"/>
+              </a:spcAft>
+              <a:defRPr kumimoji="1" sz="1400">
+                <a:solidFill>
+                  <a:schemeClr val="tx1"/>
+                </a:solidFill>
+                <a:latin typeface="Gill Sans MT" panose="020B0502020104020203" pitchFamily="34" charset="0"/>
+                <a:ea typeface="微軟正黑體" panose="020B0604030504040204" pitchFamily="34" charset="-120"/>
+              </a:defRPr>
+            </a:lvl6pPr>
+            <a:lvl7pPr marL="2971800" indent="-228600" eaLnBrk="0" fontAlgn="base" hangingPunct="0">
+              <a:spcBef>
+                <a:spcPct val="0"/>
+              </a:spcBef>
+              <a:spcAft>
+                <a:spcPct val="0"/>
+              </a:spcAft>
+              <a:defRPr kumimoji="1" sz="1400">
+                <a:solidFill>
+                  <a:schemeClr val="tx1"/>
+                </a:solidFill>
+                <a:latin typeface="Gill Sans MT" panose="020B0502020104020203" pitchFamily="34" charset="0"/>
+                <a:ea typeface="微軟正黑體" panose="020B0604030504040204" pitchFamily="34" charset="-120"/>
+              </a:defRPr>
+            </a:lvl7pPr>
+            <a:lvl8pPr marL="3429000" indent="-228600" eaLnBrk="0" fontAlgn="base" hangingPunct="0">
+              <a:spcBef>
+                <a:spcPct val="0"/>
+              </a:spcBef>
+              <a:spcAft>
+                <a:spcPct val="0"/>
+              </a:spcAft>
+              <a:defRPr kumimoji="1" sz="1400">
+                <a:solidFill>
+                  <a:schemeClr val="tx1"/>
+                </a:solidFill>
+                <a:latin typeface="Gill Sans MT" panose="020B0502020104020203" pitchFamily="34" charset="0"/>
+                <a:ea typeface="微軟正黑體" panose="020B0604030504040204" pitchFamily="34" charset="-120"/>
+              </a:defRPr>
+            </a:lvl8pPr>
+            <a:lvl9pPr marL="3886200" indent="-228600" eaLnBrk="0" fontAlgn="base" hangingPunct="0">
+              <a:spcBef>
+                <a:spcPct val="0"/>
+              </a:spcBef>
+              <a:spcAft>
+                <a:spcPct val="0"/>
+              </a:spcAft>
+              <a:defRPr kumimoji="1" sz="1400">
+                <a:solidFill>
+                  <a:schemeClr val="tx1"/>
+                </a:solidFill>
+                <a:latin typeface="Gill Sans MT" panose="020B0502020104020203" pitchFamily="34" charset="0"/>
+                <a:ea typeface="微軟正黑體" panose="020B0604030504040204" pitchFamily="34" charset="-120"/>
+              </a:defRPr>
+            </a:lvl9pPr>
+          </a:lstStyle>
+          <a:p>
+            <a:pPr algn="ctr"/>
+            <a:r>
+              <a:rPr lang="en-US" altLang="zh-TW" sz="1000" dirty="0">
+                <a:solidFill>
+                  <a:srgbClr val="FF0000"/>
+                </a:solidFill>
+                <a:latin typeface="Arial" panose="020B0604020202020204" pitchFamily="34" charset="0"/>
+              </a:rPr>
+              <a:t>Abnormal</a:t>
+            </a:r>
+            <a:endParaRPr lang="zh-TW" altLang="en-US" sz="1000" dirty="0">
+              <a:solidFill>
+                <a:srgbClr val="FF0000"/>
+              </a:solidFill>
+              <a:latin typeface="Arial" panose="020B0604020202020204" pitchFamily="34" charset="0"/>
+            </a:endParaRPr>
+          </a:p>
+        </p:txBody>
+      </p:sp>
+      <p:sp>
+        <p:nvSpPr>
+          <p:cNvPr id="51" name="文字方塊 37"/>
+          <p:cNvSpPr txBox="1">
+            <a:spLocks noChangeArrowheads="1"/>
+          </p:cNvSpPr>
+          <p:nvPr/>
+        </p:nvSpPr>
+        <p:spPr bwMode="auto">
+          <a:xfrm>
+            <a:off x="1978810" y="3688182"/>
+            <a:ext cx="874712" cy="246063"/>
+          </a:xfrm>
+          <a:prstGeom prst="rect">
+            <a:avLst/>
+          </a:prstGeom>
+          <a:noFill/>
+          <a:ln>
+            <a:noFill/>
+          </a:ln>
+          <a:extLst>
+            <a:ext uri="{909E8E84-426E-40DD-AFC4-6F175D3DCCD1}">
+              <a14:hiddenFill xmlns:a14="http://schemas.microsoft.com/office/drawing/2010/main">
+                <a:solidFill>
+                  <a:srgbClr val="FFFFFF"/>
+                </a:solidFill>
+              </a14:hiddenFill>
+            </a:ext>
+            <a:ext uri="{91240B29-F687-4F45-9708-019B960494DF}">
+              <a14:hiddenLine xmlns:a14="http://schemas.microsoft.com/office/drawing/2010/main" w="9525">
+                <a:solidFill>
+                  <a:srgbClr val="000000"/>
+                </a:solidFill>
+                <a:miter lim="800000"/>
+                <a:headEnd/>
+                <a:tailEnd/>
+              </a14:hiddenLine>
+            </a:ext>
+          </a:extLst>
+        </p:spPr>
+        <p:txBody>
+          <a:bodyPr>
+            <a:spAutoFit/>
+          </a:bodyPr>
+          <a:lstStyle>
+            <a:lvl1pPr eaLnBrk="0" hangingPunct="0">
+              <a:defRPr kumimoji="1" sz="1400">
+                <a:solidFill>
+                  <a:schemeClr val="tx1"/>
+                </a:solidFill>
+                <a:latin typeface="Gill Sans MT" panose="020B0502020104020203" pitchFamily="34" charset="0"/>
+                <a:ea typeface="微軟正黑體" panose="020B0604030504040204" pitchFamily="34" charset="-120"/>
+              </a:defRPr>
+            </a:lvl1pPr>
+            <a:lvl2pPr marL="742950" indent="-285750" eaLnBrk="0" hangingPunct="0">
+              <a:defRPr kumimoji="1" sz="1400">
+                <a:solidFill>
+                  <a:schemeClr val="tx1"/>
+                </a:solidFill>
+                <a:latin typeface="Gill Sans MT" panose="020B0502020104020203" pitchFamily="34" charset="0"/>
+                <a:ea typeface="微軟正黑體" panose="020B0604030504040204" pitchFamily="34" charset="-120"/>
+              </a:defRPr>
+            </a:lvl2pPr>
+            <a:lvl3pPr marL="1143000" indent="-228600" eaLnBrk="0" hangingPunct="0">
+              <a:defRPr kumimoji="1" sz="1400">
+                <a:solidFill>
+                  <a:schemeClr val="tx1"/>
+                </a:solidFill>
+                <a:latin typeface="Gill Sans MT" panose="020B0502020104020203" pitchFamily="34" charset="0"/>
+                <a:ea typeface="微軟正黑體" panose="020B0604030504040204" pitchFamily="34" charset="-120"/>
+              </a:defRPr>
+            </a:lvl3pPr>
+            <a:lvl4pPr marL="1600200" indent="-228600" eaLnBrk="0" hangingPunct="0">
+              <a:defRPr kumimoji="1" sz="1400">
+                <a:solidFill>
+                  <a:schemeClr val="tx1"/>
+                </a:solidFill>
+                <a:latin typeface="Gill Sans MT" panose="020B0502020104020203" pitchFamily="34" charset="0"/>
+                <a:ea typeface="微軟正黑體" panose="020B0604030504040204" pitchFamily="34" charset="-120"/>
+              </a:defRPr>
+            </a:lvl4pPr>
+            <a:lvl5pPr marL="2057400" indent="-228600" eaLnBrk="0" hangingPunct="0">
+              <a:defRPr kumimoji="1" sz="1400">
+                <a:solidFill>
+                  <a:schemeClr val="tx1"/>
+                </a:solidFill>
+                <a:latin typeface="Gill Sans MT" panose="020B0502020104020203" pitchFamily="34" charset="0"/>
+                <a:ea typeface="微軟正黑體" panose="020B0604030504040204" pitchFamily="34" charset="-120"/>
+              </a:defRPr>
+            </a:lvl5pPr>
+            <a:lvl6pPr marL="2514600" indent="-228600" eaLnBrk="0" fontAlgn="base" hangingPunct="0">
+              <a:spcBef>
+                <a:spcPct val="0"/>
+              </a:spcBef>
+              <a:spcAft>
+                <a:spcPct val="0"/>
+              </a:spcAft>
+              <a:defRPr kumimoji="1" sz="1400">
+                <a:solidFill>
+                  <a:schemeClr val="tx1"/>
+                </a:solidFill>
+                <a:latin typeface="Gill Sans MT" panose="020B0502020104020203" pitchFamily="34" charset="0"/>
+                <a:ea typeface="微軟正黑體" panose="020B0604030504040204" pitchFamily="34" charset="-120"/>
+              </a:defRPr>
+            </a:lvl6pPr>
+            <a:lvl7pPr marL="2971800" indent="-228600" eaLnBrk="0" fontAlgn="base" hangingPunct="0">
+              <a:spcBef>
+                <a:spcPct val="0"/>
+              </a:spcBef>
+              <a:spcAft>
+                <a:spcPct val="0"/>
+              </a:spcAft>
+              <a:defRPr kumimoji="1" sz="1400">
+                <a:solidFill>
+                  <a:schemeClr val="tx1"/>
+                </a:solidFill>
+                <a:latin typeface="Gill Sans MT" panose="020B0502020104020203" pitchFamily="34" charset="0"/>
+                <a:ea typeface="微軟正黑體" panose="020B0604030504040204" pitchFamily="34" charset="-120"/>
+              </a:defRPr>
+            </a:lvl7pPr>
+            <a:lvl8pPr marL="3429000" indent="-228600" eaLnBrk="0" fontAlgn="base" hangingPunct="0">
+              <a:spcBef>
+                <a:spcPct val="0"/>
+              </a:spcBef>
+              <a:spcAft>
+                <a:spcPct val="0"/>
+              </a:spcAft>
+              <a:defRPr kumimoji="1" sz="1400">
+                <a:solidFill>
+                  <a:schemeClr val="tx1"/>
+                </a:solidFill>
+                <a:latin typeface="Gill Sans MT" panose="020B0502020104020203" pitchFamily="34" charset="0"/>
+                <a:ea typeface="微軟正黑體" panose="020B0604030504040204" pitchFamily="34" charset="-120"/>
+              </a:defRPr>
+            </a:lvl8pPr>
+            <a:lvl9pPr marL="3886200" indent="-228600" eaLnBrk="0" fontAlgn="base" hangingPunct="0">
+              <a:spcBef>
+                <a:spcPct val="0"/>
+              </a:spcBef>
+              <a:spcAft>
+                <a:spcPct val="0"/>
+              </a:spcAft>
+              <a:defRPr kumimoji="1" sz="1400">
+                <a:solidFill>
+                  <a:schemeClr val="tx1"/>
+                </a:solidFill>
+                <a:latin typeface="Gill Sans MT" panose="020B0502020104020203" pitchFamily="34" charset="0"/>
+                <a:ea typeface="微軟正黑體" panose="020B0604030504040204" pitchFamily="34" charset="-120"/>
+              </a:defRPr>
+            </a:lvl9pPr>
+          </a:lstStyle>
+          <a:p>
+            <a:pPr algn="ctr"/>
+            <a:r>
+              <a:rPr lang="en-US" altLang="zh-TW" sz="1000" dirty="0">
+                <a:solidFill>
+                  <a:srgbClr val="FF0000"/>
+                </a:solidFill>
+                <a:latin typeface="Arial" panose="020B0604020202020204" pitchFamily="34" charset="0"/>
+              </a:rPr>
+              <a:t>Normal</a:t>
+            </a:r>
+            <a:endParaRPr lang="zh-TW" altLang="en-US" sz="1000" dirty="0">
+              <a:solidFill>
+                <a:srgbClr val="FF0000"/>
+              </a:solidFill>
+              <a:latin typeface="Arial" panose="020B0604020202020204" pitchFamily="34" charset="0"/>
+            </a:endParaRPr>
+          </a:p>
+        </p:txBody>
+      </p:sp>
+      <p:cxnSp>
+        <p:nvCxnSpPr>
+          <p:cNvPr id="52" name="直線單箭頭接點 38"/>
+          <p:cNvCxnSpPr>
+            <a:cxnSpLocks/>
+            <a:stCxn id="54" idx="3"/>
+            <a:endCxn id="45" idx="1"/>
+          </p:cNvCxnSpPr>
+          <p:nvPr/>
+        </p:nvCxnSpPr>
+        <p:spPr bwMode="auto">
+          <a:xfrm flipV="1">
+            <a:off x="2169533" y="3288762"/>
+            <a:ext cx="626228" cy="1"/>
+          </a:xfrm>
+          <a:prstGeom prst="straightConnector1">
+            <a:avLst/>
+          </a:prstGeom>
+          <a:noFill/>
+          <a:ln w="9525" algn="ctr">
+            <a:solidFill>
+              <a:schemeClr val="tx1"/>
+            </a:solidFill>
+            <a:round/>
+            <a:headEnd/>
+            <a:tailEnd type="arrow" w="med" len="med"/>
+          </a:ln>
+          <a:extLst>
+            <a:ext uri="{909E8E84-426E-40DD-AFC4-6F175D3DCCD1}">
+              <a14:hiddenFill xmlns:a14="http://schemas.microsoft.com/office/drawing/2010/main">
+                <a:noFill/>
+              </a14:hiddenFill>
+            </a:ext>
+          </a:extLst>
+        </p:spPr>
+      </p:cxnSp>
+      <p:cxnSp>
+        <p:nvCxnSpPr>
+          <p:cNvPr id="53" name="肘形接點 51"/>
+          <p:cNvCxnSpPr>
+            <a:cxnSpLocks/>
+            <a:stCxn id="54" idx="2"/>
+            <a:endCxn id="46" idx="1"/>
+          </p:cNvCxnSpPr>
+          <p:nvPr/>
+        </p:nvCxnSpPr>
+        <p:spPr bwMode="auto">
+          <a:xfrm rot="16200000" flipH="1">
+            <a:off x="1975755" y="3124559"/>
+            <a:ext cx="351797" cy="1267577"/>
+          </a:xfrm>
+          <a:prstGeom prst="bentConnector2">
+            <a:avLst/>
+          </a:prstGeom>
+          <a:noFill/>
+          <a:ln w="9525" algn="ctr">
+            <a:solidFill>
+              <a:schemeClr val="tx1"/>
+            </a:solidFill>
+            <a:miter lim="800000"/>
+            <a:headEnd/>
+            <a:tailEnd type="arrow" w="med" len="med"/>
+          </a:ln>
+          <a:extLst>
+            <a:ext uri="{909E8E84-426E-40DD-AFC4-6F175D3DCCD1}">
+              <a14:hiddenFill xmlns:a14="http://schemas.microsoft.com/office/drawing/2010/main">
+                <a:noFill/>
+              </a14:hiddenFill>
+            </a:ext>
+          </a:extLst>
+        </p:spPr>
+      </p:cxnSp>
+      <p:sp>
+        <p:nvSpPr>
+          <p:cNvPr id="54" name="流程圖: 決策 53">
+            <a:extLst>
+              <a:ext uri="{FF2B5EF4-FFF2-40B4-BE49-F238E27FC236}"/>
+            </a:extLst>
+          </p:cNvPr>
+          <p:cNvSpPr/>
+          <p:nvPr/>
+        </p:nvSpPr>
+        <p:spPr>
+          <a:xfrm>
+            <a:off x="866196" y="2995075"/>
+            <a:ext cx="1303337" cy="587375"/>
+          </a:xfrm>
+          <a:prstGeom prst="flowChartDecision">
+            <a:avLst/>
+          </a:prstGeom>
+        </p:spPr>
+        <p:style>
+          <a:lnRef idx="1">
+            <a:schemeClr val="dk1"/>
+          </a:lnRef>
+          <a:fillRef idx="2">
+            <a:schemeClr val="dk1"/>
+          </a:fillRef>
+          <a:effectRef idx="1">
+            <a:schemeClr val="dk1"/>
+          </a:effectRef>
+          <a:fontRef idx="minor">
+            <a:schemeClr val="dk1"/>
+          </a:fontRef>
+        </p:style>
+        <p:txBody>
+          <a:bodyPr anchor="ctr"/>
           <a:lstStyle/>
           <a:p>
-            <a:r>
-              <a:rPr lang="zh-TW" altLang="en-US" dirty="0" smtClean="0"/>
-              <a:t>請使用</a:t>
-            </a:r>
-            <a:r>
-              <a:rPr lang="en-US" altLang="zh-TW" dirty="0" smtClean="0"/>
-              <a:t>LR</a:t>
-            </a:r>
-            <a:r>
-              <a:rPr lang="zh-TW" altLang="en-US" dirty="0" smtClean="0"/>
-              <a:t>、</a:t>
-            </a:r>
-            <a:r>
-              <a:rPr lang="en-US" altLang="zh-TW" dirty="0" smtClean="0"/>
-              <a:t>SVM</a:t>
-            </a:r>
-            <a:r>
-              <a:rPr lang="zh-TW" altLang="en-US" dirty="0" smtClean="0"/>
-              <a:t>、</a:t>
-            </a:r>
-            <a:r>
-              <a:rPr lang="en-US" altLang="zh-TW" dirty="0" smtClean="0"/>
-              <a:t>LOF</a:t>
-            </a:r>
-            <a:r>
-              <a:rPr lang="zh-TW" altLang="en-US" dirty="0" smtClean="0"/>
-              <a:t>、</a:t>
-            </a:r>
-            <a:r>
-              <a:rPr lang="en-US" altLang="zh-TW" dirty="0" smtClean="0"/>
-              <a:t>DL(CNN)</a:t>
-            </a:r>
-            <a:r>
-              <a:rPr lang="zh-TW" altLang="en-US" dirty="0" smtClean="0"/>
-              <a:t>等等演算法，至少</a:t>
-            </a:r>
-            <a:r>
-              <a:rPr lang="en-US" altLang="zh-TW" dirty="0" smtClean="0"/>
-              <a:t>2</a:t>
-            </a:r>
-            <a:r>
-              <a:rPr lang="zh-TW" altLang="en-US" dirty="0" smtClean="0"/>
-              <a:t>種去做</a:t>
-            </a:r>
-            <a:endParaRPr lang="en-US" altLang="zh-TW" dirty="0" smtClean="0"/>
-          </a:p>
-          <a:p>
-            <a:r>
-              <a:rPr lang="zh-TW" altLang="en-US" dirty="0" smtClean="0"/>
-              <a:t>跨設備的分析方法</a:t>
-            </a:r>
-            <a:r>
-              <a:rPr lang="en-US" altLang="zh-TW" dirty="0" smtClean="0"/>
-              <a:t>?</a:t>
-            </a:r>
-            <a:r>
-              <a:rPr lang="zh-TW" altLang="en-US" dirty="0" smtClean="0"/>
-              <a:t> 去除機差</a:t>
-            </a:r>
-            <a:r>
-              <a:rPr lang="en-US" altLang="zh-TW" dirty="0" smtClean="0"/>
-              <a:t>?</a:t>
-            </a:r>
-            <a:endParaRPr lang="zh-TW" altLang="en-US" dirty="0"/>
+            <a:pPr algn="ctr" eaLnBrk="0" hangingPunct="0">
+              <a:defRPr/>
+            </a:pPr>
+            <a:r>
+              <a:rPr lang="en-US" altLang="zh-TW" sz="1200" dirty="0"/>
+              <a:t>MAP</a:t>
+            </a:r>
+          </a:p>
+          <a:p>
+            <a:pPr algn="ctr" eaLnBrk="0" hangingPunct="0">
+              <a:defRPr/>
+            </a:pPr>
+            <a:r>
+              <a:rPr lang="zh-TW" altLang="en-US" sz="1200" dirty="0"/>
+              <a:t>異常度</a:t>
+            </a:r>
+          </a:p>
+        </p:txBody>
+      </p:sp>
+      <p:cxnSp>
+        <p:nvCxnSpPr>
+          <p:cNvPr id="57" name="肘形接點 56"/>
+          <p:cNvCxnSpPr>
+            <a:stCxn id="45" idx="0"/>
+            <a:endCxn id="58" idx="1"/>
+          </p:cNvCxnSpPr>
+          <p:nvPr/>
+        </p:nvCxnSpPr>
+        <p:spPr>
+          <a:xfrm rot="5400000" flipH="1" flipV="1">
+            <a:off x="3410478" y="1967638"/>
+            <a:ext cx="1434277" cy="899996"/>
+          </a:xfrm>
+          <a:prstGeom prst="bentConnector2">
+            <a:avLst/>
+          </a:prstGeom>
+          <a:ln>
+            <a:tailEnd type="triangle"/>
+          </a:ln>
+        </p:spPr>
+        <p:style>
+          <a:lnRef idx="1">
+            <a:schemeClr val="accent1"/>
+          </a:lnRef>
+          <a:fillRef idx="0">
+            <a:schemeClr val="accent1"/>
+          </a:fillRef>
+          <a:effectRef idx="0">
+            <a:schemeClr val="accent1"/>
+          </a:effectRef>
+          <a:fontRef idx="minor">
+            <a:schemeClr val="tx1"/>
+          </a:fontRef>
+        </p:style>
+      </p:cxnSp>
+      <p:sp>
+        <p:nvSpPr>
+          <p:cNvPr id="58" name="流程圖: 決策 57"/>
+          <p:cNvSpPr/>
+          <p:nvPr/>
+        </p:nvSpPr>
+        <p:spPr>
+          <a:xfrm>
+            <a:off x="4577614" y="1367654"/>
+            <a:ext cx="1080120" cy="665685"/>
+          </a:xfrm>
+          <a:prstGeom prst="flowChartDecision">
+            <a:avLst/>
+          </a:prstGeom>
+        </p:spPr>
+        <p:style>
+          <a:lnRef idx="2">
+            <a:schemeClr val="accent1">
+              <a:shade val="50000"/>
+            </a:schemeClr>
+          </a:lnRef>
+          <a:fillRef idx="1">
+            <a:schemeClr val="accent1"/>
+          </a:fillRef>
+          <a:effectRef idx="0">
+            <a:schemeClr val="accent1"/>
+          </a:effectRef>
+          <a:fontRef idx="minor">
+            <a:schemeClr val="lt1"/>
+          </a:fontRef>
+        </p:style>
+        <p:txBody>
+          <a:bodyPr rtlCol="0" anchor="ctr"/>
+          <a:lstStyle/>
+          <a:p>
+            <a:pPr algn="ctr"/>
+            <a:endParaRPr lang="zh-TW" altLang="en-US"/>
           </a:p>
         </p:txBody>
       </p:sp>
     </p:spTree>
     <p:extLst>
       <p:ext uri="{BB962C8B-B14F-4D97-AF65-F5344CB8AC3E}">
-        <p14:creationId xmlns:p14="http://schemas.microsoft.com/office/powerpoint/2010/main" val="4247187928"/>
+        <p14:creationId xmlns:p14="http://schemas.microsoft.com/office/powerpoint/2010/main" val="564994222"/>
       </p:ext>
     </p:extLst>
   </p:cSld>
@@ -5232,78 +8690,40 @@
       </p:grpSpPr>
       <p:sp>
         <p:nvSpPr>
-          <p:cNvPr id="2" name="標題 1"/>
+          <p:cNvPr id="2" name="內容版面配置區 1"/>
           <p:cNvSpPr>
             <a:spLocks noGrp="1"/>
           </p:cNvSpPr>
           <p:nvPr>
-            <p:ph type="title"/>
+            <p:ph sz="quarter" idx="22"/>
           </p:nvPr>
         </p:nvSpPr>
-        <p:spPr/>
+        <p:spPr>
+          <a:xfrm>
+            <a:off x="1871700" y="1959683"/>
+            <a:ext cx="6885765" cy="2997332"/>
+          </a:xfrm>
+        </p:spPr>
         <p:txBody>
-          <a:bodyPr/>
+          <a:bodyPr>
+            <a:normAutofit/>
+          </a:bodyPr>
           <a:lstStyle/>
           <a:p>
             <a:r>
               <a:rPr lang="zh-TW" altLang="en-US" dirty="0" smtClean="0"/>
-              <a:t>模型驗證</a:t>
-            </a:r>
-            <a:endParaRPr lang="zh-TW" altLang="en-US" dirty="0"/>
-          </a:p>
-        </p:txBody>
-      </p:sp>
-      <p:sp>
-        <p:nvSpPr>
-          <p:cNvPr id="3" name="內容版面配置區 2"/>
-          <p:cNvSpPr>
-            <a:spLocks noGrp="1"/>
-          </p:cNvSpPr>
-          <p:nvPr>
-            <p:ph idx="1"/>
-          </p:nvPr>
-        </p:nvSpPr>
-        <p:spPr/>
-        <p:txBody>
-          <a:bodyPr/>
-          <a:lstStyle/>
-          <a:p>
-            <a:r>
-              <a:rPr lang="zh-TW" altLang="en-US" dirty="0" smtClean="0"/>
-              <a:t>請說明正確率為何</a:t>
-            </a:r>
-            <a:r>
-              <a:rPr lang="en-US" altLang="zh-TW" dirty="0" smtClean="0"/>
-              <a:t>?</a:t>
-            </a:r>
-            <a:br>
-              <a:rPr lang="en-US" altLang="zh-TW" dirty="0" smtClean="0"/>
-            </a:br>
-            <a:r>
-              <a:rPr lang="zh-TW" altLang="en-US" dirty="0" smtClean="0"/>
-              <a:t>混淆矩陣</a:t>
+              <a:t>心得分享</a:t>
             </a:r>
             <a:endParaRPr lang="en-US" altLang="zh-TW" dirty="0" smtClean="0"/>
-          </a:p>
-          <a:p>
-            <a:r>
-              <a:rPr lang="en-US" altLang="zh-TW" dirty="0" smtClean="0"/>
-              <a:t>10-fold cross validation</a:t>
-            </a:r>
-            <a:endParaRPr lang="zh-TW" altLang="en-US" dirty="0"/>
           </a:p>
         </p:txBody>
       </p:sp>
     </p:spTree>
-    <p:extLst>
-      <p:ext uri="{BB962C8B-B14F-4D97-AF65-F5344CB8AC3E}">
-        <p14:creationId xmlns:p14="http://schemas.microsoft.com/office/powerpoint/2010/main" val="3496745893"/>
-      </p:ext>
-    </p:extLst>
   </p:cSld>
   <p:clrMapOvr>
     <a:masterClrMapping/>
   </p:clrMapOvr>
+  <p:transition/>
   <p:timing>
     <p:tnLst>
       <p:par>
@@ -5347,9 +8767,10 @@
           <a:lstStyle/>
           <a:p>
             <a:r>
-              <a:rPr lang="zh-TW" altLang="en-US" dirty="0"/>
-              <a:t>結果與討論</a:t>
-            </a:r>
+              <a:rPr lang="zh-TW" altLang="en-US" dirty="0" smtClean="0"/>
+              <a:t>心得分享</a:t>
+            </a:r>
+            <a:endParaRPr lang="zh-TW" altLang="en-US" dirty="0"/>
           </a:p>
         </p:txBody>
       </p:sp>
@@ -5370,28 +8791,8 @@
           <a:p>
             <a:r>
               <a:rPr lang="zh-TW" altLang="en-US" dirty="0" smtClean="0"/>
-              <a:t>是否達成目標</a:t>
-            </a:r>
-            <a:endParaRPr lang="en-US" altLang="zh-TW" dirty="0" smtClean="0"/>
-          </a:p>
-          <a:p>
-            <a:r>
-              <a:rPr lang="zh-TW" altLang="en-US" dirty="0" smtClean="0"/>
-              <a:t>結果作一說明與問題討論</a:t>
-            </a:r>
-            <a:endParaRPr lang="en-US" altLang="zh-TW" dirty="0" smtClean="0"/>
-          </a:p>
-          <a:p>
-            <a:r>
-              <a:rPr lang="zh-TW" altLang="en-US" dirty="0" smtClean="0"/>
-              <a:t>如何進一步改善</a:t>
-            </a:r>
-            <a:r>
-              <a:rPr lang="en-US" altLang="zh-TW" dirty="0" smtClean="0"/>
-              <a:t>?</a:t>
-            </a:r>
-          </a:p>
-          <a:p>
+              <a:t>專題執行、困難點、學習過程等心得</a:t>
+            </a:r>
             <a:endParaRPr lang="zh-TW" altLang="en-US" dirty="0"/>
           </a:p>
         </p:txBody>
@@ -5399,7 +8800,7 @@
     </p:spTree>
     <p:extLst>
       <p:ext uri="{BB962C8B-B14F-4D97-AF65-F5344CB8AC3E}">
-        <p14:creationId xmlns:p14="http://schemas.microsoft.com/office/powerpoint/2010/main" val="564994222"/>
+        <p14:creationId xmlns:p14="http://schemas.microsoft.com/office/powerpoint/2010/main" val="1521605718"/>
       </p:ext>
     </p:extLst>
   </p:cSld>
@@ -5433,114 +8834,6 @@
           <a:chExt cx="0" cy="0"/>
         </a:xfrm>
       </p:grpSpPr>
-      <p:sp>
-        <p:nvSpPr>
-          <p:cNvPr id="2" name="內容版面配置區 1"/>
-          <p:cNvSpPr>
-            <a:spLocks noGrp="1"/>
-          </p:cNvSpPr>
-          <p:nvPr>
-            <p:ph sz="quarter" idx="22"/>
-          </p:nvPr>
-        </p:nvSpPr>
-        <p:spPr>
-          <a:xfrm>
-            <a:off x="1871700" y="1959683"/>
-            <a:ext cx="6885765" cy="2997332"/>
-          </a:xfrm>
-        </p:spPr>
-        <p:txBody>
-          <a:bodyPr>
-            <a:normAutofit/>
-          </a:bodyPr>
-          <a:lstStyle/>
-          <a:p>
-            <a:r>
-              <a:rPr lang="zh-TW" altLang="en-US" dirty="0" smtClean="0"/>
-              <a:t>心得分享</a:t>
-            </a:r>
-            <a:endParaRPr lang="en-US" altLang="zh-TW" dirty="0" smtClean="0"/>
-          </a:p>
-          <a:p>
-            <a:pPr marL="514350" indent="-514350">
-              <a:buFont typeface="+mj-lt"/>
-              <a:buAutoNum type="arabicPeriod"/>
-            </a:pPr>
-            <a:r>
-              <a:rPr lang="zh-TW" altLang="en-US" sz="2000" dirty="0" smtClean="0">
-                <a:solidFill>
-                  <a:schemeClr val="tx1">
-                    <a:lumMod val="65000"/>
-                    <a:lumOff val="35000"/>
-                  </a:schemeClr>
-                </a:solidFill>
-              </a:rPr>
-              <a:t>專題執行心得</a:t>
-            </a:r>
-            <a:endParaRPr lang="en-US" altLang="zh-TW" sz="2000" dirty="0" smtClean="0">
-              <a:solidFill>
-                <a:schemeClr val="tx1">
-                  <a:lumMod val="65000"/>
-                  <a:lumOff val="35000"/>
-                </a:schemeClr>
-              </a:solidFill>
-            </a:endParaRPr>
-          </a:p>
-          <a:p>
-            <a:pPr marL="514350" indent="-514350">
-              <a:buFont typeface="+mj-lt"/>
-              <a:buAutoNum type="arabicPeriod"/>
-            </a:pPr>
-            <a:r>
-              <a:rPr lang="zh-TW" altLang="en-US" sz="2000" dirty="0" smtClean="0">
-                <a:solidFill>
-                  <a:schemeClr val="tx1">
-                    <a:lumMod val="65000"/>
-                    <a:lumOff val="35000"/>
-                  </a:schemeClr>
-                </a:solidFill>
-              </a:rPr>
-              <a:t>困難點分享</a:t>
-            </a:r>
-            <a:endParaRPr lang="en-US" altLang="zh-TW" sz="2000" dirty="0" smtClean="0">
-              <a:solidFill>
-                <a:schemeClr val="tx1">
-                  <a:lumMod val="65000"/>
-                  <a:lumOff val="35000"/>
-                </a:schemeClr>
-              </a:solidFill>
-            </a:endParaRPr>
-          </a:p>
-          <a:p>
-            <a:pPr marL="514350" indent="-514350">
-              <a:buFont typeface="+mj-lt"/>
-              <a:buAutoNum type="arabicPeriod"/>
-            </a:pPr>
-            <a:r>
-              <a:rPr lang="zh-TW" altLang="en-US" sz="2000" dirty="0" smtClean="0">
-                <a:solidFill>
-                  <a:schemeClr val="tx1">
-                    <a:lumMod val="65000"/>
-                    <a:lumOff val="35000"/>
-                  </a:schemeClr>
-                </a:solidFill>
-              </a:rPr>
-              <a:t>課程學習心得</a:t>
-            </a:r>
-            <a:endParaRPr lang="en-US" altLang="zh-TW" sz="2000" dirty="0" smtClean="0">
-              <a:solidFill>
-                <a:schemeClr val="tx1">
-                  <a:lumMod val="65000"/>
-                  <a:lumOff val="35000"/>
-                </a:schemeClr>
-              </a:solidFill>
-            </a:endParaRPr>
-          </a:p>
-          <a:p>
-            <a:endParaRPr lang="en-US" altLang="zh-TW" dirty="0" smtClean="0"/>
-          </a:p>
-        </p:txBody>
-      </p:sp>
     </p:spTree>
   </p:cSld>
   <p:clrMapOvr>
@@ -5558,311 +8851,6 @@
 </file>
 
 <file path=ppt/slides/slide17.xml><?xml version="1.0" encoding="utf-8"?>
-<p:sld xmlns:a="http://schemas.openxmlformats.org/drawingml/2006/main" xmlns:r="http://schemas.openxmlformats.org/officeDocument/2006/relationships" xmlns:p="http://schemas.openxmlformats.org/presentationml/2006/main">
-  <p:cSld>
-    <p:spTree>
-      <p:nvGrpSpPr>
-        <p:cNvPr id="1" name=""/>
-        <p:cNvGrpSpPr/>
-        <p:nvPr/>
-      </p:nvGrpSpPr>
-      <p:grpSpPr>
-        <a:xfrm>
-          <a:off x="0" y="0"/>
-          <a:ext cx="0" cy="0"/>
-          <a:chOff x="0" y="0"/>
-          <a:chExt cx="0" cy="0"/>
-        </a:xfrm>
-      </p:grpSpPr>
-      <p:sp>
-        <p:nvSpPr>
-          <p:cNvPr id="2" name="標題 1"/>
-          <p:cNvSpPr>
-            <a:spLocks noGrp="1"/>
-          </p:cNvSpPr>
-          <p:nvPr>
-            <p:ph type="title"/>
-          </p:nvPr>
-        </p:nvSpPr>
-        <p:spPr/>
-        <p:txBody>
-          <a:bodyPr/>
-          <a:lstStyle/>
-          <a:p>
-            <a:r>
-              <a:rPr lang="zh-TW" altLang="en-US" dirty="0" smtClean="0"/>
-              <a:t>心得分享</a:t>
-            </a:r>
-            <a:endParaRPr lang="zh-TW" altLang="en-US" dirty="0"/>
-          </a:p>
-        </p:txBody>
-      </p:sp>
-      <p:sp>
-        <p:nvSpPr>
-          <p:cNvPr id="3" name="內容版面配置區 2"/>
-          <p:cNvSpPr>
-            <a:spLocks noGrp="1"/>
-          </p:cNvSpPr>
-          <p:nvPr>
-            <p:ph idx="1"/>
-          </p:nvPr>
-        </p:nvSpPr>
-        <p:spPr/>
-        <p:txBody>
-          <a:bodyPr/>
-          <a:lstStyle/>
-          <a:p>
-            <a:r>
-              <a:rPr lang="zh-TW" altLang="en-US" dirty="0" smtClean="0"/>
-              <a:t>專題執行、困難點、學習過程等心得</a:t>
-            </a:r>
-            <a:endParaRPr lang="zh-TW" altLang="en-US" dirty="0"/>
-          </a:p>
-        </p:txBody>
-      </p:sp>
-    </p:spTree>
-    <p:extLst>
-      <p:ext uri="{BB962C8B-B14F-4D97-AF65-F5344CB8AC3E}">
-        <p14:creationId xmlns:p14="http://schemas.microsoft.com/office/powerpoint/2010/main" val="1521605718"/>
-      </p:ext>
-    </p:extLst>
-  </p:cSld>
-  <p:clrMapOvr>
-    <a:masterClrMapping/>
-  </p:clrMapOvr>
-  <p:timing>
-    <p:tnLst>
-      <p:par>
-        <p:cTn id="1" dur="indefinite" restart="never" nodeType="tmRoot"/>
-      </p:par>
-    </p:tnLst>
-  </p:timing>
-</p:sld>
-</file>
-
-<file path=ppt/slides/slide18.xml><?xml version="1.0" encoding="utf-8"?>
-<p:sld xmlns:a="http://schemas.openxmlformats.org/drawingml/2006/main" xmlns:r="http://schemas.openxmlformats.org/officeDocument/2006/relationships" xmlns:p="http://schemas.openxmlformats.org/presentationml/2006/main">
-  <p:cSld>
-    <p:spTree>
-      <p:nvGrpSpPr>
-        <p:cNvPr id="1" name=""/>
-        <p:cNvGrpSpPr/>
-        <p:nvPr/>
-      </p:nvGrpSpPr>
-      <p:grpSpPr>
-        <a:xfrm>
-          <a:off x="0" y="0"/>
-          <a:ext cx="0" cy="0"/>
-          <a:chOff x="0" y="0"/>
-          <a:chExt cx="0" cy="0"/>
-        </a:xfrm>
-      </p:grpSpPr>
-      <p:sp>
-        <p:nvSpPr>
-          <p:cNvPr id="2" name="標題 1"/>
-          <p:cNvSpPr>
-            <a:spLocks noGrp="1"/>
-          </p:cNvSpPr>
-          <p:nvPr>
-            <p:ph type="title"/>
-          </p:nvPr>
-        </p:nvSpPr>
-        <p:spPr/>
-        <p:txBody>
-          <a:bodyPr/>
-          <a:lstStyle/>
-          <a:p>
-            <a:r>
-              <a:rPr lang="zh-TW" altLang="en-US" dirty="0" smtClean="0"/>
-              <a:t>參考文獻</a:t>
-            </a:r>
-            <a:endParaRPr lang="zh-TW" altLang="en-US" dirty="0"/>
-          </a:p>
-        </p:txBody>
-      </p:sp>
-      <p:sp>
-        <p:nvSpPr>
-          <p:cNvPr id="3" name="內容版面配置區 2"/>
-          <p:cNvSpPr>
-            <a:spLocks noGrp="1"/>
-          </p:cNvSpPr>
-          <p:nvPr>
-            <p:ph idx="1"/>
-          </p:nvPr>
-        </p:nvSpPr>
-        <p:spPr/>
-        <p:txBody>
-          <a:bodyPr/>
-          <a:lstStyle/>
-          <a:p>
-            <a:r>
-              <a:rPr lang="zh-TW" altLang="en-US" dirty="0" smtClean="0"/>
-              <a:t>請列出所使用到的參考資料等等</a:t>
-            </a:r>
-            <a:endParaRPr lang="zh-TW" altLang="en-US" dirty="0"/>
-          </a:p>
-        </p:txBody>
-      </p:sp>
-    </p:spTree>
-    <p:extLst>
-      <p:ext uri="{BB962C8B-B14F-4D97-AF65-F5344CB8AC3E}">
-        <p14:creationId xmlns:p14="http://schemas.microsoft.com/office/powerpoint/2010/main" val="854633449"/>
-      </p:ext>
-    </p:extLst>
-  </p:cSld>
-  <p:clrMapOvr>
-    <a:masterClrMapping/>
-  </p:clrMapOvr>
-  <p:timing>
-    <p:tnLst>
-      <p:par>
-        <p:cTn id="1" dur="indefinite" restart="never" nodeType="tmRoot"/>
-      </p:par>
-    </p:tnLst>
-  </p:timing>
-</p:sld>
-</file>
-
-<file path=ppt/slides/slide19.xml><?xml version="1.0" encoding="utf-8"?>
-<p:sld xmlns:a="http://schemas.openxmlformats.org/drawingml/2006/main" xmlns:r="http://schemas.openxmlformats.org/officeDocument/2006/relationships" xmlns:p="http://schemas.openxmlformats.org/presentationml/2006/main">
-  <p:cSld>
-    <p:spTree>
-      <p:nvGrpSpPr>
-        <p:cNvPr id="1" name=""/>
-        <p:cNvGrpSpPr/>
-        <p:nvPr/>
-      </p:nvGrpSpPr>
-      <p:grpSpPr>
-        <a:xfrm>
-          <a:off x="0" y="0"/>
-          <a:ext cx="0" cy="0"/>
-          <a:chOff x="0" y="0"/>
-          <a:chExt cx="0" cy="0"/>
-        </a:xfrm>
-      </p:grpSpPr>
-    </p:spTree>
-  </p:cSld>
-  <p:clrMapOvr>
-    <a:masterClrMapping/>
-  </p:clrMapOvr>
-  <p:transition/>
-  <p:timing>
-    <p:tnLst>
-      <p:par>
-        <p:cTn id="1" dur="indefinite" restart="never" nodeType="tmRoot"/>
-      </p:par>
-    </p:tnLst>
-  </p:timing>
-</p:sld>
-</file>
-
-<file path=ppt/slides/slide2.xml><?xml version="1.0" encoding="utf-8"?>
-<p:sld xmlns:a="http://schemas.openxmlformats.org/drawingml/2006/main" xmlns:r="http://schemas.openxmlformats.org/officeDocument/2006/relationships" xmlns:p="http://schemas.openxmlformats.org/presentationml/2006/main">
-  <p:cSld>
-    <p:spTree>
-      <p:nvGrpSpPr>
-        <p:cNvPr id="1" name=""/>
-        <p:cNvGrpSpPr/>
-        <p:nvPr/>
-      </p:nvGrpSpPr>
-      <p:grpSpPr>
-        <a:xfrm>
-          <a:off x="0" y="0"/>
-          <a:ext cx="0" cy="0"/>
-          <a:chOff x="0" y="0"/>
-          <a:chExt cx="0" cy="0"/>
-        </a:xfrm>
-      </p:grpSpPr>
-      <p:sp>
-        <p:nvSpPr>
-          <p:cNvPr id="4" name="內容版面配置區 3"/>
-          <p:cNvSpPr>
-            <a:spLocks noGrp="1"/>
-          </p:cNvSpPr>
-          <p:nvPr>
-            <p:ph sz="quarter" idx="22"/>
-          </p:nvPr>
-        </p:nvSpPr>
-        <p:spPr/>
-        <p:txBody>
-          <a:bodyPr>
-            <a:normAutofit/>
-          </a:bodyPr>
-          <a:lstStyle/>
-          <a:p>
-            <a:pPr marL="457200" indent="-457200">
-              <a:buAutoNum type="arabicPeriod"/>
-            </a:pPr>
-            <a:r>
-              <a:rPr lang="zh-TW" altLang="en-US" sz="3200" b="1" dirty="0" smtClean="0"/>
-              <a:t>專案題目介紹</a:t>
-            </a:r>
-            <a:endParaRPr lang="en-US" altLang="zh-TW" sz="3200" b="1" dirty="0" smtClean="0"/>
-          </a:p>
-          <a:p>
-            <a:pPr marL="457200" indent="-457200">
-              <a:buAutoNum type="arabicPeriod"/>
-            </a:pPr>
-            <a:r>
-              <a:rPr lang="zh-TW" altLang="en-US" sz="3200" b="1" dirty="0" smtClean="0"/>
-              <a:t>專題執行過程</a:t>
-            </a:r>
-            <a:endParaRPr lang="en-US" altLang="zh-TW" sz="3200" b="1" dirty="0" smtClean="0"/>
-          </a:p>
-          <a:p>
-            <a:pPr marL="457200" indent="-457200">
-              <a:buAutoNum type="arabicPeriod"/>
-            </a:pPr>
-            <a:r>
-              <a:rPr lang="zh-TW" altLang="en-US" sz="3200" b="1" dirty="0" smtClean="0"/>
-              <a:t>專題心得分享</a:t>
-            </a:r>
-            <a:endParaRPr lang="en-US" altLang="zh-TW" sz="3200" b="1" dirty="0"/>
-          </a:p>
-        </p:txBody>
-      </p:sp>
-      <p:sp>
-        <p:nvSpPr>
-          <p:cNvPr id="3" name="文字版面配置區 2"/>
-          <p:cNvSpPr>
-            <a:spLocks noGrp="1"/>
-          </p:cNvSpPr>
-          <p:nvPr>
-            <p:ph type="body" sz="quarter" idx="19"/>
-          </p:nvPr>
-        </p:nvSpPr>
-        <p:spPr/>
-        <p:txBody>
-          <a:bodyPr>
-            <a:normAutofit/>
-          </a:bodyPr>
-          <a:lstStyle/>
-          <a:p>
-            <a:r>
-              <a:rPr lang="en-US" altLang="zh-TW" dirty="0" smtClean="0"/>
-              <a:t>Agenda</a:t>
-            </a:r>
-            <a:endParaRPr lang="zh-TW" altLang="en-US" dirty="0"/>
-          </a:p>
-        </p:txBody>
-      </p:sp>
-    </p:spTree>
-  </p:cSld>
-  <p:clrMapOvr>
-    <a:masterClrMapping/>
-  </p:clrMapOvr>
-  <p:transition/>
-  <p:timing>
-    <p:tnLst>
-      <p:par>
-        <p:cTn id="1" dur="indefinite" restart="never" nodeType="tmRoot"/>
-      </p:par>
-    </p:tnLst>
-  </p:timing>
-</p:sld>
-</file>
-
-<file path=ppt/slides/slide20.xml><?xml version="1.0" encoding="utf-8"?>
 <p:sld xmlns:a="http://schemas.openxmlformats.org/drawingml/2006/main" xmlns:r="http://schemas.openxmlformats.org/officeDocument/2006/relationships" xmlns:p="http://schemas.openxmlformats.org/presentationml/2006/main">
   <p:cSld>
     <p:spTree>
@@ -5911,6 +8899,2341 @@
     <a:masterClrMapping/>
   </p:clrMapOvr>
   <p:transition/>
+  <p:timing>
+    <p:tnLst>
+      <p:par>
+        <p:cTn id="1" dur="indefinite" restart="never" nodeType="tmRoot"/>
+      </p:par>
+    </p:tnLst>
+  </p:timing>
+</p:sld>
+</file>
+
+<file path=ppt/slides/slide18.xml><?xml version="1.0" encoding="utf-8"?>
+<p:sld xmlns:a="http://schemas.openxmlformats.org/drawingml/2006/main" xmlns:r="http://schemas.openxmlformats.org/officeDocument/2006/relationships" xmlns:p="http://schemas.openxmlformats.org/presentationml/2006/main">
+  <p:cSld>
+    <p:spTree>
+      <p:nvGrpSpPr>
+        <p:cNvPr id="1" name=""/>
+        <p:cNvGrpSpPr/>
+        <p:nvPr/>
+      </p:nvGrpSpPr>
+      <p:grpSpPr>
+        <a:xfrm>
+          <a:off x="0" y="0"/>
+          <a:ext cx="0" cy="0"/>
+          <a:chOff x="0" y="0"/>
+          <a:chExt cx="0" cy="0"/>
+        </a:xfrm>
+      </p:grpSpPr>
+      <p:sp>
+        <p:nvSpPr>
+          <p:cNvPr id="2" name="標題 1"/>
+          <p:cNvSpPr>
+            <a:spLocks noGrp="1"/>
+          </p:cNvSpPr>
+          <p:nvPr>
+            <p:ph type="title"/>
+          </p:nvPr>
+        </p:nvSpPr>
+        <p:spPr/>
+        <p:txBody>
+          <a:bodyPr/>
+          <a:lstStyle/>
+          <a:p>
+            <a:r>
+              <a:rPr lang="zh-TW" altLang="en-US" dirty="0" smtClean="0"/>
+              <a:t>模型建置</a:t>
+            </a:r>
+            <a:endParaRPr lang="zh-TW" altLang="en-US" dirty="0"/>
+          </a:p>
+        </p:txBody>
+      </p:sp>
+      <p:sp>
+        <p:nvSpPr>
+          <p:cNvPr id="5" name="Text Box 60"/>
+          <p:cNvSpPr txBox="1">
+            <a:spLocks noChangeArrowheads="1"/>
+          </p:cNvSpPr>
+          <p:nvPr/>
+        </p:nvSpPr>
+        <p:spPr bwMode="auto">
+          <a:xfrm>
+            <a:off x="233800" y="2211710"/>
+            <a:ext cx="1665287" cy="366713"/>
+          </a:xfrm>
+          <a:prstGeom prst="rect">
+            <a:avLst/>
+          </a:prstGeom>
+          <a:solidFill>
+            <a:schemeClr val="folHlink"/>
+          </a:solidFill>
+          <a:ln w="9525">
+            <a:noFill/>
+            <a:miter lim="800000"/>
+            <a:headEnd/>
+            <a:tailEnd/>
+          </a:ln>
+        </p:spPr>
+        <p:txBody>
+          <a:bodyPr>
+            <a:spAutoFit/>
+          </a:bodyPr>
+          <a:lstStyle/>
+          <a:p>
+            <a:pPr algn="ctr">
+              <a:spcBef>
+                <a:spcPct val="50000"/>
+              </a:spcBef>
+            </a:pPr>
+            <a:r>
+              <a:rPr lang="zh-TW" altLang="en-US" sz="1800">
+                <a:solidFill>
+                  <a:schemeClr val="bg1"/>
+                </a:solidFill>
+                <a:latin typeface="微軟正黑體" pitchFamily="34" charset="-120"/>
+                <a:ea typeface="微軟正黑體" pitchFamily="34" charset="-120"/>
+              </a:rPr>
+              <a:t>建模</a:t>
+            </a:r>
+          </a:p>
+        </p:txBody>
+      </p:sp>
+      <p:sp>
+        <p:nvSpPr>
+          <p:cNvPr id="6" name="AutoShape 2" descr="data:image/png;base64,iVBORw0KGgoAAAANSUhEUgAAAYoAAAEWCAYAAAB42tAoAAAABHNCSVQICAgIfAhkiAAAAAlwSFlzAAALEgAACxIB0t1+/AAAADh0RVh0U29mdHdhcmUAbWF0cGxvdGxpYiB2ZXJzaW9uMy4xLjAsIGh0dHA6Ly9tYXRwbG90bGliLm9yZy+17YcXAAAgAElEQVR4nOzdeXhU5dn48e+dPSEJBAIhEMK+76s74lIFF3BBBWsruPBqXVpbbelb61Z9u+hbrb9Srb5qtXXBpSq1uFIUF3YMCGHfwxoSAoHsyf3745yESZgkQzKTSSb357pyJXPOmfM8M4S582z3I6qKMcYYU5uwYFfAGGNM82aBwhhjTJ0sUBhjjKmTBQpjjDF1skBhjDGmThYojDHG1MkCRQskIh+KyI3BrocxpnWwQHEKRGSHiFwY7Hqo6iRVfTkQ9xaRRBF5SkR2icgxEdniPk4ORHnGmObPAkUzIyIRQSw7ClgADAYmAonAmUAOMK4B9wvaazHG+I8FCj8RkctEJENE8kTkGxEZ5nFutohsFZF8EckUkSs9zs0Qka9F5EkRyQUeco99JSJPiMhhEdkuIpM8nvO5iNzi8fy6ru0pIovcsj8TkTki8o9aXsYPgXTgSlXNVNUKVT2oqr9R1fnu/VRE+njc/28i8qj78wQRyRKRX4jIfuAlEVkvIpd5XB8hIodEZJT7+HT3/coTkdUiMqEx/w7GGP+zQOEH7ofei8B/AR2AvwLzRCTavWQrcA7QFngY+IeIpHrc4jRgG9AJeMzj2EYgGfgD8IKISC1VqOva14Blbr0eAn5Qx0u5EPhIVY/V/6pr1RloD3QHZgGvA9M9zl8MHFLVVSLSFfg38Kj7nHuBd0SkYyPKN8b4mQUK/7gV+KuqLlXVcnf8oBg4HUBV31LVve5f6HOBzVTvytmrqv9PVctUtdA9tlNVn1fVcuBlIBVIqaV8r9eKSDowFnhAVUtU9StgXh2vowOwr0HvwAkVwIOqWuy+lteAySIS556/3j0GcAMwX1Xnu+/Np8AK4JJG1sEY40cWKPyjO/Azt/skT0TygG5AFwAR+aFHt1QeMATnr/9Ku73cc3/lD6pa4P4YX0v5tV3bBcj1OFZbWZVycIJMY2SrapFHfbYA64HL3WAxmROBojtwTY337Ww/1MEY40c22Ogfu4HHVPWxmidEpDvwPHABsFhVy0UkA/DsRgpUCt99QHsRifMIFt3quP4z4FERaaOqx2u5pgCI83jcGcjyeOzttVR2P4UBmW7wAOd9+7uq3lrP6zDGBJG1KE5dpIjEeHxF4ASC20TkNHG0EZFLRSQBaIPz4ZkNICIzcVoUAaeqO3G6ch4SkSgROQO4vI6n/B3nw/sdERkgImEi0kFE/ltEKruDMoDrRSRcRCYC5/pQlTeAi4DbOdGaAPgHTkvjYvd+Me6AeNopvlRjTABZoDh184FCj6+HVHUFzjjFn4HDwBZgBoCqZgL/CywGDgBDga+bsL7fB87A6VZ6FJiLM35yElUtxhnQ3gB8ChzFGQhPBpa6l/0YJ9jkufd+r74KqOo+nNd/plt+5fHdwBTgv3EC6W7gPuz30phmRWzjotZFROYCG1T1wWDXxRjTMthfbiFORMaKSG+3G2kizl/w9bYCjDGmkgWK0NcZ+Bw4BjwN3K6q3wa1Ri2ciLwoIgdFZG0t50VEnnbTn6ypXFxoTEtlXU/GnCIRGY8TeF9R1ZMmJrgD/3fhrAc5DfiTqp7WtLU0xn+sRWHMKVLVRUBuHZdMwQkiqqpLgHY1VuIb06K0uHUUycnJ2qNHj2BXw4SolStXHlLVxqYQ6Ur1hY1Z7rGTVr2LyCycVCe0adNm9IABAxpZtDHeNeZ3u8UFih49erBixYpgV8OEKBHZ6Y/beDnmtY9XVZ8DngMYM2aM2u+2CZTG/G4HtOtJRCaKyEZ3UG+2l/PdRWSBO+D3uS20MiEii+or4NOAvUGqizGNFrBAISLhwBxgEjAImC4ig2pc9gROX+4w4BHgt4GqjzFNaB7wQ3f20+nAEXfRoTEtUiC7nsYBW1R1G4CIvIEzyJfpcc0g4B7354XY/H7TAojI68AEIFlEsoAHgUgAVX0WZ/X+JTgr9AuAmcGpqTH+EchA4W1Ar+YUwdXA1cCfgCuBBBHpoKo5nhd5Dvilp6cHrMKNUVpaSlZWFkVFRfVfbIIuJiaGtLQ0IiMjT/m5qjq9nvMK3NHQuhnT3AQyUPgyoHcv8GcRmQEsAvYAZSc9qcaAn3+r6R9ZWVkkJCTQo0cPat9fyDQHqkpOTg5ZWVn07Nkz2NUxptkLZKCod0BPVfcCVwGISDxwtaoeCWCdAqaoqMiCRAshInTo0IHs7OxgV8WYFiGQs56WA33dPZujgGnU2F1NRJJFpLIOv8TZTrTFsiDRcti/lTG+C1igUNUy4E7gY5wdzt5U1XUi8oiITHYvmwBsFJFNONt8nrTxj89WvQLf/qNxlTbGGHOSgC64U9X5ODNAPI894PHz28Dbfils9VxAYeQNfrmdMcYYR+jkeoqOh+L8YNciaPLy8vjLX/5yys+75JJLyMvLq/OaBx54gM8++6yhVfMqPr627b+NMc1N6ASKqHgoqW2b59BXW6AoLy+v83nz58+nXbt2dV7zyCOPcOGFFzaqfsaYlqvF5XqqVVQbKDkW7FoA8PC/1pG596hf7zmoSyIPXj641vOzZ89m69atjBgxgsjISOLj40lNTSUjI4PMzEyuuOIKdu/eTVFRET/+8Y+ZNWsWcCJ31rFjx5g0aRJnn30233zzDV27duX9998nNjaWGTNmcNlllzF16lR69OjBjTfeyL/+9S9KS0t56623GDBgANnZ2Vx//fXk5OQwduxYPvroI1auXElycnKdr0tV+fnPf86HH36IiHD//fdz3XXXsW/fPq677jqOHj1KWVkZzzzzDGeeeSY333wzK1asQES46aabuOeee+q8vzGm8UKnRRGdAMXNI1AEw+9+9zt69+5NRkYGjz/+OMuWLeOxxx4jM9NZCP/iiy+ycuVKVqxYwdNPP01OTs5J99i8eTN33HEH69ato127drzzzjtey0pOTmbVqlXcfvvtPPHEEwA8/PDDnH/++axatYorr7ySXbt2+VTvf/7zn2RkZLB69Wo+++wz7rvvPvbt28drr73GxRdfXHVuxIgRZGRksGfPHtauXct3333HzJm24NmYphBCLYp4KD0OFRUQFtz4V9df/k1l3Lhx1RaTPf3007z77rsA7N69m82bN9OhQ4dqz+nZsycjRowAYPTo0ezYscPrva+66qqqa/75z38C8NVXX1Xdf+LEiSQlJflUz6+++orp06cTHh5OSkoK5557LsuXL2fs2LHcdNNNlJaWcsUVVzBixAh69erFtm3buOuuu7j00ku56KKLfH9DjDENFjotiqg2zvfS1jtO4alNmzZVP3/++ed89tlnLF68mNWrVzNy5EivqUaio6Orfg4PD6es7KRF8tWu87ymoTsl1va88ePHs2jRIrp27coPfvADXnnlFZKSkli9ejUTJkxgzpw53HLLLQ0q0xhzakInUES7s2haafdTQkIC+fneZ30dOXKEpKQk4uLi2LBhA0uWLPF7+WeffTZvvvkmAJ988gmHDx/26Xnjx49n7ty5lJeXk52dzaJFixg3bhw7d+6kU6dO3Hrrrdx8882sWrWKQ4cOUVFRwdVXX81vfvMbVq1a5ffXYYw5WQh1PSU431vpzKcOHTpw1llnMWTIEGJjY0lJSak6N3HiRJ599lmGDRtG//79Of300/1e/oMPPsj06dOZO3cu5557LqmpqSQkJNT7vCuvvJLFixczfPhwRIQ//OEPdO7cmZdffpnHH3+8amD+lVdeYc+ePcycOZOKigoAfvtby0pvTFOQhnYZBEutu4BtmA9vTIdZn0OXkU1dLdavX8/AgQObvNzmori4mPDwcCIiIli8eDG33347GRkZwa5Wnbz9m4nISlUdE4z62A53JpAa87sdOi2KVt71FGy7du3i2muvpaKigqioKJ5//vlgV8kY4yehEyii3EDRTNZStDZ9+/bl22+/rXYsJyeHCy644KRrFyxYcNKMK2NM8xWCgaJ1jlE0Rx06dGj23U/GmPqF4Kyn1pvvyRhjAiF0AoV1PRljTECEUKBwF5hZ15MxxvhV6ASKsHCIjLOuJ2OM8bPQCRTgphq3ridfVO4HsXfvXqZOner1mgkTJlDfvP6nnnqKgoKCqse+7G9xKmbMmMHbb/tnbytjTMMENFCIyEQR2SgiW0Rktpfz6SKyUES+FZE1InJJowqMamNdT6eoS5cujfogrhkofNnfwhjTsgRseqyIhANzgO8BWcByEZmnqpkel92Ps5f2MyIyCGfb1B4NLjQ6vnksuPtwNuz/zr/37DwUJv2u1tO/+MUv6N69Oz/60Y8AeOihhxARFi1axOHDhyktLeXRRx9lypQp1Z63Y8cOLrvsMtauXUthYSEzZ84kMzOTgQMHUlhYWHXd7bffzvLlyyksLGTq1Kk8/PDDPP300+zdu5fzzjuP5ORkFi5cWLW/RXJyMn/84x958cUXAbjlllv4yU9+wo4dO2rd96I+CxYs4N5776WsrIyxY8fyzDPPEB0dzezZs5k3bx4RERFcdNFFPPHEE7z11ls8/PDDhIeH07ZtWxYtWtSQd90YQ2BbFOOALaq6TVVLgDeAKTWuUSDR/bktsLdRJUYltNqup2nTpjF37tyqx2+++SYzZ87k3XffZdWqVSxcuJCf/exndWZ5feaZZ4iLi2PNmjX86le/YuXKlVXnHnvsMVasWMGaNWv44osvWLNmDXfffTddunRh4cKFLFy4sNq9Vq5cyUsvvcTSpUtZsmQJzz//fNWCPF/3vfBUVFTEjBkzmDt3Lt99913VZka5ubm8++67rFu3jjVr1nD//fcDzq58H3/8MatXr2bevHmn9F4aY6oL5IK7rsBuj8dZwGk1rnkI+ERE7gLaAF732xSRWcAsgPT09NpLjGoDBYcaXGG/qeMv/0AZOXIkBw8eZO/evWRnZ5OUlERqair33HMPixYtIiwsjD179nDgwAE6d+7s9R6LFi3i7rvvBmDYsGEMGzas6tybb77Jc889R1lZGfv27SMzM7Pa+Zq++uorrrzyyqp051dddRVffvklkydP9nnfC08bN26kZ8+e9OvXD4Abb7yROXPmcOeddxITE8Mtt9zCpZdeymWXXQbAWWedxYwZM7j22mur9s8wxjRMIFsU4uVYzT9npwN/U9U04BLg7yJyUp1U9TlVHaOqYzp27Fh7ic2l6ylIpk6dyttvv83cuXOZNm0ar776KtnZ2axcuZKMjAxSUlK87kPhSeTkf7bt27fzxBNPsGDBAtasWcOll15a733qarn4uu+FL/eLiIhg2bJlXH311bz33ntMnDgRgGeffZZHH32U3bt3M2LECK87+hljfBPIQJEFdPN4nMbJXUs3A28CqOpiIAaoe5PlurTyWU/Tpk3jjTfe4O2332bq1KkcOXKETp06ERkZycKFC9m5c2edzx8/fjyvvvoqAGvXrmXNmjUAHD16lDZt2tC2bVsOHDjAhx9+WPWc2vbBGD9+PO+99x4FBQUcP36cd999l3POOafBr23AgAHs2LGDLVu2APD3v/+dc889l2PHjnHkyBEuueQSnnrqqaqUIVu3buW0007jkUceITk5md27d9d1e2NMHQLZ9bQc6CsiPYE9wDTg+hrX7AIuAP4mIgNxAkV2g0uMim/Vs54GDx5Mfn4+Xbt2JTU1le9///tcfvnljBkzhhEjRjBgwIA6n3/77bczc+ZMhg0bxogRIxg3bhwAw4cPZ+TIkQwePJhevXpx1llnVT1n1qxZTJo0idTU1GrjFKNGjWLGjBlV97jlllsYOXKkT91M3sTExPDSSy9xzTXXVA1m33bbbeTm5jJlyhSKiopQVZ588kkA7rvvPjZv3oyqcsEFFzB8+PAGlWuMCfB+FO5016eAcOBFVX1MRB4BVqjqPHem0/NAPE631M9V9ZO67llnzv7/PApf/i88kAteulACqbXvR9ES2X4UpjVptvtRqOp8nCmvnsce8Pg5Ezir5vMaLCoetAJKC06k9DDGGNMooZNmHKrne7JA0aLccccdfP3119WO/fjHP2bmzJlBqpExplJoBYpod4/m4nyI79Tkxauq11lDpn5z5sxp0vJa2hbAxgRT6OV6gqDMfIqJiSEnJ8c+gFoAVSUnJ4eYmJhgV8WYFiG0WhRBTDWelpZGVlYW2dkNn7Rlmk5MTAxpaWnBroYxLUJoBYqqrqemb1FERkbSs2fPJi/XBIeITAT+hDOj7/9U9Xc1zqcDLwPt3Gtmu5M7jGlxQrTryfakMIHjkfByEjAImO5O9fZUmfByJM4aor80bS2N8Z8QCxS2y51pEk2f8NKYIAqtQBHttihacb4n0yS8JbzsWuOah4AbRCQLZy3RXd5uJCKzRGSFiKyw8S3TXIVWoAjirCfTqjR9wktjgii0AkV4JIRH277ZJtCaPuGlMUEUWoECnO4nG6MwgVWV8FJEonAGq2vujlSZ8BK/JLw0JohCL1C08lTjJvBUtQy4E/gYWI8zu2mdiDwiIpPdy34G3Coiq4HXgRlqqzFNCxVa6yjACRQ2mG0CrMkTXhoTRKHXooi2FoUxxvhT6AUK63oyxhi/CsFA0ca6nowxxo9CL1BEJ9isJ2OM8aOABgoRmSgiG0Vki4jM9nL+SRHJcL82iUheowuNamO5nowxxo8CNuvJI3Ha93AWKC0XkXnubBAAVPUej+vvAkY2tLxFm5wp6uOj2liLwhhj/CiQ02OrEqcBiEhl4rTMWq6fDjzY0ML+/J8thIXB+H6xUFEG5WUQHnqzf40xpqkFsuvJl8RpAIhId6An8J9aztebOC0mKpzC0gqIdHctKytqeM2NMcZUCWSg8CVxWqVpwNuqWu7tpC+J0+IiwyksKYOIWOeABQpjjPGLQAYKXxKnVZqGk+agwWKjwiksLYeIaOdAaWFjbmeMMcYVyEDhS+I0RKQ/kAQsbkxhsVHhFJaUQ2Rli6K4MbczxhjjClig8DFxGjiD2G80NmFabKQbKCIqxyisRWGMMf4Q0GlB9SVOcx8/5I+y4qLCKSgtRyNinMGRUhujMMYYfwiZldkxkeGoQqlEOQesRWGMMX4RMoEiLiocgCIqA4WNURhjjD+ETKCIjawRKGzWkzHG+EXoBAq3RVGokc4BW0dhjDF+ETqBorJFURkorEVhjDF+ETqBwm1RHK+obFHYGIUxxvhDyASKuJMChbUojDHGH0ImUMS4XU8F5e7SEFtHYYwxfhEygSIuygkQBeVAWIQNZhtjjJ+ETKCoHMwuLKlwMshaoDDGGL8InUDhjlEUlJQ5e1LYrCdjjPGL0AkUldNjS8utRWGMMX4UMoEiKiKMiDChoMTdk8IChTHG+EXIBApwU42XlrtdTxYojDHGH0IqUMRUbl4UEWvrKIwxxk9CKlDERVmLwhhj/C2kAkVsZLg7RhFjYxTGGOMnAQ0UIjJRRDaKyBYRmV3LNdeKSKaIrBOR1xpTXmxUuDvryQKFMcb4S8C2QhWRcGAO8D0gC1guIvNUNdPjmr7AL4GzVPWwiHRqTJlV+2ZHxto6CmOM8ZNAtijGAVtUdZuqlgBvAFNqXHMrMEdVDwOo6sHGFBgX5dn1ZNljjTHGHwIZKLoCuz0eZ7nHPPUD+onI1yKyREQmeruRiMwSkRUisiI7O7vWAmMiPbuerEVhjDH+EMhAIV6OaY3HEUBfYAIwHfg/EWl30pNUn1PVMao6pmPHjrUWWNWisFlPJoCaeuzNmGAL2BgFTguim8fjNGCvl2uWqGopsF1ENuIEjuUNKbBqwV1ELJQXQ0UFhIXUxC4TZMEYezMm2AL5Kboc6CsiPUUkCpgGzKtxzXvAeQAikozTFbWtoQVWLbiLjHEOlNs4hfG7Jh97MybYAhYoVLUMuBP4GFgPvKmq60TkERGZ7F72MZAjIpnAQuA+Vc1paJlxkRGUlFdQHhbtHLCZT8b//Db2Br6PvxkTTIHsekJV5wPzaxx7wONnBX7qfjVabJQT90rDoggHW0thAuFUx97SgC9FZIiq5p30RNXngOcAxowZU/M+xjQLIdWBH+vuclci1qIwAePr2Nv7qlqqqtuByrE3Y1qk0AoU7p4UxUQ5B2wthfG/Jh97MybYQipQxLm73BUR6RywtRTGz4Ix9mZMsAV0jKKpVe1yp26LwtZSmABo6rE3Y4ItpFoUlftmF6m1KIwxxl9CK1C4LYrCispAYWMUxhjTWKEVKNwWxfHKQGGznowxptFCK1C4LYrjVV1PNkZhjDGNFVqBorJFUW6Bwhhj/CWkAkVcVdeT891mPRljTOOFVKCIiXACxNEym/VkjDH+ElKBIixMiIkMo6BMQMKsRWGMMX7gU6AQkd4iTgIlEZkgInd722CoOYiNDKegck8KG6MwxphG87VF8Q5QLiJ9gBeAnkCz3LUrLiqCwpIKiIi2QGGMMX7ga6CocHPcXAk8par3AKmBq1bDxUSGOftmR8Za15MxxviBr4GiVESmAzcCH7jHIgNTpcaJi4qgoKQMImJsMNsYY/zA10AxEzgDeExVt4tIT+AfgatWw1Xtmx0Zayk8jDHGD3wKFKqaqap3q+rrIpIEJKjq7+p7nohMFJGNIrJFRGZ7OT9DRLJFJMP9uqUBr6Gaqn2zI6IthYcxxviBT2nGReRzYLJ7fQaQLSJfqGqtaZRFJByYA3wPZ8ev5SIyT1Uza1w6V1XvbEjlvYmLDGd/aTm0sVlPxhjjD752PbVV1aPAVcBLqjoauLCe54wDtqjqNlUtAd4ApjS8qr6JjQqnoKQcImMsUBhjjB/4GigiRCQVuJYTg9n16Qrs9nic5R6r6WoRWSMib4tINy/nEZFZIrJCRFZkZ2fXWWhsVLgz6ykiBkqLKCuv4OF/rWPTgXwfq22MMcaTr4HiEZztHbeq6nIR6QVsruc54uWY1nj8L6CHqg4DPgNe9nYjVX1OVceo6piOHTvWWWhsZDjHi8tRd9bT0u25vPT1Dl5buque6hpjjPHG18Hst1R1mKre7j7epqpX1/O0LMCzhZAG7K1x3xxVrZya9Dww2rdq165Pp3gKS8vJLXFSeHywxily2fbcxt7aGGNaJV9TeKSJyLsiclBEDojIOyKSVs/TlgN9RaSniEQB04B5Ne7ruWhvMs5m9Y1y2bBU4qLC2XioDC0r4qO1+4kIE9bvP8qRwtLG3t4YY1odX7ueXsL5kO+CM87wL/dYrdyV3HfidFmtB95U1XUi8oiITHYvu1tE1onIauBuYMapv4TqEmIimTy8C+sPlVJeUsjhglJuPLMHqrBih7UqjDHmVPkaKDqq6kuqWuZ+/Q2oe7AAUNX5qtpPVXur6mPusQdUdZ778y9VdbCqDlfV81R1Q4NfiYfp49I5XhFOWHkRCdHh3H1BXyLDxbqfjDGmAXwNFIdE5AYRCXe/bgByAlmxxhiW1pbE+ETCUCYObE/b2EiGp7VjqRsonv1iK3e+tirItTTGmJbB10BxE87U2P3APmAqTlqPZklEGNIjBYDLB3cA4LRe7Vm75whLtuXw+Mcb+Xjdfioqak7CMsYYU5Ovs552qepkVe2oqp1U9QqcxXfN1shenQE4p0cbAMb17EBZhXLrKysor1BKy5VDxywXlDHG1KcxO9zVmr6jOQiPjAVA3NXZo7snESaQX1TG9aelA7Anz3JBGWNMfRoTKLwtqGs+ImOc724G2fjoCC4a1JnrT0vnB6d3B2BvnqX4MMaY+viUFLAWzbuDP8JpUVBaUHXo2R846/mOFjnrKfZai8IYY+pVZ6AQkXy8BwQBYgNSI3+Jaet8Lzp60qnEmEgSoiOs68kYY3xQZ6BQ1YSmqojfxSY53wu9r53o0i7WAoUxxvigMWMUzVtVoDjs9XSXdjHW9WSMMT4I4UDRzvlea6CIPaVAsS37GJf86Uu2ZR/zR+2MMabFCN1AERnrDGjXESgOF5RSUFLm9fyG/Uf5Zsuhqse//XADmfuO8sWmuvfDMMaYUNOYWU/NX1z7WgNF13bOWPzevCL6dIo/6fyv31vLql15vDhjLNERYXyaeQCAdXtPDI5/l3UEgKFpbf1dc2OMaTZCO1DEJkFhntdTXaoCReFJgeJYcRnf7spDVbnj1VV0bhtDatsY0tvHVQsU9761GhH46CfjA/cajDEmyEK36wmcQFFQ26wnZ0Get3GKZdtzKKtQHp86nDbR4Ww5eIz7Lu7PqO5JbD6QT3FZObnHS9h4IJ+NB/LJL7J9LlobEZkoIhtFZIuIzK7juqkioiIypinrZ4w/hXiLoh0c2uL1VEpiDGHiPVB8tTmH6IgwLh2WyvBubfnPhoNcMaIr89fuo6xC2XzgWNXUWlXI2J3HOX3rzbpuQoSIhANzgO/h7OS4XETmqWpmjesScPZZWdr0tTTGf0K/RVHLGEVkeBidE2PY4yWNx9dbDjGuZ3tiIsPp0ymBWeN7ExYmDO7ijEWs23uEZdtziYoIQwRW7fTevWVC1jhgi7slcAnwBjDFy3W/Af4AWK4Y06K1jkCh3rONeJsiezC/iI0H8jmrT/JJ13dvH0d8dATr9h5l2fZcRqW3o39KAit3eQ9GJmR1BXZ7PM5yj1URkZFAN1X9oK4bicgsEVkhIiuys21GnWmeAhoogt6PG9seyouh1Pt6iS7tYtl7pPq5b7Y4+zGd7SVQhIUJA1MTWLotl3V7jzCuZwdGdU/i212H693bIudYMRv2n5xOxLRI3hJiVv0CiEgY8CTws/pupKrPqeoYVR3TsaN1X5rmKWCBwqMfdxIwCJguIoO8XBe4flwf0njsyyuq9iH/1ZZDtIuLZFBqotfnDO7Slo0H8qlQOK1ne0alJ5FfVMaWehbiPfrv9Ux/bglaS+vGtChZQDePx2nAXo/HCcAQ4HMR2QGcDsyzAW3TUgWyRRH8ftx60nh0bRdDSXkFK3Y657dmH+PTzAOc1TuZsDDvWdQHdXECSESYMDK9HaO7O2Ws3Fl795Oq8uXmQxwuKCXrsKUNCeS3OmkAACAASURBVAHLgb4i0lNEooBpwLzKk6p6RFWTVbWHqvYAlgCTVXVFcKprTOMEMlAEvx+3nkBx8ZDOdGsfy4yXlvH6sl1Me24JkeHCPd/rV+stB7uBYmhaW+KiIujRIY72baLqDBSbDhyr2k1v3d4jvtffNEuqWgbcCXwMrAfeVNV1IvKIiEwObu2M8b9ABorg9+PWEyg6JcTw9m1n0i0pjl/+8ztU4Y1Zp3tdqV2pb6cEEmMiqqbDigij0tuxZFsOeQUlXp/zzdZD7rWQudfGKUKBqs5X1X6q2ltVH3OPPaCq87xcO8FaE6YlC+Q6ilPpxwXojNOP678mej2BApz1FG/+1xn85YstXDO6W51BAiAqIozPfnoubeMiq45dPrwLCzZkcPbvF3Lz2T258/w+RIafiMFfb8mhR4c4IsPDyNxngcIY07IEMlBU9eMCe3D6ca+vPKmqR4CqqUUi8jlwr1//8opr73yvI1AAtI2L5JeTBvp8206JMdUeTxnRlQGdE3nqs038acFmtmYf40/TRhIeJpSVV7B0Ww6XDe9CQUkZy7Z7H1g3xpjmKmBdT82iHzcyFiJiak3j4U/9OyfwzA2j+e9LBvDBmn3MfmcNFRXKd3uOkF9cxll9OjC4SyL7jhSRe9x7F5UxxjRHAU3hoarzgfk1jj1Qy7UTAlKJOlZnB8Ks8b05XlzOnxZsJutwIWlJTvLBM3p1YP2+fMAZpzi778nrNIwxpjkK7VxP0OSBAuAnF/alU2I0T3y8kcXbchjQOYEO8dEM6uKM72fuO2KBwhjTYrSSQNG0uZhEhO+f1p3Lhnbhha+2MTTN2W2vfZsoUtvG2MwnY0yL0joCRe72oBTdNi6Sn17Uv9qxwV0Sq+1pYYwxzV1oJwUEt0XRfGYaDUpNZGv2MY4U2h4WxpiWoZUEiuaT3fXc/s5Cvev+upjduQVBro0xxtSvdQSKsqJaM8g2tdHd2/PyTePYm1fIlDlfs3F/frCrZIwxdWodgQKaVavinL4def/OswF44P21llHWGNOsWaAIkp7Jbbjne/1Yuj2Xj9ftr3Zu4YaDXPTkFxSVlgepdsYYc4IFiiCaPrYb/VLi+Z/5GyguOxEUvtiUzaYDx2wMwxjTLIR+oKjM99QEaTxOVUR4GL+6dBC7cgt4dcmuquNb3U2Qdh+uP1CoKhm7bc9uY0zghH6gaMYtCoBz+3Wkf0oCn286sc/GloNuoMitfwB+/nf7uWLO16zc2fwCoTEmNIR+oIhzU2Xk76/7uiAa0rUtmXuPoKocKy5j3xFnsz9fup7mrd4DQMZu2xDJGBMYoR8oImMgoQscDs7qbF8M7pLIoWMlZOcXs/Xgib236+t6OlZcxsKNTkvE0oIYYwIl9FN4ALTvFbQ0Hr6o3F513d6j5LgpyLt3iKt3f+0F6w9QUlZBx4Ro22LVGBMwod+iAGjfo1m3KAZVBYojbDl4jMhw4czeyfV2Pf17zT46J8YwdXQaWw4eqzZzyhhj/KWVBIpecOwAFB+r/9ogSIiJpHuHODL3HWXLwWP06NCGnslxHC0qOykn1EPz1nHlX77m840H+XxTNpOGdmZIl7aUVSibDzTP12eMadlaR6BI6ul8P7wjqNWoS2VW2a3Zx+jTKZ5uSXFA9QFtVeW9jD18uyuPGS8tp6SsgsuGpXp0XVn3kzHG/wIaKERkoohsFJEtIjLby/nbROQ7EckQka9EZFBAKtLeDRS52wJye38YlJrIzpwCduYcp0+neNLcQJHlMaC97dBx8gpKefDyQdx5Xh8mD+/CyG5JpLePIz46wtKXG2MCImCD2SISDswBvgdkActFZJ6qZnpc9pqqPutePxn4IzDR75WpalE033GKwV3aAlChOC2K9s4Wqp4D2qt2OmtBzu6TTN+UhGrPH5iaYDOfjDEBEcgWxThgi6puU9US4A1giucFqur5ydYGCEx2vNh2ENu+WbcoKruPAHp3jKdtbCQJ0RHVup5W7TpMYkwEvTvGe3l+W9bvO0pFhSUYNMb4VyADRVdgt8fjLPdYNSJyh4hsBf4A3B2w2rTv2aynyHZKjCE5PhoRJ1CICGnt49hdrUWRx8j0JMLC5KTnD0pN5HhJOTtyjjdltY0xrUAgA8XJn2ZeWgyqOkdVewO/AO73eiORWSKyQkRWZGdne7ukfu17NeuuJ4ChXRNJbx9HbFQ4AN2SYqtaFEeLStl0MJ/R3ZO8Prdyim3mvubb/fTTNzP4++Idwa6GMeYUBTJQZAHdPB6nAXvruP4N4ApvJ1T1OVUdo6pjOnbs2LDaJPWEI1lQVtKw5zeBhycPYc71o6oed2vvLLpTVTJ25aEKo9K9B4p+KQlER4SxcmfDclqVlVcENFttRYXywep9zFtd16+AMaY5CmSgWA70FZGeIhIFTAPmeV4gIn09Hl4KbA5Ybdr3BK2AvF31Xxsk6R3iGNK1bdXjtKRYCkvLyTlewsqdhwkTGN6trdfnRkWEMaZHEou35jSo7NeX7eK8Jz5vcLDYd6SQQ8eKaz1/IL+IkvIK1u09SrmNoxjTogQsUKhqGXAn8DGwHnhTVdeJyCPuDCeAO0VknYhkAD8FbgxUfWjfy/nejAe0a6pcS/HGsl18teUQ/TsnkhATWev1Z/TqwIb9+eQeP7nVVN8g95JtuZRVKO+sympQXW/62wr++5/f1Xp+V44TgApKytl+yMZRjGlJAprrSVXnA/NrHHvA4+cfB7L8alrAFNmahqa1JSUxmic+2QTADaen13n9Gb2TgU0s2ZbDJUNT2ZNXyAtfbmfR5mz2HC7k3TvOZEDnRK/PrdzT4p1VWdx9fl+vA+YVFUpRWTlxUdV/bY4WlbJh/1GO1lhF7mmXR0tl3d4j9Ol08swtY0zz1DpWZgPEd4LINs165lNNKYkxLJ59AZ/eM54/TB3GXef3rfP6YWltiYsKr+p+uueNDP6xZCepbWOIjgzj1+9535/7YH4Re/IKGZbWlt25hSzb4X1vi78u2sbZv19IQUlZtePfZR1BFfbkFXKsuMzrc3fnFhAmThfZ2j22gtyYlqT1BAoR6NALDm0Kdk1OSViY0DclgWvHdCMlMabOayPDwxjXsz3fbD3Ekm05LNuRy68uHcjfbz6NX04awPIdh3ln1Z6Tnpexy2lN3Hdxf+KjI3h7pffup/cz9pB7vIQvNx+q/nyPHfY2H8j3+txduQV0aRfLwNRE1u45eWbWV5sP2diFMc1U6wkUAJ0Gw4F1wa5FQJ3RqwNbs4/zmw8ySY6P5rqxzsSza0Z3Y1R6O/5n/nryCqqPYWTsziMiTBjboz2XDUtl/nf7yNx7lKLSE9lod+YcZ8N+Jwh8su5Ateev3p1HG3dK7+aD3hMT7sotIL19HEO6JLLW3aSp0ndZR7jhhaV8tLb5bi5lTGvWugJF5yFwbD8cP1T/tS3UGb07AM7eFv81vhcxkc4HeFiY8OgVQ8k9XsJry6rP/MrYnceA1ARiIsO5bmw3issquOTpLxn4wEf87Wunq+7TTCc4jO2RxIINBygrrwBO7Nl9wcAUoiPC6mhRFDqBomtb8ovKqm3zutF9zvoArgFZuTOXf9nUXGMapHUFipTBzvcQblUM7tKWhJgIkuIiuf606oPfg7okMjK9Hf9es6/qWHmFsibrCCO6tQNgZHoSH/9kPH+aNoLTerbn9x9tZP+RIj5et5+BqYncdFZP8gpKWb7DWa+x/2gRB/OLGZXejt4d49nkJdV5QUkZh44V0619HEPcnFZrPTLdbst2nlPZYgmEv36xjUf/nVn/hT7wIdnlT0UkU0TWiMgCEenul4KNCZJWFiiGOt8PrA1uPQIoPEx46PLBPD51OG2iT57UdunQVNbtPVo1RXVr9jGOFZcxotuJhXx9OsUzZURX/nD1cMorlF+9+x0rdh7m4sEpnNu/I9ERYXyS6XQTrXbHJ0akJ9E3Jd5ri6IysWG39nH06xxPZLhUG9Delu3UZVMtrRF/OHC0iEPHSho9DuKR7HISMAiY7iXr8bfAGFUdBryNk57GmBardQWK+I7QplNItygArh6dxoWDUryeu3RYKgD/XuN0w1QOZFe2KDyld4hj5lk9WLDhIKpw0aDOxEVFcE7fZD5ZdwBV5dvdeUSGCwNTE+iXksDeI0XkF1WfJlu5hiK9fRzREeH0S0lgrUem28qgtSu34KQZVf5y4Ggx5RXK4YJGr8z3JdnlQlWtnA+8BCcrgTEtVusKFOB0P4Vwi6I+qW1jGdM9iQ/W7KO8Qvkkcz8JMRH0Sm7j9fo7zu9DhzZRpCXFMjDVSW1+0aDO7Mkr5OF/ZbJkWy6DUhOJjginr7s2YkuNAe3KNRTp7Z0FhEO7tmX17jwqKpTyCmV7znG6d3DOBWKXvvIKJdtdNZ6dX/vqcR/5lOzSw83Ah7Wd9EseM2MCrPUFis5D4OAGKA/MX64twWXDUtmwP58bX1zGZ+sPcus5vbwusANIjInkpZljmXP9KESca6aM7MK0sd14ZfEOVu/OY7jbGqncI6Pmh/2u3ALio51xE3DyVR0pLGXboePszSukpKyCSUOcls7GAIxT5Bwrrupy8kOg8CnZJYCI3ACMAR6v7WZ+yWNmTIC1vkCRMgTKiyFnS7BrEjSThqYiAl9tOcTsSQO4+4L6FvK1qwoGANER4fzu6mF8+OPxTB/XjWljnUFzp2sp7KSxht25BXRrH1cVaEa5GXBX7TzMNrfb6dx+HYmJDKuaAVVTUWk5H6/b36D9Ng4cPREcDjY+UPiU7FJELgR+BUxW1UYXakwwBTSFR7OUMsT5fmAtdBoQ3LoESUpiDP89aSCdEqOZMqKuXpO69e+cwG+vGlb1ODxM6N0x/qS1FLtyC+jV8UTXVq/kNrSLi2TlzsMMcLuz+nSKp2+nBK8D2mXlFdz52rd8tv4AT08fyeThXU6pngeOFlX97IcWRVWyS2APTrLL6z0vEJGRwF+Biap6sLEFGhNsra9FkdwPwiJa9TgFwK3jezUqSNSmX0o86/YepaTsxDqLysV2lcLChFHpSazcdZht2cdJiIkgOT6KfikJVV1Ph4+XsGx7Lgfzi/j1+2v5bP0BoiLC+GjtPq/l1uVAvv8ChY/JLh8H4oG33P3g59VyO2NahNbXooiIguT+IT/zKViuGNmV9zL28sJX27l9Qm9W7cqjuKyC9A7VB8tHpbfjPxsOEhMZRi93R7/+neN5Z1UWWw4e4wcvLGXfkRMf8Hec15u8glL+uWoPhSXlVZs7+eLAkSLCBLq0i60a1G4MH5JdXtjoQoxpRlpfoADoPBS2fArlpRBee9puc+om9O/ERYNSeHrBZs7pm8xdr62ia7tYLhuaWu26ynGKtXuOcuVIp2XT381s+8MXlpJ7vIT/vWY4+UWlxEVFcM2YNL7eksOrS3fxxaZsJg7p7HOdDhwtJjk+mtS2MRz06IYyxvim9XU9AQy5GgpyIPP9YNckJP36skEoypV/+Zqc4yX89QejSWoTVe2a4WntCHdnWlVOze3vzprae6SIx64cytWj05hxVk+uHdsNEeG0Xu1pFxd5yt1PB/KLSEmMoVNCjF9aFMa0Nq0zUPS5EDr0gSV/CXZNQlK39nHcdX5fSsuVx64cWm3XvkptoiMY0NkJDL06OusvUhKj6dMpnpvP7snU0SevUYsMD+N7A1NYsP4gxWXlJ52vzf4jTqDomBDtj8FsY1qd1hkowsJg3H/BnpWwe3mwaxOSfjShN4vuO8/rB36l0W73U+WMKBHh03vG8+vLambEOGHS0M7kF5fxzRbft3w9mF9MSmI0HROiyS8qq5YV1xhTv4AGimadPG3EdIhOhCVz4NhByNkKXjb1MQ0jIqR3iKvzmitHduX8AZ3o3fHEbneVay1qc1afZNrGRvK2j1u2FpeVk3u8pKpFAX6ZImtMqxKwQNHsk6dFJ8DIH8C6d+GJvvD/RsGaubVfX3IcvvxfKA5c4rrWZmR6Ei/OGEtUhO+/htER4UwdncbHa/dzML/+genKoFDZogC/LLozplUJZIui+SdPG38vnP9ruOQJaJcOGa/Vfu2iJ2DBI3UHE9Mkvn9aOmUVypvLd1c7XlJWwYodudU2RapcbJeSGEPHeGtRGNMQgQwUfk2eFhBx7Z1gMe5WGD4dti+CfC+7rOVug8V/dn7e/GmTVtGcrFfHeM7q04HXl+12cjjtWoIueYZ738xg6rOLeX3ZiV+7yvQdKYkxdEp0A4XNfDLmlAQyUPgteVqTZNgcMtWp3tp3Tj738f0QFgkDL3eCSanNxQ+2G07rzp68QpYuWwyvXoN8NBtZ+xYdE6L5zQeZVanLPVsUHdpEEyaQbWspjDklgQwUfkue1iQZNjv2g9Th8N1bngXD8hdg47+dlsfIH0JpAez8+uTnlxXDsufh5cmw46vA1NFUuXBQCr0Tyuj84U3klQirK3rx25iX+eCH3YmKCOOeuRmUlVew/2gRUeFhJMVFEh4mtG8TbS0KY05RIFdmt7zkaUOvgU/uh/1rofgoLPwf2PEldD8bzrgDKsohPNrpfupzAVRUwN5vYfPH8O2rcDQLouLh5cth/H0w/ucQ3koWvxcfc3JoRcY0SXGR4WG81/0d4rZm81jy7zgW2YnfH/oRcZ/cwSvDL+GlZQd45N0IjpZF0Skxumo2la2lMObUBexTTFXLRKQyeVo48GJl8jRgharOo3ryNIBdqjq51psG2pCr4ZNfw7NnOY+j28JlT8KoGc7aC4Ce5zjpPwpnw6vXQNYykDDofhZM+X+QNhbm/xy++D0cyYIpc0AEtn0BeTth1A+b/nWpwtE90DZAcwUqKuCFi5xNoa5+PjBl1FRaSML2j2DszTxwya3OsYzj8P4dDN+9lKei4IFvj/NvJjIs7USK9E4J0TbryZhTFNA/d1tc8rTELnDx/8Dxg5A2DrqfAbFJ1a/pexF8+HPngzF3G1z6vzD4KmdgvNKVz0C7bk6waN/Lue/7d4KWO91bqcPrrseeVc6q8QsedO7TWBmvwfs/gvPvh3PudQJXXcrLTq0ltOlDOLgOypqw73/3UmdfkT4ev0Ijrof+l0BpIfrXc7g69hCvZCkp7iA2OC2KQO7NbUwoaiX9IqfgjB/Vfb7yg+nwdrjuH9B/ovfrJvzSCST/+Y3zuOd42LcG/vMofN8dB6moONFS8fTpA06X19b/wDUvO62Yxlj1Cki4U3ZhHlz0aO3BYtdSeGUyTH8dep/v2/2//pPz/fB2Z6C/Kbqftn3udHV1P7P68dh2ENsOSRnCsMIsHrx8EIO7nEgh0jEhmkPHiqmo0Fp39TPGVNc6U3g0Rofezl/633+r9iABzgfx5D9Dv0kw4vvw/bfhrB/D5k+cD+NvX4XfpcPbNztdVJX2ZjhBYuytENcBXpkCK16svZwD6+CVK2ofQM/dDruXwHm/hHGznGm+3/7d+7XlpfDBPU7L4Kunai/z6F6ne23/d7BrifPXffoZoBUn7xxYWgjv3AIH19d+v7qUl8ExLzPdtn3hdPNFx598DqDzEOTgBmaensa4nidae50SoiktV44UljasPsa0QhYoGuKcn0KvCfVfFxkD178BV/wFIqLhtP+CNp3g9WlOV1BSD9jwAfy/Mc6MKXA+yKMS4IJfwy0LnEHzD+5xWhkVFdXvX3wM3rwRti10Zlt9/fTJaUjWvOl8HzYNJv0BOg+DxX/xnq5k6bNOF1LP8bD9C+97dhTnw6vXwrK/wl/HO4EuNgm+94hzPntD9es3f+LMJKtch3KqlvwF/jgAMl4/cazwsDOJoNeE2p/XeZjTNXVoc7XDZ/VJ5rdXDSXyFFaDG9Pa2f+WphTVBib8Agpz4eyfwqzP4c7lTtfS/HvhvTtg7T9h9I0Q0xZiEmHa6zDmJqd756VJzl/wlebf5/wFP+11GHAJfPprWDznxHlVWP069DjHGesQgdNug+z1TiAAJ8/V2necacALfwv9JjrdXRGxTuDwVF4Gb98EBzNh6ksw5mbI3wun3+F8MEsYHNpU/Tnr3nO+Z/6rYetPdi+FijJ47zb46knnNW3/EtC6A4Xnlrce+qUkMH1cOvHR1utqjK/sf0tTG3sLDJwC8e56kHbpMP0NZ1rukr84Ywmn3Xbi+vAIuPSP0GWUM97x4sXQvjeERzkf+ON/7gSJ/pPgH1c5+ahG3+jksspa7owbjL/3xP2GXO20TpY8C0k9neBzdI9zLq4DTPq9MzA/fJozCH7Bg9Am2Tn/9ZNOC+GyJ2HIVc7XhF86LYqwMOd+ni2K0kLY9LGz/eyhTc5ssYGXn9r7dWAt9L8UImPhs4cge5MT8KLioevo2p+X3Nd5j/Z/B8OuPbUyjTHVWKAIhvgaiwbDwmHib52/gssKT57pJAKjfuB8MC97zhnHqChzuqXO/cWJa867H/7vfOeaM+921oFExMJAjxnHkTEwZqaTu+rAOig5Bj+c5+zPEdfhxED0abfBypdgyTNON1jRUfjmz86sojE3nbhfmw4nfu7YH7I3nni8ZQGUHoeLf+u0CL5769QCRXE+HN4BI26Ac37mfPh//jtAoe/Fde9OGB4JnQY6gcIY0ygWKJqTkd+v+3xUGzj7ntrPp412PkC/ftqZYbVtIVz+tNOF5WnMzU43TmEu/PB9SBtz8r06DXAWIH7ztPMX+cb5UJTnLCSsTcf+zmLEyi1mM9+D2PbQ61xnCvHKvzkBp2Z9alM5AN55iNNimTAbuoyEeXc5datPylBnMaQxplFsjCLUnPdL5wM98z244AGnG6qmxFS47lWY+aH3IFHp4t86wen9O53WRJ8Loeuo2q/vOAAqSp2ZVqVFsPEjGHCpEzSGXuMMLm/44OTnHd3nzO76z2OQt+vE8crxhZTBJ471uxju3QTDfAgUnYfC8WzIPwBZK2Bj0+acNCZUWKAINV1GOt005//aGTCvTf+JkDqs7nvFd4SLHnNWnxccqrs1Ac5YBDjjFOv/BSX5MOgK51jaGGeWl7dU7gsedgaoFz0OTw1z1n2Ak0olOhHaNnDRYWd3QPubp+GlS+CN62Hn4obdy5hWzAJFKLrgAWcAu74V2L4Ycb0zxjFoCqSfXve1lYFi91L45FfOTKheE5xjIs5GUTu+hEMeay32rHJmZp15F/xkjRO8Kqf5HljntCYa+joqWyKL/+zUrV13eHcWFB1p2P2MaaUsUJi6icB1f3emzNYnOh7apjuzt45nw+Snq6cCGXmDM6trlXsvVfjol9Cmo9MKapfujJ/kbHb2M68MFA0Vm+QEiM5D4cZ5cNXzcGSPM63YGOMzCxTGN77+Vd+xv7NC+4w7nG4wTwmdnWm8Ga9BWQks/auzavz8+08McA+a4mToXfS403XVmEABcNPHzsLFuPbQbSyc+3Nn3Yjn7CxjTJ1s1pPxr97nw7H9zvoKb0bPcAa0597gzEjqN9HpkqoU285ZF7LuXedxytDG1cczWSM4SREHXu4ENGOMT6xFYfzrjB/BbV85s6W86X2+Mzi9+WNn8d91/3DWkXgaNu3Ez50G+rd+4RGNb6UY08pYi8I0rbBwuOQJZ+rr2fecHCTAWUgYl+ysLq8t6Z8xpslYoDBNr//EujPvhkc6+3xUlDVdnYwxtbJAYZqnwVcEuwbGGJeNURhjjKlTQAOFiEwUkY0iskVEZns5P15EVolImYhMDWRdjDHGNEzAAoWIhANzgEnAIGC6iAyqcdkuYAbgJa+DMcaY5iCQYxTjgC2qug1ARN4ApgCZlReo6g73XIW3GxhjjAm+QHY9dQV2ezzOco+dMhGZJSIrRGRFdraX/ZONMcYETCADhbecD142aq6fqj6nqmNUdUzHjh3rf4IxAebD+Fu0iMx1zy8VkR5NX0tj/COQgSIL8MwPnQbsDWB5xjQJH8ffbgYOq2of4Eng901bS2P8J5CBYjnQV0R6ikgUMA2YF8DyjGkqVeNvqloCVI6/eZoCVKbcfRu4QMQfed+NaXoBG8xW1TIRuRP4GAgHXlTVdSLyCLBCVeeJyFjgXSAJuFxEHlbVOhPxrFy58pCI7KzldDJwyI8voym0tDq3tPrCqdW5uw/XeBt/O622a9z/C0eADjXrISKzgFnuw2IRWetjPf0pmP+mwSq7tZUL0OBMmAFdma2q84H5NY494PHzcpwuqVO5Z62DFCKyQlXr2Nuz+WlpdW5p9YWA1NmX8TefxuhU9TngOQjeexvMf9PW9pqD/V439Lm2MtuYU+fL+FvVNSISAbQFcpukdsb4mQUKY06dL+Nv84Ab3Z+nAv9R1QbN+jMm2EItKeBzwa5AA7S0Ore0+oKf6+zL+BvwAvB3EdmC05KYVvsdA1PPUxDMf9PW9ppb5Hst9keOMcaYuljXkzHGmDpZoDDGGFOnkAgU9aVTaA5EpJuILBSR9SKyTkR+7B5vLyKfishm93tSsOvqSUTCReRbEfnAfdzTTUmx2U1RERXsOnoSkXYi8raIbHDf6zOa03sczNQfPpT9UxHJFJE1IrJARHxZU9Locj2umyoiKiJ+mz7qS9kicq37uteJiF8yWfvwXqe7nwffuu/3JX4q90UROVjbehxxPO3Wa42IjPLpxqraor9wBhO3Ar2AKGA1MCjY9fJSz1RglPtzArAJJ/3DH4DZ7vHZwO+DXdca9f4pThr4D9zHbwLT3J+fBW4Pdh1r1Pdl4Bb35yigXXN5j335XQV+BDzr/jwNmNuEZZ8HxLk/3+6Psn39/+n+n1gELAHGNOFr7gt8CyS5jzs1UbnPVf7fcT8HdvjpNY8HRgFrazl/CfAhzjqf04Glvtw3FFoUvqRTCDpV3aeqq9yf84H1OKt3PVM9vAw0mz1ARSQNuBT4P/exAOfjpKSA5lffRJz/KC8AqGqJqubRfN7jYKb+qLdsVV2oqgXuwyWc4mLYhpbr+g1OQC/yQ5mnUvatwBxVPQygqgebqFwFEt2fax0kHQAABOtJREFU2+KnPHiquoi61+tMAV5RxxKgnYik1nffUAgUfktn3lTc7oSRwFIgRVX3gRNMgE7Bq9lJngJ+DlTuF9IByFPVMvdxc3uvewHZwEtuk/7/RKQNzec99uV3tVrqD6Ay9UdTlO3pZpy/PANeroiMBLqp6gd+KO+Uygb6Af1E5GsRWSIiE5uo3IeAG0QkCyd7xV1+KNcXDfq8DIVA4bd05k1BROKBd4CfqOrRYNenNiJyGXBQVVd6HvZyaXN6ryNwmt3PqOpI4DhOV1Nz4bfUHwEq27lQ5AZgDPB4oMsVkTCc7Lo/80NZp1S2KwKn+2kCMB34PxFp1wTlTgf+pqppON1Bf3ffi0Br0O9XKASKFpPOXEQicYLEq6r6T/fwgcqmn/vdH01ffzgLmCwiO3CazufjtDDauSkpoPm911lAlqoudR+/jRM4mst7HMzUHz79PxGRC4FfAZNVtbgJyk0AhgCfu79rpwPz/DSg7ev7/b6qlqrqdmAjTuAIdLk344z3oaqLgRichIGB1qDPy1AIFC0inbnbz/wCsF5V/+hxyjPVw43A+01dN29U9ZeqmqaqPXDe0/+o6veBhTgpKaAZ1RdAVfcDu0WkMkvmBThb7zaX9ziYqT/qLdvtAvorTpDwVzCts1xVPaKqyaraw/1dW+KW3+AEdr6W7XoPZxAfEUnG6Yra1gTl7sL5/UREBuIEiqbYvnMe8EN39tPpwJHKbtk6+WOkPdhfOE23TTgzDX4V7PrUUsezcZp4a4AM9+sSnP7nBcBm93v7YNfVS90ncGLWUy9gGbAFeAuIDnb9atR1BLDCfZ/fw0lh32zeY2+/q8AjOB+O4HxgvOW+v8uAXk1Y9mfAAY/fz3lNUW6Naz/HT7OefHzNAvwR5w+K73Bn9DVBuYOAr3FmRGUAF/mp3NeBfUApTuvhZuA24DaP1zvHrdd3vr7XlsLDGGNMnUKh68kYY0wAWaAwxhhTJwsUxhhj6mSBwhhjTJ0sUBhjjKmTBYpmTETKRSTD48tvq4xFpEdtGSaNMcZTqG2FGmoKVXVEsCthjGndrEXRAonIDhH5vYgsc7/6uMe7u/sIVO4nkO4eTxGRd0Vktft1pnurcBF53s3D/4mIxLrX3+2xL8EbQXqZxphmwgJF8xZbo+vpOo9zR1V1HPBnnBxMuD+/oqrDgFeBp93jTwNfqOpwnNxH69zjfXFSLA8G8oCr3eOzgZH/v707RmkgiMI4/j1ERBAUtBG09AR6AlsPIGIlNtpoJV7A3t7CygNYBkRsRLEQPIHYKZgynchnMRNcyGa64K77/zWZHULIVi8vk3wvv87BpG4OQDvwz+wGi4iB7bma/TdJm7Zfc9Dgh+3FiOhLWrb9lfffbS9FxKekFVdC3nLU+Y3ttXx9Kmna9llE9CQNlCIwrm0PJnyrABqMjqK9PGY97jl1qumg3/o9s9pSyoNZl/RcSYsF0EEUivbarjw+5vWDUlKlJO1Kus/rW6XRlsMZ2MPJWiNyJv6q7TuloUULkka6GgDdwSfFZpuNiJfKdc/28CeyMxHxpFTsd/LekaTLiDhRiizey/vHki4iYl+pczhUSpisMyXpKiLmlZImz53GiQLoKM4oWiifUWzY7v/1ewHw//HVEwCgiI4CAFBERwEAKKJQAACKKBQAgCIKBQCgiEIBACj6AZZlrObssj+LAAAAAElFTkSuQmCC"/>
+          <p:cNvSpPr>
+            <a:spLocks noChangeAspect="1" noChangeArrowheads="1"/>
+          </p:cNvSpPr>
+          <p:nvPr/>
+        </p:nvSpPr>
+        <p:spPr bwMode="auto">
+          <a:xfrm>
+            <a:off x="63500" y="-144463"/>
+            <a:ext cx="304800" cy="304801"/>
+          </a:xfrm>
+          <a:prstGeom prst="rect">
+            <a:avLst/>
+          </a:prstGeom>
+          <a:noFill/>
+          <a:extLst>
+            <a:ext uri="{909E8E84-426E-40DD-AFC4-6F175D3DCCD1}">
+              <a14:hiddenFill xmlns:a14="http://schemas.microsoft.com/office/drawing/2010/main">
+                <a:solidFill>
+                  <a:srgbClr val="FFFFFF"/>
+                </a:solidFill>
+              </a14:hiddenFill>
+            </a:ext>
+          </a:extLst>
+        </p:spPr>
+        <p:txBody>
+          <a:bodyPr vert="horz" wrap="square" lIns="91440" tIns="45720" rIns="91440" bIns="45720" numCol="1" anchor="t" anchorCtr="0" compatLnSpc="1">
+            <a:prstTxWarp prst="textNoShape">
+              <a:avLst/>
+            </a:prstTxWarp>
+          </a:bodyPr>
+          <a:lstStyle/>
+          <a:p>
+            <a:endParaRPr lang="zh-TW" altLang="en-US"/>
+          </a:p>
+        </p:txBody>
+      </p:sp>
+      <p:sp>
+        <p:nvSpPr>
+          <p:cNvPr id="10" name="文字方塊 9"/>
+          <p:cNvSpPr txBox="1"/>
+          <p:nvPr/>
+        </p:nvSpPr>
+        <p:spPr>
+          <a:xfrm>
+            <a:off x="3195944" y="944341"/>
+            <a:ext cx="1418894" cy="338554"/>
+          </a:xfrm>
+          <a:prstGeom prst="rect">
+            <a:avLst/>
+          </a:prstGeom>
+        </p:spPr>
+        <p:style>
+          <a:lnRef idx="1">
+            <a:schemeClr val="accent1"/>
+          </a:lnRef>
+          <a:fillRef idx="3">
+            <a:schemeClr val="accent1"/>
+          </a:fillRef>
+          <a:effectRef idx="2">
+            <a:schemeClr val="accent1"/>
+          </a:effectRef>
+          <a:fontRef idx="minor">
+            <a:schemeClr val="lt1"/>
+          </a:fontRef>
+        </p:style>
+        <p:txBody>
+          <a:bodyPr wrap="square" rtlCol="0">
+            <a:spAutoFit/>
+          </a:bodyPr>
+          <a:lstStyle/>
+          <a:p>
+            <a:pPr algn="ctr" fontAlgn="auto">
+              <a:spcBef>
+                <a:spcPts val="0"/>
+              </a:spcBef>
+              <a:spcAft>
+                <a:spcPts val="0"/>
+              </a:spcAft>
+            </a:pPr>
+            <a:r>
+              <a:rPr kumimoji="0" lang="zh-TW" altLang="en-US" sz="1600" dirty="0" smtClean="0">
+                <a:solidFill>
+                  <a:schemeClr val="bg1"/>
+                </a:solidFill>
+              </a:rPr>
+              <a:t>進行分類</a:t>
+            </a:r>
+            <a:endParaRPr kumimoji="0" lang="zh-TW" altLang="en-US" sz="1600" dirty="0">
+              <a:solidFill>
+                <a:schemeClr val="bg1"/>
+              </a:solidFill>
+            </a:endParaRPr>
+          </a:p>
+        </p:txBody>
+      </p:sp>
+      <p:sp>
+        <p:nvSpPr>
+          <p:cNvPr id="11" name="文字方塊 10"/>
+          <p:cNvSpPr txBox="1"/>
+          <p:nvPr/>
+        </p:nvSpPr>
+        <p:spPr>
+          <a:xfrm>
+            <a:off x="5114760" y="944341"/>
+            <a:ext cx="1418894" cy="338554"/>
+          </a:xfrm>
+          <a:prstGeom prst="rect">
+            <a:avLst/>
+          </a:prstGeom>
+        </p:spPr>
+        <p:style>
+          <a:lnRef idx="1">
+            <a:schemeClr val="accent1"/>
+          </a:lnRef>
+          <a:fillRef idx="3">
+            <a:schemeClr val="accent1"/>
+          </a:fillRef>
+          <a:effectRef idx="2">
+            <a:schemeClr val="accent1"/>
+          </a:effectRef>
+          <a:fontRef idx="minor">
+            <a:schemeClr val="lt1"/>
+          </a:fontRef>
+        </p:style>
+        <p:txBody>
+          <a:bodyPr wrap="square" rtlCol="0">
+            <a:spAutoFit/>
+          </a:bodyPr>
+          <a:lstStyle/>
+          <a:p>
+            <a:pPr algn="ctr" fontAlgn="auto">
+              <a:spcBef>
+                <a:spcPts val="0"/>
+              </a:spcBef>
+              <a:spcAft>
+                <a:spcPts val="0"/>
+              </a:spcAft>
+            </a:pPr>
+            <a:r>
+              <a:rPr kumimoji="0" lang="zh-TW" altLang="en-US" sz="1600" dirty="0" smtClean="0">
+                <a:solidFill>
+                  <a:schemeClr val="bg1"/>
+                </a:solidFill>
+              </a:rPr>
+              <a:t>建立模型</a:t>
+            </a:r>
+            <a:endParaRPr kumimoji="0" lang="zh-TW" altLang="en-US" sz="1600" dirty="0">
+              <a:solidFill>
+                <a:schemeClr val="bg1"/>
+              </a:solidFill>
+            </a:endParaRPr>
+          </a:p>
+        </p:txBody>
+      </p:sp>
+      <p:cxnSp>
+        <p:nvCxnSpPr>
+          <p:cNvPr id="14" name="直線單箭頭接點 13"/>
+          <p:cNvCxnSpPr>
+            <a:stCxn id="10" idx="3"/>
+            <a:endCxn id="11" idx="1"/>
+          </p:cNvCxnSpPr>
+          <p:nvPr/>
+        </p:nvCxnSpPr>
+        <p:spPr>
+          <a:xfrm>
+            <a:off x="4614838" y="1113618"/>
+            <a:ext cx="499922" cy="0"/>
+          </a:xfrm>
+          <a:prstGeom prst="straightConnector1">
+            <a:avLst/>
+          </a:prstGeom>
+          <a:ln>
+            <a:tailEnd type="arrow"/>
+          </a:ln>
+        </p:spPr>
+        <p:style>
+          <a:lnRef idx="2">
+            <a:schemeClr val="accent1">
+              <a:shade val="50000"/>
+            </a:schemeClr>
+          </a:lnRef>
+          <a:fillRef idx="1">
+            <a:schemeClr val="accent1"/>
+          </a:fillRef>
+          <a:effectRef idx="0">
+            <a:schemeClr val="accent1"/>
+          </a:effectRef>
+          <a:fontRef idx="minor">
+            <a:schemeClr val="lt1"/>
+          </a:fontRef>
+        </p:style>
+      </p:cxnSp>
+      <p:sp>
+        <p:nvSpPr>
+          <p:cNvPr id="15" name="文字方塊 14"/>
+          <p:cNvSpPr txBox="1"/>
+          <p:nvPr/>
+        </p:nvSpPr>
+        <p:spPr>
+          <a:xfrm>
+            <a:off x="6997692" y="729095"/>
+            <a:ext cx="2149343" cy="672525"/>
+          </a:xfrm>
+          <a:prstGeom prst="diamond">
+            <a:avLst/>
+          </a:prstGeom>
+        </p:spPr>
+        <p:style>
+          <a:lnRef idx="1">
+            <a:schemeClr val="accent1"/>
+          </a:lnRef>
+          <a:fillRef idx="3">
+            <a:schemeClr val="accent1"/>
+          </a:fillRef>
+          <a:effectRef idx="2">
+            <a:schemeClr val="accent1"/>
+          </a:effectRef>
+          <a:fontRef idx="minor">
+            <a:schemeClr val="lt1"/>
+          </a:fontRef>
+        </p:style>
+        <p:txBody>
+          <a:bodyPr wrap="square" rtlCol="0">
+            <a:spAutoFit/>
+          </a:bodyPr>
+          <a:lstStyle/>
+          <a:p>
+            <a:pPr algn="ctr" fontAlgn="auto">
+              <a:spcBef>
+                <a:spcPts val="0"/>
+              </a:spcBef>
+              <a:spcAft>
+                <a:spcPts val="0"/>
+              </a:spcAft>
+            </a:pPr>
+            <a:r>
+              <a:rPr kumimoji="0" lang="zh-TW" altLang="en-US" sz="1600" dirty="0" smtClean="0">
+                <a:solidFill>
+                  <a:schemeClr val="bg1"/>
+                </a:solidFill>
+              </a:rPr>
+              <a:t>是否誤判</a:t>
+            </a:r>
+            <a:endParaRPr kumimoji="0" lang="zh-TW" altLang="en-US" sz="1600" dirty="0">
+              <a:solidFill>
+                <a:schemeClr val="bg1"/>
+              </a:solidFill>
+            </a:endParaRPr>
+          </a:p>
+        </p:txBody>
+      </p:sp>
+      <p:sp>
+        <p:nvSpPr>
+          <p:cNvPr id="16" name="文字方塊 15"/>
+          <p:cNvSpPr txBox="1"/>
+          <p:nvPr/>
+        </p:nvSpPr>
+        <p:spPr>
+          <a:xfrm>
+            <a:off x="4297024" y="245469"/>
+            <a:ext cx="1113284" cy="338554"/>
+          </a:xfrm>
+          <a:prstGeom prst="rect">
+            <a:avLst/>
+          </a:prstGeom>
+        </p:spPr>
+        <p:style>
+          <a:lnRef idx="1">
+            <a:schemeClr val="accent1"/>
+          </a:lnRef>
+          <a:fillRef idx="3">
+            <a:schemeClr val="accent1"/>
+          </a:fillRef>
+          <a:effectRef idx="2">
+            <a:schemeClr val="accent1"/>
+          </a:effectRef>
+          <a:fontRef idx="minor">
+            <a:schemeClr val="lt1"/>
+          </a:fontRef>
+        </p:style>
+        <p:txBody>
+          <a:bodyPr wrap="square" rtlCol="0">
+            <a:spAutoFit/>
+          </a:bodyPr>
+          <a:lstStyle/>
+          <a:p>
+            <a:pPr algn="ctr" fontAlgn="auto">
+              <a:spcBef>
+                <a:spcPts val="0"/>
+              </a:spcBef>
+              <a:spcAft>
+                <a:spcPts val="0"/>
+              </a:spcAft>
+            </a:pPr>
+            <a:r>
+              <a:rPr kumimoji="0" lang="zh-TW" altLang="en-US" sz="1600" dirty="0" smtClean="0">
+                <a:solidFill>
+                  <a:schemeClr val="bg1"/>
+                </a:solidFill>
+              </a:rPr>
+              <a:t>測試</a:t>
+            </a:r>
+            <a:endParaRPr kumimoji="0" lang="zh-TW" altLang="en-US" sz="1600" dirty="0">
+              <a:solidFill>
+                <a:schemeClr val="bg1"/>
+              </a:solidFill>
+            </a:endParaRPr>
+          </a:p>
+        </p:txBody>
+      </p:sp>
+      <p:cxnSp>
+        <p:nvCxnSpPr>
+          <p:cNvPr id="17" name="圖案 46"/>
+          <p:cNvCxnSpPr>
+            <a:stCxn id="11" idx="0"/>
+            <a:endCxn id="16" idx="3"/>
+          </p:cNvCxnSpPr>
+          <p:nvPr/>
+        </p:nvCxnSpPr>
+        <p:spPr>
+          <a:xfrm rot="16200000" flipV="1">
+            <a:off x="5352461" y="472594"/>
+            <a:ext cx="529595" cy="413899"/>
+          </a:xfrm>
+          <a:prstGeom prst="bentConnector2">
+            <a:avLst/>
+          </a:prstGeom>
+          <a:ln>
+            <a:tailEnd type="arrow"/>
+          </a:ln>
+        </p:spPr>
+        <p:style>
+          <a:lnRef idx="2">
+            <a:schemeClr val="accent1">
+              <a:shade val="50000"/>
+            </a:schemeClr>
+          </a:lnRef>
+          <a:fillRef idx="1">
+            <a:schemeClr val="accent1"/>
+          </a:fillRef>
+          <a:effectRef idx="0">
+            <a:schemeClr val="accent1"/>
+          </a:effectRef>
+          <a:fontRef idx="minor">
+            <a:schemeClr val="lt1"/>
+          </a:fontRef>
+        </p:style>
+      </p:cxnSp>
+      <p:cxnSp>
+        <p:nvCxnSpPr>
+          <p:cNvPr id="18" name="圖案 47"/>
+          <p:cNvCxnSpPr>
+            <a:stCxn id="16" idx="1"/>
+            <a:endCxn id="10" idx="0"/>
+          </p:cNvCxnSpPr>
+          <p:nvPr/>
+        </p:nvCxnSpPr>
+        <p:spPr>
+          <a:xfrm rot="10800000" flipV="1">
+            <a:off x="3905392" y="414745"/>
+            <a:ext cx="391633" cy="529595"/>
+          </a:xfrm>
+          <a:prstGeom prst="bentConnector2">
+            <a:avLst/>
+          </a:prstGeom>
+          <a:ln>
+            <a:tailEnd type="arrow"/>
+          </a:ln>
+        </p:spPr>
+        <p:style>
+          <a:lnRef idx="2">
+            <a:schemeClr val="accent1">
+              <a:shade val="50000"/>
+            </a:schemeClr>
+          </a:lnRef>
+          <a:fillRef idx="1">
+            <a:schemeClr val="accent1"/>
+          </a:fillRef>
+          <a:effectRef idx="0">
+            <a:schemeClr val="accent1"/>
+          </a:effectRef>
+          <a:fontRef idx="minor">
+            <a:schemeClr val="lt1"/>
+          </a:fontRef>
+        </p:style>
+      </p:cxnSp>
+      <p:cxnSp>
+        <p:nvCxnSpPr>
+          <p:cNvPr id="19" name="直線單箭頭接點 18"/>
+          <p:cNvCxnSpPr/>
+          <p:nvPr/>
+        </p:nvCxnSpPr>
+        <p:spPr>
+          <a:xfrm flipV="1">
+            <a:off x="6533654" y="1065358"/>
+            <a:ext cx="471728" cy="4192"/>
+          </a:xfrm>
+          <a:prstGeom prst="straightConnector1">
+            <a:avLst/>
+          </a:prstGeom>
+          <a:ln>
+            <a:tailEnd type="arrow"/>
+          </a:ln>
+        </p:spPr>
+        <p:style>
+          <a:lnRef idx="2">
+            <a:schemeClr val="accent1">
+              <a:shade val="50000"/>
+            </a:schemeClr>
+          </a:lnRef>
+          <a:fillRef idx="1">
+            <a:schemeClr val="accent1"/>
+          </a:fillRef>
+          <a:effectRef idx="0">
+            <a:schemeClr val="accent1"/>
+          </a:effectRef>
+          <a:fontRef idx="minor">
+            <a:schemeClr val="lt1"/>
+          </a:fontRef>
+        </p:style>
+      </p:cxnSp>
+      <p:sp>
+        <p:nvSpPr>
+          <p:cNvPr id="20" name="矩形 19"/>
+          <p:cNvSpPr/>
+          <p:nvPr/>
+        </p:nvSpPr>
+        <p:spPr>
+          <a:xfrm>
+            <a:off x="3000880" y="115320"/>
+            <a:ext cx="3744416" cy="1440160"/>
+          </a:xfrm>
+          <a:prstGeom prst="rect">
+            <a:avLst/>
+          </a:prstGeom>
+          <a:noFill/>
+          <a:ln w="76200" cmpd="dbl">
+            <a:solidFill>
+              <a:srgbClr val="00B0F0"/>
+            </a:solidFill>
+          </a:ln>
+        </p:spPr>
+        <p:style>
+          <a:lnRef idx="2">
+            <a:schemeClr val="accent1">
+              <a:shade val="50000"/>
+            </a:schemeClr>
+          </a:lnRef>
+          <a:fillRef idx="1">
+            <a:schemeClr val="accent1"/>
+          </a:fillRef>
+          <a:effectRef idx="0">
+            <a:schemeClr val="accent1"/>
+          </a:effectRef>
+          <a:fontRef idx="minor">
+            <a:schemeClr val="lt1"/>
+          </a:fontRef>
+        </p:style>
+        <p:txBody>
+          <a:bodyPr rtlCol="0" anchor="ctr"/>
+          <a:lstStyle/>
+          <a:p>
+            <a:pPr algn="ctr"/>
+            <a:endParaRPr lang="zh-TW" altLang="en-US">
+              <a:solidFill>
+                <a:schemeClr val="bg1"/>
+              </a:solidFill>
+            </a:endParaRPr>
+          </a:p>
+        </p:txBody>
+      </p:sp>
+      <p:cxnSp>
+        <p:nvCxnSpPr>
+          <p:cNvPr id="28" name="圖案 76"/>
+          <p:cNvCxnSpPr>
+            <a:stCxn id="15" idx="2"/>
+            <a:endCxn id="10" idx="2"/>
+          </p:cNvCxnSpPr>
+          <p:nvPr/>
+        </p:nvCxnSpPr>
+        <p:spPr>
+          <a:xfrm rot="5400000" flipH="1">
+            <a:off x="5929515" y="-741228"/>
+            <a:ext cx="118725" cy="4166973"/>
+          </a:xfrm>
+          <a:prstGeom prst="bentConnector3">
+            <a:avLst>
+              <a:gd name="adj1" fmla="val -320910"/>
+            </a:avLst>
+          </a:prstGeom>
+          <a:ln>
+            <a:solidFill>
+              <a:srgbClr val="FF0000"/>
+            </a:solidFill>
+            <a:prstDash val="sysDash"/>
+            <a:tailEnd type="arrow"/>
+          </a:ln>
+        </p:spPr>
+        <p:style>
+          <a:lnRef idx="1">
+            <a:schemeClr val="accent1"/>
+          </a:lnRef>
+          <a:fillRef idx="0">
+            <a:schemeClr val="accent1"/>
+          </a:fillRef>
+          <a:effectRef idx="0">
+            <a:schemeClr val="accent1"/>
+          </a:effectRef>
+          <a:fontRef idx="minor">
+            <a:schemeClr val="tx1"/>
+          </a:fontRef>
+        </p:style>
+      </p:cxnSp>
+    </p:spTree>
+    <p:extLst>
+      <p:ext uri="{BB962C8B-B14F-4D97-AF65-F5344CB8AC3E}">
+        <p14:creationId xmlns:p14="http://schemas.microsoft.com/office/powerpoint/2010/main" val="759850160"/>
+      </p:ext>
+    </p:extLst>
+  </p:cSld>
+  <p:clrMapOvr>
+    <a:masterClrMapping/>
+  </p:clrMapOvr>
+  <p:timing>
+    <p:tnLst>
+      <p:par>
+        <p:cTn id="1" dur="indefinite" restart="never" nodeType="tmRoot"/>
+      </p:par>
+    </p:tnLst>
+  </p:timing>
+</p:sld>
+</file>
+
+<file path=ppt/slides/slide19.xml><?xml version="1.0" encoding="utf-8"?>
+<p:sld xmlns:a="http://schemas.openxmlformats.org/drawingml/2006/main" xmlns:r="http://schemas.openxmlformats.org/officeDocument/2006/relationships" xmlns:p="http://schemas.openxmlformats.org/presentationml/2006/main">
+  <p:cSld>
+    <p:spTree>
+      <p:nvGrpSpPr>
+        <p:cNvPr id="1" name=""/>
+        <p:cNvGrpSpPr/>
+        <p:nvPr/>
+      </p:nvGrpSpPr>
+      <p:grpSpPr>
+        <a:xfrm>
+          <a:off x="0" y="0"/>
+          <a:ext cx="0" cy="0"/>
+          <a:chOff x="0" y="0"/>
+          <a:chExt cx="0" cy="0"/>
+        </a:xfrm>
+      </p:grpSpPr>
+      <p:sp>
+        <p:nvSpPr>
+          <p:cNvPr id="30" name="標題 1"/>
+          <p:cNvSpPr>
+            <a:spLocks noGrp="1"/>
+          </p:cNvSpPr>
+          <p:nvPr>
+            <p:ph type="title"/>
+          </p:nvPr>
+        </p:nvSpPr>
+        <p:spPr>
+          <a:xfrm>
+            <a:off x="527865" y="231490"/>
+            <a:ext cx="7374505" cy="1170130"/>
+          </a:xfrm>
+        </p:spPr>
+        <p:txBody>
+          <a:bodyPr/>
+          <a:lstStyle/>
+          <a:p>
+            <a:r>
+              <a:rPr lang="zh-TW" altLang="en-US" dirty="0"/>
+              <a:t>專題執行說明 </a:t>
+            </a:r>
+            <a:r>
+              <a:rPr lang="en-US" altLang="zh-TW" dirty="0"/>
+              <a:t>–</a:t>
+            </a:r>
+            <a:r>
+              <a:rPr lang="zh-TW" altLang="en-US" dirty="0"/>
+              <a:t>資料前</a:t>
+            </a:r>
+            <a:r>
+              <a:rPr lang="zh-TW" altLang="en-US" dirty="0" smtClean="0"/>
+              <a:t>處</a:t>
+            </a:r>
+            <a:r>
+              <a:rPr lang="zh-TW" altLang="en-US" dirty="0"/>
+              <a:t>理 </a:t>
+            </a:r>
+            <a:r>
+              <a:rPr lang="en-US" altLang="zh-TW" dirty="0" smtClean="0"/>
+              <a:t>(II)</a:t>
+            </a:r>
+            <a:endParaRPr lang="zh-TW" altLang="en-US" dirty="0"/>
+          </a:p>
+        </p:txBody>
+      </p:sp>
+      <p:pic>
+        <p:nvPicPr>
+          <p:cNvPr id="4" name="Picture 6"/>
+          <p:cNvPicPr>
+            <a:picLocks noChangeAspect="1" noChangeArrowheads="1"/>
+          </p:cNvPicPr>
+          <p:nvPr/>
+        </p:nvPicPr>
+        <p:blipFill>
+          <a:blip r:embed="rId2" cstate="print">
+            <a:extLst>
+              <a:ext uri="{28A0092B-C50C-407E-A947-70E740481C1C}">
+                <a14:useLocalDpi xmlns:a14="http://schemas.microsoft.com/office/drawing/2010/main" val="0"/>
+              </a:ext>
+            </a:extLst>
+          </a:blip>
+          <a:srcRect/>
+          <a:stretch>
+            <a:fillRect/>
+          </a:stretch>
+        </p:blipFill>
+        <p:spPr bwMode="auto">
+          <a:xfrm>
+            <a:off x="288925" y="3651250"/>
+            <a:ext cx="1000125" cy="1277938"/>
+          </a:xfrm>
+          <a:prstGeom prst="rect">
+            <a:avLst/>
+          </a:prstGeom>
+          <a:noFill/>
+          <a:ln>
+            <a:noFill/>
+          </a:ln>
+          <a:extLst>
+            <a:ext uri="{909E8E84-426E-40DD-AFC4-6F175D3DCCD1}">
+              <a14:hiddenFill xmlns:a14="http://schemas.microsoft.com/office/drawing/2010/main">
+                <a:solidFill>
+                  <a:srgbClr val="FFFFFF"/>
+                </a:solidFill>
+              </a14:hiddenFill>
+            </a:ext>
+            <a:ext uri="{91240B29-F687-4F45-9708-019B960494DF}">
+              <a14:hiddenLine xmlns:a14="http://schemas.microsoft.com/office/drawing/2010/main" w="9525">
+                <a:solidFill>
+                  <a:srgbClr val="000000"/>
+                </a:solidFill>
+                <a:miter lim="800000"/>
+                <a:headEnd/>
+                <a:tailEnd/>
+              </a14:hiddenLine>
+            </a:ext>
+          </a:extLst>
+        </p:spPr>
+      </p:pic>
+      <p:pic>
+        <p:nvPicPr>
+          <p:cNvPr id="5" name="Picture 4"/>
+          <p:cNvPicPr>
+            <a:picLocks noChangeAspect="1" noChangeArrowheads="1"/>
+          </p:cNvPicPr>
+          <p:nvPr/>
+        </p:nvPicPr>
+        <p:blipFill>
+          <a:blip r:embed="rId3" cstate="print">
+            <a:extLst>
+              <a:ext uri="{28A0092B-C50C-407E-A947-70E740481C1C}">
+                <a14:useLocalDpi xmlns:a14="http://schemas.microsoft.com/office/drawing/2010/main" val="0"/>
+              </a:ext>
+            </a:extLst>
+          </a:blip>
+          <a:srcRect/>
+          <a:stretch>
+            <a:fillRect/>
+          </a:stretch>
+        </p:blipFill>
+        <p:spPr bwMode="auto">
+          <a:xfrm>
+            <a:off x="1519238" y="3651250"/>
+            <a:ext cx="1008062" cy="1277938"/>
+          </a:xfrm>
+          <a:prstGeom prst="rect">
+            <a:avLst/>
+          </a:prstGeom>
+          <a:noFill/>
+          <a:ln>
+            <a:noFill/>
+          </a:ln>
+          <a:extLst>
+            <a:ext uri="{909E8E84-426E-40DD-AFC4-6F175D3DCCD1}">
+              <a14:hiddenFill xmlns:a14="http://schemas.microsoft.com/office/drawing/2010/main">
+                <a:solidFill>
+                  <a:srgbClr val="FFFFFF"/>
+                </a:solidFill>
+              </a14:hiddenFill>
+            </a:ext>
+            <a:ext uri="{91240B29-F687-4F45-9708-019B960494DF}">
+              <a14:hiddenLine xmlns:a14="http://schemas.microsoft.com/office/drawing/2010/main" w="9525">
+                <a:solidFill>
+                  <a:srgbClr val="000000"/>
+                </a:solidFill>
+                <a:miter lim="800000"/>
+                <a:headEnd/>
+                <a:tailEnd/>
+              </a14:hiddenLine>
+            </a:ext>
+          </a:extLst>
+        </p:spPr>
+      </p:pic>
+      <p:pic>
+        <p:nvPicPr>
+          <p:cNvPr id="6" name="Picture 5"/>
+          <p:cNvPicPr>
+            <a:picLocks noChangeAspect="1" noChangeArrowheads="1"/>
+          </p:cNvPicPr>
+          <p:nvPr/>
+        </p:nvPicPr>
+        <p:blipFill>
+          <a:blip r:embed="rId4" cstate="print">
+            <a:extLst>
+              <a:ext uri="{28A0092B-C50C-407E-A947-70E740481C1C}">
+                <a14:useLocalDpi xmlns:a14="http://schemas.microsoft.com/office/drawing/2010/main" val="0"/>
+              </a:ext>
+            </a:extLst>
+          </a:blip>
+          <a:srcRect/>
+          <a:stretch>
+            <a:fillRect/>
+          </a:stretch>
+        </p:blipFill>
+        <p:spPr bwMode="auto">
+          <a:xfrm>
+            <a:off x="290513" y="2217738"/>
+            <a:ext cx="1008062" cy="1271587"/>
+          </a:xfrm>
+          <a:prstGeom prst="rect">
+            <a:avLst/>
+          </a:prstGeom>
+          <a:noFill/>
+          <a:ln>
+            <a:noFill/>
+          </a:ln>
+          <a:extLst>
+            <a:ext uri="{909E8E84-426E-40DD-AFC4-6F175D3DCCD1}">
+              <a14:hiddenFill xmlns:a14="http://schemas.microsoft.com/office/drawing/2010/main">
+                <a:solidFill>
+                  <a:srgbClr val="FFFFFF"/>
+                </a:solidFill>
+              </a14:hiddenFill>
+            </a:ext>
+            <a:ext uri="{91240B29-F687-4F45-9708-019B960494DF}">
+              <a14:hiddenLine xmlns:a14="http://schemas.microsoft.com/office/drawing/2010/main" w="9525">
+                <a:solidFill>
+                  <a:srgbClr val="000000"/>
+                </a:solidFill>
+                <a:miter lim="800000"/>
+                <a:headEnd/>
+                <a:tailEnd/>
+              </a14:hiddenLine>
+            </a:ext>
+          </a:extLst>
+        </p:spPr>
+      </p:pic>
+      <p:pic>
+        <p:nvPicPr>
+          <p:cNvPr id="7" name="Picture 7"/>
+          <p:cNvPicPr>
+            <a:picLocks noChangeAspect="1" noChangeArrowheads="1"/>
+          </p:cNvPicPr>
+          <p:nvPr/>
+        </p:nvPicPr>
+        <p:blipFill>
+          <a:blip r:embed="rId5" cstate="print">
+            <a:extLst>
+              <a:ext uri="{28A0092B-C50C-407E-A947-70E740481C1C}">
+                <a14:useLocalDpi xmlns:a14="http://schemas.microsoft.com/office/drawing/2010/main" val="0"/>
+              </a:ext>
+            </a:extLst>
+          </a:blip>
+          <a:srcRect/>
+          <a:stretch>
+            <a:fillRect/>
+          </a:stretch>
+        </p:blipFill>
+        <p:spPr bwMode="auto">
+          <a:xfrm>
+            <a:off x="1519238" y="2217738"/>
+            <a:ext cx="1008062" cy="1277937"/>
+          </a:xfrm>
+          <a:prstGeom prst="rect">
+            <a:avLst/>
+          </a:prstGeom>
+          <a:noFill/>
+          <a:ln>
+            <a:noFill/>
+          </a:ln>
+          <a:extLst>
+            <a:ext uri="{909E8E84-426E-40DD-AFC4-6F175D3DCCD1}">
+              <a14:hiddenFill xmlns:a14="http://schemas.microsoft.com/office/drawing/2010/main">
+                <a:solidFill>
+                  <a:srgbClr val="FFFFFF"/>
+                </a:solidFill>
+              </a14:hiddenFill>
+            </a:ext>
+            <a:ext uri="{91240B29-F687-4F45-9708-019B960494DF}">
+              <a14:hiddenLine xmlns:a14="http://schemas.microsoft.com/office/drawing/2010/main" w="9525">
+                <a:solidFill>
+                  <a:srgbClr val="000000"/>
+                </a:solidFill>
+                <a:miter lim="800000"/>
+                <a:headEnd/>
+                <a:tailEnd/>
+              </a14:hiddenLine>
+            </a:ext>
+          </a:extLst>
+        </p:spPr>
+      </p:pic>
+      <p:sp>
+        <p:nvSpPr>
+          <p:cNvPr id="8" name="文字方塊 7">
+            <a:extLst>
+              <a:ext uri="{FF2B5EF4-FFF2-40B4-BE49-F238E27FC236}"/>
+            </a:extLst>
+          </p:cNvPr>
+          <p:cNvSpPr txBox="1"/>
+          <p:nvPr/>
+        </p:nvSpPr>
+        <p:spPr>
+          <a:xfrm>
+            <a:off x="288925" y="1498600"/>
+            <a:ext cx="792163" cy="307975"/>
+          </a:xfrm>
+          <a:prstGeom prst="rect">
+            <a:avLst/>
+          </a:prstGeom>
+          <a:solidFill>
+            <a:srgbClr val="66FF99"/>
+          </a:solidFill>
+          <a:ln>
+            <a:noFill/>
+          </a:ln>
+        </p:spPr>
+        <p:style>
+          <a:lnRef idx="1">
+            <a:schemeClr val="accent3"/>
+          </a:lnRef>
+          <a:fillRef idx="3">
+            <a:schemeClr val="accent3"/>
+          </a:fillRef>
+          <a:effectRef idx="2">
+            <a:schemeClr val="accent3"/>
+          </a:effectRef>
+          <a:fontRef idx="minor">
+            <a:schemeClr val="lt1"/>
+          </a:fontRef>
+        </p:style>
+        <p:txBody>
+          <a:bodyPr>
+            <a:spAutoFit/>
+          </a:bodyPr>
+          <a:lstStyle/>
+          <a:p>
+            <a:pPr algn="ctr" eaLnBrk="0" hangingPunct="0">
+              <a:defRPr/>
+            </a:pPr>
+            <a:r>
+              <a:rPr lang="en-US" altLang="zh-TW" b="1" dirty="0">
+                <a:solidFill>
+                  <a:sysClr val="windowText" lastClr="000000"/>
+                </a:solidFill>
+              </a:rPr>
+              <a:t>Normal</a:t>
+            </a:r>
+            <a:endParaRPr lang="zh-TW" altLang="en-US" b="1" dirty="0">
+              <a:solidFill>
+                <a:sysClr val="windowText" lastClr="000000"/>
+              </a:solidFill>
+            </a:endParaRPr>
+          </a:p>
+        </p:txBody>
+      </p:sp>
+      <p:cxnSp>
+        <p:nvCxnSpPr>
+          <p:cNvPr id="9" name="直線接點 8">
+            <a:extLst>
+              <a:ext uri="{FF2B5EF4-FFF2-40B4-BE49-F238E27FC236}"/>
+            </a:extLst>
+          </p:cNvPr>
+          <p:cNvCxnSpPr>
+            <a:cxnSpLocks/>
+          </p:cNvCxnSpPr>
+          <p:nvPr/>
+        </p:nvCxnSpPr>
+        <p:spPr>
+          <a:xfrm>
+            <a:off x="2727325" y="1492250"/>
+            <a:ext cx="0" cy="3419475"/>
+          </a:xfrm>
+          <a:prstGeom prst="line">
+            <a:avLst/>
+          </a:prstGeom>
+          <a:ln w="28575"/>
+        </p:spPr>
+        <p:style>
+          <a:lnRef idx="1">
+            <a:schemeClr val="accent1"/>
+          </a:lnRef>
+          <a:fillRef idx="0">
+            <a:schemeClr val="accent1"/>
+          </a:fillRef>
+          <a:effectRef idx="0">
+            <a:schemeClr val="accent1"/>
+          </a:effectRef>
+          <a:fontRef idx="minor">
+            <a:schemeClr val="tx1"/>
+          </a:fontRef>
+        </p:style>
+      </p:cxnSp>
+      <p:sp>
+        <p:nvSpPr>
+          <p:cNvPr id="10" name="文字方塊 9">
+            <a:extLst>
+              <a:ext uri="{FF2B5EF4-FFF2-40B4-BE49-F238E27FC236}"/>
+            </a:extLst>
+          </p:cNvPr>
+          <p:cNvSpPr txBox="1"/>
+          <p:nvPr/>
+        </p:nvSpPr>
+        <p:spPr>
+          <a:xfrm>
+            <a:off x="2867025" y="1498600"/>
+            <a:ext cx="1074738" cy="307975"/>
+          </a:xfrm>
+          <a:prstGeom prst="rect">
+            <a:avLst/>
+          </a:prstGeom>
+          <a:solidFill>
+            <a:srgbClr val="FF0000"/>
+          </a:solidFill>
+          <a:ln>
+            <a:noFill/>
+          </a:ln>
+        </p:spPr>
+        <p:style>
+          <a:lnRef idx="1">
+            <a:schemeClr val="accent3"/>
+          </a:lnRef>
+          <a:fillRef idx="3">
+            <a:schemeClr val="accent3"/>
+          </a:fillRef>
+          <a:effectRef idx="2">
+            <a:schemeClr val="accent3"/>
+          </a:effectRef>
+          <a:fontRef idx="minor">
+            <a:schemeClr val="lt1"/>
+          </a:fontRef>
+        </p:style>
+        <p:txBody>
+          <a:bodyPr>
+            <a:spAutoFit/>
+          </a:bodyPr>
+          <a:lstStyle/>
+          <a:p>
+            <a:pPr algn="ctr" eaLnBrk="0" hangingPunct="0">
+              <a:defRPr/>
+            </a:pPr>
+            <a:r>
+              <a:rPr lang="en-US" altLang="zh-TW" b="1" dirty="0">
+                <a:solidFill>
+                  <a:sysClr val="windowText" lastClr="000000"/>
+                </a:solidFill>
+              </a:rPr>
+              <a:t>Abnormal</a:t>
+            </a:r>
+            <a:endParaRPr lang="zh-TW" altLang="en-US" b="1" dirty="0">
+              <a:solidFill>
+                <a:sysClr val="windowText" lastClr="000000"/>
+              </a:solidFill>
+            </a:endParaRPr>
+          </a:p>
+        </p:txBody>
+      </p:sp>
+      <p:sp>
+        <p:nvSpPr>
+          <p:cNvPr id="11" name="文字方塊 10">
+            <a:extLst>
+              <a:ext uri="{FF2B5EF4-FFF2-40B4-BE49-F238E27FC236}"/>
+            </a:extLst>
+          </p:cNvPr>
+          <p:cNvSpPr txBox="1"/>
+          <p:nvPr/>
+        </p:nvSpPr>
+        <p:spPr>
+          <a:xfrm>
+            <a:off x="290513" y="936625"/>
+            <a:ext cx="7661275" cy="307975"/>
+          </a:xfrm>
+          <a:prstGeom prst="rect">
+            <a:avLst/>
+          </a:prstGeom>
+          <a:noFill/>
+        </p:spPr>
+        <p:txBody>
+          <a:bodyPr>
+            <a:spAutoFit/>
+          </a:bodyPr>
+          <a:lstStyle/>
+          <a:p>
+            <a:pPr eaLnBrk="0" hangingPunct="0">
+              <a:buFont typeface="Arial" pitchFamily="34" charset="0"/>
+              <a:buChar char="•"/>
+              <a:defRPr/>
+            </a:pPr>
+            <a:r>
+              <a:rPr lang="en-US" altLang="zh-TW" dirty="0">
+                <a:solidFill>
+                  <a:srgbClr val="0000FF"/>
+                </a:solidFill>
+                <a:latin typeface="微軟正黑體" panose="020B0604030504040204" pitchFamily="34" charset="-120"/>
+              </a:rPr>
+              <a:t> </a:t>
+            </a:r>
+            <a:r>
+              <a:rPr lang="zh-TW" altLang="en-US" dirty="0">
+                <a:solidFill>
+                  <a:srgbClr val="0000FF"/>
+                </a:solidFill>
+                <a:latin typeface="微軟正黑體" panose="020B0604030504040204" pitchFamily="34" charset="-120"/>
+              </a:rPr>
+              <a:t>分類方式</a:t>
+            </a:r>
+            <a:r>
+              <a:rPr lang="en-US" altLang="zh-TW" dirty="0">
+                <a:solidFill>
+                  <a:srgbClr val="0000FF"/>
+                </a:solidFill>
+                <a:latin typeface="微軟正黑體" panose="020B0604030504040204" pitchFamily="34" charset="-120"/>
+              </a:rPr>
+              <a:t> : Normal &amp; Abnormal </a:t>
+            </a:r>
+            <a:r>
+              <a:rPr lang="en-US" altLang="zh-TW" dirty="0">
+                <a:solidFill>
+                  <a:schemeClr val="bg1">
+                    <a:lumMod val="50000"/>
+                  </a:schemeClr>
+                </a:solidFill>
+                <a:latin typeface="微軟正黑體" panose="020B0604030504040204" pitchFamily="34" charset="-120"/>
+              </a:rPr>
+              <a:t>(Normal:311, Abnormal: 241)</a:t>
+            </a:r>
+            <a:r>
+              <a:rPr lang="en-US" altLang="zh-TW" dirty="0">
+                <a:solidFill>
+                  <a:srgbClr val="0000FF"/>
+                </a:solidFill>
+                <a:latin typeface="微軟正黑體" panose="020B0604030504040204" pitchFamily="34" charset="-120"/>
+              </a:rPr>
+              <a:t> </a:t>
+            </a:r>
+          </a:p>
+        </p:txBody>
+      </p:sp>
+      <p:pic>
+        <p:nvPicPr>
+          <p:cNvPr id="12" name="圖片 2"/>
+          <p:cNvPicPr>
+            <a:picLocks noChangeAspect="1"/>
+          </p:cNvPicPr>
+          <p:nvPr/>
+        </p:nvPicPr>
+        <p:blipFill>
+          <a:blip r:embed="rId6">
+            <a:extLst>
+              <a:ext uri="{28A0092B-C50C-407E-A947-70E740481C1C}">
+                <a14:useLocalDpi xmlns:a14="http://schemas.microsoft.com/office/drawing/2010/main" val="0"/>
+              </a:ext>
+            </a:extLst>
+          </a:blip>
+          <a:srcRect/>
+          <a:stretch>
+            <a:fillRect/>
+          </a:stretch>
+        </p:blipFill>
+        <p:spPr bwMode="auto">
+          <a:xfrm>
+            <a:off x="2862263" y="2222500"/>
+            <a:ext cx="6119812" cy="2728913"/>
+          </a:xfrm>
+          <a:prstGeom prst="rect">
+            <a:avLst/>
+          </a:prstGeom>
+          <a:noFill/>
+          <a:ln>
+            <a:noFill/>
+          </a:ln>
+          <a:extLst>
+            <a:ext uri="{909E8E84-426E-40DD-AFC4-6F175D3DCCD1}">
+              <a14:hiddenFill xmlns:a14="http://schemas.microsoft.com/office/drawing/2010/main">
+                <a:solidFill>
+                  <a:srgbClr val="FFFFFF"/>
+                </a:solidFill>
+              </a14:hiddenFill>
+            </a:ext>
+            <a:ext uri="{91240B29-F687-4F45-9708-019B960494DF}">
+              <a14:hiddenLine xmlns:a14="http://schemas.microsoft.com/office/drawing/2010/main" w="9525">
+                <a:solidFill>
+                  <a:srgbClr val="000000"/>
+                </a:solidFill>
+                <a:miter lim="800000"/>
+                <a:headEnd/>
+                <a:tailEnd/>
+              </a14:hiddenLine>
+            </a:ext>
+          </a:extLst>
+        </p:spPr>
+      </p:pic>
+    </p:spTree>
+    <p:extLst>
+      <p:ext uri="{BB962C8B-B14F-4D97-AF65-F5344CB8AC3E}">
+        <p14:creationId xmlns:p14="http://schemas.microsoft.com/office/powerpoint/2010/main" val="3255961506"/>
+      </p:ext>
+    </p:extLst>
+  </p:cSld>
+  <p:clrMapOvr>
+    <a:masterClrMapping/>
+  </p:clrMapOvr>
+  <p:timing>
+    <p:tnLst>
+      <p:par>
+        <p:cTn id="1" dur="indefinite" restart="never" nodeType="tmRoot"/>
+      </p:par>
+    </p:tnLst>
+  </p:timing>
+</p:sld>
+</file>
+
+<file path=ppt/slides/slide2.xml><?xml version="1.0" encoding="utf-8"?>
+<p:sld xmlns:a="http://schemas.openxmlformats.org/drawingml/2006/main" xmlns:r="http://schemas.openxmlformats.org/officeDocument/2006/relationships" xmlns:p="http://schemas.openxmlformats.org/presentationml/2006/main">
+  <p:cSld>
+    <p:spTree>
+      <p:nvGrpSpPr>
+        <p:cNvPr id="1" name=""/>
+        <p:cNvGrpSpPr/>
+        <p:nvPr/>
+      </p:nvGrpSpPr>
+      <p:grpSpPr>
+        <a:xfrm>
+          <a:off x="0" y="0"/>
+          <a:ext cx="0" cy="0"/>
+          <a:chOff x="0" y="0"/>
+          <a:chExt cx="0" cy="0"/>
+        </a:xfrm>
+      </p:grpSpPr>
+      <p:sp>
+        <p:nvSpPr>
+          <p:cNvPr id="4" name="內容版面配置區 3"/>
+          <p:cNvSpPr>
+            <a:spLocks noGrp="1"/>
+          </p:cNvSpPr>
+          <p:nvPr>
+            <p:ph sz="quarter" idx="22"/>
+          </p:nvPr>
+        </p:nvSpPr>
+        <p:spPr/>
+        <p:txBody>
+          <a:bodyPr>
+            <a:normAutofit/>
+          </a:bodyPr>
+          <a:lstStyle/>
+          <a:p>
+            <a:pPr marL="457200" indent="-457200">
+              <a:buAutoNum type="arabicPeriod"/>
+            </a:pPr>
+            <a:r>
+              <a:rPr lang="zh-TW" altLang="en-US" sz="3200" b="1" dirty="0" smtClean="0"/>
+              <a:t>專案題目介紹</a:t>
+            </a:r>
+            <a:endParaRPr lang="en-US" altLang="zh-TW" sz="3200" b="1" dirty="0" smtClean="0"/>
+          </a:p>
+          <a:p>
+            <a:pPr marL="457200" indent="-457200">
+              <a:buAutoNum type="arabicPeriod"/>
+            </a:pPr>
+            <a:r>
+              <a:rPr lang="zh-TW" altLang="en-US" sz="3200" b="1" dirty="0" smtClean="0"/>
+              <a:t>專題執行過程</a:t>
+            </a:r>
+            <a:endParaRPr lang="en-US" altLang="zh-TW" sz="3200" b="1" dirty="0" smtClean="0"/>
+          </a:p>
+          <a:p>
+            <a:pPr marL="457200" indent="-457200">
+              <a:buAutoNum type="arabicPeriod"/>
+            </a:pPr>
+            <a:r>
+              <a:rPr lang="zh-TW" altLang="en-US" sz="3200" b="1" dirty="0" smtClean="0"/>
+              <a:t>專題心得分享</a:t>
+            </a:r>
+            <a:endParaRPr lang="en-US" altLang="zh-TW" sz="3200" b="1" dirty="0"/>
+          </a:p>
+        </p:txBody>
+      </p:sp>
+      <p:sp>
+        <p:nvSpPr>
+          <p:cNvPr id="3" name="文字版面配置區 2"/>
+          <p:cNvSpPr>
+            <a:spLocks noGrp="1"/>
+          </p:cNvSpPr>
+          <p:nvPr>
+            <p:ph type="body" sz="quarter" idx="19"/>
+          </p:nvPr>
+        </p:nvSpPr>
+        <p:spPr/>
+        <p:txBody>
+          <a:bodyPr>
+            <a:normAutofit/>
+          </a:bodyPr>
+          <a:lstStyle/>
+          <a:p>
+            <a:r>
+              <a:rPr lang="en-US" altLang="zh-TW" dirty="0" smtClean="0"/>
+              <a:t>Agenda</a:t>
+            </a:r>
+            <a:endParaRPr lang="zh-TW" altLang="en-US" dirty="0"/>
+          </a:p>
+        </p:txBody>
+      </p:sp>
+    </p:spTree>
+  </p:cSld>
+  <p:clrMapOvr>
+    <a:masterClrMapping/>
+  </p:clrMapOvr>
+  <p:transition/>
+  <p:timing>
+    <p:tnLst>
+      <p:par>
+        <p:cTn id="1" dur="indefinite" restart="never" nodeType="tmRoot"/>
+      </p:par>
+    </p:tnLst>
+  </p:timing>
+</p:sld>
+</file>
+
+<file path=ppt/slides/slide20.xml><?xml version="1.0" encoding="utf-8"?>
+<p:sld xmlns:a="http://schemas.openxmlformats.org/drawingml/2006/main" xmlns:r="http://schemas.openxmlformats.org/officeDocument/2006/relationships" xmlns:p="http://schemas.openxmlformats.org/presentationml/2006/main">
+  <p:cSld>
+    <p:spTree>
+      <p:nvGrpSpPr>
+        <p:cNvPr id="1" name=""/>
+        <p:cNvGrpSpPr/>
+        <p:nvPr/>
+      </p:nvGrpSpPr>
+      <p:grpSpPr>
+        <a:xfrm>
+          <a:off x="0" y="0"/>
+          <a:ext cx="0" cy="0"/>
+          <a:chOff x="0" y="0"/>
+          <a:chExt cx="0" cy="0"/>
+        </a:xfrm>
+      </p:grpSpPr>
+      <p:sp>
+        <p:nvSpPr>
+          <p:cNvPr id="30" name="標題 1"/>
+          <p:cNvSpPr>
+            <a:spLocks noGrp="1"/>
+          </p:cNvSpPr>
+          <p:nvPr>
+            <p:ph type="title"/>
+          </p:nvPr>
+        </p:nvSpPr>
+        <p:spPr>
+          <a:xfrm>
+            <a:off x="527865" y="231490"/>
+            <a:ext cx="7374505" cy="1170130"/>
+          </a:xfrm>
+        </p:spPr>
+        <p:txBody>
+          <a:bodyPr/>
+          <a:lstStyle/>
+          <a:p>
+            <a:r>
+              <a:rPr lang="zh-TW" altLang="en-US" dirty="0"/>
+              <a:t>專題執行說明 </a:t>
+            </a:r>
+            <a:r>
+              <a:rPr lang="en-US" altLang="zh-TW" dirty="0"/>
+              <a:t>–</a:t>
+            </a:r>
+            <a:r>
+              <a:rPr lang="zh-TW" altLang="en-US" dirty="0"/>
+              <a:t>資料前</a:t>
+            </a:r>
+            <a:r>
+              <a:rPr lang="zh-TW" altLang="en-US" dirty="0" smtClean="0"/>
+              <a:t>處</a:t>
+            </a:r>
+            <a:r>
+              <a:rPr lang="zh-TW" altLang="en-US" dirty="0"/>
+              <a:t>理 </a:t>
+            </a:r>
+            <a:r>
+              <a:rPr lang="en-US" altLang="zh-TW" dirty="0" smtClean="0"/>
+              <a:t>(II)</a:t>
+            </a:r>
+            <a:endParaRPr lang="zh-TW" altLang="en-US" dirty="0"/>
+          </a:p>
+        </p:txBody>
+      </p:sp>
+      <p:sp>
+        <p:nvSpPr>
+          <p:cNvPr id="8" name="文字方塊 7">
+            <a:extLst>
+              <a:ext uri="{FF2B5EF4-FFF2-40B4-BE49-F238E27FC236}"/>
+            </a:extLst>
+          </p:cNvPr>
+          <p:cNvSpPr txBox="1"/>
+          <p:nvPr/>
+        </p:nvSpPr>
+        <p:spPr>
+          <a:xfrm>
+            <a:off x="288925" y="1498600"/>
+            <a:ext cx="792163" cy="307975"/>
+          </a:xfrm>
+          <a:prstGeom prst="rect">
+            <a:avLst/>
+          </a:prstGeom>
+          <a:solidFill>
+            <a:srgbClr val="66FF99"/>
+          </a:solidFill>
+          <a:ln>
+            <a:noFill/>
+          </a:ln>
+        </p:spPr>
+        <p:style>
+          <a:lnRef idx="1">
+            <a:schemeClr val="accent3"/>
+          </a:lnRef>
+          <a:fillRef idx="3">
+            <a:schemeClr val="accent3"/>
+          </a:fillRef>
+          <a:effectRef idx="2">
+            <a:schemeClr val="accent3"/>
+          </a:effectRef>
+          <a:fontRef idx="minor">
+            <a:schemeClr val="lt1"/>
+          </a:fontRef>
+        </p:style>
+        <p:txBody>
+          <a:bodyPr>
+            <a:spAutoFit/>
+          </a:bodyPr>
+          <a:lstStyle/>
+          <a:p>
+            <a:pPr algn="ctr" eaLnBrk="0" hangingPunct="0">
+              <a:defRPr/>
+            </a:pPr>
+            <a:r>
+              <a:rPr lang="en-US" altLang="zh-TW" b="1" dirty="0" smtClean="0">
+                <a:solidFill>
+                  <a:sysClr val="windowText" lastClr="000000"/>
+                </a:solidFill>
+              </a:rPr>
+              <a:t>OK</a:t>
+            </a:r>
+            <a:endParaRPr lang="zh-TW" altLang="en-US" b="1" dirty="0">
+              <a:solidFill>
+                <a:sysClr val="windowText" lastClr="000000"/>
+              </a:solidFill>
+            </a:endParaRPr>
+          </a:p>
+        </p:txBody>
+      </p:sp>
+      <p:cxnSp>
+        <p:nvCxnSpPr>
+          <p:cNvPr id="9" name="直線接點 8">
+            <a:extLst>
+              <a:ext uri="{FF2B5EF4-FFF2-40B4-BE49-F238E27FC236}"/>
+            </a:extLst>
+          </p:cNvPr>
+          <p:cNvCxnSpPr>
+            <a:cxnSpLocks/>
+          </p:cNvCxnSpPr>
+          <p:nvPr/>
+        </p:nvCxnSpPr>
+        <p:spPr>
+          <a:xfrm>
+            <a:off x="4013615" y="1519500"/>
+            <a:ext cx="0" cy="3419475"/>
+          </a:xfrm>
+          <a:prstGeom prst="line">
+            <a:avLst/>
+          </a:prstGeom>
+          <a:ln w="28575"/>
+        </p:spPr>
+        <p:style>
+          <a:lnRef idx="1">
+            <a:schemeClr val="accent1"/>
+          </a:lnRef>
+          <a:fillRef idx="0">
+            <a:schemeClr val="accent1"/>
+          </a:fillRef>
+          <a:effectRef idx="0">
+            <a:schemeClr val="accent1"/>
+          </a:effectRef>
+          <a:fontRef idx="minor">
+            <a:schemeClr val="tx1"/>
+          </a:fontRef>
+        </p:style>
+      </p:cxnSp>
+      <p:sp>
+        <p:nvSpPr>
+          <p:cNvPr id="10" name="文字方塊 9">
+            <a:extLst>
+              <a:ext uri="{FF2B5EF4-FFF2-40B4-BE49-F238E27FC236}"/>
+            </a:extLst>
+          </p:cNvPr>
+          <p:cNvSpPr txBox="1"/>
+          <p:nvPr/>
+        </p:nvSpPr>
+        <p:spPr>
+          <a:xfrm>
+            <a:off x="4367155" y="1519500"/>
+            <a:ext cx="1074738" cy="307975"/>
+          </a:xfrm>
+          <a:prstGeom prst="rect">
+            <a:avLst/>
+          </a:prstGeom>
+          <a:solidFill>
+            <a:srgbClr val="FF0000"/>
+          </a:solidFill>
+          <a:ln>
+            <a:noFill/>
+          </a:ln>
+        </p:spPr>
+        <p:style>
+          <a:lnRef idx="1">
+            <a:schemeClr val="accent3"/>
+          </a:lnRef>
+          <a:fillRef idx="3">
+            <a:schemeClr val="accent3"/>
+          </a:fillRef>
+          <a:effectRef idx="2">
+            <a:schemeClr val="accent3"/>
+          </a:effectRef>
+          <a:fontRef idx="minor">
+            <a:schemeClr val="lt1"/>
+          </a:fontRef>
+        </p:style>
+        <p:txBody>
+          <a:bodyPr>
+            <a:spAutoFit/>
+          </a:bodyPr>
+          <a:lstStyle/>
+          <a:p>
+            <a:pPr algn="ctr" eaLnBrk="0" hangingPunct="0">
+              <a:defRPr/>
+            </a:pPr>
+            <a:r>
+              <a:rPr lang="en-US" altLang="zh-TW" b="1" dirty="0" smtClean="0">
+                <a:solidFill>
+                  <a:sysClr val="windowText" lastClr="000000"/>
+                </a:solidFill>
+              </a:rPr>
+              <a:t>NG</a:t>
+            </a:r>
+            <a:endParaRPr lang="zh-TW" altLang="en-US" b="1" dirty="0">
+              <a:solidFill>
+                <a:sysClr val="windowText" lastClr="000000"/>
+              </a:solidFill>
+            </a:endParaRPr>
+          </a:p>
+        </p:txBody>
+      </p:sp>
+      <p:sp>
+        <p:nvSpPr>
+          <p:cNvPr id="11" name="文字方塊 10">
+            <a:extLst>
+              <a:ext uri="{FF2B5EF4-FFF2-40B4-BE49-F238E27FC236}"/>
+            </a:extLst>
+          </p:cNvPr>
+          <p:cNvSpPr txBox="1"/>
+          <p:nvPr/>
+        </p:nvSpPr>
+        <p:spPr>
+          <a:xfrm>
+            <a:off x="290513" y="936625"/>
+            <a:ext cx="7661275" cy="307975"/>
+          </a:xfrm>
+          <a:prstGeom prst="rect">
+            <a:avLst/>
+          </a:prstGeom>
+          <a:noFill/>
+        </p:spPr>
+        <p:txBody>
+          <a:bodyPr>
+            <a:spAutoFit/>
+          </a:bodyPr>
+          <a:lstStyle/>
+          <a:p>
+            <a:pPr eaLnBrk="0" hangingPunct="0">
+              <a:buFont typeface="Arial" pitchFamily="34" charset="0"/>
+              <a:buChar char="•"/>
+              <a:defRPr/>
+            </a:pPr>
+            <a:r>
+              <a:rPr lang="en-US" altLang="zh-TW" dirty="0">
+                <a:solidFill>
+                  <a:srgbClr val="0000FF"/>
+                </a:solidFill>
+                <a:latin typeface="微軟正黑體" panose="020B0604030504040204" pitchFamily="34" charset="-120"/>
+              </a:rPr>
+              <a:t> </a:t>
+            </a:r>
+            <a:r>
+              <a:rPr lang="zh-TW" altLang="en-US" dirty="0">
+                <a:solidFill>
+                  <a:srgbClr val="0000FF"/>
+                </a:solidFill>
+                <a:latin typeface="微軟正黑體" panose="020B0604030504040204" pitchFamily="34" charset="-120"/>
+              </a:rPr>
+              <a:t>分類方式</a:t>
+            </a:r>
+            <a:r>
+              <a:rPr lang="en-US" altLang="zh-TW" dirty="0">
+                <a:solidFill>
+                  <a:srgbClr val="0000FF"/>
+                </a:solidFill>
+                <a:latin typeface="微軟正黑體" panose="020B0604030504040204" pitchFamily="34" charset="-120"/>
+              </a:rPr>
+              <a:t> : </a:t>
+            </a:r>
+            <a:r>
+              <a:rPr lang="en-US" altLang="zh-TW" dirty="0" smtClean="0">
+                <a:solidFill>
+                  <a:srgbClr val="0000FF"/>
+                </a:solidFill>
+                <a:latin typeface="微軟正黑體" panose="020B0604030504040204" pitchFamily="34" charset="-120"/>
+              </a:rPr>
+              <a:t>OK</a:t>
+            </a:r>
+            <a:r>
+              <a:rPr lang="zh-TW" altLang="en-US" dirty="0" smtClean="0">
+                <a:solidFill>
+                  <a:srgbClr val="0000FF"/>
+                </a:solidFill>
+                <a:latin typeface="微軟正黑體" panose="020B0604030504040204" pitchFamily="34" charset="-120"/>
+              </a:rPr>
+              <a:t> </a:t>
+            </a:r>
+            <a:r>
+              <a:rPr lang="en-US" altLang="zh-TW" dirty="0" smtClean="0">
+                <a:solidFill>
+                  <a:srgbClr val="0000FF"/>
+                </a:solidFill>
+                <a:latin typeface="微軟正黑體" panose="020B0604030504040204" pitchFamily="34" charset="-120"/>
+              </a:rPr>
+              <a:t>&amp; NG</a:t>
+            </a:r>
+            <a:r>
+              <a:rPr lang="zh-TW" altLang="en-US" dirty="0" smtClean="0">
+                <a:solidFill>
+                  <a:srgbClr val="0000FF"/>
+                </a:solidFill>
+                <a:latin typeface="微軟正黑體" panose="020B0604030504040204" pitchFamily="34" charset="-120"/>
+              </a:rPr>
+              <a:t> </a:t>
+            </a:r>
+            <a:r>
+              <a:rPr lang="en-US" altLang="zh-TW" dirty="0" smtClean="0">
+                <a:solidFill>
+                  <a:schemeClr val="bg1">
+                    <a:lumMod val="50000"/>
+                  </a:schemeClr>
+                </a:solidFill>
+                <a:latin typeface="微軟正黑體" panose="020B0604030504040204" pitchFamily="34" charset="-120"/>
+              </a:rPr>
+              <a:t>(OK</a:t>
+            </a:r>
+            <a:r>
+              <a:rPr lang="zh-TW" altLang="en-US" dirty="0" smtClean="0">
+                <a:solidFill>
+                  <a:schemeClr val="bg1">
+                    <a:lumMod val="50000"/>
+                  </a:schemeClr>
+                </a:solidFill>
+                <a:latin typeface="微軟正黑體" panose="020B0604030504040204" pitchFamily="34" charset="-120"/>
+              </a:rPr>
+              <a:t> </a:t>
+            </a:r>
+            <a:r>
+              <a:rPr lang="en-US" altLang="zh-TW" dirty="0" smtClean="0">
+                <a:solidFill>
+                  <a:schemeClr val="bg1">
+                    <a:lumMod val="50000"/>
+                  </a:schemeClr>
+                </a:solidFill>
+                <a:latin typeface="微軟正黑體" panose="020B0604030504040204" pitchFamily="34" charset="-120"/>
+              </a:rPr>
+              <a:t>:311</a:t>
+            </a:r>
+            <a:r>
+              <a:rPr lang="en-US" altLang="zh-TW" dirty="0">
+                <a:solidFill>
+                  <a:schemeClr val="bg1">
+                    <a:lumMod val="50000"/>
+                  </a:schemeClr>
+                </a:solidFill>
+                <a:latin typeface="微軟正黑體" panose="020B0604030504040204" pitchFamily="34" charset="-120"/>
+              </a:rPr>
+              <a:t>, </a:t>
+            </a:r>
+            <a:r>
+              <a:rPr lang="en-US" altLang="zh-TW" dirty="0" smtClean="0">
+                <a:solidFill>
+                  <a:schemeClr val="bg1">
+                    <a:lumMod val="50000"/>
+                  </a:schemeClr>
+                </a:solidFill>
+                <a:latin typeface="微軟正黑體" panose="020B0604030504040204" pitchFamily="34" charset="-120"/>
+              </a:rPr>
+              <a:t>NG</a:t>
+            </a:r>
+            <a:r>
+              <a:rPr lang="zh-TW" altLang="en-US" dirty="0" smtClean="0">
+                <a:solidFill>
+                  <a:schemeClr val="bg1">
+                    <a:lumMod val="50000"/>
+                  </a:schemeClr>
+                </a:solidFill>
+                <a:latin typeface="微軟正黑體" panose="020B0604030504040204" pitchFamily="34" charset="-120"/>
+              </a:rPr>
+              <a:t> </a:t>
+            </a:r>
+            <a:r>
+              <a:rPr lang="en-US" altLang="zh-TW" dirty="0" smtClean="0">
+                <a:solidFill>
+                  <a:schemeClr val="bg1">
+                    <a:lumMod val="50000"/>
+                  </a:schemeClr>
+                </a:solidFill>
+                <a:latin typeface="微軟正黑體" panose="020B0604030504040204" pitchFamily="34" charset="-120"/>
+              </a:rPr>
+              <a:t>: </a:t>
+            </a:r>
+            <a:r>
+              <a:rPr lang="en-US" altLang="zh-TW" dirty="0">
+                <a:solidFill>
+                  <a:schemeClr val="bg1">
+                    <a:lumMod val="50000"/>
+                  </a:schemeClr>
+                </a:solidFill>
+                <a:latin typeface="微軟正黑體" panose="020B0604030504040204" pitchFamily="34" charset="-120"/>
+              </a:rPr>
+              <a:t>241)</a:t>
+            </a:r>
+            <a:r>
+              <a:rPr lang="en-US" altLang="zh-TW" dirty="0">
+                <a:solidFill>
+                  <a:srgbClr val="0000FF"/>
+                </a:solidFill>
+                <a:latin typeface="微軟正黑體" panose="020B0604030504040204" pitchFamily="34" charset="-120"/>
+              </a:rPr>
+              <a:t> </a:t>
+            </a:r>
+          </a:p>
+        </p:txBody>
+      </p:sp>
+      <p:grpSp>
+        <p:nvGrpSpPr>
+          <p:cNvPr id="13" name="群組 45"/>
+          <p:cNvGrpSpPr/>
+          <p:nvPr/>
+        </p:nvGrpSpPr>
+        <p:grpSpPr>
+          <a:xfrm>
+            <a:off x="288924" y="2252586"/>
+            <a:ext cx="3472985" cy="2206049"/>
+            <a:chOff x="0" y="2420888"/>
+            <a:chExt cx="2952538" cy="1898801"/>
+          </a:xfrm>
+        </p:grpSpPr>
+        <p:pic>
+          <p:nvPicPr>
+            <p:cNvPr id="14" name="Picture 2"/>
+            <p:cNvPicPr>
+              <a:picLocks noChangeAspect="1" noChangeArrowheads="1"/>
+            </p:cNvPicPr>
+            <p:nvPr/>
+          </p:nvPicPr>
+          <p:blipFill>
+            <a:blip r:embed="rId2" cstate="print"/>
+            <a:srcRect/>
+            <a:stretch>
+              <a:fillRect/>
+            </a:stretch>
+          </p:blipFill>
+          <p:spPr bwMode="auto">
+            <a:xfrm>
+              <a:off x="0" y="2420888"/>
+              <a:ext cx="712570" cy="937391"/>
+            </a:xfrm>
+            <a:prstGeom prst="rect">
+              <a:avLst/>
+            </a:prstGeom>
+            <a:noFill/>
+            <a:ln w="9525">
+              <a:noFill/>
+              <a:miter lim="800000"/>
+              <a:headEnd/>
+              <a:tailEnd/>
+            </a:ln>
+            <a:effectLst/>
+          </p:spPr>
+        </p:pic>
+        <p:pic>
+          <p:nvPicPr>
+            <p:cNvPr id="15" name="Picture 3"/>
+            <p:cNvPicPr>
+              <a:picLocks noChangeAspect="1" noChangeArrowheads="1"/>
+            </p:cNvPicPr>
+            <p:nvPr/>
+          </p:nvPicPr>
+          <p:blipFill>
+            <a:blip r:embed="rId3" cstate="print"/>
+            <a:srcRect/>
+            <a:stretch>
+              <a:fillRect/>
+            </a:stretch>
+          </p:blipFill>
+          <p:spPr bwMode="auto">
+            <a:xfrm>
+              <a:off x="751259" y="2420889"/>
+              <a:ext cx="701138" cy="922149"/>
+            </a:xfrm>
+            <a:prstGeom prst="rect">
+              <a:avLst/>
+            </a:prstGeom>
+            <a:noFill/>
+            <a:ln w="9525">
+              <a:noFill/>
+              <a:miter lim="800000"/>
+              <a:headEnd/>
+              <a:tailEnd/>
+            </a:ln>
+            <a:effectLst/>
+          </p:spPr>
+        </p:pic>
+        <p:pic>
+          <p:nvPicPr>
+            <p:cNvPr id="16" name="Picture 4"/>
+            <p:cNvPicPr>
+              <a:picLocks noChangeAspect="1" noChangeArrowheads="1"/>
+            </p:cNvPicPr>
+            <p:nvPr/>
+          </p:nvPicPr>
+          <p:blipFill>
+            <a:blip r:embed="rId4" cstate="print"/>
+            <a:srcRect/>
+            <a:stretch>
+              <a:fillRect/>
+            </a:stretch>
+          </p:blipFill>
+          <p:spPr bwMode="auto">
+            <a:xfrm>
+              <a:off x="1494964" y="3375505"/>
+              <a:ext cx="712570" cy="933580"/>
+            </a:xfrm>
+            <a:prstGeom prst="rect">
+              <a:avLst/>
+            </a:prstGeom>
+            <a:noFill/>
+            <a:ln w="9525">
+              <a:noFill/>
+              <a:miter lim="800000"/>
+              <a:headEnd/>
+              <a:tailEnd/>
+            </a:ln>
+            <a:effectLst/>
+          </p:spPr>
+        </p:pic>
+        <p:pic>
+          <p:nvPicPr>
+            <p:cNvPr id="17" name="Picture 5"/>
+            <p:cNvPicPr>
+              <a:picLocks noChangeAspect="1" noChangeArrowheads="1"/>
+            </p:cNvPicPr>
+            <p:nvPr/>
+          </p:nvPicPr>
+          <p:blipFill>
+            <a:blip r:embed="rId5" cstate="print"/>
+            <a:srcRect/>
+            <a:stretch>
+              <a:fillRect/>
+            </a:stretch>
+          </p:blipFill>
+          <p:spPr bwMode="auto">
+            <a:xfrm>
+              <a:off x="2226856" y="2420888"/>
+              <a:ext cx="712570" cy="929770"/>
+            </a:xfrm>
+            <a:prstGeom prst="rect">
+              <a:avLst/>
+            </a:prstGeom>
+            <a:noFill/>
+            <a:ln w="9525">
+              <a:noFill/>
+              <a:miter lim="800000"/>
+              <a:headEnd/>
+              <a:tailEnd/>
+            </a:ln>
+            <a:effectLst/>
+          </p:spPr>
+        </p:pic>
+        <p:pic>
+          <p:nvPicPr>
+            <p:cNvPr id="18" name="Picture 6"/>
+            <p:cNvPicPr>
+              <a:picLocks noChangeAspect="1" noChangeArrowheads="1"/>
+            </p:cNvPicPr>
+            <p:nvPr/>
+          </p:nvPicPr>
+          <p:blipFill>
+            <a:blip r:embed="rId6" cstate="print"/>
+            <a:srcRect/>
+            <a:stretch>
+              <a:fillRect/>
+            </a:stretch>
+          </p:blipFill>
+          <p:spPr bwMode="auto">
+            <a:xfrm>
+              <a:off x="0" y="3386523"/>
+              <a:ext cx="704948" cy="922149"/>
+            </a:xfrm>
+            <a:prstGeom prst="rect">
+              <a:avLst/>
+            </a:prstGeom>
+            <a:noFill/>
+            <a:ln w="9525">
+              <a:noFill/>
+              <a:miter lim="800000"/>
+              <a:headEnd/>
+              <a:tailEnd/>
+            </a:ln>
+            <a:effectLst/>
+          </p:spPr>
+        </p:pic>
+        <p:pic>
+          <p:nvPicPr>
+            <p:cNvPr id="19" name="Picture 7"/>
+            <p:cNvPicPr>
+              <a:picLocks noChangeAspect="1" noChangeArrowheads="1"/>
+            </p:cNvPicPr>
+            <p:nvPr/>
+          </p:nvPicPr>
+          <p:blipFill>
+            <a:blip r:embed="rId7" cstate="print"/>
+            <a:srcRect/>
+            <a:stretch>
+              <a:fillRect/>
+            </a:stretch>
+          </p:blipFill>
+          <p:spPr bwMode="auto">
+            <a:xfrm>
+              <a:off x="1489057" y="2420888"/>
+              <a:ext cx="701138" cy="918338"/>
+            </a:xfrm>
+            <a:prstGeom prst="rect">
+              <a:avLst/>
+            </a:prstGeom>
+            <a:noFill/>
+            <a:ln w="9525">
+              <a:noFill/>
+              <a:miter lim="800000"/>
+              <a:headEnd/>
+              <a:tailEnd/>
+            </a:ln>
+            <a:effectLst/>
+          </p:spPr>
+        </p:pic>
+        <p:pic>
+          <p:nvPicPr>
+            <p:cNvPr id="20" name="Picture 8"/>
+            <p:cNvPicPr>
+              <a:picLocks noChangeAspect="1" noChangeArrowheads="1"/>
+            </p:cNvPicPr>
+            <p:nvPr/>
+          </p:nvPicPr>
+          <p:blipFill>
+            <a:blip r:embed="rId8" cstate="print"/>
+            <a:srcRect/>
+            <a:stretch>
+              <a:fillRect/>
+            </a:stretch>
+          </p:blipFill>
+          <p:spPr bwMode="auto">
+            <a:xfrm>
+              <a:off x="2243779" y="3397540"/>
+              <a:ext cx="708759" cy="922149"/>
+            </a:xfrm>
+            <a:prstGeom prst="rect">
+              <a:avLst/>
+            </a:prstGeom>
+            <a:noFill/>
+            <a:ln w="9525">
+              <a:noFill/>
+              <a:miter lim="800000"/>
+              <a:headEnd/>
+              <a:tailEnd/>
+            </a:ln>
+            <a:effectLst/>
+          </p:spPr>
+        </p:pic>
+        <p:pic>
+          <p:nvPicPr>
+            <p:cNvPr id="21" name="Picture 9"/>
+            <p:cNvPicPr>
+              <a:picLocks noChangeAspect="1" noChangeArrowheads="1"/>
+            </p:cNvPicPr>
+            <p:nvPr/>
+          </p:nvPicPr>
+          <p:blipFill>
+            <a:blip r:embed="rId9" cstate="print"/>
+            <a:srcRect/>
+            <a:stretch>
+              <a:fillRect/>
+            </a:stretch>
+          </p:blipFill>
+          <p:spPr bwMode="auto">
+            <a:xfrm>
+              <a:off x="751259" y="3386522"/>
+              <a:ext cx="701138" cy="914528"/>
+            </a:xfrm>
+            <a:prstGeom prst="rect">
+              <a:avLst/>
+            </a:prstGeom>
+            <a:noFill/>
+            <a:ln w="9525">
+              <a:noFill/>
+              <a:miter lim="800000"/>
+              <a:headEnd/>
+              <a:tailEnd/>
+            </a:ln>
+            <a:effectLst/>
+          </p:spPr>
+        </p:pic>
+      </p:grpSp>
+      <p:grpSp>
+        <p:nvGrpSpPr>
+          <p:cNvPr id="23" name="群組 44"/>
+          <p:cNvGrpSpPr/>
+          <p:nvPr/>
+        </p:nvGrpSpPr>
+        <p:grpSpPr>
+          <a:xfrm>
+            <a:off x="4386400" y="2252586"/>
+            <a:ext cx="4011025" cy="2209007"/>
+            <a:chOff x="0" y="4588794"/>
+            <a:chExt cx="2963391" cy="1874046"/>
+          </a:xfrm>
+        </p:grpSpPr>
+        <p:pic>
+          <p:nvPicPr>
+            <p:cNvPr id="24" name="Picture 10"/>
+            <p:cNvPicPr>
+              <a:picLocks noChangeAspect="1" noChangeArrowheads="1"/>
+            </p:cNvPicPr>
+            <p:nvPr/>
+          </p:nvPicPr>
+          <p:blipFill>
+            <a:blip r:embed="rId10" cstate="print"/>
+            <a:srcRect/>
+            <a:stretch>
+              <a:fillRect/>
+            </a:stretch>
+          </p:blipFill>
+          <p:spPr bwMode="auto">
+            <a:xfrm>
+              <a:off x="745354" y="4588794"/>
+              <a:ext cx="704948" cy="918338"/>
+            </a:xfrm>
+            <a:prstGeom prst="rect">
+              <a:avLst/>
+            </a:prstGeom>
+            <a:noFill/>
+            <a:ln w="9525">
+              <a:noFill/>
+              <a:miter lim="800000"/>
+              <a:headEnd/>
+              <a:tailEnd/>
+            </a:ln>
+            <a:effectLst/>
+          </p:spPr>
+        </p:pic>
+        <p:pic>
+          <p:nvPicPr>
+            <p:cNvPr id="25" name="Picture 12"/>
+            <p:cNvPicPr>
+              <a:picLocks noChangeAspect="1" noChangeArrowheads="1"/>
+            </p:cNvPicPr>
+            <p:nvPr/>
+          </p:nvPicPr>
+          <p:blipFill>
+            <a:blip r:embed="rId11" cstate="print"/>
+            <a:srcRect/>
+            <a:stretch>
+              <a:fillRect/>
+            </a:stretch>
+          </p:blipFill>
+          <p:spPr bwMode="auto">
+            <a:xfrm>
+              <a:off x="1" y="5547728"/>
+              <a:ext cx="693517" cy="906907"/>
+            </a:xfrm>
+            <a:prstGeom prst="rect">
+              <a:avLst/>
+            </a:prstGeom>
+            <a:noFill/>
+            <a:ln w="9525">
+              <a:noFill/>
+              <a:miter lim="800000"/>
+              <a:headEnd/>
+              <a:tailEnd/>
+            </a:ln>
+            <a:effectLst/>
+          </p:spPr>
+        </p:pic>
+        <p:pic>
+          <p:nvPicPr>
+            <p:cNvPr id="26" name="Picture 13"/>
+            <p:cNvPicPr>
+              <a:picLocks noChangeAspect="1" noChangeArrowheads="1"/>
+            </p:cNvPicPr>
+            <p:nvPr/>
+          </p:nvPicPr>
+          <p:blipFill>
+            <a:blip r:embed="rId12" cstate="print"/>
+            <a:srcRect/>
+            <a:stretch>
+              <a:fillRect/>
+            </a:stretch>
+          </p:blipFill>
+          <p:spPr bwMode="auto">
+            <a:xfrm>
+              <a:off x="0" y="4588794"/>
+              <a:ext cx="701138" cy="910717"/>
+            </a:xfrm>
+            <a:prstGeom prst="rect">
+              <a:avLst/>
+            </a:prstGeom>
+            <a:noFill/>
+            <a:ln w="9525">
+              <a:noFill/>
+              <a:miter lim="800000"/>
+              <a:headEnd/>
+              <a:tailEnd/>
+            </a:ln>
+            <a:effectLst/>
+          </p:spPr>
+        </p:pic>
+        <p:pic>
+          <p:nvPicPr>
+            <p:cNvPr id="27" name="Picture 14"/>
+            <p:cNvPicPr>
+              <a:picLocks noChangeAspect="1" noChangeArrowheads="1"/>
+            </p:cNvPicPr>
+            <p:nvPr/>
+          </p:nvPicPr>
+          <p:blipFill>
+            <a:blip r:embed="rId13" cstate="print"/>
+            <a:srcRect/>
+            <a:stretch>
+              <a:fillRect/>
+            </a:stretch>
+          </p:blipFill>
+          <p:spPr bwMode="auto">
+            <a:xfrm>
+              <a:off x="749670" y="5553423"/>
+              <a:ext cx="685896" cy="906907"/>
+            </a:xfrm>
+            <a:prstGeom prst="rect">
+              <a:avLst/>
+            </a:prstGeom>
+            <a:noFill/>
+            <a:ln w="9525">
+              <a:noFill/>
+              <a:miter lim="800000"/>
+              <a:headEnd/>
+              <a:tailEnd/>
+            </a:ln>
+            <a:effectLst/>
+          </p:spPr>
+        </p:pic>
+        <p:pic>
+          <p:nvPicPr>
+            <p:cNvPr id="28" name="Picture 15"/>
+            <p:cNvPicPr>
+              <a:picLocks noChangeAspect="1" noChangeArrowheads="1"/>
+            </p:cNvPicPr>
+            <p:nvPr/>
+          </p:nvPicPr>
+          <p:blipFill>
+            <a:blip r:embed="rId14" cstate="print"/>
+            <a:srcRect/>
+            <a:stretch>
+              <a:fillRect/>
+            </a:stretch>
+          </p:blipFill>
+          <p:spPr bwMode="auto">
+            <a:xfrm>
+              <a:off x="2250821" y="4589379"/>
+              <a:ext cx="712570" cy="910717"/>
+            </a:xfrm>
+            <a:prstGeom prst="rect">
+              <a:avLst/>
+            </a:prstGeom>
+            <a:noFill/>
+            <a:ln w="9525">
+              <a:noFill/>
+              <a:miter lim="800000"/>
+              <a:headEnd/>
+              <a:tailEnd/>
+            </a:ln>
+            <a:effectLst/>
+          </p:spPr>
+        </p:pic>
+        <p:pic>
+          <p:nvPicPr>
+            <p:cNvPr id="29" name="Picture 16"/>
+            <p:cNvPicPr>
+              <a:picLocks noChangeAspect="1" noChangeArrowheads="1"/>
+            </p:cNvPicPr>
+            <p:nvPr/>
+          </p:nvPicPr>
+          <p:blipFill>
+            <a:blip r:embed="rId15" cstate="print"/>
+            <a:srcRect/>
+            <a:stretch>
+              <a:fillRect/>
+            </a:stretch>
+          </p:blipFill>
+          <p:spPr bwMode="auto">
+            <a:xfrm>
+              <a:off x="1508707" y="4589379"/>
+              <a:ext cx="708759" cy="918338"/>
+            </a:xfrm>
+            <a:prstGeom prst="rect">
+              <a:avLst/>
+            </a:prstGeom>
+            <a:noFill/>
+            <a:ln w="9525">
+              <a:noFill/>
+              <a:miter lim="800000"/>
+              <a:headEnd/>
+              <a:tailEnd/>
+            </a:ln>
+            <a:effectLst/>
+          </p:spPr>
+        </p:pic>
+        <p:pic>
+          <p:nvPicPr>
+            <p:cNvPr id="32" name="Picture 17"/>
+            <p:cNvPicPr>
+              <a:picLocks noChangeAspect="1" noChangeArrowheads="1"/>
+            </p:cNvPicPr>
+            <p:nvPr/>
+          </p:nvPicPr>
+          <p:blipFill>
+            <a:blip r:embed="rId16" cstate="print"/>
+            <a:srcRect/>
+            <a:stretch>
+              <a:fillRect/>
+            </a:stretch>
+          </p:blipFill>
+          <p:spPr bwMode="auto">
+            <a:xfrm>
+              <a:off x="1486673" y="5548312"/>
+              <a:ext cx="697327" cy="914528"/>
+            </a:xfrm>
+            <a:prstGeom prst="rect">
+              <a:avLst/>
+            </a:prstGeom>
+            <a:noFill/>
+            <a:ln w="9525">
+              <a:noFill/>
+              <a:miter lim="800000"/>
+              <a:headEnd/>
+              <a:tailEnd/>
+            </a:ln>
+            <a:effectLst/>
+          </p:spPr>
+        </p:pic>
+        <p:pic>
+          <p:nvPicPr>
+            <p:cNvPr id="33" name="Picture 18"/>
+            <p:cNvPicPr>
+              <a:picLocks noChangeAspect="1" noChangeArrowheads="1"/>
+            </p:cNvPicPr>
+            <p:nvPr/>
+          </p:nvPicPr>
+          <p:blipFill>
+            <a:blip r:embed="rId17" cstate="print"/>
+            <a:srcRect/>
+            <a:stretch>
+              <a:fillRect/>
+            </a:stretch>
+          </p:blipFill>
+          <p:spPr bwMode="auto">
+            <a:xfrm>
+              <a:off x="2245710" y="5547517"/>
+              <a:ext cx="685896" cy="914528"/>
+            </a:xfrm>
+            <a:prstGeom prst="rect">
+              <a:avLst/>
+            </a:prstGeom>
+            <a:noFill/>
+            <a:ln w="9525">
+              <a:noFill/>
+              <a:miter lim="800000"/>
+              <a:headEnd/>
+              <a:tailEnd/>
+            </a:ln>
+            <a:effectLst/>
+          </p:spPr>
+        </p:pic>
+      </p:grpSp>
+    </p:spTree>
+    <p:extLst>
+      <p:ext uri="{BB962C8B-B14F-4D97-AF65-F5344CB8AC3E}">
+        <p14:creationId xmlns:p14="http://schemas.microsoft.com/office/powerpoint/2010/main" val="396959778"/>
+      </p:ext>
+    </p:extLst>
+  </p:cSld>
+  <p:clrMapOvr>
+    <a:masterClrMapping/>
+  </p:clrMapOvr>
   <p:timing>
     <p:tnLst>
       <p:par>
@@ -7483,8 +12806,8 @@
         </p:nvSpPr>
         <p:spPr>
           <a:xfrm>
-            <a:off x="4149769" y="4209959"/>
-            <a:ext cx="4707026" cy="646331"/>
+            <a:off x="4159215" y="4246142"/>
+            <a:ext cx="4707026" cy="369332"/>
           </a:xfrm>
           <a:prstGeom prst="rect">
             <a:avLst/>
@@ -7535,53 +12858,6 @@
             <a:r>
               <a:rPr lang="zh-TW" altLang="zh-TW" sz="1800" dirty="0" smtClean="0"/>
               <a:t>天</a:t>
-            </a:r>
-            <a:endParaRPr lang="en-US" altLang="zh-TW" sz="1800" dirty="0" smtClean="0"/>
-          </a:p>
-          <a:p>
-            <a:pPr marL="457200" indent="-457200">
-              <a:buFont typeface="Wingdings" panose="05000000000000000000" pitchFamily="2" charset="2"/>
-              <a:buChar char="Ø"/>
-            </a:pPr>
-            <a:r>
-              <a:rPr lang="zh-TW" altLang="zh-TW" sz="1800" dirty="0" smtClean="0"/>
-              <a:t>異</a:t>
-            </a:r>
-            <a:r>
-              <a:rPr lang="zh-TW" altLang="zh-TW" sz="1800" dirty="0"/>
-              <a:t>常釐清時間</a:t>
-            </a:r>
-            <a:r>
-              <a:rPr lang="en-US" altLang="zh-TW" sz="1800" dirty="0" smtClean="0"/>
-              <a:t>~</a:t>
-            </a:r>
-            <a:r>
-              <a:rPr lang="en-US" altLang="zh-TW" sz="1800" dirty="0" smtClean="0">
-                <a:solidFill>
-                  <a:srgbClr val="FF0000"/>
-                </a:solidFill>
-              </a:rPr>
-              <a:t>???</a:t>
-            </a:r>
-            <a:r>
-              <a:rPr lang="en-US" altLang="zh-TW" sz="1800" dirty="0" smtClean="0"/>
-              <a:t> </a:t>
-            </a:r>
-            <a:r>
-              <a:rPr lang="en-US" altLang="zh-TW" sz="1800" dirty="0" err="1"/>
-              <a:t>hr</a:t>
-            </a:r>
-            <a:r>
-              <a:rPr lang="en-US" altLang="zh-TW" sz="1800" dirty="0"/>
-              <a:t> / </a:t>
-            </a:r>
-            <a:r>
-              <a:rPr lang="zh-TW" altLang="zh-TW" sz="1800" dirty="0"/>
-              <a:t>次</a:t>
-            </a:r>
-            <a:r>
-              <a:rPr lang="zh-TW" altLang="zh-TW" sz="1800" dirty="0" smtClean="0"/>
-              <a:t>。</a:t>
             </a:r>
             <a:endParaRPr lang="en-US" altLang="zh-TW" sz="1800" dirty="0"/>
           </a:p>
@@ -7610,7 +12886,7 @@
         </p:blipFill>
         <p:spPr bwMode="auto">
           <a:xfrm>
-            <a:off x="3845727" y="4182867"/>
+            <a:off x="3966990" y="4098924"/>
             <a:ext cx="663768" cy="663769"/>
           </a:xfrm>
           <a:prstGeom prst="rect">
@@ -8132,12 +13408,6 @@
               </a:rPr>
               <a:t>讀</a:t>
             </a:r>
-            <a:endParaRPr kumimoji="0" lang="zh-TW" altLang="en-US" kern="0" dirty="0">
-              <a:solidFill>
-                <a:srgbClr val="000000"/>
-              </a:solidFill>
-              <a:latin typeface="Arial"/>
-            </a:endParaRPr>
           </a:p>
         </p:txBody>
       </p:sp>
@@ -8622,12 +13892,6 @@
               </a:rPr>
               <a:t>電腦判讀</a:t>
             </a:r>
-            <a:endParaRPr kumimoji="0" lang="zh-TW" altLang="en-US" kern="0" dirty="0">
-              <a:solidFill>
-                <a:srgbClr val="000000"/>
-              </a:solidFill>
-              <a:latin typeface="Arial"/>
-            </a:endParaRPr>
           </a:p>
         </p:txBody>
       </p:sp>
@@ -9718,7 +14982,7 @@
         </p:nvSpPr>
         <p:spPr>
           <a:xfrm>
-            <a:off x="448684" y="4328493"/>
+            <a:off x="466088" y="4350173"/>
             <a:ext cx="1800000" cy="307975"/>
           </a:xfrm>
           <a:prstGeom prst="rect">
@@ -9810,9 +15074,9 @@
           <p:nvPr/>
         </p:nvCxnSpPr>
         <p:spPr>
-          <a:xfrm flipH="1">
-            <a:off x="1348684" y="4058367"/>
-            <a:ext cx="113" cy="270126"/>
+          <a:xfrm>
+            <a:off x="1348797" y="4058367"/>
+            <a:ext cx="17291" cy="291806"/>
           </a:xfrm>
           <a:prstGeom prst="straightConnector1">
             <a:avLst/>
@@ -10436,72 +15700,14 @@
                 <a:latin typeface="微軟正黑體" panose="020B0604030504040204" pitchFamily="34" charset="-120"/>
                 <a:ea typeface="微軟正黑體" panose="020B0604030504040204" pitchFamily="34" charset="-120"/>
               </a:rPr>
-              <a:t>天；</a:t>
-            </a:r>
-            <a:endParaRPr lang="en-US" altLang="zh-TW" sz="2000" dirty="0" smtClean="0">
-              <a:latin typeface="微軟正黑體" panose="020B0604030504040204" pitchFamily="34" charset="-120"/>
-              <a:ea typeface="微軟正黑體" panose="020B0604030504040204" pitchFamily="34" charset="-120"/>
-            </a:endParaRPr>
-          </a:p>
-          <a:p>
-            <a:pPr marL="0" indent="0">
-              <a:buNone/>
-            </a:pPr>
-            <a:r>
-              <a:rPr lang="zh-TW" altLang="en-US" sz="2000" dirty="0">
-                <a:latin typeface="微軟正黑體" panose="020B0604030504040204" pitchFamily="34" charset="-120"/>
-                <a:ea typeface="微軟正黑體" panose="020B0604030504040204" pitchFamily="34" charset="-120"/>
-              </a:rPr>
-              <a:t> </a:t>
+              <a:t>天</a:t>
             </a:r>
             <a:r>
               <a:rPr lang="zh-TW" altLang="en-US" sz="2000" dirty="0" smtClean="0">
                 <a:latin typeface="微軟正黑體" panose="020B0604030504040204" pitchFamily="34" charset="-120"/>
                 <a:ea typeface="微軟正黑體" panose="020B0604030504040204" pitchFamily="34" charset="-120"/>
               </a:rPr>
-              <a:t>                       </a:t>
-            </a:r>
-            <a:r>
-              <a:rPr lang="zh-TW" altLang="zh-TW" sz="2000" dirty="0" smtClean="0">
-                <a:latin typeface="微軟正黑體" panose="020B0604030504040204" pitchFamily="34" charset="-120"/>
-                <a:ea typeface="微軟正黑體" panose="020B0604030504040204" pitchFamily="34" charset="-120"/>
-              </a:rPr>
-              <a:t>縮</a:t>
-            </a:r>
-            <a:r>
-              <a:rPr lang="zh-TW" altLang="zh-TW" sz="2000" dirty="0">
-                <a:latin typeface="微軟正黑體" panose="020B0604030504040204" pitchFamily="34" charset="-120"/>
-                <a:ea typeface="微軟正黑體" panose="020B0604030504040204" pitchFamily="34" charset="-120"/>
-              </a:rPr>
-              <a:t>短異常釐清時間</a:t>
-            </a:r>
-            <a:r>
-              <a:rPr lang="en-US" altLang="zh-TW" sz="2000" dirty="0">
-                <a:latin typeface="微軟正黑體" panose="020B0604030504040204" pitchFamily="34" charset="-120"/>
-                <a:ea typeface="微軟正黑體" panose="020B0604030504040204" pitchFamily="34" charset="-120"/>
-              </a:rPr>
-              <a:t>~0.5 </a:t>
-            </a:r>
-            <a:r>
-              <a:rPr lang="en-US" altLang="zh-TW" sz="2000" dirty="0" err="1">
-                <a:latin typeface="微軟正黑體" panose="020B0604030504040204" pitchFamily="34" charset="-120"/>
-                <a:ea typeface="微軟正黑體" panose="020B0604030504040204" pitchFamily="34" charset="-120"/>
-              </a:rPr>
-              <a:t>hr</a:t>
-            </a:r>
-            <a:r>
-              <a:rPr lang="en-US" altLang="zh-TW" sz="2000" dirty="0">
-                <a:latin typeface="微軟正黑體" panose="020B0604030504040204" pitchFamily="34" charset="-120"/>
-                <a:ea typeface="微軟正黑體" panose="020B0604030504040204" pitchFamily="34" charset="-120"/>
-              </a:rPr>
-              <a:t> / </a:t>
-            </a:r>
-            <a:r>
-              <a:rPr lang="zh-TW" altLang="zh-TW" sz="2000" dirty="0" smtClean="0">
-                <a:latin typeface="微軟正黑體" panose="020B0604030504040204" pitchFamily="34" charset="-120"/>
-                <a:ea typeface="微軟正黑體" panose="020B0604030504040204" pitchFamily="34" charset="-120"/>
-              </a:rPr>
-              <a:t>次。</a:t>
+              <a:t>。</a:t>
             </a:r>
             <a:endParaRPr lang="en-US" altLang="zh-TW" sz="2000" dirty="0">
               <a:latin typeface="微軟正黑體" panose="020B0604030504040204" pitchFamily="34" charset="-120"/>
@@ -10596,22 +15802,22 @@
         </p:spPr>
         <p:txBody>
           <a:bodyPr>
-            <a:normAutofit fontScale="32500" lnSpcReduction="20000"/>
+            <a:normAutofit/>
           </a:bodyPr>
           <a:lstStyle/>
           <a:p>
             <a:r>
-              <a:rPr lang="zh-TW" altLang="en-US" sz="9800" dirty="0" smtClean="0"/>
+              <a:rPr lang="zh-TW" altLang="en-US" dirty="0"/>
               <a:t>專題執行說明</a:t>
             </a:r>
-            <a:endParaRPr lang="en-US" altLang="zh-TW" sz="9800" dirty="0" smtClean="0"/>
+            <a:endParaRPr lang="en-US" altLang="zh-TW" dirty="0"/>
           </a:p>
           <a:p>
             <a:pPr marL="514350" indent="-514350">
               <a:buAutoNum type="arabicPeriod"/>
             </a:pPr>
             <a:r>
-              <a:rPr lang="zh-TW" altLang="en-US" sz="6000" dirty="0" smtClean="0">
+              <a:rPr lang="zh-TW" altLang="en-US" sz="2000" dirty="0" smtClean="0">
                 <a:solidFill>
                   <a:schemeClr val="tx1">
                     <a:lumMod val="65000"/>
@@ -10619,20 +15825,9 @@
                   </a:schemeClr>
                 </a:solidFill>
               </a:rPr>
-              <a:t>資</a:t>
-            </a:r>
-            <a:r>
-              <a:rPr lang="zh-TW" altLang="en-US" sz="6000" dirty="0" smtClean="0">
-                <a:solidFill>
-                  <a:schemeClr val="tx1">
-                    <a:lumMod val="65000"/>
-                    <a:lumOff val="35000"/>
-                  </a:schemeClr>
-                </a:solidFill>
-              </a:rPr>
-              <a:t>料收集</a:t>
-            </a:r>
-            <a:endParaRPr lang="en-US" altLang="zh-TW" sz="6000" dirty="0" smtClean="0">
+              <a:t>資料收集</a:t>
+            </a:r>
+            <a:endParaRPr lang="en-US" altLang="zh-TW" sz="2000" dirty="0" smtClean="0">
               <a:solidFill>
                 <a:schemeClr val="tx1">
                   <a:lumMod val="65000"/>
@@ -10646,7 +15841,7 @@
               <a:buAutoNum type="arabicPeriod"/>
             </a:pPr>
             <a:r>
-              <a:rPr lang="zh-TW" altLang="en-US" sz="6000" dirty="0" smtClean="0">
+              <a:rPr lang="zh-TW" altLang="en-US" sz="2000" dirty="0" smtClean="0">
                 <a:solidFill>
                   <a:schemeClr val="tx1">
                     <a:lumMod val="65000"/>
@@ -10656,7 +15851,7 @@
               </a:rPr>
               <a:t>資料前處理</a:t>
             </a:r>
-            <a:endParaRPr lang="en-US" altLang="zh-TW" sz="6000" dirty="0" smtClean="0">
+            <a:endParaRPr lang="en-US" altLang="zh-TW" sz="2000" dirty="0" smtClean="0">
               <a:solidFill>
                 <a:schemeClr val="tx1">
                   <a:lumMod val="65000"/>
@@ -10670,7 +15865,7 @@
               <a:buAutoNum type="arabicPeriod"/>
             </a:pPr>
             <a:r>
-              <a:rPr lang="zh-TW" altLang="en-US" sz="6000" dirty="0" smtClean="0">
+              <a:rPr lang="zh-TW" altLang="en-US" sz="2000" dirty="0" smtClean="0">
                 <a:solidFill>
                   <a:schemeClr val="tx1">
                     <a:lumMod val="65000"/>
@@ -10678,9 +15873,9 @@
                   </a:schemeClr>
                 </a:solidFill>
               </a:rPr>
-              <a:t>特徵提取</a:t>
-            </a:r>
-            <a:endParaRPr lang="en-US" altLang="zh-TW" sz="6000" dirty="0" smtClean="0">
+              <a:t>模型建置</a:t>
+            </a:r>
+            <a:endParaRPr lang="en-US" altLang="zh-TW" sz="2000" dirty="0" smtClean="0">
               <a:solidFill>
                 <a:schemeClr val="tx1">
                   <a:lumMod val="65000"/>
@@ -10694,7 +15889,7 @@
               <a:buAutoNum type="arabicPeriod"/>
             </a:pPr>
             <a:r>
-              <a:rPr lang="zh-TW" altLang="en-US" sz="6000" dirty="0" smtClean="0">
+              <a:rPr lang="zh-TW" altLang="en-US" sz="2000" dirty="0" smtClean="0">
                 <a:solidFill>
                   <a:schemeClr val="tx1">
                     <a:lumMod val="65000"/>
@@ -10702,9 +15897,9 @@
                   </a:schemeClr>
                 </a:solidFill>
               </a:rPr>
-              <a:t>特徵篩選</a:t>
-            </a:r>
-            <a:endParaRPr lang="en-US" altLang="zh-TW" sz="6000" dirty="0" smtClean="0">
+              <a:t>模型驗證</a:t>
+            </a:r>
+            <a:endParaRPr lang="en-US" altLang="zh-TW" sz="2000" dirty="0" smtClean="0">
               <a:solidFill>
                 <a:schemeClr val="tx1">
                   <a:lumMod val="65000"/>
@@ -10718,7 +15913,7 @@
               <a:buAutoNum type="arabicPeriod"/>
             </a:pPr>
             <a:r>
-              <a:rPr lang="zh-TW" altLang="en-US" sz="6000" dirty="0" smtClean="0">
+              <a:rPr lang="zh-TW" altLang="en-US" sz="2000" dirty="0" smtClean="0">
                 <a:solidFill>
                   <a:schemeClr val="tx1">
                     <a:lumMod val="65000"/>
@@ -10726,57 +15921,9 @@
                   </a:schemeClr>
                 </a:solidFill>
               </a:rPr>
-              <a:t>模型建置</a:t>
-            </a:r>
-            <a:endParaRPr lang="en-US" altLang="zh-TW" sz="6000" dirty="0" smtClean="0">
-              <a:solidFill>
-                <a:schemeClr val="tx1">
-                  <a:lumMod val="65000"/>
-                  <a:lumOff val="35000"/>
-                </a:schemeClr>
-              </a:solidFill>
-            </a:endParaRPr>
-          </a:p>
-          <a:p>
-            <a:pPr marL="514350" indent="-514350">
-              <a:buAutoNum type="arabicPeriod"/>
-            </a:pPr>
-            <a:r>
-              <a:rPr lang="zh-TW" altLang="en-US" sz="6000" dirty="0" smtClean="0">
-                <a:solidFill>
-                  <a:schemeClr val="tx1">
-                    <a:lumMod val="65000"/>
-                    <a:lumOff val="35000"/>
-                  </a:schemeClr>
-                </a:solidFill>
-              </a:rPr>
-              <a:t>模型驗證</a:t>
-            </a:r>
-            <a:endParaRPr lang="en-US" altLang="zh-TW" sz="6000" dirty="0" smtClean="0">
-              <a:solidFill>
-                <a:schemeClr val="tx1">
-                  <a:lumMod val="65000"/>
-                  <a:lumOff val="35000"/>
-                </a:schemeClr>
-              </a:solidFill>
-            </a:endParaRPr>
-          </a:p>
-          <a:p>
-            <a:pPr marL="514350" indent="-514350">
-              <a:buAutoNum type="arabicPeriod"/>
-            </a:pPr>
-            <a:r>
-              <a:rPr lang="zh-TW" altLang="en-US" sz="6000" dirty="0" smtClean="0">
-                <a:solidFill>
-                  <a:schemeClr val="tx1">
-                    <a:lumMod val="65000"/>
-                    <a:lumOff val="35000"/>
-                  </a:schemeClr>
-                </a:solidFill>
-              </a:rPr>
               <a:t>結果討論</a:t>
             </a:r>
-            <a:endParaRPr lang="en-US" altLang="zh-TW" sz="6000" dirty="0" smtClean="0">
+            <a:endParaRPr lang="en-US" altLang="zh-TW" sz="2000" dirty="0" smtClean="0">
               <a:solidFill>
                 <a:schemeClr val="tx1">
                   <a:lumMod val="65000"/>
@@ -11603,6 +16750,30 @@
           </p:txBody>
         </p:sp>
       </p:grpSp>
+      <p:pic>
+        <p:nvPicPr>
+          <p:cNvPr id="3" name="圖片 2"/>
+          <p:cNvPicPr>
+            <a:picLocks noChangeAspect="1"/>
+          </p:cNvPicPr>
+          <p:nvPr/>
+        </p:nvPicPr>
+        <p:blipFill>
+          <a:blip r:embed="rId9"/>
+          <a:stretch>
+            <a:fillRect/>
+          </a:stretch>
+        </p:blipFill>
+        <p:spPr>
+          <a:xfrm>
+            <a:off x="5674278" y="3189987"/>
+            <a:ext cx="2638519" cy="1538184"/>
+          </a:xfrm>
+          <a:prstGeom prst="rect">
+            <a:avLst/>
+          </a:prstGeom>
+        </p:spPr>
+      </p:pic>
     </p:spTree>
     <p:extLst>
       <p:ext uri="{BB962C8B-B14F-4D97-AF65-F5344CB8AC3E}">

--- a/學以致用_tarmap判讀與預警.pptx
+++ b/學以致用_tarmap判讀與預警.pptx
@@ -5352,12 +5352,6 @@
               </a:rPr>
               <a:t> </a:t>
             </a:r>
-            <a:endParaRPr lang="en-US" altLang="zh-TW" dirty="0">
-              <a:solidFill>
-                <a:srgbClr val="0000FF"/>
-              </a:solidFill>
-              <a:latin typeface="微軟正黑體" panose="020B0604030504040204" pitchFamily="34" charset="-120"/>
-            </a:endParaRPr>
           </a:p>
         </p:txBody>
       </p:sp>
@@ -5477,11 +5471,7 @@
             </a:r>
             <a:r>
               <a:rPr lang="zh-TW" altLang="en-US" dirty="0" smtClean="0"/>
-              <a:t>模</a:t>
-            </a:r>
-            <a:r>
-              <a:rPr lang="zh-TW" altLang="en-US" dirty="0" smtClean="0"/>
-              <a:t>型建置</a:t>
+              <a:t>模型建置</a:t>
             </a:r>
             <a:endParaRPr lang="zh-TW" altLang="en-US" dirty="0"/>
           </a:p>
@@ -6261,7 +6251,7 @@
           <p:cNvPr id="43" name="矩形 42">
             <a:extLst>
               <a:ext uri="{FF2B5EF4-FFF2-40B4-BE49-F238E27FC236}">
-                <a16:creationId xmlns="" xmlns:a16="http://schemas.microsoft.com/office/drawing/2014/main" id="{E8F3926D-CE35-4BD2-B456-4E7241F89FE2}"/>
+                <a16:creationId xmlns:a16="http://schemas.microsoft.com/office/drawing/2014/main" xmlns="" id="{E8F3926D-CE35-4BD2-B456-4E7241F89FE2}"/>
               </a:ext>
             </a:extLst>
           </p:cNvPr>
@@ -6366,11 +6356,7 @@
             </a:r>
             <a:r>
               <a:rPr lang="zh-TW" altLang="en-US" dirty="0"/>
-              <a:t>果與討</a:t>
-            </a:r>
-            <a:r>
-              <a:rPr lang="zh-TW" altLang="en-US" dirty="0"/>
-              <a:t>論</a:t>
+              <a:t>果與討論</a:t>
             </a:r>
             <a:r>
               <a:rPr lang="zh-TW" altLang="en-US" sz="1800" dirty="0" smtClean="0"/>
@@ -7386,7 +7372,6 @@
               <a:rPr lang="zh-TW" altLang="en-US" dirty="0"/>
               <a:t>結果與討論</a:t>
             </a:r>
-            <a:endParaRPr lang="zh-TW" altLang="en-US" dirty="0"/>
           </a:p>
         </p:txBody>
       </p:sp>
@@ -8575,24 +8560,75 @@
           </a:p>
         </p:txBody>
       </p:sp>
+      <p:sp>
+        <p:nvSpPr>
+          <p:cNvPr id="5" name="矩形 4"/>
+          <p:cNvSpPr/>
+          <p:nvPr/>
+        </p:nvSpPr>
+        <p:spPr>
+          <a:xfrm>
+            <a:off x="431540" y="1086585"/>
+            <a:ext cx="6570730" cy="3150350"/>
+          </a:xfrm>
+          <a:prstGeom prst="rect">
+            <a:avLst/>
+          </a:prstGeom>
+          <a:solidFill>
+            <a:srgbClr val="FFFFFF">
+              <a:alpha val="50196"/>
+            </a:srgbClr>
+          </a:solidFill>
+          <a:ln>
+            <a:noFill/>
+          </a:ln>
+        </p:spPr>
+        <p:style>
+          <a:lnRef idx="2">
+            <a:schemeClr val="accent1">
+              <a:shade val="50000"/>
+            </a:schemeClr>
+          </a:lnRef>
+          <a:fillRef idx="1">
+            <a:schemeClr val="accent1"/>
+          </a:fillRef>
+          <a:effectRef idx="0">
+            <a:schemeClr val="accent1"/>
+          </a:effectRef>
+          <a:fontRef idx="minor">
+            <a:schemeClr val="lt1"/>
+          </a:fontRef>
+        </p:style>
+        <p:txBody>
+          <a:bodyPr rtlCol="0" anchor="ctr"/>
+          <a:lstStyle/>
+          <a:p>
+            <a:pPr algn="ctr"/>
+            <a:endParaRPr lang="zh-TW" altLang="en-US"/>
+          </a:p>
+        </p:txBody>
+      </p:sp>
       <p:cxnSp>
         <p:nvCxnSpPr>
-          <p:cNvPr id="57" name="肘形接點 56"/>
+          <p:cNvPr id="24" name="肘形接點 23"/>
           <p:cNvCxnSpPr>
-            <a:stCxn id="45" idx="0"/>
-            <a:endCxn id="58" idx="1"/>
+            <a:endCxn id="25" idx="1"/>
           </p:cNvCxnSpPr>
           <p:nvPr/>
         </p:nvCxnSpPr>
         <p:spPr>
           <a:xfrm rot="5400000" flipH="1" flipV="1">
-            <a:off x="3410478" y="1967638"/>
-            <a:ext cx="1434277" cy="899996"/>
+            <a:off x="3349653" y="2056501"/>
+            <a:ext cx="1296000" cy="836081"/>
           </a:xfrm>
           <a:prstGeom prst="bentConnector2">
             <a:avLst/>
           </a:prstGeom>
           <a:ln>
+            <a:solidFill>
+              <a:srgbClr val="FF0000"/>
+            </a:solidFill>
+            <a:prstDash val="dash"/>
             <a:tailEnd type="triangle"/>
           </a:ln>
         </p:spPr>
@@ -8613,18 +8649,24 @@
       </p:cxnSp>
       <p:sp>
         <p:nvSpPr>
-          <p:cNvPr id="58" name="流程圖: 決策 57"/>
+          <p:cNvPr id="25" name="流程圖: 決策 24"/>
           <p:cNvSpPr/>
           <p:nvPr/>
         </p:nvSpPr>
         <p:spPr>
           <a:xfrm>
-            <a:off x="4577614" y="1367654"/>
+            <a:off x="4415694" y="1493697"/>
             <a:ext cx="1080120" cy="665685"/>
           </a:xfrm>
           <a:prstGeom prst="flowChartDecision">
             <a:avLst/>
           </a:prstGeom>
+          <a:solidFill>
+            <a:srgbClr val="FF0000"/>
+          </a:solidFill>
+          <a:ln>
+            <a:noFill/>
+          </a:ln>
         </p:spPr>
         <p:style>
           <a:lnRef idx="2">
@@ -8647,7 +8689,15 @@
           <a:lstStyle/>
           <a:p>
             <a:pPr algn="ctr"/>
-            <a:endParaRPr lang="zh-TW" altLang="en-US"/>
+            <a:r>
+              <a:rPr lang="en-US" altLang="zh-TW" dirty="0" smtClean="0"/>
+              <a:t>MAP </a:t>
+            </a:r>
+            <a:r>
+              <a:rPr lang="zh-TW" altLang="en-US" dirty="0" smtClean="0"/>
+              <a:t>形狀</a:t>
+            </a:r>
+            <a:endParaRPr lang="zh-TW" altLang="en-US" dirty="0"/>
           </a:p>
         </p:txBody>
       </p:sp>
@@ -12797,7 +12847,7 @@
           <p:cNvPr id="110" name="矩形 109">
             <a:extLst>
               <a:ext uri="{FF2B5EF4-FFF2-40B4-BE49-F238E27FC236}">
-                <a16:creationId xmlns="" xmlns:a16="http://schemas.microsoft.com/office/drawing/2014/main" id="{E8F3926D-CE35-4BD2-B456-4E7241F89FE2}"/>
+                <a16:creationId xmlns:a16="http://schemas.microsoft.com/office/drawing/2014/main" xmlns="" id="{E8F3926D-CE35-4BD2-B456-4E7241F89FE2}"/>
               </a:ext>
             </a:extLst>
           </p:cNvPr>
